--- a/PKL Industri 2020/magang_ppt.pptx
+++ b/PKL Industri 2020/magang_ppt.pptx
@@ -12,8 +12,8 @@
   </p:handoutMasterIdLst>
   <p:sldIdLst>
     <p:sldId id="338" r:id="rId5"/>
-    <p:sldId id="333" r:id="rId6"/>
-    <p:sldId id="349" r:id="rId7"/>
+    <p:sldId id="349" r:id="rId6"/>
+    <p:sldId id="333" r:id="rId7"/>
     <p:sldId id="352" r:id="rId8"/>
     <p:sldId id="354" r:id="rId9"/>
     <p:sldId id="357" r:id="rId10"/>
@@ -10481,404 +10481,6 @@
           <a:chExt cx="0" cy="0"/>
         </a:xfrm>
       </p:grpSpPr>
-      <p:sp>
-        <p:nvSpPr>
-          <p:cNvPr id="12" name="Content Placeholder 11">
-            <a:extLst>
-              <a:ext uri="{FF2B5EF4-FFF2-40B4-BE49-F238E27FC236}">
-                <a16:creationId xmlns:a16="http://schemas.microsoft.com/office/drawing/2014/main" id="{2F06A708-C428-8443-AB48-F60A95FF71FE}"/>
-              </a:ext>
-            </a:extLst>
-          </p:cNvPr>
-          <p:cNvSpPr>
-            <a:spLocks noGrp="1"/>
-          </p:cNvSpPr>
-          <p:nvPr>
-            <p:ph sz="half" idx="1"/>
-          </p:nvPr>
-        </p:nvSpPr>
-        <p:spPr/>
-        <p:txBody>
-          <a:bodyPr>
-            <a:normAutofit/>
-          </a:bodyPr>
-          <a:lstStyle/>
-          <a:p>
-            <a:pPr marL="0" indent="0">
-              <a:buNone/>
-            </a:pPr>
-            <a:r>
-              <a:rPr lang="en-US" dirty="0"/>
-              <a:t>Perusahaan </a:t>
-            </a:r>
-            <a:r>
-              <a:rPr lang="en-US" b="1" dirty="0"/>
-              <a:t>PT. </a:t>
-            </a:r>
-            <a:r>
-              <a:rPr lang="en-US" b="1" dirty="0" err="1"/>
-              <a:t>Xeno</a:t>
-            </a:r>
-            <a:r>
-              <a:rPr lang="en-US" b="1" dirty="0"/>
-              <a:t> </a:t>
-            </a:r>
-            <a:r>
-              <a:rPr lang="en-US" b="1" dirty="0" err="1"/>
-              <a:t>Persada</a:t>
-            </a:r>
-            <a:r>
-              <a:rPr lang="en-US" b="1" dirty="0"/>
-              <a:t> </a:t>
-            </a:r>
-            <a:r>
-              <a:rPr lang="en-US" b="1" dirty="0" err="1"/>
-              <a:t>Teknologi</a:t>
-            </a:r>
-            <a:r>
-              <a:rPr lang="en-US" dirty="0"/>
-              <a:t> yang  </a:t>
-            </a:r>
-            <a:r>
-              <a:rPr lang="en-US" dirty="0" err="1"/>
-              <a:t>kantor</a:t>
-            </a:r>
-            <a:r>
-              <a:rPr lang="en-US" dirty="0"/>
-              <a:t> </a:t>
-            </a:r>
-            <a:r>
-              <a:rPr lang="en-US" dirty="0" err="1"/>
-              <a:t>berada</a:t>
-            </a:r>
-            <a:r>
-              <a:rPr lang="en-US" dirty="0"/>
-              <a:t> di </a:t>
-            </a:r>
-            <a:r>
-              <a:rPr lang="en-US" dirty="0" err="1"/>
-              <a:t>Jl</a:t>
-            </a:r>
-            <a:r>
-              <a:rPr lang="en-US" dirty="0"/>
-              <a:t> </a:t>
-            </a:r>
-            <a:r>
-              <a:rPr lang="en-US" dirty="0" err="1"/>
-              <a:t>Tenggilis</a:t>
-            </a:r>
-            <a:r>
-              <a:rPr lang="en-US" dirty="0"/>
-              <a:t> </a:t>
-            </a:r>
-            <a:r>
-              <a:rPr lang="en-US" dirty="0" err="1"/>
-              <a:t>Mejoyo</a:t>
-            </a:r>
-            <a:r>
-              <a:rPr lang="en-US" dirty="0"/>
-              <a:t> Selatan XI No 4, </a:t>
-            </a:r>
-            <a:r>
-              <a:rPr lang="en-US" dirty="0" err="1"/>
-              <a:t>Kel</a:t>
-            </a:r>
-            <a:r>
-              <a:rPr lang="en-US" dirty="0"/>
-              <a:t>. </a:t>
-            </a:r>
-            <a:r>
-              <a:rPr lang="en-US" dirty="0" err="1"/>
-              <a:t>Tenggilis</a:t>
-            </a:r>
-            <a:r>
-              <a:rPr lang="en-US" dirty="0"/>
-              <a:t> </a:t>
-            </a:r>
-            <a:r>
-              <a:rPr lang="en-US" dirty="0" err="1"/>
-              <a:t>Mejoyo</a:t>
-            </a:r>
-            <a:r>
-              <a:rPr lang="en-US" dirty="0"/>
-              <a:t>, </a:t>
-            </a:r>
-            <a:r>
-              <a:rPr lang="en-US" dirty="0" err="1"/>
-              <a:t>Kec</a:t>
-            </a:r>
-            <a:r>
-              <a:rPr lang="en-US" dirty="0"/>
-              <a:t>. </a:t>
-            </a:r>
-            <a:r>
-              <a:rPr lang="en-US" dirty="0" err="1"/>
-              <a:t>Tenggilis</a:t>
-            </a:r>
-            <a:r>
-              <a:rPr lang="en-US" dirty="0"/>
-              <a:t> </a:t>
-            </a:r>
-            <a:r>
-              <a:rPr lang="en-US" dirty="0" err="1"/>
-              <a:t>Mejoyo</a:t>
-            </a:r>
-            <a:r>
-              <a:rPr lang="en-US" dirty="0"/>
-              <a:t>, Kota Surabaya, </a:t>
-            </a:r>
-            <a:r>
-              <a:rPr lang="en-US" dirty="0" err="1"/>
-              <a:t>Jawa</a:t>
-            </a:r>
-            <a:r>
-              <a:rPr lang="en-US" dirty="0"/>
-              <a:t> Timur 60292.</a:t>
-            </a:r>
-          </a:p>
-          <a:p>
-            <a:pPr marL="0" indent="0">
-              <a:buNone/>
-            </a:pPr>
-            <a:endParaRPr lang="en-US" dirty="0"/>
-          </a:p>
-          <a:p>
-            <a:pPr marL="0" indent="0">
-              <a:buNone/>
-            </a:pPr>
-            <a:r>
-              <a:rPr lang="en-US" dirty="0"/>
-              <a:t>PKL </a:t>
-            </a:r>
-            <a:r>
-              <a:rPr lang="en-US" dirty="0" err="1"/>
-              <a:t>dilaksanakan</a:t>
-            </a:r>
-            <a:r>
-              <a:rPr lang="en-US" dirty="0"/>
-              <a:t> </a:t>
-            </a:r>
-            <a:r>
-              <a:rPr lang="en-US" dirty="0" err="1"/>
-              <a:t>mulai</a:t>
-            </a:r>
-            <a:r>
-              <a:rPr lang="en-US" dirty="0"/>
-              <a:t> </a:t>
-            </a:r>
-            <a:r>
-              <a:rPr lang="en-US" dirty="0" err="1"/>
-              <a:t>tanggal</a:t>
-            </a:r>
-            <a:r>
-              <a:rPr lang="en-US" dirty="0"/>
-              <a:t> </a:t>
-            </a:r>
-            <a:r>
-              <a:rPr lang="en-US" b="1" dirty="0"/>
-              <a:t>28 September </a:t>
-            </a:r>
-            <a:r>
-              <a:rPr lang="en-US" dirty="0"/>
-              <a:t>- </a:t>
-            </a:r>
-            <a:r>
-              <a:rPr lang="en-US" b="1" dirty="0"/>
-              <a:t>24 </a:t>
-            </a:r>
-            <a:r>
-              <a:rPr lang="en-US" b="1" dirty="0" err="1"/>
-              <a:t>Desember</a:t>
-            </a:r>
-            <a:r>
-              <a:rPr lang="en-US" b="1" dirty="0"/>
-              <a:t> 2020</a:t>
-            </a:r>
-            <a:r>
-              <a:rPr lang="en-US" dirty="0"/>
-              <a:t>. </a:t>
-            </a:r>
-            <a:r>
-              <a:rPr lang="en-US" dirty="0" err="1"/>
-              <a:t>Kegiatan</a:t>
-            </a:r>
-            <a:r>
-              <a:rPr lang="en-US" dirty="0"/>
-              <a:t> PKL </a:t>
-            </a:r>
-            <a:r>
-              <a:rPr lang="en-US" dirty="0" err="1"/>
-              <a:t>dilakukan</a:t>
-            </a:r>
-            <a:r>
-              <a:rPr lang="en-US" dirty="0"/>
-              <a:t> pada </a:t>
-            </a:r>
-            <a:r>
-              <a:rPr lang="en-US" dirty="0" err="1"/>
-              <a:t>hari</a:t>
-            </a:r>
-            <a:r>
-              <a:rPr lang="en-US" dirty="0"/>
-              <a:t> </a:t>
-            </a:r>
-            <a:r>
-              <a:rPr lang="en-US" dirty="0" err="1"/>
-              <a:t>kerja</a:t>
-            </a:r>
-            <a:r>
-              <a:rPr lang="en-US" dirty="0"/>
-              <a:t> (</a:t>
-            </a:r>
-            <a:r>
-              <a:rPr lang="en-US" dirty="0" err="1"/>
-              <a:t>Senin</a:t>
-            </a:r>
-            <a:r>
-              <a:rPr lang="en-US" dirty="0"/>
-              <a:t> – </a:t>
-            </a:r>
-            <a:r>
-              <a:rPr lang="en-US" dirty="0" err="1"/>
-              <a:t>Jumat</a:t>
-            </a:r>
-            <a:r>
-              <a:rPr lang="en-US" dirty="0"/>
-              <a:t>) pada </a:t>
-            </a:r>
-            <a:r>
-              <a:rPr lang="en-US" dirty="0" err="1"/>
-              <a:t>pukul</a:t>
-            </a:r>
-            <a:r>
-              <a:rPr lang="en-US" dirty="0"/>
-              <a:t> 08.30 </a:t>
-            </a:r>
-            <a:r>
-              <a:rPr lang="en-US" dirty="0" err="1"/>
-              <a:t>hingga</a:t>
-            </a:r>
-            <a:r>
-              <a:rPr lang="en-US" dirty="0"/>
-              <a:t> </a:t>
-            </a:r>
-            <a:r>
-              <a:rPr lang="en-US" dirty="0" err="1"/>
-              <a:t>pukul</a:t>
-            </a:r>
-            <a:r>
-              <a:rPr lang="en-US" dirty="0"/>
-              <a:t> 17.00. </a:t>
-            </a:r>
-          </a:p>
-        </p:txBody>
-      </p:sp>
-      <p:sp>
-        <p:nvSpPr>
-          <p:cNvPr id="11" name="Title 10">
-            <a:extLst>
-              <a:ext uri="{FF2B5EF4-FFF2-40B4-BE49-F238E27FC236}">
-                <a16:creationId xmlns:a16="http://schemas.microsoft.com/office/drawing/2014/main" id="{09B206E8-59BD-1B4C-8912-9A0443F96A4F}"/>
-              </a:ext>
-            </a:extLst>
-          </p:cNvPr>
-          <p:cNvSpPr>
-            <a:spLocks noGrp="1"/>
-          </p:cNvSpPr>
-          <p:nvPr>
-            <p:ph type="title"/>
-          </p:nvPr>
-        </p:nvSpPr>
-        <p:spPr/>
-        <p:txBody>
-          <a:bodyPr/>
-          <a:lstStyle/>
-          <a:p>
-            <a:r>
-              <a:rPr lang="en-US" dirty="0">
-                <a:sym typeface="Bodoni SvtyTwo ITC TT-Book"/>
-              </a:rPr>
-              <a:t>Lokasi dan </a:t>
-            </a:r>
-            <a:r>
-              <a:rPr lang="en-US" dirty="0" err="1">
-                <a:sym typeface="Bodoni SvtyTwo ITC TT-Book"/>
-              </a:rPr>
-              <a:t>Jadwal</a:t>
-            </a:r>
-            <a:r>
-              <a:rPr lang="en-US" dirty="0">
-                <a:sym typeface="Bodoni SvtyTwo ITC TT-Book"/>
-              </a:rPr>
-              <a:t> </a:t>
-            </a:r>
-            <a:r>
-              <a:rPr lang="en-US" dirty="0" err="1">
-                <a:sym typeface="Bodoni SvtyTwo ITC TT-Book"/>
-              </a:rPr>
-              <a:t>Kerja</a:t>
-            </a:r>
-            <a:endParaRPr lang="en-US" dirty="0">
-              <a:sym typeface="Bodoni SvtyTwo ITC TT-Book"/>
-            </a:endParaRPr>
-          </a:p>
-        </p:txBody>
-      </p:sp>
-      <p:pic>
-        <p:nvPicPr>
-          <p:cNvPr id="17" name="Picture Placeholder 16">
-            <a:extLst>
-              <a:ext uri="{FF2B5EF4-FFF2-40B4-BE49-F238E27FC236}">
-                <a16:creationId xmlns:a16="http://schemas.microsoft.com/office/drawing/2014/main" id="{56CB5C84-84C7-4F3D-94A7-4BB55B25602E}"/>
-              </a:ext>
-            </a:extLst>
-          </p:cNvPr>
-          <p:cNvPicPr>
-            <a:picLocks noGrp="1" noChangeAspect="1"/>
-          </p:cNvPicPr>
-          <p:nvPr>
-            <p:ph type="pic" sz="quarter" idx="13"/>
-          </p:nvPr>
-        </p:nvPicPr>
-        <p:blipFill>
-          <a:blip r:embed="rId2"/>
-          <a:srcRect t="146" b="146"/>
-          <a:stretch>
-            <a:fillRect/>
-          </a:stretch>
-        </p:blipFill>
-        <p:spPr/>
-      </p:pic>
-    </p:spTree>
-    <p:extLst>
-      <p:ext uri="{BB962C8B-B14F-4D97-AF65-F5344CB8AC3E}">
-        <p14:creationId xmlns:p14="http://schemas.microsoft.com/office/powerpoint/2010/main" val="3793086257"/>
-      </p:ext>
-    </p:extLst>
-  </p:cSld>
-  <p:clrMapOvr>
-    <a:masterClrMapping/>
-  </p:clrMapOvr>
-</p:sld>
-</file>
-
-<file path=ppt/slides/slide3.xml><?xml version="1.0" encoding="utf-8"?>
-<p:sld xmlns:a="http://schemas.openxmlformats.org/drawingml/2006/main" xmlns:r="http://schemas.openxmlformats.org/officeDocument/2006/relationships" xmlns:p="http://schemas.openxmlformats.org/presentationml/2006/main">
-  <p:cSld>
-    <p:spTree>
-      <p:nvGrpSpPr>
-        <p:cNvPr id="1" name=""/>
-        <p:cNvGrpSpPr/>
-        <p:nvPr/>
-      </p:nvGrpSpPr>
-      <p:grpSpPr>
-        <a:xfrm>
-          <a:off x="0" y="0"/>
-          <a:ext cx="0" cy="0"/>
-          <a:chOff x="0" y="0"/>
-          <a:chExt cx="0" cy="0"/>
-        </a:xfrm>
-      </p:grpSpPr>
       <p:pic>
         <p:nvPicPr>
           <p:cNvPr id="8" name="Content Placeholder 7">
@@ -12711,7 +12313,7 @@
             </a:pPr>
             <a:r>
               <a:rPr lang="fi-FI" sz="1400" dirty="0"/>
-              <a:t>Aplikasi untuk tes kemampuan pribadi meliputi</a:t>
+              <a:t>Aplikasi untuk tes kemampuan pribadi</a:t>
             </a:r>
             <a:endParaRPr lang="id-ID" sz="1400" dirty="0"/>
           </a:p>
@@ -12808,6 +12410,404 @@
     <p:extLst>
       <p:ext uri="{BB962C8B-B14F-4D97-AF65-F5344CB8AC3E}">
         <p14:creationId xmlns:p14="http://schemas.microsoft.com/office/powerpoint/2010/main" val="712547671"/>
+      </p:ext>
+    </p:extLst>
+  </p:cSld>
+  <p:clrMapOvr>
+    <a:masterClrMapping/>
+  </p:clrMapOvr>
+</p:sld>
+</file>
+
+<file path=ppt/slides/slide3.xml><?xml version="1.0" encoding="utf-8"?>
+<p:sld xmlns:a="http://schemas.openxmlformats.org/drawingml/2006/main" xmlns:r="http://schemas.openxmlformats.org/officeDocument/2006/relationships" xmlns:p="http://schemas.openxmlformats.org/presentationml/2006/main">
+  <p:cSld>
+    <p:spTree>
+      <p:nvGrpSpPr>
+        <p:cNvPr id="1" name=""/>
+        <p:cNvGrpSpPr/>
+        <p:nvPr/>
+      </p:nvGrpSpPr>
+      <p:grpSpPr>
+        <a:xfrm>
+          <a:off x="0" y="0"/>
+          <a:ext cx="0" cy="0"/>
+          <a:chOff x="0" y="0"/>
+          <a:chExt cx="0" cy="0"/>
+        </a:xfrm>
+      </p:grpSpPr>
+      <p:sp>
+        <p:nvSpPr>
+          <p:cNvPr id="12" name="Content Placeholder 11">
+            <a:extLst>
+              <a:ext uri="{FF2B5EF4-FFF2-40B4-BE49-F238E27FC236}">
+                <a16:creationId xmlns:a16="http://schemas.microsoft.com/office/drawing/2014/main" id="{2F06A708-C428-8443-AB48-F60A95FF71FE}"/>
+              </a:ext>
+            </a:extLst>
+          </p:cNvPr>
+          <p:cNvSpPr>
+            <a:spLocks noGrp="1"/>
+          </p:cNvSpPr>
+          <p:nvPr>
+            <p:ph sz="half" idx="1"/>
+          </p:nvPr>
+        </p:nvSpPr>
+        <p:spPr/>
+        <p:txBody>
+          <a:bodyPr>
+            <a:normAutofit/>
+          </a:bodyPr>
+          <a:lstStyle/>
+          <a:p>
+            <a:pPr marL="0" indent="0">
+              <a:buNone/>
+            </a:pPr>
+            <a:r>
+              <a:rPr lang="en-US" dirty="0"/>
+              <a:t>Perusahaan </a:t>
+            </a:r>
+            <a:r>
+              <a:rPr lang="en-US" b="1" dirty="0"/>
+              <a:t>PT. </a:t>
+            </a:r>
+            <a:r>
+              <a:rPr lang="en-US" b="1" dirty="0" err="1"/>
+              <a:t>Xeno</a:t>
+            </a:r>
+            <a:r>
+              <a:rPr lang="en-US" b="1" dirty="0"/>
+              <a:t> </a:t>
+            </a:r>
+            <a:r>
+              <a:rPr lang="en-US" b="1" dirty="0" err="1"/>
+              <a:t>Persada</a:t>
+            </a:r>
+            <a:r>
+              <a:rPr lang="en-US" b="1" dirty="0"/>
+              <a:t> </a:t>
+            </a:r>
+            <a:r>
+              <a:rPr lang="en-US" b="1" dirty="0" err="1"/>
+              <a:t>Teknologi</a:t>
+            </a:r>
+            <a:r>
+              <a:rPr lang="en-US" dirty="0"/>
+              <a:t> yang  </a:t>
+            </a:r>
+            <a:r>
+              <a:rPr lang="en-US" dirty="0" err="1"/>
+              <a:t>kantor</a:t>
+            </a:r>
+            <a:r>
+              <a:rPr lang="en-US" dirty="0"/>
+              <a:t> </a:t>
+            </a:r>
+            <a:r>
+              <a:rPr lang="en-US" dirty="0" err="1"/>
+              <a:t>berada</a:t>
+            </a:r>
+            <a:r>
+              <a:rPr lang="en-US" dirty="0"/>
+              <a:t> di </a:t>
+            </a:r>
+            <a:r>
+              <a:rPr lang="en-US" dirty="0" err="1"/>
+              <a:t>Jl</a:t>
+            </a:r>
+            <a:r>
+              <a:rPr lang="en-US" dirty="0"/>
+              <a:t> </a:t>
+            </a:r>
+            <a:r>
+              <a:rPr lang="en-US" dirty="0" err="1"/>
+              <a:t>Tenggilis</a:t>
+            </a:r>
+            <a:r>
+              <a:rPr lang="en-US" dirty="0"/>
+              <a:t> </a:t>
+            </a:r>
+            <a:r>
+              <a:rPr lang="en-US" dirty="0" err="1"/>
+              <a:t>Mejoyo</a:t>
+            </a:r>
+            <a:r>
+              <a:rPr lang="en-US" dirty="0"/>
+              <a:t> Selatan XI No 4, </a:t>
+            </a:r>
+            <a:r>
+              <a:rPr lang="en-US" dirty="0" err="1"/>
+              <a:t>Kel</a:t>
+            </a:r>
+            <a:r>
+              <a:rPr lang="en-US" dirty="0"/>
+              <a:t>. </a:t>
+            </a:r>
+            <a:r>
+              <a:rPr lang="en-US" dirty="0" err="1"/>
+              <a:t>Tenggilis</a:t>
+            </a:r>
+            <a:r>
+              <a:rPr lang="en-US" dirty="0"/>
+              <a:t> </a:t>
+            </a:r>
+            <a:r>
+              <a:rPr lang="en-US" dirty="0" err="1"/>
+              <a:t>Mejoyo</a:t>
+            </a:r>
+            <a:r>
+              <a:rPr lang="en-US" dirty="0"/>
+              <a:t>, </a:t>
+            </a:r>
+            <a:r>
+              <a:rPr lang="en-US" dirty="0" err="1"/>
+              <a:t>Kec</a:t>
+            </a:r>
+            <a:r>
+              <a:rPr lang="en-US" dirty="0"/>
+              <a:t>. </a:t>
+            </a:r>
+            <a:r>
+              <a:rPr lang="en-US" dirty="0" err="1"/>
+              <a:t>Tenggilis</a:t>
+            </a:r>
+            <a:r>
+              <a:rPr lang="en-US" dirty="0"/>
+              <a:t> </a:t>
+            </a:r>
+            <a:r>
+              <a:rPr lang="en-US" dirty="0" err="1"/>
+              <a:t>Mejoyo</a:t>
+            </a:r>
+            <a:r>
+              <a:rPr lang="en-US" dirty="0"/>
+              <a:t>, Kota Surabaya, </a:t>
+            </a:r>
+            <a:r>
+              <a:rPr lang="en-US" dirty="0" err="1"/>
+              <a:t>Jawa</a:t>
+            </a:r>
+            <a:r>
+              <a:rPr lang="en-US" dirty="0"/>
+              <a:t> Timur 60292.</a:t>
+            </a:r>
+          </a:p>
+          <a:p>
+            <a:pPr marL="0" indent="0">
+              <a:buNone/>
+            </a:pPr>
+            <a:endParaRPr lang="en-US" dirty="0"/>
+          </a:p>
+          <a:p>
+            <a:pPr marL="0" indent="0">
+              <a:buNone/>
+            </a:pPr>
+            <a:r>
+              <a:rPr lang="en-US" dirty="0"/>
+              <a:t>PKL </a:t>
+            </a:r>
+            <a:r>
+              <a:rPr lang="en-US" dirty="0" err="1"/>
+              <a:t>dilaksanakan</a:t>
+            </a:r>
+            <a:r>
+              <a:rPr lang="en-US" dirty="0"/>
+              <a:t> </a:t>
+            </a:r>
+            <a:r>
+              <a:rPr lang="en-US" dirty="0" err="1"/>
+              <a:t>mulai</a:t>
+            </a:r>
+            <a:r>
+              <a:rPr lang="en-US" dirty="0"/>
+              <a:t> </a:t>
+            </a:r>
+            <a:r>
+              <a:rPr lang="en-US" dirty="0" err="1"/>
+              <a:t>tanggal</a:t>
+            </a:r>
+            <a:r>
+              <a:rPr lang="en-US" dirty="0"/>
+              <a:t> </a:t>
+            </a:r>
+            <a:r>
+              <a:rPr lang="en-US" b="1" dirty="0"/>
+              <a:t>28 September </a:t>
+            </a:r>
+            <a:r>
+              <a:rPr lang="en-US" dirty="0"/>
+              <a:t>- </a:t>
+            </a:r>
+            <a:r>
+              <a:rPr lang="en-US" b="1" dirty="0"/>
+              <a:t>24 </a:t>
+            </a:r>
+            <a:r>
+              <a:rPr lang="en-US" b="1" dirty="0" err="1"/>
+              <a:t>Desember</a:t>
+            </a:r>
+            <a:r>
+              <a:rPr lang="en-US" b="1" dirty="0"/>
+              <a:t> 2020</a:t>
+            </a:r>
+            <a:r>
+              <a:rPr lang="en-US" dirty="0"/>
+              <a:t>. </a:t>
+            </a:r>
+            <a:r>
+              <a:rPr lang="en-US" dirty="0" err="1"/>
+              <a:t>Kegiatan</a:t>
+            </a:r>
+            <a:r>
+              <a:rPr lang="en-US" dirty="0"/>
+              <a:t> PKL </a:t>
+            </a:r>
+            <a:r>
+              <a:rPr lang="en-US" dirty="0" err="1"/>
+              <a:t>dilakukan</a:t>
+            </a:r>
+            <a:r>
+              <a:rPr lang="en-US" dirty="0"/>
+              <a:t> pada </a:t>
+            </a:r>
+            <a:r>
+              <a:rPr lang="en-US" dirty="0" err="1"/>
+              <a:t>hari</a:t>
+            </a:r>
+            <a:r>
+              <a:rPr lang="en-US" dirty="0"/>
+              <a:t> </a:t>
+            </a:r>
+            <a:r>
+              <a:rPr lang="en-US" dirty="0" err="1"/>
+              <a:t>kerja</a:t>
+            </a:r>
+            <a:r>
+              <a:rPr lang="en-US" dirty="0"/>
+              <a:t> (</a:t>
+            </a:r>
+            <a:r>
+              <a:rPr lang="en-US" dirty="0" err="1"/>
+              <a:t>Senin</a:t>
+            </a:r>
+            <a:r>
+              <a:rPr lang="en-US" dirty="0"/>
+              <a:t> – </a:t>
+            </a:r>
+            <a:r>
+              <a:rPr lang="en-US" dirty="0" err="1"/>
+              <a:t>Jumat</a:t>
+            </a:r>
+            <a:r>
+              <a:rPr lang="en-US" dirty="0"/>
+              <a:t>) pada </a:t>
+            </a:r>
+            <a:r>
+              <a:rPr lang="en-US" dirty="0" err="1"/>
+              <a:t>pukul</a:t>
+            </a:r>
+            <a:r>
+              <a:rPr lang="en-US" dirty="0"/>
+              <a:t> 08.30 </a:t>
+            </a:r>
+            <a:r>
+              <a:rPr lang="en-US" dirty="0" err="1"/>
+              <a:t>hingga</a:t>
+            </a:r>
+            <a:r>
+              <a:rPr lang="en-US" dirty="0"/>
+              <a:t> </a:t>
+            </a:r>
+            <a:r>
+              <a:rPr lang="en-US" dirty="0" err="1"/>
+              <a:t>pukul</a:t>
+            </a:r>
+            <a:r>
+              <a:rPr lang="en-US" dirty="0"/>
+              <a:t> 17.00. </a:t>
+            </a:r>
+          </a:p>
+        </p:txBody>
+      </p:sp>
+      <p:sp>
+        <p:nvSpPr>
+          <p:cNvPr id="11" name="Title 10">
+            <a:extLst>
+              <a:ext uri="{FF2B5EF4-FFF2-40B4-BE49-F238E27FC236}">
+                <a16:creationId xmlns:a16="http://schemas.microsoft.com/office/drawing/2014/main" id="{09B206E8-59BD-1B4C-8912-9A0443F96A4F}"/>
+              </a:ext>
+            </a:extLst>
+          </p:cNvPr>
+          <p:cNvSpPr>
+            <a:spLocks noGrp="1"/>
+          </p:cNvSpPr>
+          <p:nvPr>
+            <p:ph type="title"/>
+          </p:nvPr>
+        </p:nvSpPr>
+        <p:spPr/>
+        <p:txBody>
+          <a:bodyPr/>
+          <a:lstStyle/>
+          <a:p>
+            <a:r>
+              <a:rPr lang="en-US" dirty="0">
+                <a:sym typeface="Bodoni SvtyTwo ITC TT-Book"/>
+              </a:rPr>
+              <a:t>Lokasi dan </a:t>
+            </a:r>
+            <a:r>
+              <a:rPr lang="en-US" dirty="0" err="1">
+                <a:sym typeface="Bodoni SvtyTwo ITC TT-Book"/>
+              </a:rPr>
+              <a:t>Jadwal</a:t>
+            </a:r>
+            <a:r>
+              <a:rPr lang="en-US" dirty="0">
+                <a:sym typeface="Bodoni SvtyTwo ITC TT-Book"/>
+              </a:rPr>
+              <a:t> </a:t>
+            </a:r>
+            <a:r>
+              <a:rPr lang="en-US" dirty="0" err="1">
+                <a:sym typeface="Bodoni SvtyTwo ITC TT-Book"/>
+              </a:rPr>
+              <a:t>Kerja</a:t>
+            </a:r>
+            <a:endParaRPr lang="en-US" dirty="0">
+              <a:sym typeface="Bodoni SvtyTwo ITC TT-Book"/>
+            </a:endParaRPr>
+          </a:p>
+        </p:txBody>
+      </p:sp>
+      <p:pic>
+        <p:nvPicPr>
+          <p:cNvPr id="17" name="Picture Placeholder 16">
+            <a:extLst>
+              <a:ext uri="{FF2B5EF4-FFF2-40B4-BE49-F238E27FC236}">
+                <a16:creationId xmlns:a16="http://schemas.microsoft.com/office/drawing/2014/main" id="{56CB5C84-84C7-4F3D-94A7-4BB55B25602E}"/>
+              </a:ext>
+            </a:extLst>
+          </p:cNvPr>
+          <p:cNvPicPr>
+            <a:picLocks noGrp="1" noChangeAspect="1"/>
+          </p:cNvPicPr>
+          <p:nvPr>
+            <p:ph type="pic" sz="quarter" idx="13"/>
+          </p:nvPr>
+        </p:nvPicPr>
+        <p:blipFill>
+          <a:blip r:embed="rId2"/>
+          <a:srcRect t="146" b="146"/>
+          <a:stretch>
+            <a:fillRect/>
+          </a:stretch>
+        </p:blipFill>
+        <p:spPr/>
+      </p:pic>
+    </p:spTree>
+    <p:extLst>
+      <p:ext uri="{BB962C8B-B14F-4D97-AF65-F5344CB8AC3E}">
+        <p14:creationId xmlns:p14="http://schemas.microsoft.com/office/powerpoint/2010/main" val="3793086257"/>
       </p:ext>
     </p:extLst>
   </p:cSld>
@@ -15911,24 +15911,6 @@
 </file>
 
 <file path=customXml/item1.xml><?xml version="1.0" encoding="utf-8"?>
-<?mso-contentType ?>
-<FormTemplates xmlns="http://schemas.microsoft.com/sharepoint/v3/contenttype/forms">
-  <Display>DocumentLibraryForm</Display>
-  <Edit>DocumentLibraryForm</Edit>
-  <New>DocumentLibraryForm</New>
-</FormTemplates>
-</file>
-
-<file path=customXml/item2.xml><?xml version="1.0" encoding="utf-8"?>
-<p:properties xmlns:p="http://schemas.microsoft.com/office/2006/metadata/properties" xmlns:xsi="http://www.w3.org/2001/XMLSchema-instance" xmlns:pc="http://schemas.microsoft.com/office/infopath/2007/PartnerControls">
-  <documentManagement>
-    <Status xmlns="71af3243-3dd4-4a8d-8c0d-dd76da1f02a5">Not started</Status>
-    <MediaServiceKeyPoints xmlns="71af3243-3dd4-4a8d-8c0d-dd76da1f02a5" xsi:nil="true"/>
-  </documentManagement>
-</p:properties>
-</file>
-
-<file path=customXml/item3.xml><?xml version="1.0" encoding="utf-8"?>
 <ct:contentTypeSchema xmlns:ct="http://schemas.microsoft.com/office/2006/metadata/contentType" xmlns:ma="http://schemas.microsoft.com/office/2006/metadata/properties/metaAttributes" ct:_="" ma:_="" ma:contentTypeName="Document" ma:contentTypeID="0x01010079F111ED35F8CC479449609E8A0923A6" ma:contentTypeVersion="12" ma:contentTypeDescription="Create a new document." ma:contentTypeScope="" ma:versionID="b385d60f68dd989dca1fdc827799d853">
   <xsd:schema xmlns:xsd="http://www.w3.org/2001/XMLSchema" xmlns:xs="http://www.w3.org/2001/XMLSchema" xmlns:p="http://schemas.microsoft.com/office/2006/metadata/properties" xmlns:ns2="71af3243-3dd4-4a8d-8c0d-dd76da1f02a5" xmlns:ns3="16c05727-aa75-4e4a-9b5f-8a80a1165891" targetNamespace="http://schemas.microsoft.com/office/2006/metadata/properties" ma:root="true" ma:fieldsID="1911b479caf7b199da365455750e4572" ns2:_="" ns3:_="">
     <xsd:import namespace="71af3243-3dd4-4a8d-8c0d-dd76da1f02a5"/>
@@ -16149,25 +16131,25 @@
 </ct:contentTypeSchema>
 </file>
 
-<file path=customXml/itemProps1.xml><?xml version="1.0" encoding="utf-8"?>
-<ds:datastoreItem xmlns:ds="http://schemas.openxmlformats.org/officeDocument/2006/customXml" ds:itemID="{8435A0B9-5F49-415F-9BEE-591FDACE98D1}">
-  <ds:schemaRefs>
-    <ds:schemaRef ds:uri="http://schemas.microsoft.com/sharepoint/v3/contenttype/forms"/>
-  </ds:schemaRefs>
-</ds:datastoreItem>
+<file path=customXml/item2.xml><?xml version="1.0" encoding="utf-8"?>
+<p:properties xmlns:p="http://schemas.microsoft.com/office/2006/metadata/properties" xmlns:xsi="http://www.w3.org/2001/XMLSchema-instance" xmlns:pc="http://schemas.microsoft.com/office/infopath/2007/PartnerControls">
+  <documentManagement>
+    <Status xmlns="71af3243-3dd4-4a8d-8c0d-dd76da1f02a5">Not started</Status>
+    <MediaServiceKeyPoints xmlns="71af3243-3dd4-4a8d-8c0d-dd76da1f02a5" xsi:nil="true"/>
+  </documentManagement>
+</p:properties>
 </file>
 
-<file path=customXml/itemProps2.xml><?xml version="1.0" encoding="utf-8"?>
-<ds:datastoreItem xmlns:ds="http://schemas.openxmlformats.org/officeDocument/2006/customXml" ds:itemID="{ADC43B05-D266-4257-98DE-FF9D8CEDAE76}">
-  <ds:schemaRefs>
-    <ds:schemaRef ds:uri="http://schemas.microsoft.com/office/2006/metadata/properties"/>
-    <ds:schemaRef ds:uri="http://schemas.microsoft.com/office/infopath/2007/PartnerControls"/>
-    <ds:schemaRef ds:uri="71af3243-3dd4-4a8d-8c0d-dd76da1f02a5"/>
-  </ds:schemaRefs>
-</ds:datastoreItem>
+<file path=customXml/item3.xml><?xml version="1.0" encoding="utf-8"?>
+<?mso-contentType ?>
+<FormTemplates xmlns="http://schemas.microsoft.com/sharepoint/v3/contenttype/forms">
+  <Display>DocumentLibraryForm</Display>
+  <Edit>DocumentLibraryForm</Edit>
+  <New>DocumentLibraryForm</New>
+</FormTemplates>
 </file>
 
-<file path=customXml/itemProps3.xml><?xml version="1.0" encoding="utf-8"?>
+<file path=customXml/itemProps1.xml><?xml version="1.0" encoding="utf-8"?>
 <ds:datastoreItem xmlns:ds="http://schemas.openxmlformats.org/officeDocument/2006/customXml" ds:itemID="{EB17DF47-B23F-4BE1-BFEA-606A2B278818}">
   <ds:schemaRefs>
     <ds:schemaRef ds:uri="http://schemas.microsoft.com/office/2006/metadata/contentType"/>
@@ -16184,4 +16166,22 @@
     <ds:schemaRef ds:uri="http://schemas.microsoft.com/internal/obd"/>
   </ds:schemaRefs>
 </ds:datastoreItem>
+</file>
+
+<file path=customXml/itemProps2.xml><?xml version="1.0" encoding="utf-8"?>
+<ds:datastoreItem xmlns:ds="http://schemas.openxmlformats.org/officeDocument/2006/customXml" ds:itemID="{ADC43B05-D266-4257-98DE-FF9D8CEDAE76}">
+  <ds:schemaRefs>
+    <ds:schemaRef ds:uri="http://schemas.microsoft.com/office/2006/metadata/properties"/>
+    <ds:schemaRef ds:uri="http://schemas.microsoft.com/office/infopath/2007/PartnerControls"/>
+    <ds:schemaRef ds:uri="71af3243-3dd4-4a8d-8c0d-dd76da1f02a5"/>
+  </ds:schemaRefs>
+</ds:datastoreItem>
+</file>
+
+<file path=customXml/itemProps3.xml><?xml version="1.0" encoding="utf-8"?>
+<ds:datastoreItem xmlns:ds="http://schemas.openxmlformats.org/officeDocument/2006/customXml" ds:itemID="{8435A0B9-5F49-415F-9BEE-591FDACE98D1}">
+  <ds:schemaRefs>
+    <ds:schemaRef ds:uri="http://schemas.microsoft.com/sharepoint/v3/contenttype/forms"/>
+  </ds:schemaRefs>
+</ds:datastoreItem>
 </file>
--- a/PKL Industri 2020/magang_ppt.pptx
+++ b/PKL Industri 2020/magang_ppt.pptx
@@ -5,10 +5,10 @@
     <p:sldMasterId id="2147483685" r:id="rId4"/>
   </p:sldMasterIdLst>
   <p:notesMasterIdLst>
-    <p:notesMasterId r:id="rId13"/>
+    <p:notesMasterId r:id="rId22"/>
   </p:notesMasterIdLst>
   <p:handoutMasterIdLst>
-    <p:handoutMasterId r:id="rId14"/>
+    <p:handoutMasterId r:id="rId23"/>
   </p:handoutMasterIdLst>
   <p:sldIdLst>
     <p:sldId id="338" r:id="rId5"/>
@@ -18,7 +18,16 @@
     <p:sldId id="354" r:id="rId9"/>
     <p:sldId id="357" r:id="rId10"/>
     <p:sldId id="339" r:id="rId11"/>
-    <p:sldId id="355" r:id="rId12"/>
+    <p:sldId id="358" r:id="rId12"/>
+    <p:sldId id="361" r:id="rId13"/>
+    <p:sldId id="362" r:id="rId14"/>
+    <p:sldId id="363" r:id="rId15"/>
+    <p:sldId id="364" r:id="rId16"/>
+    <p:sldId id="365" r:id="rId17"/>
+    <p:sldId id="366" r:id="rId18"/>
+    <p:sldId id="367" r:id="rId19"/>
+    <p:sldId id="368" r:id="rId20"/>
+    <p:sldId id="355" r:id="rId21"/>
   </p:sldIdLst>
   <p:sldSz cx="12192000" cy="6858000"/>
   <p:notesSz cx="6858000" cy="9144000"/>
@@ -2908,7 +2917,7 @@
           <a:p>
             <a:fld id="{BB37BDEB-D08A-4BCC-82C3-65677B6346BB}" type="datetimeFigureOut">
               <a:rPr lang="en-US" smtClean="0"/>
-              <a:t>2/3/2021</a:t>
+              <a:t>2/4/2021</a:t>
             </a:fld>
             <a:endParaRPr lang="en-US"/>
           </a:p>
@@ -3085,7 +3094,7 @@
           <a:p>
             <a:fld id="{D64182BB-4E27-4552-8EE4-33C8EF731305}" type="datetimeFigureOut">
               <a:rPr lang="en-US" smtClean="0"/>
-              <a:t>2/3/2021</a:t>
+              <a:t>2/4/2021</a:t>
             </a:fld>
             <a:endParaRPr lang="en-US"/>
           </a:p>
@@ -3590,7 +3599,7 @@
           <a:p>
             <a:fld id="{ED291B17-9318-49DB-B28B-6E5994AE9581}" type="datetime1">
               <a:rPr lang="en-US" smtClean="0"/>
-              <a:t>2/3/2021</a:t>
+              <a:t>2/4/2021</a:t>
             </a:fld>
             <a:endParaRPr lang="en-US" dirty="0"/>
           </a:p>
@@ -3749,7 +3758,7 @@
           <a:p>
             <a:fld id="{4EDE50D6-574B-40AF-946F-D52A04ADE379}" type="datetime1">
               <a:rPr lang="en-US" smtClean="0"/>
-              <a:t>2/3/2021</a:t>
+              <a:t>2/4/2021</a:t>
             </a:fld>
             <a:endParaRPr lang="en-US" dirty="0"/>
           </a:p>
@@ -4161,7 +4170,7 @@
           <a:p>
             <a:fld id="{4EDE50D6-574B-40AF-946F-D52A04ADE379}" type="datetime1">
               <a:rPr lang="en-US" smtClean="0"/>
-              <a:t>2/3/2021</a:t>
+              <a:t>2/4/2021</a:t>
             </a:fld>
             <a:endParaRPr lang="en-US" dirty="0"/>
           </a:p>
@@ -4637,7 +4646,7 @@
           <a:p>
             <a:fld id="{4EDE50D6-574B-40AF-946F-D52A04ADE379}" type="datetime1">
               <a:rPr lang="en-US" smtClean="0"/>
-              <a:t>2/3/2021</a:t>
+              <a:t>2/4/2021</a:t>
             </a:fld>
             <a:endParaRPr lang="en-US" dirty="0"/>
           </a:p>
@@ -5086,7 +5095,7 @@
           <a:p>
             <a:fld id="{4EDE50D6-574B-40AF-946F-D52A04ADE379}" type="datetime1">
               <a:rPr lang="en-US" smtClean="0"/>
-              <a:t>2/3/2021</a:t>
+              <a:t>2/4/2021</a:t>
             </a:fld>
             <a:endParaRPr lang="en-US" dirty="0"/>
           </a:p>
@@ -5318,7 +5327,7 @@
           <a:p>
             <a:fld id="{4EDE50D6-574B-40AF-946F-D52A04ADE379}" type="datetime1">
               <a:rPr lang="en-US" noProof="0" smtClean="0"/>
-              <a:t>2/3/2021</a:t>
+              <a:t>2/4/2021</a:t>
             </a:fld>
             <a:endParaRPr lang="en-US" noProof="0"/>
           </a:p>
@@ -6016,7 +6025,7 @@
           <a:p>
             <a:fld id="{4EDE50D6-574B-40AF-946F-D52A04ADE379}" type="datetime1">
               <a:rPr lang="en-US" noProof="0" smtClean="0"/>
-              <a:t>2/3/2021</a:t>
+              <a:t>2/4/2021</a:t>
             </a:fld>
             <a:endParaRPr lang="en-US" noProof="0"/>
           </a:p>
@@ -6373,7 +6382,7 @@
           <a:p>
             <a:fld id="{4EDE50D6-574B-40AF-946F-D52A04ADE379}" type="datetime1">
               <a:rPr lang="en-US" noProof="0" smtClean="0"/>
-              <a:t>2/3/2021</a:t>
+              <a:t>2/4/2021</a:t>
             </a:fld>
             <a:endParaRPr lang="en-US" noProof="0"/>
           </a:p>
@@ -6935,7 +6944,7 @@
           <a:p>
             <a:fld id="{78DD82B9-B8EE-4375-B6FF-88FA6ABB15D9}" type="datetime1">
               <a:rPr lang="en-US" smtClean="0"/>
-              <a:t>2/3/2021</a:t>
+              <a:t>2/4/2021</a:t>
             </a:fld>
             <a:endParaRPr lang="en-US" dirty="0"/>
           </a:p>
@@ -7283,7 +7292,7 @@
           <a:p>
             <a:fld id="{78DD82B9-B8EE-4375-B6FF-88FA6ABB15D9}" type="datetime1">
               <a:rPr lang="en-US" smtClean="0"/>
-              <a:t>2/3/2021</a:t>
+              <a:t>2/4/2021</a:t>
             </a:fld>
             <a:endParaRPr lang="en-US" dirty="0"/>
           </a:p>
@@ -7686,7 +7695,7 @@
           <a:p>
             <a:fld id="{B2497495-0637-405E-AE64-5CC7506D51F5}" type="datetime1">
               <a:rPr lang="en-US" smtClean="0"/>
-              <a:t>2/3/2021</a:t>
+              <a:t>2/4/2021</a:t>
             </a:fld>
             <a:endParaRPr lang="en-US" dirty="0"/>
           </a:p>
@@ -7979,7 +7988,7 @@
           <a:p>
             <a:fld id="{7BFFD690-9426-415D-8B65-26881E07B2D4}" type="datetime1">
               <a:rPr lang="en-US" smtClean="0"/>
-              <a:t>2/3/2021</a:t>
+              <a:t>2/4/2021</a:t>
             </a:fld>
             <a:endParaRPr lang="en-US" dirty="0"/>
           </a:p>
@@ -8473,7 +8482,7 @@
           <a:p>
             <a:fld id="{04C4989A-474C-40DE-95B9-011C28B71673}" type="datetime1">
               <a:rPr lang="en-US" smtClean="0"/>
-              <a:t>2/3/2021</a:t>
+              <a:t>2/4/2021</a:t>
             </a:fld>
             <a:endParaRPr lang="en-US" dirty="0"/>
           </a:p>
@@ -8777,7 +8786,7 @@
           <a:p>
             <a:fld id="{5DB4ED54-5B5E-4A04-93D3-5772E3CE3818}" type="datetime1">
               <a:rPr lang="en-US" smtClean="0"/>
-              <a:t>2/3/2021</a:t>
+              <a:t>2/4/2021</a:t>
             </a:fld>
             <a:endParaRPr lang="en-US" dirty="0"/>
           </a:p>
@@ -8964,7 +8973,7 @@
           <a:p>
             <a:fld id="{4EDE50D6-574B-40AF-946F-D52A04ADE379}" type="datetime1">
               <a:rPr lang="en-US" smtClean="0"/>
-              <a:t>2/3/2021</a:t>
+              <a:t>2/4/2021</a:t>
             </a:fld>
             <a:endParaRPr lang="en-US" dirty="0"/>
           </a:p>
@@ -9176,7 +9185,7 @@
           <a:p>
             <a:fld id="{4EDE50D6-574B-40AF-946F-D52A04ADE379}" type="datetime1">
               <a:rPr lang="en-US" smtClean="0"/>
-              <a:t>2/3/2021</a:t>
+              <a:t>2/4/2021</a:t>
             </a:fld>
             <a:endParaRPr lang="en-US" dirty="0"/>
           </a:p>
@@ -9608,7 +9617,7 @@
           <a:p>
             <a:fld id="{ED291B17-9318-49DB-B28B-6E5994AE9581}" type="datetime1">
               <a:rPr lang="en-US" smtClean="0"/>
-              <a:t>2/3/2021</a:t>
+              <a:t>2/4/2021</a:t>
             </a:fld>
             <a:endParaRPr lang="en-US" dirty="0"/>
           </a:p>
@@ -10464,6 +10473,2013 @@
 </p:sld>
 </file>
 
+<file path=ppt/slides/slide10.xml><?xml version="1.0" encoding="utf-8"?>
+<p:sld xmlns:a="http://schemas.openxmlformats.org/drawingml/2006/main" xmlns:r="http://schemas.openxmlformats.org/officeDocument/2006/relationships" xmlns:p="http://schemas.openxmlformats.org/presentationml/2006/main">
+  <p:cSld>
+    <p:spTree>
+      <p:nvGrpSpPr>
+        <p:cNvPr id="1" name=""/>
+        <p:cNvGrpSpPr/>
+        <p:nvPr/>
+      </p:nvGrpSpPr>
+      <p:grpSpPr>
+        <a:xfrm>
+          <a:off x="0" y="0"/>
+          <a:ext cx="0" cy="0"/>
+          <a:chOff x="0" y="0"/>
+          <a:chExt cx="0" cy="0"/>
+        </a:xfrm>
+      </p:grpSpPr>
+      <p:sp>
+        <p:nvSpPr>
+          <p:cNvPr id="3" name="Title 2">
+            <a:extLst>
+              <a:ext uri="{FF2B5EF4-FFF2-40B4-BE49-F238E27FC236}">
+                <a16:creationId xmlns:a16="http://schemas.microsoft.com/office/drawing/2014/main" id="{F6BF800B-2D91-A844-B4B2-97273E94E563}"/>
+              </a:ext>
+            </a:extLst>
+          </p:cNvPr>
+          <p:cNvSpPr>
+            <a:spLocks noGrp="1"/>
+          </p:cNvSpPr>
+          <p:nvPr>
+            <p:ph type="title"/>
+          </p:nvPr>
+        </p:nvSpPr>
+        <p:spPr/>
+        <p:txBody>
+          <a:bodyPr>
+            <a:normAutofit/>
+          </a:bodyPr>
+          <a:lstStyle/>
+          <a:p>
+            <a:r>
+              <a:rPr lang="en-US" dirty="0"/>
+              <a:t>Fitur Daftar </a:t>
+            </a:r>
+            <a:r>
+              <a:rPr lang="en-US" dirty="0" err="1"/>
+              <a:t>Pesanan</a:t>
+            </a:r>
+            <a:endParaRPr lang="en-US" dirty="0"/>
+          </a:p>
+        </p:txBody>
+      </p:sp>
+      <p:sp>
+        <p:nvSpPr>
+          <p:cNvPr id="4" name="Content Placeholder 3">
+            <a:extLst>
+              <a:ext uri="{FF2B5EF4-FFF2-40B4-BE49-F238E27FC236}">
+                <a16:creationId xmlns:a16="http://schemas.microsoft.com/office/drawing/2014/main" id="{258465F5-4312-2541-8368-01B99B3E9619}"/>
+              </a:ext>
+            </a:extLst>
+          </p:cNvPr>
+          <p:cNvSpPr>
+            <a:spLocks noGrp="1"/>
+          </p:cNvSpPr>
+          <p:nvPr>
+            <p:ph sz="quarter" idx="14"/>
+          </p:nvPr>
+        </p:nvSpPr>
+        <p:spPr/>
+        <p:txBody>
+          <a:bodyPr/>
+          <a:lstStyle/>
+          <a:p>
+            <a:pPr marL="342900" indent="-342900">
+              <a:buFont typeface="+mj-lt"/>
+              <a:buAutoNum type="arabicPeriod"/>
+            </a:pPr>
+            <a:endParaRPr lang="en-US" dirty="0"/>
+          </a:p>
+        </p:txBody>
+      </p:sp>
+      <p:sp>
+        <p:nvSpPr>
+          <p:cNvPr id="16" name="TextBox 15">
+            <a:extLst>
+              <a:ext uri="{FF2B5EF4-FFF2-40B4-BE49-F238E27FC236}">
+                <a16:creationId xmlns:a16="http://schemas.microsoft.com/office/drawing/2014/main" id="{E3F6DAC6-7F78-4B8F-8679-D04D60BBCB94}"/>
+              </a:ext>
+            </a:extLst>
+          </p:cNvPr>
+          <p:cNvSpPr txBox="1"/>
+          <p:nvPr/>
+        </p:nvSpPr>
+        <p:spPr>
+          <a:xfrm>
+            <a:off x="657851" y="5391710"/>
+            <a:ext cx="1117344" cy="369332"/>
+          </a:xfrm>
+          <a:prstGeom prst="rect">
+            <a:avLst/>
+          </a:prstGeom>
+          <a:noFill/>
+        </p:spPr>
+        <p:txBody>
+          <a:bodyPr wrap="square" rtlCol="0">
+            <a:spAutoFit/>
+          </a:bodyPr>
+          <a:lstStyle/>
+          <a:p>
+            <a:pPr algn="ctr"/>
+            <a:r>
+              <a:rPr lang="en-US" dirty="0"/>
+              <a:t>Customer</a:t>
+            </a:r>
+            <a:endParaRPr lang="en-ID" dirty="0"/>
+          </a:p>
+        </p:txBody>
+      </p:sp>
+      <p:sp>
+        <p:nvSpPr>
+          <p:cNvPr id="17" name="TextBox 16">
+            <a:extLst>
+              <a:ext uri="{FF2B5EF4-FFF2-40B4-BE49-F238E27FC236}">
+                <a16:creationId xmlns:a16="http://schemas.microsoft.com/office/drawing/2014/main" id="{8AF7402C-6C43-42E4-9C2B-D20C74B90995}"/>
+              </a:ext>
+            </a:extLst>
+          </p:cNvPr>
+          <p:cNvSpPr txBox="1"/>
+          <p:nvPr/>
+        </p:nvSpPr>
+        <p:spPr>
+          <a:xfrm>
+            <a:off x="2994008" y="5391710"/>
+            <a:ext cx="805052" cy="369332"/>
+          </a:xfrm>
+          <a:prstGeom prst="rect">
+            <a:avLst/>
+          </a:prstGeom>
+          <a:noFill/>
+        </p:spPr>
+        <p:txBody>
+          <a:bodyPr wrap="square" rtlCol="0">
+            <a:spAutoFit/>
+          </a:bodyPr>
+          <a:lstStyle/>
+          <a:p>
+            <a:pPr algn="ctr"/>
+            <a:r>
+              <a:rPr lang="en-US" dirty="0"/>
+              <a:t>Driver</a:t>
+            </a:r>
+            <a:endParaRPr lang="en-ID" dirty="0"/>
+          </a:p>
+        </p:txBody>
+      </p:sp>
+      <p:pic>
+        <p:nvPicPr>
+          <p:cNvPr id="8" name="Picture 7">
+            <a:extLst>
+              <a:ext uri="{FF2B5EF4-FFF2-40B4-BE49-F238E27FC236}">
+                <a16:creationId xmlns:a16="http://schemas.microsoft.com/office/drawing/2014/main" id="{AAC55765-3FD7-412F-808C-51249DD9BC73}"/>
+              </a:ext>
+            </a:extLst>
+          </p:cNvPr>
+          <p:cNvPicPr/>
+          <p:nvPr/>
+        </p:nvPicPr>
+        <p:blipFill>
+          <a:blip r:embed="rId2" cstate="print">
+            <a:extLst>
+              <a:ext uri="{28A0092B-C50C-407E-A947-70E740481C1C}">
+                <a14:useLocalDpi xmlns:a14="http://schemas.microsoft.com/office/drawing/2010/main" val="0"/>
+              </a:ext>
+            </a:extLst>
+          </a:blip>
+          <a:srcRect/>
+          <a:stretch>
+            <a:fillRect/>
+          </a:stretch>
+        </p:blipFill>
+        <p:spPr bwMode="auto">
+          <a:xfrm>
+            <a:off x="117001" y="702156"/>
+            <a:ext cx="2186742" cy="4689554"/>
+          </a:xfrm>
+          <a:prstGeom prst="rect">
+            <a:avLst/>
+          </a:prstGeom>
+          <a:noFill/>
+          <a:ln>
+            <a:noFill/>
+          </a:ln>
+        </p:spPr>
+      </p:pic>
+      <p:pic>
+        <p:nvPicPr>
+          <p:cNvPr id="11" name="Picture 10">
+            <a:extLst>
+              <a:ext uri="{FF2B5EF4-FFF2-40B4-BE49-F238E27FC236}">
+                <a16:creationId xmlns:a16="http://schemas.microsoft.com/office/drawing/2014/main" id="{2ED994F8-7CAE-4872-9956-97BE02A00212}"/>
+              </a:ext>
+            </a:extLst>
+          </p:cNvPr>
+          <p:cNvPicPr/>
+          <p:nvPr/>
+        </p:nvPicPr>
+        <p:blipFill>
+          <a:blip r:embed="rId3" cstate="print">
+            <a:extLst>
+              <a:ext uri="{28A0092B-C50C-407E-A947-70E740481C1C}">
+                <a14:useLocalDpi xmlns:a14="http://schemas.microsoft.com/office/drawing/2010/main" val="0"/>
+              </a:ext>
+            </a:extLst>
+          </a:blip>
+          <a:srcRect/>
+          <a:stretch>
+            <a:fillRect/>
+          </a:stretch>
+        </p:blipFill>
+        <p:spPr bwMode="auto">
+          <a:xfrm>
+            <a:off x="2303743" y="702156"/>
+            <a:ext cx="2186350" cy="4689554"/>
+          </a:xfrm>
+          <a:prstGeom prst="rect">
+            <a:avLst/>
+          </a:prstGeom>
+          <a:noFill/>
+          <a:ln>
+            <a:noFill/>
+          </a:ln>
+        </p:spPr>
+      </p:pic>
+      <p:pic>
+        <p:nvPicPr>
+          <p:cNvPr id="5" name="Picture 4">
+            <a:extLst>
+              <a:ext uri="{FF2B5EF4-FFF2-40B4-BE49-F238E27FC236}">
+                <a16:creationId xmlns:a16="http://schemas.microsoft.com/office/drawing/2014/main" id="{684EBD67-42CE-42EF-9128-71A092A05B20}"/>
+              </a:ext>
+            </a:extLst>
+          </p:cNvPr>
+          <p:cNvPicPr>
+            <a:picLocks noChangeAspect="1"/>
+          </p:cNvPicPr>
+          <p:nvPr/>
+        </p:nvPicPr>
+        <p:blipFill>
+          <a:blip r:embed="rId4"/>
+          <a:stretch>
+            <a:fillRect/>
+          </a:stretch>
+        </p:blipFill>
+        <p:spPr>
+          <a:xfrm>
+            <a:off x="4490485" y="4476265"/>
+            <a:ext cx="2186350" cy="2270441"/>
+          </a:xfrm>
+          <a:prstGeom prst="rect">
+            <a:avLst/>
+          </a:prstGeom>
+        </p:spPr>
+      </p:pic>
+    </p:spTree>
+    <p:extLst>
+      <p:ext uri="{BB962C8B-B14F-4D97-AF65-F5344CB8AC3E}">
+        <p14:creationId xmlns:p14="http://schemas.microsoft.com/office/powerpoint/2010/main" val="3643141342"/>
+      </p:ext>
+    </p:extLst>
+  </p:cSld>
+  <p:clrMapOvr>
+    <a:masterClrMapping/>
+  </p:clrMapOvr>
+</p:sld>
+</file>
+
+<file path=ppt/slides/slide11.xml><?xml version="1.0" encoding="utf-8"?>
+<p:sld xmlns:a="http://schemas.openxmlformats.org/drawingml/2006/main" xmlns:r="http://schemas.openxmlformats.org/officeDocument/2006/relationships" xmlns:p="http://schemas.openxmlformats.org/presentationml/2006/main">
+  <p:cSld>
+    <p:spTree>
+      <p:nvGrpSpPr>
+        <p:cNvPr id="1" name=""/>
+        <p:cNvGrpSpPr/>
+        <p:nvPr/>
+      </p:nvGrpSpPr>
+      <p:grpSpPr>
+        <a:xfrm>
+          <a:off x="0" y="0"/>
+          <a:ext cx="0" cy="0"/>
+          <a:chOff x="0" y="0"/>
+          <a:chExt cx="0" cy="0"/>
+        </a:xfrm>
+      </p:grpSpPr>
+      <p:sp>
+        <p:nvSpPr>
+          <p:cNvPr id="3" name="Title 2">
+            <a:extLst>
+              <a:ext uri="{FF2B5EF4-FFF2-40B4-BE49-F238E27FC236}">
+                <a16:creationId xmlns:a16="http://schemas.microsoft.com/office/drawing/2014/main" id="{F6BF800B-2D91-A844-B4B2-97273E94E563}"/>
+              </a:ext>
+            </a:extLst>
+          </p:cNvPr>
+          <p:cNvSpPr>
+            <a:spLocks noGrp="1"/>
+          </p:cNvSpPr>
+          <p:nvPr>
+            <p:ph type="title"/>
+          </p:nvPr>
+        </p:nvSpPr>
+        <p:spPr/>
+        <p:txBody>
+          <a:bodyPr>
+            <a:normAutofit/>
+          </a:bodyPr>
+          <a:lstStyle/>
+          <a:p>
+            <a:r>
+              <a:rPr lang="en-US" dirty="0"/>
+              <a:t>Fitur Riwayat</a:t>
+            </a:r>
+          </a:p>
+        </p:txBody>
+      </p:sp>
+      <p:sp>
+        <p:nvSpPr>
+          <p:cNvPr id="4" name="Content Placeholder 3">
+            <a:extLst>
+              <a:ext uri="{FF2B5EF4-FFF2-40B4-BE49-F238E27FC236}">
+                <a16:creationId xmlns:a16="http://schemas.microsoft.com/office/drawing/2014/main" id="{258465F5-4312-2541-8368-01B99B3E9619}"/>
+              </a:ext>
+            </a:extLst>
+          </p:cNvPr>
+          <p:cNvSpPr>
+            <a:spLocks noGrp="1"/>
+          </p:cNvSpPr>
+          <p:nvPr>
+            <p:ph sz="quarter" idx="14"/>
+          </p:nvPr>
+        </p:nvSpPr>
+        <p:spPr/>
+        <p:txBody>
+          <a:bodyPr/>
+          <a:lstStyle/>
+          <a:p>
+            <a:pPr marL="342900" indent="-342900">
+              <a:buFont typeface="+mj-lt"/>
+              <a:buAutoNum type="arabicPeriod"/>
+            </a:pPr>
+            <a:endParaRPr lang="en-US" dirty="0"/>
+          </a:p>
+        </p:txBody>
+      </p:sp>
+      <p:sp>
+        <p:nvSpPr>
+          <p:cNvPr id="16" name="TextBox 15">
+            <a:extLst>
+              <a:ext uri="{FF2B5EF4-FFF2-40B4-BE49-F238E27FC236}">
+                <a16:creationId xmlns:a16="http://schemas.microsoft.com/office/drawing/2014/main" id="{E3F6DAC6-7F78-4B8F-8679-D04D60BBCB94}"/>
+              </a:ext>
+            </a:extLst>
+          </p:cNvPr>
+          <p:cNvSpPr txBox="1"/>
+          <p:nvPr/>
+        </p:nvSpPr>
+        <p:spPr>
+          <a:xfrm>
+            <a:off x="1093535" y="6264368"/>
+            <a:ext cx="1064715" cy="369332"/>
+          </a:xfrm>
+          <a:prstGeom prst="rect">
+            <a:avLst/>
+          </a:prstGeom>
+          <a:noFill/>
+        </p:spPr>
+        <p:txBody>
+          <a:bodyPr wrap="none" rtlCol="0">
+            <a:spAutoFit/>
+          </a:bodyPr>
+          <a:lstStyle/>
+          <a:p>
+            <a:pPr algn="ctr"/>
+            <a:r>
+              <a:rPr lang="en-US" dirty="0"/>
+              <a:t>Customer</a:t>
+            </a:r>
+            <a:endParaRPr lang="en-ID" dirty="0"/>
+          </a:p>
+        </p:txBody>
+      </p:sp>
+      <p:sp>
+        <p:nvSpPr>
+          <p:cNvPr id="17" name="TextBox 16">
+            <a:extLst>
+              <a:ext uri="{FF2B5EF4-FFF2-40B4-BE49-F238E27FC236}">
+                <a16:creationId xmlns:a16="http://schemas.microsoft.com/office/drawing/2014/main" id="{8AF7402C-6C43-42E4-9C2B-D20C74B90995}"/>
+              </a:ext>
+            </a:extLst>
+          </p:cNvPr>
+          <p:cNvSpPr txBox="1"/>
+          <p:nvPr/>
+        </p:nvSpPr>
+        <p:spPr>
+          <a:xfrm>
+            <a:off x="3835048" y="6264368"/>
+            <a:ext cx="767133" cy="369332"/>
+          </a:xfrm>
+          <a:prstGeom prst="rect">
+            <a:avLst/>
+          </a:prstGeom>
+          <a:noFill/>
+        </p:spPr>
+        <p:txBody>
+          <a:bodyPr wrap="none" rtlCol="0">
+            <a:spAutoFit/>
+          </a:bodyPr>
+          <a:lstStyle/>
+          <a:p>
+            <a:pPr algn="ctr"/>
+            <a:r>
+              <a:rPr lang="en-US" dirty="0"/>
+              <a:t>Driver</a:t>
+            </a:r>
+            <a:endParaRPr lang="en-ID" dirty="0"/>
+          </a:p>
+        </p:txBody>
+      </p:sp>
+      <p:pic>
+        <p:nvPicPr>
+          <p:cNvPr id="8" name="Picture 7">
+            <a:extLst>
+              <a:ext uri="{FF2B5EF4-FFF2-40B4-BE49-F238E27FC236}">
+                <a16:creationId xmlns:a16="http://schemas.microsoft.com/office/drawing/2014/main" id="{9AEEEF09-8E46-4EF9-BF46-2F30B233FC27}"/>
+              </a:ext>
+            </a:extLst>
+          </p:cNvPr>
+          <p:cNvPicPr/>
+          <p:nvPr/>
+        </p:nvPicPr>
+        <p:blipFill>
+          <a:blip r:embed="rId2" cstate="print">
+            <a:extLst>
+              <a:ext uri="{28A0092B-C50C-407E-A947-70E740481C1C}">
+                <a14:useLocalDpi xmlns:a14="http://schemas.microsoft.com/office/drawing/2010/main" val="0"/>
+              </a:ext>
+            </a:extLst>
+          </a:blip>
+          <a:srcRect/>
+          <a:stretch>
+            <a:fillRect/>
+          </a:stretch>
+        </p:blipFill>
+        <p:spPr bwMode="auto">
+          <a:xfrm>
+            <a:off x="321958" y="701312"/>
+            <a:ext cx="2593014" cy="5561187"/>
+          </a:xfrm>
+          <a:prstGeom prst="rect">
+            <a:avLst/>
+          </a:prstGeom>
+          <a:noFill/>
+          <a:ln>
+            <a:noFill/>
+          </a:ln>
+        </p:spPr>
+      </p:pic>
+      <p:pic>
+        <p:nvPicPr>
+          <p:cNvPr id="11" name="Picture 10">
+            <a:extLst>
+              <a:ext uri="{FF2B5EF4-FFF2-40B4-BE49-F238E27FC236}">
+                <a16:creationId xmlns:a16="http://schemas.microsoft.com/office/drawing/2014/main" id="{DFEB7E11-887C-4E94-8E45-031BEB41CE27}"/>
+              </a:ext>
+            </a:extLst>
+          </p:cNvPr>
+          <p:cNvPicPr/>
+          <p:nvPr/>
+        </p:nvPicPr>
+        <p:blipFill>
+          <a:blip r:embed="rId3" cstate="print">
+            <a:extLst>
+              <a:ext uri="{28A0092B-C50C-407E-A947-70E740481C1C}">
+                <a14:useLocalDpi xmlns:a14="http://schemas.microsoft.com/office/drawing/2010/main" val="0"/>
+              </a:ext>
+            </a:extLst>
+          </a:blip>
+          <a:srcRect/>
+          <a:stretch>
+            <a:fillRect/>
+          </a:stretch>
+        </p:blipFill>
+        <p:spPr bwMode="auto">
+          <a:xfrm>
+            <a:off x="2914972" y="701312"/>
+            <a:ext cx="2592861" cy="5561187"/>
+          </a:xfrm>
+          <a:prstGeom prst="rect">
+            <a:avLst/>
+          </a:prstGeom>
+          <a:noFill/>
+          <a:ln>
+            <a:noFill/>
+          </a:ln>
+        </p:spPr>
+      </p:pic>
+    </p:spTree>
+    <p:extLst>
+      <p:ext uri="{BB962C8B-B14F-4D97-AF65-F5344CB8AC3E}">
+        <p14:creationId xmlns:p14="http://schemas.microsoft.com/office/powerpoint/2010/main" val="765741839"/>
+      </p:ext>
+    </p:extLst>
+  </p:cSld>
+  <p:clrMapOvr>
+    <a:masterClrMapping/>
+  </p:clrMapOvr>
+</p:sld>
+</file>
+
+<file path=ppt/slides/slide12.xml><?xml version="1.0" encoding="utf-8"?>
+<p:sld xmlns:a="http://schemas.openxmlformats.org/drawingml/2006/main" xmlns:r="http://schemas.openxmlformats.org/officeDocument/2006/relationships" xmlns:p="http://schemas.openxmlformats.org/presentationml/2006/main">
+  <p:cSld>
+    <p:spTree>
+      <p:nvGrpSpPr>
+        <p:cNvPr id="1" name=""/>
+        <p:cNvGrpSpPr/>
+        <p:nvPr/>
+      </p:nvGrpSpPr>
+      <p:grpSpPr>
+        <a:xfrm>
+          <a:off x="0" y="0"/>
+          <a:ext cx="0" cy="0"/>
+          <a:chOff x="0" y="0"/>
+          <a:chExt cx="0" cy="0"/>
+        </a:xfrm>
+      </p:grpSpPr>
+      <p:sp>
+        <p:nvSpPr>
+          <p:cNvPr id="3" name="Title 2">
+            <a:extLst>
+              <a:ext uri="{FF2B5EF4-FFF2-40B4-BE49-F238E27FC236}">
+                <a16:creationId xmlns:a16="http://schemas.microsoft.com/office/drawing/2014/main" id="{F6BF800B-2D91-A844-B4B2-97273E94E563}"/>
+              </a:ext>
+            </a:extLst>
+          </p:cNvPr>
+          <p:cNvSpPr>
+            <a:spLocks noGrp="1"/>
+          </p:cNvSpPr>
+          <p:nvPr>
+            <p:ph type="title"/>
+          </p:nvPr>
+        </p:nvSpPr>
+        <p:spPr/>
+        <p:txBody>
+          <a:bodyPr>
+            <a:normAutofit/>
+          </a:bodyPr>
+          <a:lstStyle/>
+          <a:p>
+            <a:r>
+              <a:rPr lang="en-US" dirty="0"/>
+              <a:t>Fitur </a:t>
+            </a:r>
+            <a:r>
+              <a:rPr lang="en-US" dirty="0" err="1"/>
+              <a:t>Detil</a:t>
+            </a:r>
+            <a:r>
+              <a:rPr lang="en-US" dirty="0"/>
+              <a:t> </a:t>
+            </a:r>
+            <a:r>
+              <a:rPr lang="en-US" dirty="0" err="1"/>
+              <a:t>Pesanan</a:t>
+            </a:r>
+            <a:endParaRPr lang="en-US" dirty="0"/>
+          </a:p>
+        </p:txBody>
+      </p:sp>
+      <p:sp>
+        <p:nvSpPr>
+          <p:cNvPr id="4" name="Content Placeholder 3">
+            <a:extLst>
+              <a:ext uri="{FF2B5EF4-FFF2-40B4-BE49-F238E27FC236}">
+                <a16:creationId xmlns:a16="http://schemas.microsoft.com/office/drawing/2014/main" id="{258465F5-4312-2541-8368-01B99B3E9619}"/>
+              </a:ext>
+            </a:extLst>
+          </p:cNvPr>
+          <p:cNvSpPr>
+            <a:spLocks noGrp="1"/>
+          </p:cNvSpPr>
+          <p:nvPr>
+            <p:ph sz="quarter" idx="14"/>
+          </p:nvPr>
+        </p:nvSpPr>
+        <p:spPr/>
+        <p:txBody>
+          <a:bodyPr/>
+          <a:lstStyle/>
+          <a:p>
+            <a:pPr marL="342900" indent="-342900">
+              <a:buFont typeface="+mj-lt"/>
+              <a:buAutoNum type="arabicPeriod"/>
+            </a:pPr>
+            <a:endParaRPr lang="en-US" dirty="0"/>
+          </a:p>
+        </p:txBody>
+      </p:sp>
+      <p:sp>
+        <p:nvSpPr>
+          <p:cNvPr id="16" name="TextBox 15">
+            <a:extLst>
+              <a:ext uri="{FF2B5EF4-FFF2-40B4-BE49-F238E27FC236}">
+                <a16:creationId xmlns:a16="http://schemas.microsoft.com/office/drawing/2014/main" id="{E3F6DAC6-7F78-4B8F-8679-D04D60BBCB94}"/>
+              </a:ext>
+            </a:extLst>
+          </p:cNvPr>
+          <p:cNvSpPr txBox="1"/>
+          <p:nvPr/>
+        </p:nvSpPr>
+        <p:spPr>
+          <a:xfrm>
+            <a:off x="1093535" y="6152634"/>
+            <a:ext cx="1064715" cy="369332"/>
+          </a:xfrm>
+          <a:prstGeom prst="rect">
+            <a:avLst/>
+          </a:prstGeom>
+          <a:noFill/>
+        </p:spPr>
+        <p:txBody>
+          <a:bodyPr wrap="none" rtlCol="0">
+            <a:spAutoFit/>
+          </a:bodyPr>
+          <a:lstStyle/>
+          <a:p>
+            <a:pPr algn="ctr"/>
+            <a:r>
+              <a:rPr lang="en-US" dirty="0"/>
+              <a:t>Customer</a:t>
+            </a:r>
+            <a:endParaRPr lang="en-ID" dirty="0"/>
+          </a:p>
+        </p:txBody>
+      </p:sp>
+      <p:sp>
+        <p:nvSpPr>
+          <p:cNvPr id="17" name="TextBox 16">
+            <a:extLst>
+              <a:ext uri="{FF2B5EF4-FFF2-40B4-BE49-F238E27FC236}">
+                <a16:creationId xmlns:a16="http://schemas.microsoft.com/office/drawing/2014/main" id="{8AF7402C-6C43-42E4-9C2B-D20C74B90995}"/>
+              </a:ext>
+            </a:extLst>
+          </p:cNvPr>
+          <p:cNvSpPr txBox="1"/>
+          <p:nvPr/>
+        </p:nvSpPr>
+        <p:spPr>
+          <a:xfrm>
+            <a:off x="3835048" y="6152634"/>
+            <a:ext cx="767133" cy="369332"/>
+          </a:xfrm>
+          <a:prstGeom prst="rect">
+            <a:avLst/>
+          </a:prstGeom>
+          <a:noFill/>
+        </p:spPr>
+        <p:txBody>
+          <a:bodyPr wrap="none" rtlCol="0">
+            <a:spAutoFit/>
+          </a:bodyPr>
+          <a:lstStyle/>
+          <a:p>
+            <a:pPr algn="ctr"/>
+            <a:r>
+              <a:rPr lang="en-US" dirty="0"/>
+              <a:t>Driver</a:t>
+            </a:r>
+            <a:endParaRPr lang="en-ID" dirty="0"/>
+          </a:p>
+        </p:txBody>
+      </p:sp>
+      <p:pic>
+        <p:nvPicPr>
+          <p:cNvPr id="9" name="Picture 8">
+            <a:extLst>
+              <a:ext uri="{FF2B5EF4-FFF2-40B4-BE49-F238E27FC236}">
+                <a16:creationId xmlns:a16="http://schemas.microsoft.com/office/drawing/2014/main" id="{6E455137-5E20-479C-8156-77742D764FAD}"/>
+              </a:ext>
+            </a:extLst>
+          </p:cNvPr>
+          <p:cNvPicPr/>
+          <p:nvPr/>
+        </p:nvPicPr>
+        <p:blipFill>
+          <a:blip r:embed="rId2" cstate="print">
+            <a:extLst>
+              <a:ext uri="{28A0092B-C50C-407E-A947-70E740481C1C}">
+                <a14:useLocalDpi xmlns:a14="http://schemas.microsoft.com/office/drawing/2010/main" val="0"/>
+              </a:ext>
+            </a:extLst>
+          </a:blip>
+          <a:srcRect/>
+          <a:stretch>
+            <a:fillRect/>
+          </a:stretch>
+        </p:blipFill>
+        <p:spPr bwMode="auto">
+          <a:xfrm>
+            <a:off x="322111" y="164889"/>
+            <a:ext cx="2592861" cy="5561334"/>
+          </a:xfrm>
+          <a:prstGeom prst="rect">
+            <a:avLst/>
+          </a:prstGeom>
+          <a:noFill/>
+          <a:ln>
+            <a:noFill/>
+          </a:ln>
+        </p:spPr>
+      </p:pic>
+      <p:pic>
+        <p:nvPicPr>
+          <p:cNvPr id="10" name="Picture 9">
+            <a:extLst>
+              <a:ext uri="{FF2B5EF4-FFF2-40B4-BE49-F238E27FC236}">
+                <a16:creationId xmlns:a16="http://schemas.microsoft.com/office/drawing/2014/main" id="{DA356CB5-CFEA-4EC5-A85B-8F93E86E7BDE}"/>
+              </a:ext>
+            </a:extLst>
+          </p:cNvPr>
+          <p:cNvPicPr/>
+          <p:nvPr/>
+        </p:nvPicPr>
+        <p:blipFill rotWithShape="1">
+          <a:blip r:embed="rId3" cstate="print">
+            <a:extLst>
+              <a:ext uri="{28A0092B-C50C-407E-A947-70E740481C1C}">
+                <a14:useLocalDpi xmlns:a14="http://schemas.microsoft.com/office/drawing/2010/main" val="0"/>
+              </a:ext>
+            </a:extLst>
+          </a:blip>
+          <a:srcRect t="83805" b="1"/>
+          <a:stretch/>
+        </p:blipFill>
+        <p:spPr bwMode="auto">
+          <a:xfrm>
+            <a:off x="322111" y="5252343"/>
+            <a:ext cx="2592861" cy="900291"/>
+          </a:xfrm>
+          <a:prstGeom prst="rect">
+            <a:avLst/>
+          </a:prstGeom>
+          <a:noFill/>
+          <a:ln>
+            <a:noFill/>
+          </a:ln>
+          <a:extLst>
+            <a:ext uri="{53640926-AAD7-44D8-BBD7-CCE9431645EC}">
+              <a14:shadowObscured xmlns:a14="http://schemas.microsoft.com/office/drawing/2010/main"/>
+            </a:ext>
+          </a:extLst>
+        </p:spPr>
+      </p:pic>
+      <p:pic>
+        <p:nvPicPr>
+          <p:cNvPr id="13" name="Picture 12">
+            <a:extLst>
+              <a:ext uri="{FF2B5EF4-FFF2-40B4-BE49-F238E27FC236}">
+                <a16:creationId xmlns:a16="http://schemas.microsoft.com/office/drawing/2014/main" id="{65D4F700-45F0-465E-8FAA-B60AAFC2F1E9}"/>
+              </a:ext>
+            </a:extLst>
+          </p:cNvPr>
+          <p:cNvPicPr/>
+          <p:nvPr/>
+        </p:nvPicPr>
+        <p:blipFill>
+          <a:blip r:embed="rId4" cstate="print">
+            <a:extLst>
+              <a:ext uri="{28A0092B-C50C-407E-A947-70E740481C1C}">
+                <a14:useLocalDpi xmlns:a14="http://schemas.microsoft.com/office/drawing/2010/main" val="0"/>
+              </a:ext>
+            </a:extLst>
+          </a:blip>
+          <a:srcRect/>
+          <a:stretch>
+            <a:fillRect/>
+          </a:stretch>
+        </p:blipFill>
+        <p:spPr bwMode="auto">
+          <a:xfrm>
+            <a:off x="2914972" y="164890"/>
+            <a:ext cx="2592855" cy="5561334"/>
+          </a:xfrm>
+          <a:prstGeom prst="rect">
+            <a:avLst/>
+          </a:prstGeom>
+          <a:noFill/>
+          <a:ln>
+            <a:noFill/>
+          </a:ln>
+        </p:spPr>
+      </p:pic>
+    </p:spTree>
+    <p:extLst>
+      <p:ext uri="{BB962C8B-B14F-4D97-AF65-F5344CB8AC3E}">
+        <p14:creationId xmlns:p14="http://schemas.microsoft.com/office/powerpoint/2010/main" val="3892033490"/>
+      </p:ext>
+    </p:extLst>
+  </p:cSld>
+  <p:clrMapOvr>
+    <a:masterClrMapping/>
+  </p:clrMapOvr>
+</p:sld>
+</file>
+
+<file path=ppt/slides/slide13.xml><?xml version="1.0" encoding="utf-8"?>
+<p:sld xmlns:a="http://schemas.openxmlformats.org/drawingml/2006/main" xmlns:r="http://schemas.openxmlformats.org/officeDocument/2006/relationships" xmlns:p="http://schemas.openxmlformats.org/presentationml/2006/main">
+  <p:cSld>
+    <p:spTree>
+      <p:nvGrpSpPr>
+        <p:cNvPr id="1" name=""/>
+        <p:cNvGrpSpPr/>
+        <p:nvPr/>
+      </p:nvGrpSpPr>
+      <p:grpSpPr>
+        <a:xfrm>
+          <a:off x="0" y="0"/>
+          <a:ext cx="0" cy="0"/>
+          <a:chOff x="0" y="0"/>
+          <a:chExt cx="0" cy="0"/>
+        </a:xfrm>
+      </p:grpSpPr>
+      <p:sp>
+        <p:nvSpPr>
+          <p:cNvPr id="3" name="Title 2">
+            <a:extLst>
+              <a:ext uri="{FF2B5EF4-FFF2-40B4-BE49-F238E27FC236}">
+                <a16:creationId xmlns:a16="http://schemas.microsoft.com/office/drawing/2014/main" id="{F6BF800B-2D91-A844-B4B2-97273E94E563}"/>
+              </a:ext>
+            </a:extLst>
+          </p:cNvPr>
+          <p:cNvSpPr>
+            <a:spLocks noGrp="1"/>
+          </p:cNvSpPr>
+          <p:nvPr>
+            <p:ph type="title"/>
+          </p:nvPr>
+        </p:nvSpPr>
+        <p:spPr/>
+        <p:txBody>
+          <a:bodyPr>
+            <a:normAutofit fontScale="90000"/>
+          </a:bodyPr>
+          <a:lstStyle/>
+          <a:p>
+            <a:r>
+              <a:rPr lang="en-US" dirty="0"/>
+              <a:t>Fitur </a:t>
+            </a:r>
+            <a:r>
+              <a:rPr lang="en-US" dirty="0" err="1"/>
+              <a:t>Pemberian</a:t>
+            </a:r>
+            <a:r>
+              <a:rPr lang="en-US" dirty="0"/>
+              <a:t> </a:t>
+            </a:r>
+            <a:r>
+              <a:rPr lang="en-US" dirty="0" err="1"/>
+              <a:t>Penilaian</a:t>
+            </a:r>
+            <a:endParaRPr lang="en-US" dirty="0"/>
+          </a:p>
+        </p:txBody>
+      </p:sp>
+      <p:sp>
+        <p:nvSpPr>
+          <p:cNvPr id="4" name="Content Placeholder 3">
+            <a:extLst>
+              <a:ext uri="{FF2B5EF4-FFF2-40B4-BE49-F238E27FC236}">
+                <a16:creationId xmlns:a16="http://schemas.microsoft.com/office/drawing/2014/main" id="{258465F5-4312-2541-8368-01B99B3E9619}"/>
+              </a:ext>
+            </a:extLst>
+          </p:cNvPr>
+          <p:cNvSpPr>
+            <a:spLocks noGrp="1"/>
+          </p:cNvSpPr>
+          <p:nvPr>
+            <p:ph sz="quarter" idx="14"/>
+          </p:nvPr>
+        </p:nvSpPr>
+        <p:spPr/>
+        <p:txBody>
+          <a:bodyPr/>
+          <a:lstStyle/>
+          <a:p>
+            <a:pPr marL="342900" indent="-342900">
+              <a:buFont typeface="+mj-lt"/>
+              <a:buAutoNum type="arabicPeriod"/>
+            </a:pPr>
+            <a:endParaRPr lang="en-US" dirty="0"/>
+          </a:p>
+        </p:txBody>
+      </p:sp>
+      <p:sp>
+        <p:nvSpPr>
+          <p:cNvPr id="16" name="TextBox 15">
+            <a:extLst>
+              <a:ext uri="{FF2B5EF4-FFF2-40B4-BE49-F238E27FC236}">
+                <a16:creationId xmlns:a16="http://schemas.microsoft.com/office/drawing/2014/main" id="{E3F6DAC6-7F78-4B8F-8679-D04D60BBCB94}"/>
+              </a:ext>
+            </a:extLst>
+          </p:cNvPr>
+          <p:cNvSpPr txBox="1"/>
+          <p:nvPr/>
+        </p:nvSpPr>
+        <p:spPr>
+          <a:xfrm>
+            <a:off x="1971851" y="5232881"/>
+            <a:ext cx="1064715" cy="369332"/>
+          </a:xfrm>
+          <a:prstGeom prst="rect">
+            <a:avLst/>
+          </a:prstGeom>
+          <a:noFill/>
+        </p:spPr>
+        <p:txBody>
+          <a:bodyPr wrap="none" rtlCol="0">
+            <a:spAutoFit/>
+          </a:bodyPr>
+          <a:lstStyle/>
+          <a:p>
+            <a:pPr algn="ctr"/>
+            <a:r>
+              <a:rPr lang="en-US" dirty="0"/>
+              <a:t>Customer</a:t>
+            </a:r>
+            <a:endParaRPr lang="en-ID" dirty="0"/>
+          </a:p>
+        </p:txBody>
+      </p:sp>
+      <p:pic>
+        <p:nvPicPr>
+          <p:cNvPr id="8" name="Picture 7">
+            <a:extLst>
+              <a:ext uri="{FF2B5EF4-FFF2-40B4-BE49-F238E27FC236}">
+                <a16:creationId xmlns:a16="http://schemas.microsoft.com/office/drawing/2014/main" id="{3740B5C2-EE4E-44F8-A821-9948EB5882D6}"/>
+              </a:ext>
+            </a:extLst>
+          </p:cNvPr>
+          <p:cNvPicPr/>
+          <p:nvPr/>
+        </p:nvPicPr>
+        <p:blipFill rotWithShape="1">
+          <a:blip r:embed="rId2" cstate="print">
+            <a:extLst>
+              <a:ext uri="{28A0092B-C50C-407E-A947-70E740481C1C}">
+                <a14:useLocalDpi xmlns:a14="http://schemas.microsoft.com/office/drawing/2010/main" val="0"/>
+              </a:ext>
+            </a:extLst>
+          </a:blip>
+          <a:srcRect t="36476" b="34524"/>
+          <a:stretch/>
+        </p:blipFill>
+        <p:spPr bwMode="auto">
+          <a:xfrm>
+            <a:off x="2504209" y="702156"/>
+            <a:ext cx="3012548" cy="1874094"/>
+          </a:xfrm>
+          <a:prstGeom prst="rect">
+            <a:avLst/>
+          </a:prstGeom>
+          <a:noFill/>
+          <a:ln>
+            <a:noFill/>
+          </a:ln>
+          <a:extLst>
+            <a:ext uri="{53640926-AAD7-44D8-BBD7-CCE9431645EC}">
+              <a14:shadowObscured xmlns:a14="http://schemas.microsoft.com/office/drawing/2010/main"/>
+            </a:ext>
+          </a:extLst>
+        </p:spPr>
+      </p:pic>
+      <p:pic>
+        <p:nvPicPr>
+          <p:cNvPr id="11" name="Picture 10">
+            <a:extLst>
+              <a:ext uri="{FF2B5EF4-FFF2-40B4-BE49-F238E27FC236}">
+                <a16:creationId xmlns:a16="http://schemas.microsoft.com/office/drawing/2014/main" id="{E3BB6446-5DB2-4587-9AF4-D4041B8102ED}"/>
+              </a:ext>
+            </a:extLst>
+          </p:cNvPr>
+          <p:cNvPicPr/>
+          <p:nvPr/>
+        </p:nvPicPr>
+        <p:blipFill>
+          <a:blip r:embed="rId3" cstate="print">
+            <a:extLst>
+              <a:ext uri="{28A0092B-C50C-407E-A947-70E740481C1C}">
+                <a14:useLocalDpi xmlns:a14="http://schemas.microsoft.com/office/drawing/2010/main" val="0"/>
+              </a:ext>
+            </a:extLst>
+          </a:blip>
+          <a:srcRect/>
+          <a:stretch>
+            <a:fillRect/>
+          </a:stretch>
+        </p:blipFill>
+        <p:spPr bwMode="auto">
+          <a:xfrm>
+            <a:off x="392199" y="702156"/>
+            <a:ext cx="2112010" cy="4530725"/>
+          </a:xfrm>
+          <a:prstGeom prst="rect">
+            <a:avLst/>
+          </a:prstGeom>
+          <a:noFill/>
+          <a:ln>
+            <a:noFill/>
+          </a:ln>
+        </p:spPr>
+      </p:pic>
+      <p:pic>
+        <p:nvPicPr>
+          <p:cNvPr id="12" name="Picture 11">
+            <a:extLst>
+              <a:ext uri="{FF2B5EF4-FFF2-40B4-BE49-F238E27FC236}">
+                <a16:creationId xmlns:a16="http://schemas.microsoft.com/office/drawing/2014/main" id="{C7B826EC-8EEE-4B51-8D33-9995F663842D}"/>
+              </a:ext>
+            </a:extLst>
+          </p:cNvPr>
+          <p:cNvPicPr/>
+          <p:nvPr/>
+        </p:nvPicPr>
+        <p:blipFill rotWithShape="1">
+          <a:blip r:embed="rId4">
+            <a:extLst>
+              <a:ext uri="{28A0092B-C50C-407E-A947-70E740481C1C}">
+                <a14:useLocalDpi xmlns:a14="http://schemas.microsoft.com/office/drawing/2010/main" val="0"/>
+              </a:ext>
+            </a:extLst>
+          </a:blip>
+          <a:srcRect t="36831" b="32210"/>
+          <a:stretch/>
+        </p:blipFill>
+        <p:spPr bwMode="auto">
+          <a:xfrm>
+            <a:off x="2504210" y="2576250"/>
+            <a:ext cx="3010766" cy="1998975"/>
+          </a:xfrm>
+          <a:prstGeom prst="rect">
+            <a:avLst/>
+          </a:prstGeom>
+          <a:noFill/>
+          <a:ln>
+            <a:noFill/>
+          </a:ln>
+          <a:extLst>
+            <a:ext uri="{53640926-AAD7-44D8-BBD7-CCE9431645EC}">
+              <a14:shadowObscured xmlns:a14="http://schemas.microsoft.com/office/drawing/2010/main"/>
+            </a:ext>
+          </a:extLst>
+        </p:spPr>
+      </p:pic>
+    </p:spTree>
+    <p:extLst>
+      <p:ext uri="{BB962C8B-B14F-4D97-AF65-F5344CB8AC3E}">
+        <p14:creationId xmlns:p14="http://schemas.microsoft.com/office/powerpoint/2010/main" val="2755184315"/>
+      </p:ext>
+    </p:extLst>
+  </p:cSld>
+  <p:clrMapOvr>
+    <a:masterClrMapping/>
+  </p:clrMapOvr>
+</p:sld>
+</file>
+
+<file path=ppt/slides/slide14.xml><?xml version="1.0" encoding="utf-8"?>
+<p:sld xmlns:a="http://schemas.openxmlformats.org/drawingml/2006/main" xmlns:r="http://schemas.openxmlformats.org/officeDocument/2006/relationships" xmlns:p="http://schemas.openxmlformats.org/presentationml/2006/main">
+  <p:cSld>
+    <p:spTree>
+      <p:nvGrpSpPr>
+        <p:cNvPr id="1" name=""/>
+        <p:cNvGrpSpPr/>
+        <p:nvPr/>
+      </p:nvGrpSpPr>
+      <p:grpSpPr>
+        <a:xfrm>
+          <a:off x="0" y="0"/>
+          <a:ext cx="0" cy="0"/>
+          <a:chOff x="0" y="0"/>
+          <a:chExt cx="0" cy="0"/>
+        </a:xfrm>
+      </p:grpSpPr>
+      <p:sp>
+        <p:nvSpPr>
+          <p:cNvPr id="3" name="Title 2">
+            <a:extLst>
+              <a:ext uri="{FF2B5EF4-FFF2-40B4-BE49-F238E27FC236}">
+                <a16:creationId xmlns:a16="http://schemas.microsoft.com/office/drawing/2014/main" id="{F6BF800B-2D91-A844-B4B2-97273E94E563}"/>
+              </a:ext>
+            </a:extLst>
+          </p:cNvPr>
+          <p:cNvSpPr>
+            <a:spLocks noGrp="1"/>
+          </p:cNvSpPr>
+          <p:nvPr>
+            <p:ph type="title"/>
+          </p:nvPr>
+        </p:nvSpPr>
+        <p:spPr>
+          <a:xfrm>
+            <a:off x="6096000" y="332079"/>
+            <a:ext cx="6096000" cy="740156"/>
+          </a:xfrm>
+        </p:spPr>
+        <p:txBody>
+          <a:bodyPr>
+            <a:normAutofit fontScale="90000"/>
+          </a:bodyPr>
+          <a:lstStyle/>
+          <a:p>
+            <a:r>
+              <a:rPr lang="en-US" dirty="0" err="1"/>
+              <a:t>Mulai</a:t>
+            </a:r>
+            <a:r>
+              <a:rPr lang="en-US" dirty="0"/>
+              <a:t> </a:t>
+            </a:r>
+            <a:r>
+              <a:rPr lang="en-US" dirty="0" err="1"/>
+              <a:t>Mengerjakan</a:t>
+            </a:r>
+            <a:r>
+              <a:rPr lang="en-US" dirty="0"/>
+              <a:t> </a:t>
+            </a:r>
+            <a:r>
+              <a:rPr lang="en-US" dirty="0" err="1"/>
+              <a:t>Pesanan</a:t>
+            </a:r>
+            <a:endParaRPr lang="en-US" dirty="0"/>
+          </a:p>
+        </p:txBody>
+      </p:sp>
+      <p:sp>
+        <p:nvSpPr>
+          <p:cNvPr id="4" name="Content Placeholder 3">
+            <a:extLst>
+              <a:ext uri="{FF2B5EF4-FFF2-40B4-BE49-F238E27FC236}">
+                <a16:creationId xmlns:a16="http://schemas.microsoft.com/office/drawing/2014/main" id="{258465F5-4312-2541-8368-01B99B3E9619}"/>
+              </a:ext>
+            </a:extLst>
+          </p:cNvPr>
+          <p:cNvSpPr>
+            <a:spLocks noGrp="1"/>
+          </p:cNvSpPr>
+          <p:nvPr>
+            <p:ph sz="quarter" idx="14"/>
+          </p:nvPr>
+        </p:nvSpPr>
+        <p:spPr/>
+        <p:txBody>
+          <a:bodyPr/>
+          <a:lstStyle/>
+          <a:p>
+            <a:pPr marL="342900" indent="-342900">
+              <a:buFont typeface="+mj-lt"/>
+              <a:buAutoNum type="arabicPeriod"/>
+            </a:pPr>
+            <a:endParaRPr lang="en-US" dirty="0"/>
+          </a:p>
+        </p:txBody>
+      </p:sp>
+      <p:sp>
+        <p:nvSpPr>
+          <p:cNvPr id="16" name="TextBox 15">
+            <a:extLst>
+              <a:ext uri="{FF2B5EF4-FFF2-40B4-BE49-F238E27FC236}">
+                <a16:creationId xmlns:a16="http://schemas.microsoft.com/office/drawing/2014/main" id="{E3F6DAC6-7F78-4B8F-8679-D04D60BBCB94}"/>
+              </a:ext>
+            </a:extLst>
+          </p:cNvPr>
+          <p:cNvSpPr txBox="1"/>
+          <p:nvPr/>
+        </p:nvSpPr>
+        <p:spPr>
+          <a:xfrm>
+            <a:off x="2603139" y="5888729"/>
+            <a:ext cx="767133" cy="369332"/>
+          </a:xfrm>
+          <a:prstGeom prst="rect">
+            <a:avLst/>
+          </a:prstGeom>
+          <a:noFill/>
+        </p:spPr>
+        <p:txBody>
+          <a:bodyPr wrap="none" rtlCol="0">
+            <a:spAutoFit/>
+          </a:bodyPr>
+          <a:lstStyle/>
+          <a:p>
+            <a:pPr algn="ctr"/>
+            <a:r>
+              <a:rPr lang="en-US" dirty="0"/>
+              <a:t>Driver</a:t>
+            </a:r>
+            <a:endParaRPr lang="en-ID" dirty="0"/>
+          </a:p>
+        </p:txBody>
+      </p:sp>
+      <p:pic>
+        <p:nvPicPr>
+          <p:cNvPr id="7" name="Picture 6">
+            <a:extLst>
+              <a:ext uri="{FF2B5EF4-FFF2-40B4-BE49-F238E27FC236}">
+                <a16:creationId xmlns:a16="http://schemas.microsoft.com/office/drawing/2014/main" id="{CF99BE5F-FF3B-43EF-AAE6-9DFD1C79DE29}"/>
+              </a:ext>
+            </a:extLst>
+          </p:cNvPr>
+          <p:cNvPicPr/>
+          <p:nvPr/>
+        </p:nvPicPr>
+        <p:blipFill>
+          <a:blip r:embed="rId2" cstate="print">
+            <a:extLst>
+              <a:ext uri="{28A0092B-C50C-407E-A947-70E740481C1C}">
+                <a14:useLocalDpi xmlns:a14="http://schemas.microsoft.com/office/drawing/2010/main" val="0"/>
+              </a:ext>
+            </a:extLst>
+          </a:blip>
+          <a:srcRect/>
+          <a:stretch>
+            <a:fillRect/>
+          </a:stretch>
+        </p:blipFill>
+        <p:spPr bwMode="auto">
+          <a:xfrm>
+            <a:off x="1865437" y="702157"/>
+            <a:ext cx="2242539" cy="4809952"/>
+          </a:xfrm>
+          <a:prstGeom prst="rect">
+            <a:avLst/>
+          </a:prstGeom>
+          <a:noFill/>
+          <a:ln>
+            <a:noFill/>
+          </a:ln>
+        </p:spPr>
+      </p:pic>
+      <p:pic>
+        <p:nvPicPr>
+          <p:cNvPr id="9" name="Picture 8">
+            <a:extLst>
+              <a:ext uri="{FF2B5EF4-FFF2-40B4-BE49-F238E27FC236}">
+                <a16:creationId xmlns:a16="http://schemas.microsoft.com/office/drawing/2014/main" id="{307BAD4E-3114-4CDE-86D8-F1C21A625EC4}"/>
+              </a:ext>
+            </a:extLst>
+          </p:cNvPr>
+          <p:cNvPicPr/>
+          <p:nvPr/>
+        </p:nvPicPr>
+        <p:blipFill rotWithShape="1">
+          <a:blip r:embed="rId3" cstate="print">
+            <a:extLst>
+              <a:ext uri="{28A0092B-C50C-407E-A947-70E740481C1C}">
+                <a14:useLocalDpi xmlns:a14="http://schemas.microsoft.com/office/drawing/2010/main" val="0"/>
+              </a:ext>
+            </a:extLst>
+          </a:blip>
+          <a:srcRect t="84336"/>
+          <a:stretch/>
+        </p:blipFill>
+        <p:spPr bwMode="auto">
+          <a:xfrm>
+            <a:off x="1865437" y="5135489"/>
+            <a:ext cx="2242539" cy="753240"/>
+          </a:xfrm>
+          <a:prstGeom prst="rect">
+            <a:avLst/>
+          </a:prstGeom>
+          <a:noFill/>
+          <a:ln>
+            <a:noFill/>
+          </a:ln>
+          <a:extLst>
+            <a:ext uri="{53640926-AAD7-44D8-BBD7-CCE9431645EC}">
+              <a14:shadowObscured xmlns:a14="http://schemas.microsoft.com/office/drawing/2010/main"/>
+            </a:ext>
+          </a:extLst>
+        </p:spPr>
+      </p:pic>
+    </p:spTree>
+    <p:extLst>
+      <p:ext uri="{BB962C8B-B14F-4D97-AF65-F5344CB8AC3E}">
+        <p14:creationId xmlns:p14="http://schemas.microsoft.com/office/powerpoint/2010/main" val="3997558715"/>
+      </p:ext>
+    </p:extLst>
+  </p:cSld>
+  <p:clrMapOvr>
+    <a:masterClrMapping/>
+  </p:clrMapOvr>
+</p:sld>
+</file>
+
+<file path=ppt/slides/slide15.xml><?xml version="1.0" encoding="utf-8"?>
+<p:sld xmlns:a="http://schemas.openxmlformats.org/drawingml/2006/main" xmlns:r="http://schemas.openxmlformats.org/officeDocument/2006/relationships" xmlns:p="http://schemas.openxmlformats.org/presentationml/2006/main">
+  <p:cSld>
+    <p:spTree>
+      <p:nvGrpSpPr>
+        <p:cNvPr id="1" name=""/>
+        <p:cNvGrpSpPr/>
+        <p:nvPr/>
+      </p:nvGrpSpPr>
+      <p:grpSpPr>
+        <a:xfrm>
+          <a:off x="0" y="0"/>
+          <a:ext cx="0" cy="0"/>
+          <a:chOff x="0" y="0"/>
+          <a:chExt cx="0" cy="0"/>
+        </a:xfrm>
+      </p:grpSpPr>
+      <p:sp>
+        <p:nvSpPr>
+          <p:cNvPr id="3" name="Title 2">
+            <a:extLst>
+              <a:ext uri="{FF2B5EF4-FFF2-40B4-BE49-F238E27FC236}">
+                <a16:creationId xmlns:a16="http://schemas.microsoft.com/office/drawing/2014/main" id="{F6BF800B-2D91-A844-B4B2-97273E94E563}"/>
+              </a:ext>
+            </a:extLst>
+          </p:cNvPr>
+          <p:cNvSpPr>
+            <a:spLocks noGrp="1"/>
+          </p:cNvSpPr>
+          <p:nvPr>
+            <p:ph type="title"/>
+          </p:nvPr>
+        </p:nvSpPr>
+        <p:spPr/>
+        <p:txBody>
+          <a:bodyPr>
+            <a:normAutofit/>
+          </a:bodyPr>
+          <a:lstStyle/>
+          <a:p>
+            <a:r>
+              <a:rPr lang="en-US" dirty="0"/>
+              <a:t>Fitur Order</a:t>
+            </a:r>
+          </a:p>
+        </p:txBody>
+      </p:sp>
+      <p:sp>
+        <p:nvSpPr>
+          <p:cNvPr id="4" name="Content Placeholder 3">
+            <a:extLst>
+              <a:ext uri="{FF2B5EF4-FFF2-40B4-BE49-F238E27FC236}">
+                <a16:creationId xmlns:a16="http://schemas.microsoft.com/office/drawing/2014/main" id="{258465F5-4312-2541-8368-01B99B3E9619}"/>
+              </a:ext>
+            </a:extLst>
+          </p:cNvPr>
+          <p:cNvSpPr>
+            <a:spLocks noGrp="1"/>
+          </p:cNvSpPr>
+          <p:nvPr>
+            <p:ph sz="quarter" idx="14"/>
+          </p:nvPr>
+        </p:nvSpPr>
+        <p:spPr/>
+        <p:txBody>
+          <a:bodyPr/>
+          <a:lstStyle/>
+          <a:p>
+            <a:pPr marL="342900" indent="-342900">
+              <a:buFont typeface="+mj-lt"/>
+              <a:buAutoNum type="arabicPeriod"/>
+            </a:pPr>
+            <a:endParaRPr lang="en-US" dirty="0"/>
+          </a:p>
+        </p:txBody>
+      </p:sp>
+      <p:sp>
+        <p:nvSpPr>
+          <p:cNvPr id="16" name="TextBox 15">
+            <a:extLst>
+              <a:ext uri="{FF2B5EF4-FFF2-40B4-BE49-F238E27FC236}">
+                <a16:creationId xmlns:a16="http://schemas.microsoft.com/office/drawing/2014/main" id="{E3F6DAC6-7F78-4B8F-8679-D04D60BBCB94}"/>
+              </a:ext>
+            </a:extLst>
+          </p:cNvPr>
+          <p:cNvSpPr txBox="1"/>
+          <p:nvPr/>
+        </p:nvSpPr>
+        <p:spPr>
+          <a:xfrm>
+            <a:off x="2601698" y="4885249"/>
+            <a:ext cx="1064715" cy="369332"/>
+          </a:xfrm>
+          <a:prstGeom prst="rect">
+            <a:avLst/>
+          </a:prstGeom>
+          <a:noFill/>
+        </p:spPr>
+        <p:txBody>
+          <a:bodyPr wrap="none" rtlCol="0">
+            <a:spAutoFit/>
+          </a:bodyPr>
+          <a:lstStyle/>
+          <a:p>
+            <a:pPr algn="ctr"/>
+            <a:r>
+              <a:rPr lang="en-US" dirty="0"/>
+              <a:t>Customer</a:t>
+            </a:r>
+            <a:endParaRPr lang="en-ID" dirty="0"/>
+          </a:p>
+        </p:txBody>
+      </p:sp>
+      <p:pic>
+        <p:nvPicPr>
+          <p:cNvPr id="9" name="Picture 8">
+            <a:extLst>
+              <a:ext uri="{FF2B5EF4-FFF2-40B4-BE49-F238E27FC236}">
+                <a16:creationId xmlns:a16="http://schemas.microsoft.com/office/drawing/2014/main" id="{47F78D95-EE5B-4D39-8B92-CFE615EBBF42}"/>
+              </a:ext>
+            </a:extLst>
+          </p:cNvPr>
+          <p:cNvPicPr/>
+          <p:nvPr/>
+        </p:nvPicPr>
+        <p:blipFill>
+          <a:blip r:embed="rId2" cstate="print">
+            <a:extLst>
+              <a:ext uri="{28A0092B-C50C-407E-A947-70E740481C1C}">
+                <a14:useLocalDpi xmlns:a14="http://schemas.microsoft.com/office/drawing/2010/main" val="0"/>
+              </a:ext>
+            </a:extLst>
+          </a:blip>
+          <a:srcRect/>
+          <a:stretch>
+            <a:fillRect/>
+          </a:stretch>
+        </p:blipFill>
+        <p:spPr bwMode="auto">
+          <a:xfrm>
+            <a:off x="206640" y="701312"/>
+            <a:ext cx="1951610" cy="4183937"/>
+          </a:xfrm>
+          <a:prstGeom prst="rect">
+            <a:avLst/>
+          </a:prstGeom>
+          <a:noFill/>
+          <a:ln>
+            <a:noFill/>
+          </a:ln>
+        </p:spPr>
+      </p:pic>
+      <p:pic>
+        <p:nvPicPr>
+          <p:cNvPr id="10" name="Picture 9">
+            <a:extLst>
+              <a:ext uri="{FF2B5EF4-FFF2-40B4-BE49-F238E27FC236}">
+                <a16:creationId xmlns:a16="http://schemas.microsoft.com/office/drawing/2014/main" id="{7EBF0B56-BE2C-4690-A283-2A27288CAAF5}"/>
+              </a:ext>
+            </a:extLst>
+          </p:cNvPr>
+          <p:cNvPicPr/>
+          <p:nvPr/>
+        </p:nvPicPr>
+        <p:blipFill>
+          <a:blip r:embed="rId3" cstate="print">
+            <a:extLst>
+              <a:ext uri="{28A0092B-C50C-407E-A947-70E740481C1C}">
+                <a14:useLocalDpi xmlns:a14="http://schemas.microsoft.com/office/drawing/2010/main" val="0"/>
+              </a:ext>
+            </a:extLst>
+          </a:blip>
+          <a:srcRect/>
+          <a:stretch>
+            <a:fillRect/>
+          </a:stretch>
+        </p:blipFill>
+        <p:spPr bwMode="auto">
+          <a:xfrm>
+            <a:off x="2158251" y="701313"/>
+            <a:ext cx="1951610" cy="4185300"/>
+          </a:xfrm>
+          <a:prstGeom prst="rect">
+            <a:avLst/>
+          </a:prstGeom>
+          <a:noFill/>
+          <a:ln>
+            <a:noFill/>
+          </a:ln>
+        </p:spPr>
+      </p:pic>
+      <p:pic>
+        <p:nvPicPr>
+          <p:cNvPr id="12" name="Picture 11">
+            <a:extLst>
+              <a:ext uri="{FF2B5EF4-FFF2-40B4-BE49-F238E27FC236}">
+                <a16:creationId xmlns:a16="http://schemas.microsoft.com/office/drawing/2014/main" id="{615768AB-CB86-4FEC-A469-94FD4E924956}"/>
+              </a:ext>
+            </a:extLst>
+          </p:cNvPr>
+          <p:cNvPicPr/>
+          <p:nvPr/>
+        </p:nvPicPr>
+        <p:blipFill>
+          <a:blip r:embed="rId4" cstate="print">
+            <a:extLst>
+              <a:ext uri="{28A0092B-C50C-407E-A947-70E740481C1C}">
+                <a14:useLocalDpi xmlns:a14="http://schemas.microsoft.com/office/drawing/2010/main" val="0"/>
+              </a:ext>
+            </a:extLst>
+          </a:blip>
+          <a:srcRect/>
+          <a:stretch>
+            <a:fillRect/>
+          </a:stretch>
+        </p:blipFill>
+        <p:spPr bwMode="auto">
+          <a:xfrm>
+            <a:off x="4109861" y="701312"/>
+            <a:ext cx="1951102" cy="4183937"/>
+          </a:xfrm>
+          <a:prstGeom prst="rect">
+            <a:avLst/>
+          </a:prstGeom>
+          <a:noFill/>
+          <a:ln>
+            <a:noFill/>
+          </a:ln>
+        </p:spPr>
+      </p:pic>
+    </p:spTree>
+    <p:extLst>
+      <p:ext uri="{BB962C8B-B14F-4D97-AF65-F5344CB8AC3E}">
+        <p14:creationId xmlns:p14="http://schemas.microsoft.com/office/powerpoint/2010/main" val="789728821"/>
+      </p:ext>
+    </p:extLst>
+  </p:cSld>
+  <p:clrMapOvr>
+    <a:masterClrMapping/>
+  </p:clrMapOvr>
+</p:sld>
+</file>
+
+<file path=ppt/slides/slide16.xml><?xml version="1.0" encoding="utf-8"?>
+<p:sld xmlns:a="http://schemas.openxmlformats.org/drawingml/2006/main" xmlns:r="http://schemas.openxmlformats.org/officeDocument/2006/relationships" xmlns:p="http://schemas.openxmlformats.org/presentationml/2006/main">
+  <p:cSld>
+    <p:spTree>
+      <p:nvGrpSpPr>
+        <p:cNvPr id="1" name=""/>
+        <p:cNvGrpSpPr/>
+        <p:nvPr/>
+      </p:nvGrpSpPr>
+      <p:grpSpPr>
+        <a:xfrm>
+          <a:off x="0" y="0"/>
+          <a:ext cx="0" cy="0"/>
+          <a:chOff x="0" y="0"/>
+          <a:chExt cx="0" cy="0"/>
+        </a:xfrm>
+      </p:grpSpPr>
+      <p:sp>
+        <p:nvSpPr>
+          <p:cNvPr id="3" name="Title 2">
+            <a:extLst>
+              <a:ext uri="{FF2B5EF4-FFF2-40B4-BE49-F238E27FC236}">
+                <a16:creationId xmlns:a16="http://schemas.microsoft.com/office/drawing/2014/main" id="{F6BF800B-2D91-A844-B4B2-97273E94E563}"/>
+              </a:ext>
+            </a:extLst>
+          </p:cNvPr>
+          <p:cNvSpPr>
+            <a:spLocks noGrp="1"/>
+          </p:cNvSpPr>
+          <p:nvPr>
+            <p:ph type="title"/>
+          </p:nvPr>
+        </p:nvSpPr>
+        <p:spPr/>
+        <p:txBody>
+          <a:bodyPr>
+            <a:normAutofit/>
+          </a:bodyPr>
+          <a:lstStyle/>
+          <a:p>
+            <a:r>
+              <a:rPr lang="en-US" dirty="0"/>
+              <a:t>Fitur Profile</a:t>
+            </a:r>
+          </a:p>
+        </p:txBody>
+      </p:sp>
+      <p:sp>
+        <p:nvSpPr>
+          <p:cNvPr id="4" name="Content Placeholder 3">
+            <a:extLst>
+              <a:ext uri="{FF2B5EF4-FFF2-40B4-BE49-F238E27FC236}">
+                <a16:creationId xmlns:a16="http://schemas.microsoft.com/office/drawing/2014/main" id="{258465F5-4312-2541-8368-01B99B3E9619}"/>
+              </a:ext>
+            </a:extLst>
+          </p:cNvPr>
+          <p:cNvSpPr>
+            <a:spLocks noGrp="1"/>
+          </p:cNvSpPr>
+          <p:nvPr>
+            <p:ph sz="quarter" idx="14"/>
+          </p:nvPr>
+        </p:nvSpPr>
+        <p:spPr/>
+        <p:txBody>
+          <a:bodyPr/>
+          <a:lstStyle/>
+          <a:p>
+            <a:pPr marL="342900" indent="-342900">
+              <a:buFont typeface="+mj-lt"/>
+              <a:buAutoNum type="arabicPeriod"/>
+            </a:pPr>
+            <a:endParaRPr lang="en-US" dirty="0"/>
+          </a:p>
+        </p:txBody>
+      </p:sp>
+      <p:sp>
+        <p:nvSpPr>
+          <p:cNvPr id="16" name="TextBox 15">
+            <a:extLst>
+              <a:ext uri="{FF2B5EF4-FFF2-40B4-BE49-F238E27FC236}">
+                <a16:creationId xmlns:a16="http://schemas.microsoft.com/office/drawing/2014/main" id="{E3F6DAC6-7F78-4B8F-8679-D04D60BBCB94}"/>
+              </a:ext>
+            </a:extLst>
+          </p:cNvPr>
+          <p:cNvSpPr txBox="1"/>
+          <p:nvPr/>
+        </p:nvSpPr>
+        <p:spPr>
+          <a:xfrm>
+            <a:off x="964720" y="5141347"/>
+            <a:ext cx="1064714" cy="369332"/>
+          </a:xfrm>
+          <a:prstGeom prst="rect">
+            <a:avLst/>
+          </a:prstGeom>
+          <a:noFill/>
+        </p:spPr>
+        <p:txBody>
+          <a:bodyPr wrap="none" rtlCol="0">
+            <a:spAutoFit/>
+          </a:bodyPr>
+          <a:lstStyle/>
+          <a:p>
+            <a:pPr algn="ctr"/>
+            <a:r>
+              <a:rPr lang="en-US" dirty="0"/>
+              <a:t>Customer</a:t>
+            </a:r>
+            <a:endParaRPr lang="en-ID" dirty="0"/>
+          </a:p>
+        </p:txBody>
+      </p:sp>
+      <p:pic>
+        <p:nvPicPr>
+          <p:cNvPr id="11" name="Picture 10">
+            <a:extLst>
+              <a:ext uri="{FF2B5EF4-FFF2-40B4-BE49-F238E27FC236}">
+                <a16:creationId xmlns:a16="http://schemas.microsoft.com/office/drawing/2014/main" id="{835DEFFA-2070-48BC-955A-F0BC1F730B49}"/>
+              </a:ext>
+            </a:extLst>
+          </p:cNvPr>
+          <p:cNvPicPr/>
+          <p:nvPr/>
+        </p:nvPicPr>
+        <p:blipFill>
+          <a:blip r:embed="rId2" cstate="print">
+            <a:extLst>
+              <a:ext uri="{28A0092B-C50C-407E-A947-70E740481C1C}">
+                <a14:useLocalDpi xmlns:a14="http://schemas.microsoft.com/office/drawing/2010/main" val="0"/>
+              </a:ext>
+            </a:extLst>
+          </a:blip>
+          <a:srcRect/>
+          <a:stretch>
+            <a:fillRect/>
+          </a:stretch>
+        </p:blipFill>
+        <p:spPr bwMode="auto">
+          <a:xfrm>
+            <a:off x="2541818" y="701311"/>
+            <a:ext cx="2089481" cy="4481995"/>
+          </a:xfrm>
+          <a:prstGeom prst="rect">
+            <a:avLst/>
+          </a:prstGeom>
+          <a:noFill/>
+          <a:ln>
+            <a:noFill/>
+          </a:ln>
+        </p:spPr>
+      </p:pic>
+      <p:pic>
+        <p:nvPicPr>
+          <p:cNvPr id="13" name="Picture 12">
+            <a:extLst>
+              <a:ext uri="{FF2B5EF4-FFF2-40B4-BE49-F238E27FC236}">
+                <a16:creationId xmlns:a16="http://schemas.microsoft.com/office/drawing/2014/main" id="{16859477-9CF9-47D1-AF39-CDE871087E21}"/>
+              </a:ext>
+            </a:extLst>
+          </p:cNvPr>
+          <p:cNvPicPr/>
+          <p:nvPr/>
+        </p:nvPicPr>
+        <p:blipFill>
+          <a:blip r:embed="rId3" cstate="print">
+            <a:extLst>
+              <a:ext uri="{28A0092B-C50C-407E-A947-70E740481C1C}">
+                <a14:useLocalDpi xmlns:a14="http://schemas.microsoft.com/office/drawing/2010/main" val="0"/>
+              </a:ext>
+            </a:extLst>
+          </a:blip>
+          <a:srcRect/>
+          <a:stretch>
+            <a:fillRect/>
+          </a:stretch>
+        </p:blipFill>
+        <p:spPr bwMode="auto">
+          <a:xfrm>
+            <a:off x="452336" y="701311"/>
+            <a:ext cx="2089482" cy="4480603"/>
+          </a:xfrm>
+          <a:prstGeom prst="rect">
+            <a:avLst/>
+          </a:prstGeom>
+          <a:noFill/>
+          <a:ln>
+            <a:noFill/>
+          </a:ln>
+        </p:spPr>
+      </p:pic>
+      <p:pic>
+        <p:nvPicPr>
+          <p:cNvPr id="14" name="Picture 13">
+            <a:extLst>
+              <a:ext uri="{FF2B5EF4-FFF2-40B4-BE49-F238E27FC236}">
+                <a16:creationId xmlns:a16="http://schemas.microsoft.com/office/drawing/2014/main" id="{DB4A6AFF-F498-4856-8FE0-070EE20DBE1A}"/>
+              </a:ext>
+            </a:extLst>
+          </p:cNvPr>
+          <p:cNvPicPr/>
+          <p:nvPr/>
+        </p:nvPicPr>
+        <p:blipFill rotWithShape="1">
+          <a:blip r:embed="rId4">
+            <a:extLst>
+              <a:ext uri="{28A0092B-C50C-407E-A947-70E740481C1C}">
+                <a14:useLocalDpi xmlns:a14="http://schemas.microsoft.com/office/drawing/2010/main" val="0"/>
+              </a:ext>
+            </a:extLst>
+          </a:blip>
+          <a:srcRect t="65762" b="15634"/>
+          <a:stretch/>
+        </p:blipFill>
+        <p:spPr bwMode="auto">
+          <a:xfrm>
+            <a:off x="1566013" y="5767507"/>
+            <a:ext cx="1951610" cy="778363"/>
+          </a:xfrm>
+          <a:prstGeom prst="rect">
+            <a:avLst/>
+          </a:prstGeom>
+          <a:noFill/>
+          <a:ln>
+            <a:noFill/>
+          </a:ln>
+          <a:extLst>
+            <a:ext uri="{53640926-AAD7-44D8-BBD7-CCE9431645EC}">
+              <a14:shadowObscured xmlns:a14="http://schemas.microsoft.com/office/drawing/2010/main"/>
+            </a:ext>
+          </a:extLst>
+        </p:spPr>
+      </p:pic>
+      <p:sp>
+        <p:nvSpPr>
+          <p:cNvPr id="15" name="TextBox 14">
+            <a:extLst>
+              <a:ext uri="{FF2B5EF4-FFF2-40B4-BE49-F238E27FC236}">
+                <a16:creationId xmlns:a16="http://schemas.microsoft.com/office/drawing/2014/main" id="{6140C169-9B25-40FD-A1A0-FB53C24DAA02}"/>
+              </a:ext>
+            </a:extLst>
+          </p:cNvPr>
+          <p:cNvSpPr txBox="1"/>
+          <p:nvPr/>
+        </p:nvSpPr>
+        <p:spPr>
+          <a:xfrm>
+            <a:off x="3202991" y="5141347"/>
+            <a:ext cx="767133" cy="369332"/>
+          </a:xfrm>
+          <a:prstGeom prst="rect">
+            <a:avLst/>
+          </a:prstGeom>
+          <a:noFill/>
+        </p:spPr>
+        <p:txBody>
+          <a:bodyPr wrap="none" rtlCol="0">
+            <a:spAutoFit/>
+          </a:bodyPr>
+          <a:lstStyle/>
+          <a:p>
+            <a:pPr algn="ctr"/>
+            <a:r>
+              <a:rPr lang="en-US" dirty="0"/>
+              <a:t>Driver</a:t>
+            </a:r>
+            <a:endParaRPr lang="en-ID" dirty="0"/>
+          </a:p>
+        </p:txBody>
+      </p:sp>
+    </p:spTree>
+    <p:extLst>
+      <p:ext uri="{BB962C8B-B14F-4D97-AF65-F5344CB8AC3E}">
+        <p14:creationId xmlns:p14="http://schemas.microsoft.com/office/powerpoint/2010/main" val="4071057913"/>
+      </p:ext>
+    </p:extLst>
+  </p:cSld>
+  <p:clrMapOvr>
+    <a:masterClrMapping/>
+  </p:clrMapOvr>
+</p:sld>
+</file>
+
+<file path=ppt/slides/slide17.xml><?xml version="1.0" encoding="utf-8"?>
+<p:sld xmlns:a="http://schemas.openxmlformats.org/drawingml/2006/main" xmlns:r="http://schemas.openxmlformats.org/officeDocument/2006/relationships" xmlns:p="http://schemas.openxmlformats.org/presentationml/2006/main">
+  <p:cSld>
+    <p:spTree>
+      <p:nvGrpSpPr>
+        <p:cNvPr id="1" name=""/>
+        <p:cNvGrpSpPr/>
+        <p:nvPr/>
+      </p:nvGrpSpPr>
+      <p:grpSpPr>
+        <a:xfrm>
+          <a:off x="0" y="0"/>
+          <a:ext cx="0" cy="0"/>
+          <a:chOff x="0" y="0"/>
+          <a:chExt cx="0" cy="0"/>
+        </a:xfrm>
+      </p:grpSpPr>
+      <p:pic>
+        <p:nvPicPr>
+          <p:cNvPr id="33" name="Picture Placeholder 32" descr="A view of a city and buildings ">
+            <a:extLst>
+              <a:ext uri="{FF2B5EF4-FFF2-40B4-BE49-F238E27FC236}">
+                <a16:creationId xmlns:a16="http://schemas.microsoft.com/office/drawing/2014/main" id="{E70F7F78-29FD-3E49-BEFD-E20A8C71DD55}"/>
+              </a:ext>
+            </a:extLst>
+          </p:cNvPr>
+          <p:cNvPicPr>
+            <a:picLocks noGrp="1" noChangeAspect="1"/>
+          </p:cNvPicPr>
+          <p:nvPr>
+            <p:ph type="pic" sz="quarter" idx="13"/>
+          </p:nvPr>
+        </p:nvPicPr>
+        <p:blipFill rotWithShape="1">
+          <a:blip r:embed="rId2" cstate="email">
+            <a:extLst>
+              <a:ext uri="{28A0092B-C50C-407E-A947-70E740481C1C}">
+                <a14:useLocalDpi xmlns:a14="http://schemas.microsoft.com/office/drawing/2010/main"/>
+              </a:ext>
+            </a:extLst>
+          </a:blip>
+          <a:srcRect/>
+          <a:stretch/>
+        </p:blipFill>
+        <p:spPr>
+          <a:xfrm>
+            <a:off x="10128308" y="717550"/>
+            <a:ext cx="2063601" cy="4953001"/>
+          </a:xfrm>
+        </p:spPr>
+      </p:pic>
+      <p:pic>
+        <p:nvPicPr>
+          <p:cNvPr id="35" name="Picture Placeholder 34" descr="A view of a city and buildings ">
+            <a:extLst>
+              <a:ext uri="{FF2B5EF4-FFF2-40B4-BE49-F238E27FC236}">
+                <a16:creationId xmlns:a16="http://schemas.microsoft.com/office/drawing/2014/main" id="{914FB879-7F74-4546-ADF1-51C8C35FA91B}"/>
+              </a:ext>
+            </a:extLst>
+          </p:cNvPr>
+          <p:cNvPicPr>
+            <a:picLocks noGrp="1" noChangeAspect="1"/>
+          </p:cNvPicPr>
+          <p:nvPr>
+            <p:ph type="pic" sz="quarter" idx="14"/>
+          </p:nvPr>
+        </p:nvPicPr>
+        <p:blipFill rotWithShape="1">
+          <a:blip r:embed="rId3" cstate="email">
+            <a:extLst>
+              <a:ext uri="{28A0092B-C50C-407E-A947-70E740481C1C}">
+                <a14:useLocalDpi xmlns:a14="http://schemas.microsoft.com/office/drawing/2010/main"/>
+              </a:ext>
+            </a:extLst>
+          </a:blip>
+          <a:srcRect/>
+          <a:stretch/>
+        </p:blipFill>
+        <p:spPr>
+          <a:xfrm>
+            <a:off x="1274457" y="3168650"/>
+            <a:ext cx="3367194" cy="3689350"/>
+          </a:xfrm>
+        </p:spPr>
+      </p:pic>
+      <p:pic>
+        <p:nvPicPr>
+          <p:cNvPr id="31" name="Picture Placeholder 30" descr="A view of a city and buildings ">
+            <a:extLst>
+              <a:ext uri="{FF2B5EF4-FFF2-40B4-BE49-F238E27FC236}">
+                <a16:creationId xmlns:a16="http://schemas.microsoft.com/office/drawing/2014/main" id="{BEDAA8B5-CD18-5B4C-8E6D-80FCA8970DAF}"/>
+              </a:ext>
+            </a:extLst>
+          </p:cNvPr>
+          <p:cNvPicPr>
+            <a:picLocks noGrp="1" noChangeAspect="1"/>
+          </p:cNvPicPr>
+          <p:nvPr>
+            <p:ph type="pic" sz="quarter" idx="15"/>
+          </p:nvPr>
+        </p:nvPicPr>
+        <p:blipFill rotWithShape="1">
+          <a:blip r:embed="rId4" cstate="email">
+            <a:extLst>
+              <a:ext uri="{28A0092B-C50C-407E-A947-70E740481C1C}">
+                <a14:useLocalDpi xmlns:a14="http://schemas.microsoft.com/office/drawing/2010/main"/>
+              </a:ext>
+            </a:extLst>
+          </a:blip>
+          <a:srcRect/>
+          <a:stretch/>
+        </p:blipFill>
+        <p:spPr>
+          <a:xfrm>
+            <a:off x="1274457" y="0"/>
+            <a:ext cx="3367194" cy="2667000"/>
+          </a:xfrm>
+        </p:spPr>
+      </p:pic>
+      <p:sp>
+        <p:nvSpPr>
+          <p:cNvPr id="12" name="Title 11">
+            <a:extLst>
+              <a:ext uri="{FF2B5EF4-FFF2-40B4-BE49-F238E27FC236}">
+                <a16:creationId xmlns:a16="http://schemas.microsoft.com/office/drawing/2014/main" id="{8BB1D2D3-565B-8645-85F7-41F999D96B52}"/>
+              </a:ext>
+            </a:extLst>
+          </p:cNvPr>
+          <p:cNvSpPr>
+            <a:spLocks noGrp="1"/>
+          </p:cNvSpPr>
+          <p:nvPr>
+            <p:ph type="title"/>
+          </p:nvPr>
+        </p:nvSpPr>
+        <p:spPr/>
+        <p:txBody>
+          <a:bodyPr/>
+          <a:lstStyle/>
+          <a:p>
+            <a:r>
+              <a:rPr lang="en-US" dirty="0" err="1">
+                <a:sym typeface="Bodoni SvtyTwo ITC TT-Book"/>
+              </a:rPr>
+              <a:t>Terima</a:t>
+            </a:r>
+            <a:r>
+              <a:rPr lang="en-US" dirty="0">
+                <a:sym typeface="Bodoni SvtyTwo ITC TT-Book"/>
+              </a:rPr>
+              <a:t> </a:t>
+            </a:r>
+            <a:r>
+              <a:rPr lang="en-US" dirty="0" err="1">
+                <a:sym typeface="Bodoni SvtyTwo ITC TT-Book"/>
+              </a:rPr>
+              <a:t>kasih</a:t>
+            </a:r>
+            <a:endParaRPr lang="en-US" dirty="0">
+              <a:sym typeface="Bodoni SvtyTwo ITC TT-Book"/>
+            </a:endParaRPr>
+          </a:p>
+        </p:txBody>
+      </p:sp>
+    </p:spTree>
+    <p:extLst>
+      <p:ext uri="{BB962C8B-B14F-4D97-AF65-F5344CB8AC3E}">
+        <p14:creationId xmlns:p14="http://schemas.microsoft.com/office/powerpoint/2010/main" val="3922721763"/>
+      </p:ext>
+    </p:extLst>
+  </p:cSld>
+  <p:clrMapOvr>
+    <a:masterClrMapping/>
+  </p:clrMapOvr>
+</p:sld>
+</file>
+
 <file path=ppt/slides/slide2.xml><?xml version="1.0" encoding="utf-8"?>
 <p:sld xmlns:a="http://schemas.openxmlformats.org/drawingml/2006/main" xmlns:r="http://schemas.openxmlformats.org/officeDocument/2006/relationships" xmlns:p="http://schemas.openxmlformats.org/presentationml/2006/main">
   <p:cSld>
@@ -14757,8 +16773,13 @@
           <a:p>
             <a:r>
               <a:rPr lang="en-US" dirty="0"/>
-              <a:t>Our products/services</a:t>
-            </a:r>
+              <a:t>Fitur </a:t>
+            </a:r>
+            <a:r>
+              <a:rPr lang="en-US" dirty="0" err="1"/>
+              <a:t>masuk</a:t>
+            </a:r>
+            <a:endParaRPr lang="en-US" dirty="0"/>
           </a:p>
         </p:txBody>
       </p:sp>
@@ -14787,84 +16808,162 @@
               <a:buFont typeface="+mj-lt"/>
               <a:buAutoNum type="arabicPeriod"/>
             </a:pPr>
-            <a:r>
-              <a:rPr lang="en-US" dirty="0"/>
-              <a:t>Lorem ipsum lorem ipsum lorem ipsum lorem ipsum lorem ipsum lorem ipsum lorem ipsum</a:t>
-            </a:r>
-          </a:p>
-          <a:p>
-            <a:pPr marL="342900" indent="-342900">
-              <a:buFont typeface="+mj-lt"/>
-              <a:buAutoNum type="arabicPeriod"/>
-            </a:pPr>
-            <a:r>
-              <a:rPr lang="en-US" dirty="0"/>
-              <a:t>Lorem ipsum lorem ipsum lorem ipsum lorem ipsum lorem ipsum lorem ipsum lorem ipsum</a:t>
-            </a:r>
-          </a:p>
-          <a:p>
-            <a:pPr marL="342900" indent="-342900">
-              <a:buFont typeface="+mj-lt"/>
-              <a:buAutoNum type="arabicPeriod"/>
-            </a:pPr>
-            <a:r>
-              <a:rPr lang="en-US" dirty="0"/>
-              <a:t>Lorem ipsum lorem ipsum lorem ipsum lorem ipsum lorem ipsum lorem ipsum lorem ipsum</a:t>
-            </a:r>
-          </a:p>
-          <a:p>
-            <a:pPr marL="342900" indent="-342900">
-              <a:buFont typeface="+mj-lt"/>
-              <a:buAutoNum type="arabicPeriod"/>
-            </a:pPr>
-            <a:r>
-              <a:rPr lang="en-US" dirty="0"/>
-              <a:t>Lorem ipsum lorem ipsum lorem ipsum lorem ipsum lorem ipsum lorem ipsum lorem ipsum</a:t>
-            </a:r>
-          </a:p>
-          <a:p>
-            <a:pPr marL="342900" indent="-342900">
-              <a:buFont typeface="+mj-lt"/>
-              <a:buAutoNum type="arabicPeriod"/>
-            </a:pPr>
             <a:endParaRPr lang="en-US" dirty="0"/>
           </a:p>
         </p:txBody>
       </p:sp>
       <p:pic>
         <p:nvPicPr>
-          <p:cNvPr id="8" name="Picture Placeholder 7" descr="Woman standing in front of a window on tablet">
+          <p:cNvPr id="7" name="Picture 6">
             <a:extLst>
               <a:ext uri="{FF2B5EF4-FFF2-40B4-BE49-F238E27FC236}">
-                <a16:creationId xmlns:a16="http://schemas.microsoft.com/office/drawing/2014/main" id="{B5333156-CA53-A443-B907-19368CEE0980}"/>
+                <a16:creationId xmlns:a16="http://schemas.microsoft.com/office/drawing/2014/main" id="{F8BC6F42-68D2-48F0-B10D-40ED71873BB8}"/>
               </a:ext>
             </a:extLst>
           </p:cNvPr>
-          <p:cNvPicPr>
-            <a:picLocks noGrp="1" noChangeAspect="1"/>
-          </p:cNvPicPr>
-          <p:nvPr>
-            <p:ph type="pic" sz="quarter" idx="13"/>
-          </p:nvPr>
+          <p:cNvPicPr/>
+          <p:nvPr/>
         </p:nvPicPr>
-        <p:blipFill rotWithShape="1">
-          <a:blip r:embed="rId2" cstate="email">
+        <p:blipFill>
+          <a:blip r:embed="rId2" cstate="print">
             <a:extLst>
               <a:ext uri="{28A0092B-C50C-407E-A947-70E740481C1C}">
-                <a14:useLocalDpi xmlns:a14="http://schemas.microsoft.com/office/drawing/2010/main"/>
+                <a14:useLocalDpi xmlns:a14="http://schemas.microsoft.com/office/drawing/2010/main" val="0"/>
               </a:ext>
             </a:extLst>
           </a:blip>
           <a:srcRect/>
-          <a:stretch/>
+          <a:stretch>
+            <a:fillRect/>
+          </a:stretch>
         </p:blipFill>
+        <p:spPr bwMode="auto">
+          <a:xfrm>
+            <a:off x="329533" y="702156"/>
+            <a:ext cx="2592721" cy="5562212"/>
+          </a:xfrm>
+          <a:prstGeom prst="rect">
+            <a:avLst/>
+          </a:prstGeom>
+          <a:noFill/>
+          <a:ln>
+            <a:noFill/>
+          </a:ln>
+        </p:spPr>
+      </p:pic>
+      <p:pic>
+        <p:nvPicPr>
+          <p:cNvPr id="9" name="Picture 8">
+            <a:extLst>
+              <a:ext uri="{FF2B5EF4-FFF2-40B4-BE49-F238E27FC236}">
+                <a16:creationId xmlns:a16="http://schemas.microsoft.com/office/drawing/2014/main" id="{783A8F50-20E0-4DF1-BCDC-11B042A84A3D}"/>
+              </a:ext>
+            </a:extLst>
+          </p:cNvPr>
+          <p:cNvPicPr/>
+          <p:nvPr/>
+        </p:nvPicPr>
+        <p:blipFill>
+          <a:blip r:embed="rId3" cstate="print">
+            <a:extLst>
+              <a:ext uri="{28A0092B-C50C-407E-A947-70E740481C1C}">
+                <a14:useLocalDpi xmlns:a14="http://schemas.microsoft.com/office/drawing/2010/main" val="0"/>
+              </a:ext>
+            </a:extLst>
+          </a:blip>
+          <a:srcRect/>
+          <a:stretch>
+            <a:fillRect/>
+          </a:stretch>
+        </p:blipFill>
+        <p:spPr bwMode="auto">
+          <a:xfrm>
+            <a:off x="2922255" y="702156"/>
+            <a:ext cx="2592720" cy="5559946"/>
+          </a:xfrm>
+          <a:prstGeom prst="rect">
+            <a:avLst/>
+          </a:prstGeom>
+          <a:noFill/>
+          <a:ln>
+            <a:noFill/>
+          </a:ln>
+        </p:spPr>
+      </p:pic>
+      <p:sp>
+        <p:nvSpPr>
+          <p:cNvPr id="6" name="TextBox 5">
+            <a:extLst>
+              <a:ext uri="{FF2B5EF4-FFF2-40B4-BE49-F238E27FC236}">
+                <a16:creationId xmlns:a16="http://schemas.microsoft.com/office/drawing/2014/main" id="{4C96BAD3-4E77-4F90-A5B4-C3C86DF259B6}"/>
+              </a:ext>
+            </a:extLst>
+          </p:cNvPr>
+          <p:cNvSpPr txBox="1"/>
+          <p:nvPr/>
+        </p:nvSpPr>
         <p:spPr>
           <a:xfrm>
-            <a:off x="546100" y="520700"/>
-            <a:ext cx="4743450" cy="5816600"/>
+            <a:off x="1093535" y="6264368"/>
+            <a:ext cx="1064715" cy="369332"/>
           </a:xfrm>
+          <a:prstGeom prst="rect">
+            <a:avLst/>
+          </a:prstGeom>
+          <a:noFill/>
         </p:spPr>
-      </p:pic>
+        <p:txBody>
+          <a:bodyPr wrap="none" rtlCol="0">
+            <a:spAutoFit/>
+          </a:bodyPr>
+          <a:lstStyle/>
+          <a:p>
+            <a:pPr algn="ctr"/>
+            <a:r>
+              <a:rPr lang="en-US" dirty="0"/>
+              <a:t>Customer</a:t>
+            </a:r>
+            <a:endParaRPr lang="en-ID" dirty="0"/>
+          </a:p>
+        </p:txBody>
+      </p:sp>
+      <p:sp>
+        <p:nvSpPr>
+          <p:cNvPr id="10" name="TextBox 9">
+            <a:extLst>
+              <a:ext uri="{FF2B5EF4-FFF2-40B4-BE49-F238E27FC236}">
+                <a16:creationId xmlns:a16="http://schemas.microsoft.com/office/drawing/2014/main" id="{A1529446-42A4-4CA1-A2C1-22C720352D10}"/>
+              </a:ext>
+            </a:extLst>
+          </p:cNvPr>
+          <p:cNvSpPr txBox="1"/>
+          <p:nvPr/>
+        </p:nvSpPr>
+        <p:spPr>
+          <a:xfrm>
+            <a:off x="3835048" y="6264368"/>
+            <a:ext cx="767133" cy="369332"/>
+          </a:xfrm>
+          <a:prstGeom prst="rect">
+            <a:avLst/>
+          </a:prstGeom>
+          <a:noFill/>
+        </p:spPr>
+        <p:txBody>
+          <a:bodyPr wrap="none" rtlCol="0">
+            <a:spAutoFit/>
+          </a:bodyPr>
+          <a:lstStyle/>
+          <a:p>
+            <a:pPr algn="ctr"/>
+            <a:r>
+              <a:rPr lang="en-US" dirty="0"/>
+              <a:t>Driver</a:t>
+            </a:r>
+            <a:endParaRPr lang="en-ID" dirty="0"/>
+          </a:p>
+        </p:txBody>
+      </p:sp>
     </p:spTree>
     <p:extLst>
       <p:ext uri="{BB962C8B-B14F-4D97-AF65-F5344CB8AC3E}">
@@ -14895,114 +16994,12 @@
           <a:chExt cx="0" cy="0"/>
         </a:xfrm>
       </p:grpSpPr>
-      <p:pic>
-        <p:nvPicPr>
-          <p:cNvPr id="33" name="Picture Placeholder 32" descr="A view of a city and buildings ">
+      <p:sp>
+        <p:nvSpPr>
+          <p:cNvPr id="3" name="Title 2">
             <a:extLst>
               <a:ext uri="{FF2B5EF4-FFF2-40B4-BE49-F238E27FC236}">
-                <a16:creationId xmlns:a16="http://schemas.microsoft.com/office/drawing/2014/main" id="{E70F7F78-29FD-3E49-BEFD-E20A8C71DD55}"/>
-              </a:ext>
-            </a:extLst>
-          </p:cNvPr>
-          <p:cNvPicPr>
-            <a:picLocks noGrp="1" noChangeAspect="1"/>
-          </p:cNvPicPr>
-          <p:nvPr>
-            <p:ph type="pic" sz="quarter" idx="13"/>
-          </p:nvPr>
-        </p:nvPicPr>
-        <p:blipFill rotWithShape="1">
-          <a:blip r:embed="rId2" cstate="email">
-            <a:extLst>
-              <a:ext uri="{28A0092B-C50C-407E-A947-70E740481C1C}">
-                <a14:useLocalDpi xmlns:a14="http://schemas.microsoft.com/office/drawing/2010/main"/>
-              </a:ext>
-            </a:extLst>
-          </a:blip>
-          <a:srcRect/>
-          <a:stretch/>
-        </p:blipFill>
-        <p:spPr>
-          <a:xfrm>
-            <a:off x="10128308" y="717550"/>
-            <a:ext cx="2063601" cy="4953001"/>
-          </a:xfrm>
-        </p:spPr>
-      </p:pic>
-      <p:pic>
-        <p:nvPicPr>
-          <p:cNvPr id="35" name="Picture Placeholder 34" descr="A view of a city and buildings ">
-            <a:extLst>
-              <a:ext uri="{FF2B5EF4-FFF2-40B4-BE49-F238E27FC236}">
-                <a16:creationId xmlns:a16="http://schemas.microsoft.com/office/drawing/2014/main" id="{914FB879-7F74-4546-ADF1-51C8C35FA91B}"/>
-              </a:ext>
-            </a:extLst>
-          </p:cNvPr>
-          <p:cNvPicPr>
-            <a:picLocks noGrp="1" noChangeAspect="1"/>
-          </p:cNvPicPr>
-          <p:nvPr>
-            <p:ph type="pic" sz="quarter" idx="14"/>
-          </p:nvPr>
-        </p:nvPicPr>
-        <p:blipFill rotWithShape="1">
-          <a:blip r:embed="rId3" cstate="email">
-            <a:extLst>
-              <a:ext uri="{28A0092B-C50C-407E-A947-70E740481C1C}">
-                <a14:useLocalDpi xmlns:a14="http://schemas.microsoft.com/office/drawing/2010/main"/>
-              </a:ext>
-            </a:extLst>
-          </a:blip>
-          <a:srcRect/>
-          <a:stretch/>
-        </p:blipFill>
-        <p:spPr>
-          <a:xfrm>
-            <a:off x="1274457" y="3168650"/>
-            <a:ext cx="3367194" cy="3689350"/>
-          </a:xfrm>
-        </p:spPr>
-      </p:pic>
-      <p:pic>
-        <p:nvPicPr>
-          <p:cNvPr id="31" name="Picture Placeholder 30" descr="A view of a city and buildings ">
-            <a:extLst>
-              <a:ext uri="{FF2B5EF4-FFF2-40B4-BE49-F238E27FC236}">
-                <a16:creationId xmlns:a16="http://schemas.microsoft.com/office/drawing/2014/main" id="{BEDAA8B5-CD18-5B4C-8E6D-80FCA8970DAF}"/>
-              </a:ext>
-            </a:extLst>
-          </p:cNvPr>
-          <p:cNvPicPr>
-            <a:picLocks noGrp="1" noChangeAspect="1"/>
-          </p:cNvPicPr>
-          <p:nvPr>
-            <p:ph type="pic" sz="quarter" idx="15"/>
-          </p:nvPr>
-        </p:nvPicPr>
-        <p:blipFill rotWithShape="1">
-          <a:blip r:embed="rId4" cstate="email">
-            <a:extLst>
-              <a:ext uri="{28A0092B-C50C-407E-A947-70E740481C1C}">
-                <a14:useLocalDpi xmlns:a14="http://schemas.microsoft.com/office/drawing/2010/main"/>
-              </a:ext>
-            </a:extLst>
-          </a:blip>
-          <a:srcRect/>
-          <a:stretch/>
-        </p:blipFill>
-        <p:spPr>
-          <a:xfrm>
-            <a:off x="1274457" y="0"/>
-            <a:ext cx="3367194" cy="2667000"/>
-          </a:xfrm>
-        </p:spPr>
-      </p:pic>
-      <p:sp>
-        <p:nvSpPr>
-          <p:cNvPr id="12" name="Title 11">
-            <a:extLst>
-              <a:ext uri="{FF2B5EF4-FFF2-40B4-BE49-F238E27FC236}">
-                <a16:creationId xmlns:a16="http://schemas.microsoft.com/office/drawing/2014/main" id="{8BB1D2D3-565B-8645-85F7-41F999D96B52}"/>
+                <a16:creationId xmlns:a16="http://schemas.microsoft.com/office/drawing/2014/main" id="{F6BF800B-2D91-A844-B4B2-97273E94E563}"/>
               </a:ext>
             </a:extLst>
           </p:cNvPr>
@@ -15015,37 +17012,412 @@
         </p:nvSpPr>
         <p:spPr/>
         <p:txBody>
+          <a:bodyPr>
+            <a:normAutofit/>
+          </a:bodyPr>
+          <a:lstStyle/>
+          <a:p>
+            <a:r>
+              <a:rPr lang="en-US" dirty="0"/>
+              <a:t>Fitur </a:t>
+            </a:r>
+            <a:r>
+              <a:rPr lang="en-US" dirty="0" err="1"/>
+              <a:t>Registrasi</a:t>
+            </a:r>
+            <a:endParaRPr lang="en-US" dirty="0"/>
+          </a:p>
+        </p:txBody>
+      </p:sp>
+      <p:sp>
+        <p:nvSpPr>
+          <p:cNvPr id="4" name="Content Placeholder 3">
+            <a:extLst>
+              <a:ext uri="{FF2B5EF4-FFF2-40B4-BE49-F238E27FC236}">
+                <a16:creationId xmlns:a16="http://schemas.microsoft.com/office/drawing/2014/main" id="{258465F5-4312-2541-8368-01B99B3E9619}"/>
+              </a:ext>
+            </a:extLst>
+          </p:cNvPr>
+          <p:cNvSpPr>
+            <a:spLocks noGrp="1"/>
+          </p:cNvSpPr>
+          <p:nvPr>
+            <p:ph sz="quarter" idx="14"/>
+          </p:nvPr>
+        </p:nvSpPr>
+        <p:spPr/>
+        <p:txBody>
           <a:bodyPr/>
           <a:lstStyle/>
           <a:p>
-            <a:r>
-              <a:rPr lang="en-US" dirty="0" err="1">
-                <a:sym typeface="Bodoni SvtyTwo ITC TT-Book"/>
-              </a:rPr>
-              <a:t>Terima</a:t>
-            </a:r>
-            <a:r>
-              <a:rPr lang="en-US" dirty="0">
-                <a:sym typeface="Bodoni SvtyTwo ITC TT-Book"/>
-              </a:rPr>
-              <a:t> </a:t>
-            </a:r>
-            <a:r>
-              <a:rPr lang="en-US" dirty="0" err="1">
-                <a:sym typeface="Bodoni SvtyTwo ITC TT-Book"/>
-              </a:rPr>
-              <a:t>kasih</a:t>
-            </a:r>
-            <a:endParaRPr lang="en-US" dirty="0">
-              <a:sym typeface="Bodoni SvtyTwo ITC TT-Book"/>
-            </a:endParaRPr>
-          </a:p>
-        </p:txBody>
-      </p:sp>
+            <a:pPr marL="342900" indent="-342900">
+              <a:buFont typeface="+mj-lt"/>
+              <a:buAutoNum type="arabicPeriod"/>
+            </a:pPr>
+            <a:endParaRPr lang="en-US" dirty="0"/>
+          </a:p>
+        </p:txBody>
+      </p:sp>
+      <p:sp>
+        <p:nvSpPr>
+          <p:cNvPr id="6" name="TextBox 5">
+            <a:extLst>
+              <a:ext uri="{FF2B5EF4-FFF2-40B4-BE49-F238E27FC236}">
+                <a16:creationId xmlns:a16="http://schemas.microsoft.com/office/drawing/2014/main" id="{4C96BAD3-4E77-4F90-A5B4-C3C86DF259B6}"/>
+              </a:ext>
+            </a:extLst>
+          </p:cNvPr>
+          <p:cNvSpPr txBox="1"/>
+          <p:nvPr/>
+        </p:nvSpPr>
+        <p:spPr>
+          <a:xfrm>
+            <a:off x="2388901" y="6260710"/>
+            <a:ext cx="1064715" cy="369332"/>
+          </a:xfrm>
+          <a:prstGeom prst="rect">
+            <a:avLst/>
+          </a:prstGeom>
+          <a:noFill/>
+        </p:spPr>
+        <p:txBody>
+          <a:bodyPr wrap="none" rtlCol="0">
+            <a:spAutoFit/>
+          </a:bodyPr>
+          <a:lstStyle/>
+          <a:p>
+            <a:pPr algn="ctr"/>
+            <a:r>
+              <a:rPr lang="en-US" dirty="0"/>
+              <a:t>Customer</a:t>
+            </a:r>
+            <a:endParaRPr lang="en-ID" dirty="0"/>
+          </a:p>
+        </p:txBody>
+      </p:sp>
+      <p:pic>
+        <p:nvPicPr>
+          <p:cNvPr id="8" name="Picture 7">
+            <a:extLst>
+              <a:ext uri="{FF2B5EF4-FFF2-40B4-BE49-F238E27FC236}">
+                <a16:creationId xmlns:a16="http://schemas.microsoft.com/office/drawing/2014/main" id="{92A32F9F-683E-4332-BEDB-9BFB71BA7F77}"/>
+              </a:ext>
+            </a:extLst>
+          </p:cNvPr>
+          <p:cNvPicPr/>
+          <p:nvPr/>
+        </p:nvPicPr>
+        <p:blipFill>
+          <a:blip r:embed="rId2" cstate="print">
+            <a:extLst>
+              <a:ext uri="{28A0092B-C50C-407E-A947-70E740481C1C}">
+                <a14:useLocalDpi xmlns:a14="http://schemas.microsoft.com/office/drawing/2010/main" val="0"/>
+              </a:ext>
+            </a:extLst>
+          </a:blip>
+          <a:srcRect/>
+          <a:stretch>
+            <a:fillRect/>
+          </a:stretch>
+        </p:blipFill>
+        <p:spPr bwMode="auto">
+          <a:xfrm>
+            <a:off x="328539" y="702156"/>
+            <a:ext cx="2592720" cy="5561369"/>
+          </a:xfrm>
+          <a:prstGeom prst="rect">
+            <a:avLst/>
+          </a:prstGeom>
+          <a:noFill/>
+          <a:ln>
+            <a:noFill/>
+          </a:ln>
+        </p:spPr>
+      </p:pic>
+      <p:pic>
+        <p:nvPicPr>
+          <p:cNvPr id="13" name="Picture 12">
+            <a:extLst>
+              <a:ext uri="{FF2B5EF4-FFF2-40B4-BE49-F238E27FC236}">
+                <a16:creationId xmlns:a16="http://schemas.microsoft.com/office/drawing/2014/main" id="{D081A7F2-AF71-4E44-BA12-2FC95C2999B0}"/>
+              </a:ext>
+            </a:extLst>
+          </p:cNvPr>
+          <p:cNvPicPr/>
+          <p:nvPr/>
+        </p:nvPicPr>
+        <p:blipFill>
+          <a:blip r:embed="rId3" cstate="print">
+            <a:extLst>
+              <a:ext uri="{28A0092B-C50C-407E-A947-70E740481C1C}">
+                <a14:useLocalDpi xmlns:a14="http://schemas.microsoft.com/office/drawing/2010/main" val="0"/>
+              </a:ext>
+            </a:extLst>
+          </a:blip>
+          <a:srcRect/>
+          <a:stretch>
+            <a:fillRect/>
+          </a:stretch>
+        </p:blipFill>
+        <p:spPr bwMode="auto">
+          <a:xfrm>
+            <a:off x="2921259" y="702156"/>
+            <a:ext cx="2593716" cy="5561369"/>
+          </a:xfrm>
+          <a:prstGeom prst="rect">
+            <a:avLst/>
+          </a:prstGeom>
+          <a:noFill/>
+          <a:ln>
+            <a:noFill/>
+          </a:ln>
+        </p:spPr>
+      </p:pic>
     </p:spTree>
     <p:extLst>
       <p:ext uri="{BB962C8B-B14F-4D97-AF65-F5344CB8AC3E}">
-        <p14:creationId xmlns:p14="http://schemas.microsoft.com/office/powerpoint/2010/main" val="3922721763"/>
+        <p14:creationId xmlns:p14="http://schemas.microsoft.com/office/powerpoint/2010/main" val="4123549420"/>
+      </p:ext>
+    </p:extLst>
+  </p:cSld>
+  <p:clrMapOvr>
+    <a:masterClrMapping/>
+  </p:clrMapOvr>
+</p:sld>
+</file>
+
+<file path=ppt/slides/slide9.xml><?xml version="1.0" encoding="utf-8"?>
+<p:sld xmlns:a="http://schemas.openxmlformats.org/drawingml/2006/main" xmlns:r="http://schemas.openxmlformats.org/officeDocument/2006/relationships" xmlns:p="http://schemas.openxmlformats.org/presentationml/2006/main">
+  <p:cSld>
+    <p:spTree>
+      <p:nvGrpSpPr>
+        <p:cNvPr id="1" name=""/>
+        <p:cNvGrpSpPr/>
+        <p:nvPr/>
+      </p:nvGrpSpPr>
+      <p:grpSpPr>
+        <a:xfrm>
+          <a:off x="0" y="0"/>
+          <a:ext cx="0" cy="0"/>
+          <a:chOff x="0" y="0"/>
+          <a:chExt cx="0" cy="0"/>
+        </a:xfrm>
+      </p:grpSpPr>
+      <p:sp>
+        <p:nvSpPr>
+          <p:cNvPr id="3" name="Title 2">
+            <a:extLst>
+              <a:ext uri="{FF2B5EF4-FFF2-40B4-BE49-F238E27FC236}">
+                <a16:creationId xmlns:a16="http://schemas.microsoft.com/office/drawing/2014/main" id="{F6BF800B-2D91-A844-B4B2-97273E94E563}"/>
+              </a:ext>
+            </a:extLst>
+          </p:cNvPr>
+          <p:cNvSpPr>
+            <a:spLocks noGrp="1"/>
+          </p:cNvSpPr>
+          <p:nvPr>
+            <p:ph type="title"/>
+          </p:nvPr>
+        </p:nvSpPr>
+        <p:spPr/>
+        <p:txBody>
+          <a:bodyPr>
+            <a:normAutofit/>
+          </a:bodyPr>
+          <a:lstStyle/>
+          <a:p>
+            <a:r>
+              <a:rPr lang="en-US" dirty="0"/>
+              <a:t>Fitur Halaman Utama</a:t>
+            </a:r>
+          </a:p>
+        </p:txBody>
+      </p:sp>
+      <p:sp>
+        <p:nvSpPr>
+          <p:cNvPr id="4" name="Content Placeholder 3">
+            <a:extLst>
+              <a:ext uri="{FF2B5EF4-FFF2-40B4-BE49-F238E27FC236}">
+                <a16:creationId xmlns:a16="http://schemas.microsoft.com/office/drawing/2014/main" id="{258465F5-4312-2541-8368-01B99B3E9619}"/>
+              </a:ext>
+            </a:extLst>
+          </p:cNvPr>
+          <p:cNvSpPr>
+            <a:spLocks noGrp="1"/>
+          </p:cNvSpPr>
+          <p:nvPr>
+            <p:ph sz="quarter" idx="14"/>
+          </p:nvPr>
+        </p:nvSpPr>
+        <p:spPr/>
+        <p:txBody>
+          <a:bodyPr/>
+          <a:lstStyle/>
+          <a:p>
+            <a:pPr marL="342900" indent="-342900">
+              <a:buFont typeface="+mj-lt"/>
+              <a:buAutoNum type="arabicPeriod"/>
+            </a:pPr>
+            <a:endParaRPr lang="en-US" dirty="0"/>
+          </a:p>
+        </p:txBody>
+      </p:sp>
+      <p:pic>
+        <p:nvPicPr>
+          <p:cNvPr id="9" name="Picture 8">
+            <a:extLst>
+              <a:ext uri="{FF2B5EF4-FFF2-40B4-BE49-F238E27FC236}">
+                <a16:creationId xmlns:a16="http://schemas.microsoft.com/office/drawing/2014/main" id="{9B5E198B-1BC4-4BD3-B7A2-F23E3334F27B}"/>
+              </a:ext>
+            </a:extLst>
+          </p:cNvPr>
+          <p:cNvPicPr/>
+          <p:nvPr/>
+        </p:nvPicPr>
+        <p:blipFill>
+          <a:blip r:embed="rId2" cstate="print">
+            <a:extLst>
+              <a:ext uri="{28A0092B-C50C-407E-A947-70E740481C1C}">
+                <a14:useLocalDpi xmlns:a14="http://schemas.microsoft.com/office/drawing/2010/main" val="0"/>
+              </a:ext>
+            </a:extLst>
+          </a:blip>
+          <a:srcRect/>
+          <a:stretch>
+            <a:fillRect/>
+          </a:stretch>
+        </p:blipFill>
+        <p:spPr bwMode="auto">
+          <a:xfrm>
+            <a:off x="321956" y="702155"/>
+            <a:ext cx="2593015" cy="5560277"/>
+          </a:xfrm>
+          <a:prstGeom prst="rect">
+            <a:avLst/>
+          </a:prstGeom>
+          <a:noFill/>
+          <a:ln>
+            <a:noFill/>
+          </a:ln>
+        </p:spPr>
+      </p:pic>
+      <p:pic>
+        <p:nvPicPr>
+          <p:cNvPr id="10" name="Picture 9">
+            <a:extLst>
+              <a:ext uri="{FF2B5EF4-FFF2-40B4-BE49-F238E27FC236}">
+                <a16:creationId xmlns:a16="http://schemas.microsoft.com/office/drawing/2014/main" id="{C072B431-8D6C-462B-96BE-537C8EBBA75A}"/>
+              </a:ext>
+            </a:extLst>
+          </p:cNvPr>
+          <p:cNvPicPr/>
+          <p:nvPr/>
+        </p:nvPicPr>
+        <p:blipFill>
+          <a:blip r:embed="rId3" cstate="print">
+            <a:extLst>
+              <a:ext uri="{28A0092B-C50C-407E-A947-70E740481C1C}">
+                <a14:useLocalDpi xmlns:a14="http://schemas.microsoft.com/office/drawing/2010/main" val="0"/>
+              </a:ext>
+            </a:extLst>
+          </a:blip>
+          <a:srcRect/>
+          <a:stretch>
+            <a:fillRect/>
+          </a:stretch>
+        </p:blipFill>
+        <p:spPr bwMode="auto">
+          <a:xfrm>
+            <a:off x="2914971" y="702156"/>
+            <a:ext cx="2593015" cy="5561369"/>
+          </a:xfrm>
+          <a:prstGeom prst="rect">
+            <a:avLst/>
+          </a:prstGeom>
+          <a:noFill/>
+          <a:ln>
+            <a:noFill/>
+          </a:ln>
+        </p:spPr>
+      </p:pic>
+      <p:sp>
+        <p:nvSpPr>
+          <p:cNvPr id="16" name="TextBox 15">
+            <a:extLst>
+              <a:ext uri="{FF2B5EF4-FFF2-40B4-BE49-F238E27FC236}">
+                <a16:creationId xmlns:a16="http://schemas.microsoft.com/office/drawing/2014/main" id="{E3F6DAC6-7F78-4B8F-8679-D04D60BBCB94}"/>
+              </a:ext>
+            </a:extLst>
+          </p:cNvPr>
+          <p:cNvSpPr txBox="1"/>
+          <p:nvPr/>
+        </p:nvSpPr>
+        <p:spPr>
+          <a:xfrm>
+            <a:off x="1093535" y="6264368"/>
+            <a:ext cx="1064715" cy="369332"/>
+          </a:xfrm>
+          <a:prstGeom prst="rect">
+            <a:avLst/>
+          </a:prstGeom>
+          <a:noFill/>
+        </p:spPr>
+        <p:txBody>
+          <a:bodyPr wrap="none" rtlCol="0">
+            <a:spAutoFit/>
+          </a:bodyPr>
+          <a:lstStyle/>
+          <a:p>
+            <a:pPr algn="ctr"/>
+            <a:r>
+              <a:rPr lang="en-US" dirty="0"/>
+              <a:t>Customer</a:t>
+            </a:r>
+            <a:endParaRPr lang="en-ID" dirty="0"/>
+          </a:p>
+        </p:txBody>
+      </p:sp>
+      <p:sp>
+        <p:nvSpPr>
+          <p:cNvPr id="17" name="TextBox 16">
+            <a:extLst>
+              <a:ext uri="{FF2B5EF4-FFF2-40B4-BE49-F238E27FC236}">
+                <a16:creationId xmlns:a16="http://schemas.microsoft.com/office/drawing/2014/main" id="{8AF7402C-6C43-42E4-9C2B-D20C74B90995}"/>
+              </a:ext>
+            </a:extLst>
+          </p:cNvPr>
+          <p:cNvSpPr txBox="1"/>
+          <p:nvPr/>
+        </p:nvSpPr>
+        <p:spPr>
+          <a:xfrm>
+            <a:off x="3835048" y="6264368"/>
+            <a:ext cx="767133" cy="369332"/>
+          </a:xfrm>
+          <a:prstGeom prst="rect">
+            <a:avLst/>
+          </a:prstGeom>
+          <a:noFill/>
+        </p:spPr>
+        <p:txBody>
+          <a:bodyPr wrap="none" rtlCol="0">
+            <a:spAutoFit/>
+          </a:bodyPr>
+          <a:lstStyle/>
+          <a:p>
+            <a:pPr algn="ctr"/>
+            <a:r>
+              <a:rPr lang="en-US" dirty="0"/>
+              <a:t>Driver</a:t>
+            </a:r>
+            <a:endParaRPr lang="en-ID" dirty="0"/>
+          </a:p>
+        </p:txBody>
+      </p:sp>
+    </p:spTree>
+    <p:extLst>
+      <p:ext uri="{BB962C8B-B14F-4D97-AF65-F5344CB8AC3E}">
+        <p14:creationId xmlns:p14="http://schemas.microsoft.com/office/powerpoint/2010/main" val="665433359"/>
       </p:ext>
     </p:extLst>
   </p:cSld>
@@ -15911,6 +18283,24 @@
 </file>
 
 <file path=customXml/item1.xml><?xml version="1.0" encoding="utf-8"?>
+<?mso-contentType ?>
+<FormTemplates xmlns="http://schemas.microsoft.com/sharepoint/v3/contenttype/forms">
+  <Display>DocumentLibraryForm</Display>
+  <Edit>DocumentLibraryForm</Edit>
+  <New>DocumentLibraryForm</New>
+</FormTemplates>
+</file>
+
+<file path=customXml/item2.xml><?xml version="1.0" encoding="utf-8"?>
+<p:properties xmlns:p="http://schemas.microsoft.com/office/2006/metadata/properties" xmlns:xsi="http://www.w3.org/2001/XMLSchema-instance" xmlns:pc="http://schemas.microsoft.com/office/infopath/2007/PartnerControls">
+  <documentManagement>
+    <Status xmlns="71af3243-3dd4-4a8d-8c0d-dd76da1f02a5">Not started</Status>
+    <MediaServiceKeyPoints xmlns="71af3243-3dd4-4a8d-8c0d-dd76da1f02a5" xsi:nil="true"/>
+  </documentManagement>
+</p:properties>
+</file>
+
+<file path=customXml/item3.xml><?xml version="1.0" encoding="utf-8"?>
 <ct:contentTypeSchema xmlns:ct="http://schemas.microsoft.com/office/2006/metadata/contentType" xmlns:ma="http://schemas.microsoft.com/office/2006/metadata/properties/metaAttributes" ct:_="" ma:_="" ma:contentTypeName="Document" ma:contentTypeID="0x01010079F111ED35F8CC479449609E8A0923A6" ma:contentTypeVersion="12" ma:contentTypeDescription="Create a new document." ma:contentTypeScope="" ma:versionID="b385d60f68dd989dca1fdc827799d853">
   <xsd:schema xmlns:xsd="http://www.w3.org/2001/XMLSchema" xmlns:xs="http://www.w3.org/2001/XMLSchema" xmlns:p="http://schemas.microsoft.com/office/2006/metadata/properties" xmlns:ns2="71af3243-3dd4-4a8d-8c0d-dd76da1f02a5" xmlns:ns3="16c05727-aa75-4e4a-9b5f-8a80a1165891" targetNamespace="http://schemas.microsoft.com/office/2006/metadata/properties" ma:root="true" ma:fieldsID="1911b479caf7b199da365455750e4572" ns2:_="" ns3:_="">
     <xsd:import namespace="71af3243-3dd4-4a8d-8c0d-dd76da1f02a5"/>
@@ -16131,25 +18521,25 @@
 </ct:contentTypeSchema>
 </file>
 
-<file path=customXml/item2.xml><?xml version="1.0" encoding="utf-8"?>
-<p:properties xmlns:p="http://schemas.microsoft.com/office/2006/metadata/properties" xmlns:xsi="http://www.w3.org/2001/XMLSchema-instance" xmlns:pc="http://schemas.microsoft.com/office/infopath/2007/PartnerControls">
-  <documentManagement>
-    <Status xmlns="71af3243-3dd4-4a8d-8c0d-dd76da1f02a5">Not started</Status>
-    <MediaServiceKeyPoints xmlns="71af3243-3dd4-4a8d-8c0d-dd76da1f02a5" xsi:nil="true"/>
-  </documentManagement>
-</p:properties>
+<file path=customXml/itemProps1.xml><?xml version="1.0" encoding="utf-8"?>
+<ds:datastoreItem xmlns:ds="http://schemas.openxmlformats.org/officeDocument/2006/customXml" ds:itemID="{8435A0B9-5F49-415F-9BEE-591FDACE98D1}">
+  <ds:schemaRefs>
+    <ds:schemaRef ds:uri="http://schemas.microsoft.com/sharepoint/v3/contenttype/forms"/>
+  </ds:schemaRefs>
+</ds:datastoreItem>
 </file>
 
-<file path=customXml/item3.xml><?xml version="1.0" encoding="utf-8"?>
-<?mso-contentType ?>
-<FormTemplates xmlns="http://schemas.microsoft.com/sharepoint/v3/contenttype/forms">
-  <Display>DocumentLibraryForm</Display>
-  <Edit>DocumentLibraryForm</Edit>
-  <New>DocumentLibraryForm</New>
-</FormTemplates>
+<file path=customXml/itemProps2.xml><?xml version="1.0" encoding="utf-8"?>
+<ds:datastoreItem xmlns:ds="http://schemas.openxmlformats.org/officeDocument/2006/customXml" ds:itemID="{ADC43B05-D266-4257-98DE-FF9D8CEDAE76}">
+  <ds:schemaRefs>
+    <ds:schemaRef ds:uri="http://schemas.microsoft.com/office/2006/metadata/properties"/>
+    <ds:schemaRef ds:uri="http://schemas.microsoft.com/office/infopath/2007/PartnerControls"/>
+    <ds:schemaRef ds:uri="71af3243-3dd4-4a8d-8c0d-dd76da1f02a5"/>
+  </ds:schemaRefs>
+</ds:datastoreItem>
 </file>
 
-<file path=customXml/itemProps1.xml><?xml version="1.0" encoding="utf-8"?>
+<file path=customXml/itemProps3.xml><?xml version="1.0" encoding="utf-8"?>
 <ds:datastoreItem xmlns:ds="http://schemas.openxmlformats.org/officeDocument/2006/customXml" ds:itemID="{EB17DF47-B23F-4BE1-BFEA-606A2B278818}">
   <ds:schemaRefs>
     <ds:schemaRef ds:uri="http://schemas.microsoft.com/office/2006/metadata/contentType"/>
@@ -16166,22 +18556,4 @@
     <ds:schemaRef ds:uri="http://schemas.microsoft.com/internal/obd"/>
   </ds:schemaRefs>
 </ds:datastoreItem>
-</file>
-
-<file path=customXml/itemProps2.xml><?xml version="1.0" encoding="utf-8"?>
-<ds:datastoreItem xmlns:ds="http://schemas.openxmlformats.org/officeDocument/2006/customXml" ds:itemID="{ADC43B05-D266-4257-98DE-FF9D8CEDAE76}">
-  <ds:schemaRefs>
-    <ds:schemaRef ds:uri="http://schemas.microsoft.com/office/2006/metadata/properties"/>
-    <ds:schemaRef ds:uri="http://schemas.microsoft.com/office/infopath/2007/PartnerControls"/>
-    <ds:schemaRef ds:uri="71af3243-3dd4-4a8d-8c0d-dd76da1f02a5"/>
-  </ds:schemaRefs>
-</ds:datastoreItem>
-</file>
-
-<file path=customXml/itemProps3.xml><?xml version="1.0" encoding="utf-8"?>
-<ds:datastoreItem xmlns:ds="http://schemas.openxmlformats.org/officeDocument/2006/customXml" ds:itemID="{8435A0B9-5F49-415F-9BEE-591FDACE98D1}">
-  <ds:schemaRefs>
-    <ds:schemaRef ds:uri="http://schemas.microsoft.com/sharepoint/v3/contenttype/forms"/>
-  </ds:schemaRefs>
-</ds:datastoreItem>
 </file>
--- a/PKL Industri 2020/magang_ppt.pptx
+++ b/PKL Industri 2020/magang_ppt.pptx
@@ -10186,12 +10186,14 @@
         </p:nvSpPr>
         <p:spPr/>
         <p:txBody>
-          <a:bodyPr/>
+          <a:bodyPr>
+            <a:normAutofit fontScale="92500" lnSpcReduction="20000"/>
+          </a:bodyPr>
           <a:lstStyle/>
           <a:p>
             <a:r>
               <a:rPr lang="en-US" dirty="0"/>
-              <a:t>Oleh : Rizkika </a:t>
+              <a:t>Oleh :  Rizkika </a:t>
             </a:r>
             <a:r>
               <a:rPr lang="en-US" dirty="0" err="1"/>
@@ -10200,6 +10202,12 @@
             <a:r>
               <a:rPr lang="en-US" dirty="0"/>
               <a:t> Palindungan / e41170164</a:t>
+            </a:r>
+          </a:p>
+          <a:p>
+            <a:r>
+              <a:rPr lang="en-US" dirty="0"/>
+              <a:t>	     Mohamad Rizal Ramli / E41170438</a:t>
             </a:r>
           </a:p>
         </p:txBody>
@@ -18283,21 +18291,21 @@
 </file>
 
 <file path=customXml/item1.xml><?xml version="1.0" encoding="utf-8"?>
+<p:properties xmlns:p="http://schemas.microsoft.com/office/2006/metadata/properties" xmlns:xsi="http://www.w3.org/2001/XMLSchema-instance" xmlns:pc="http://schemas.microsoft.com/office/infopath/2007/PartnerControls">
+  <documentManagement>
+    <Status xmlns="71af3243-3dd4-4a8d-8c0d-dd76da1f02a5">Not started</Status>
+    <MediaServiceKeyPoints xmlns="71af3243-3dd4-4a8d-8c0d-dd76da1f02a5" xsi:nil="true"/>
+  </documentManagement>
+</p:properties>
+</file>
+
+<file path=customXml/item2.xml><?xml version="1.0" encoding="utf-8"?>
 <?mso-contentType ?>
 <FormTemplates xmlns="http://schemas.microsoft.com/sharepoint/v3/contenttype/forms">
   <Display>DocumentLibraryForm</Display>
   <Edit>DocumentLibraryForm</Edit>
   <New>DocumentLibraryForm</New>
 </FormTemplates>
-</file>
-
-<file path=customXml/item2.xml><?xml version="1.0" encoding="utf-8"?>
-<p:properties xmlns:p="http://schemas.microsoft.com/office/2006/metadata/properties" xmlns:xsi="http://www.w3.org/2001/XMLSchema-instance" xmlns:pc="http://schemas.microsoft.com/office/infopath/2007/PartnerControls">
-  <documentManagement>
-    <Status xmlns="71af3243-3dd4-4a8d-8c0d-dd76da1f02a5">Not started</Status>
-    <MediaServiceKeyPoints xmlns="71af3243-3dd4-4a8d-8c0d-dd76da1f02a5" xsi:nil="true"/>
-  </documentManagement>
-</p:properties>
 </file>
 
 <file path=customXml/item3.xml><?xml version="1.0" encoding="utf-8"?>
@@ -18522,19 +18530,19 @@
 </file>
 
 <file path=customXml/itemProps1.xml><?xml version="1.0" encoding="utf-8"?>
-<ds:datastoreItem xmlns:ds="http://schemas.openxmlformats.org/officeDocument/2006/customXml" ds:itemID="{8435A0B9-5F49-415F-9BEE-591FDACE98D1}">
+<ds:datastoreItem xmlns:ds="http://schemas.openxmlformats.org/officeDocument/2006/customXml" ds:itemID="{ADC43B05-D266-4257-98DE-FF9D8CEDAE76}">
   <ds:schemaRefs>
-    <ds:schemaRef ds:uri="http://schemas.microsoft.com/sharepoint/v3/contenttype/forms"/>
+    <ds:schemaRef ds:uri="http://schemas.microsoft.com/office/2006/metadata/properties"/>
+    <ds:schemaRef ds:uri="http://schemas.microsoft.com/office/infopath/2007/PartnerControls"/>
+    <ds:schemaRef ds:uri="71af3243-3dd4-4a8d-8c0d-dd76da1f02a5"/>
   </ds:schemaRefs>
 </ds:datastoreItem>
 </file>
 
 <file path=customXml/itemProps2.xml><?xml version="1.0" encoding="utf-8"?>
-<ds:datastoreItem xmlns:ds="http://schemas.openxmlformats.org/officeDocument/2006/customXml" ds:itemID="{ADC43B05-D266-4257-98DE-FF9D8CEDAE76}">
+<ds:datastoreItem xmlns:ds="http://schemas.openxmlformats.org/officeDocument/2006/customXml" ds:itemID="{8435A0B9-5F49-415F-9BEE-591FDACE98D1}">
   <ds:schemaRefs>
-    <ds:schemaRef ds:uri="http://schemas.microsoft.com/office/2006/metadata/properties"/>
-    <ds:schemaRef ds:uri="http://schemas.microsoft.com/office/infopath/2007/PartnerControls"/>
-    <ds:schemaRef ds:uri="71af3243-3dd4-4a8d-8c0d-dd76da1f02a5"/>
+    <ds:schemaRef ds:uri="http://schemas.microsoft.com/sharepoint/v3/contenttype/forms"/>
   </ds:schemaRefs>
 </ds:datastoreItem>
 </file>

--- a/PKL Industri 2020/magang_ppt.pptx
+++ b/PKL Industri 2020/magang_ppt.pptx
@@ -10163,7 +10163,7 @@
           <a:p>
             <a:r>
               <a:rPr lang="en-US" sz="2400" b="1" dirty="0"/>
-              <a:t>IMPLEMENTASI SISTEM PELAYANAN LIMBAH DOMESTIK BERBASIS ANDROID DAN IOS DI KOTA BATAM (BAGIAN ANDROID)</a:t>
+              <a:t>IMPLEMENTASI SISTEM PELAYANAN LIMBAH DOMESTIK BERBASIS ANDROID DAN IOS DI KOTA BATAM</a:t>
             </a:r>
           </a:p>
         </p:txBody>
@@ -18291,21 +18291,21 @@
 </file>
 
 <file path=customXml/item1.xml><?xml version="1.0" encoding="utf-8"?>
+<?mso-contentType ?>
+<FormTemplates xmlns="http://schemas.microsoft.com/sharepoint/v3/contenttype/forms">
+  <Display>DocumentLibraryForm</Display>
+  <Edit>DocumentLibraryForm</Edit>
+  <New>DocumentLibraryForm</New>
+</FormTemplates>
+</file>
+
+<file path=customXml/item2.xml><?xml version="1.0" encoding="utf-8"?>
 <p:properties xmlns:p="http://schemas.microsoft.com/office/2006/metadata/properties" xmlns:xsi="http://www.w3.org/2001/XMLSchema-instance" xmlns:pc="http://schemas.microsoft.com/office/infopath/2007/PartnerControls">
   <documentManagement>
     <Status xmlns="71af3243-3dd4-4a8d-8c0d-dd76da1f02a5">Not started</Status>
     <MediaServiceKeyPoints xmlns="71af3243-3dd4-4a8d-8c0d-dd76da1f02a5" xsi:nil="true"/>
   </documentManagement>
 </p:properties>
-</file>
-
-<file path=customXml/item2.xml><?xml version="1.0" encoding="utf-8"?>
-<?mso-contentType ?>
-<FormTemplates xmlns="http://schemas.microsoft.com/sharepoint/v3/contenttype/forms">
-  <Display>DocumentLibraryForm</Display>
-  <Edit>DocumentLibraryForm</Edit>
-  <New>DocumentLibraryForm</New>
-</FormTemplates>
 </file>
 
 <file path=customXml/item3.xml><?xml version="1.0" encoding="utf-8"?>
@@ -18530,19 +18530,19 @@
 </file>
 
 <file path=customXml/itemProps1.xml><?xml version="1.0" encoding="utf-8"?>
+<ds:datastoreItem xmlns:ds="http://schemas.openxmlformats.org/officeDocument/2006/customXml" ds:itemID="{8435A0B9-5F49-415F-9BEE-591FDACE98D1}">
+  <ds:schemaRefs>
+    <ds:schemaRef ds:uri="http://schemas.microsoft.com/sharepoint/v3/contenttype/forms"/>
+  </ds:schemaRefs>
+</ds:datastoreItem>
+</file>
+
+<file path=customXml/itemProps2.xml><?xml version="1.0" encoding="utf-8"?>
 <ds:datastoreItem xmlns:ds="http://schemas.openxmlformats.org/officeDocument/2006/customXml" ds:itemID="{ADC43B05-D266-4257-98DE-FF9D8CEDAE76}">
   <ds:schemaRefs>
     <ds:schemaRef ds:uri="http://schemas.microsoft.com/office/2006/metadata/properties"/>
     <ds:schemaRef ds:uri="http://schemas.microsoft.com/office/infopath/2007/PartnerControls"/>
     <ds:schemaRef ds:uri="71af3243-3dd4-4a8d-8c0d-dd76da1f02a5"/>
-  </ds:schemaRefs>
-</ds:datastoreItem>
-</file>
-
-<file path=customXml/itemProps2.xml><?xml version="1.0" encoding="utf-8"?>
-<ds:datastoreItem xmlns:ds="http://schemas.openxmlformats.org/officeDocument/2006/customXml" ds:itemID="{8435A0B9-5F49-415F-9BEE-591FDACE98D1}">
-  <ds:schemaRefs>
-    <ds:schemaRef ds:uri="http://schemas.microsoft.com/sharepoint/v3/contenttype/forms"/>
   </ds:schemaRefs>
 </ds:datastoreItem>
 </file>

--- a/PKL Industri 2020/magang_ppt.pptx
+++ b/PKL Industri 2020/magang_ppt.pptx
@@ -5,29 +5,28 @@
     <p:sldMasterId id="2147483685" r:id="rId4"/>
   </p:sldMasterIdLst>
   <p:notesMasterIdLst>
-    <p:notesMasterId r:id="rId22"/>
+    <p:notesMasterId r:id="rId21"/>
   </p:notesMasterIdLst>
   <p:handoutMasterIdLst>
-    <p:handoutMasterId r:id="rId23"/>
+    <p:handoutMasterId r:id="rId22"/>
   </p:handoutMasterIdLst>
   <p:sldIdLst>
     <p:sldId id="338" r:id="rId5"/>
     <p:sldId id="349" r:id="rId6"/>
     <p:sldId id="333" r:id="rId7"/>
-    <p:sldId id="352" r:id="rId8"/>
+    <p:sldId id="357" r:id="rId8"/>
     <p:sldId id="354" r:id="rId9"/>
-    <p:sldId id="357" r:id="rId10"/>
-    <p:sldId id="339" r:id="rId11"/>
-    <p:sldId id="358" r:id="rId12"/>
-    <p:sldId id="361" r:id="rId13"/>
-    <p:sldId id="362" r:id="rId14"/>
-    <p:sldId id="363" r:id="rId15"/>
-    <p:sldId id="364" r:id="rId16"/>
-    <p:sldId id="365" r:id="rId17"/>
-    <p:sldId id="366" r:id="rId18"/>
-    <p:sldId id="367" r:id="rId19"/>
-    <p:sldId id="368" r:id="rId20"/>
-    <p:sldId id="355" r:id="rId21"/>
+    <p:sldId id="339" r:id="rId10"/>
+    <p:sldId id="358" r:id="rId11"/>
+    <p:sldId id="361" r:id="rId12"/>
+    <p:sldId id="362" r:id="rId13"/>
+    <p:sldId id="363" r:id="rId14"/>
+    <p:sldId id="364" r:id="rId15"/>
+    <p:sldId id="365" r:id="rId16"/>
+    <p:sldId id="366" r:id="rId17"/>
+    <p:sldId id="367" r:id="rId18"/>
+    <p:sldId id="368" r:id="rId19"/>
+    <p:sldId id="355" r:id="rId20"/>
   </p:sldIdLst>
   <p:sldSz cx="12192000" cy="6858000"/>
   <p:notesSz cx="6858000" cy="9144000"/>
@@ -135,2692 +134,6 @@
     </p:ext>
   </p:extLst>
 </p:presentation>
-</file>
-
-<file path=ppt/diagrams/colors1.xml><?xml version="1.0" encoding="utf-8"?>
-<dgm:colorsDef xmlns:dgm="http://schemas.openxmlformats.org/drawingml/2006/diagram" xmlns:a="http://schemas.openxmlformats.org/drawingml/2006/main" uniqueId="urn:microsoft.com/office/officeart/2005/8/colors/accent1_2">
-  <dgm:title val=""/>
-  <dgm:desc val=""/>
-  <dgm:catLst>
-    <dgm:cat type="accent1" pri="11200"/>
-  </dgm:catLst>
-  <dgm:styleLbl name="node0">
-    <dgm:fillClrLst meth="repeat">
-      <a:schemeClr val="accent1"/>
-    </dgm:fillClrLst>
-    <dgm:linClrLst meth="repeat">
-      <a:schemeClr val="lt1"/>
-    </dgm:linClrLst>
-    <dgm:effectClrLst/>
-    <dgm:txLinClrLst/>
-    <dgm:txFillClrLst/>
-    <dgm:txEffectClrLst/>
-  </dgm:styleLbl>
-  <dgm:styleLbl name="alignNode1">
-    <dgm:fillClrLst meth="repeat">
-      <a:schemeClr val="accent1"/>
-    </dgm:fillClrLst>
-    <dgm:linClrLst meth="repeat">
-      <a:schemeClr val="accent1"/>
-    </dgm:linClrLst>
-    <dgm:effectClrLst/>
-    <dgm:txLinClrLst/>
-    <dgm:txFillClrLst/>
-    <dgm:txEffectClrLst/>
-  </dgm:styleLbl>
-  <dgm:styleLbl name="node1">
-    <dgm:fillClrLst meth="repeat">
-      <a:schemeClr val="accent1"/>
-    </dgm:fillClrLst>
-    <dgm:linClrLst meth="repeat">
-      <a:schemeClr val="lt1"/>
-    </dgm:linClrLst>
-    <dgm:effectClrLst/>
-    <dgm:txLinClrLst/>
-    <dgm:txFillClrLst/>
-    <dgm:txEffectClrLst/>
-  </dgm:styleLbl>
-  <dgm:styleLbl name="lnNode1">
-    <dgm:fillClrLst meth="repeat">
-      <a:schemeClr val="accent1"/>
-    </dgm:fillClrLst>
-    <dgm:linClrLst meth="repeat">
-      <a:schemeClr val="lt1"/>
-    </dgm:linClrLst>
-    <dgm:effectClrLst/>
-    <dgm:txLinClrLst/>
-    <dgm:txFillClrLst/>
-    <dgm:txEffectClrLst/>
-  </dgm:styleLbl>
-  <dgm:styleLbl name="vennNode1">
-    <dgm:fillClrLst meth="repeat">
-      <a:schemeClr val="accent1">
-        <a:alpha val="50000"/>
-      </a:schemeClr>
-    </dgm:fillClrLst>
-    <dgm:linClrLst meth="repeat">
-      <a:schemeClr val="lt1"/>
-    </dgm:linClrLst>
-    <dgm:effectClrLst/>
-    <dgm:txLinClrLst/>
-    <dgm:txFillClrLst/>
-    <dgm:txEffectClrLst/>
-  </dgm:styleLbl>
-  <dgm:styleLbl name="node2">
-    <dgm:fillClrLst meth="repeat">
-      <a:schemeClr val="accent1"/>
-    </dgm:fillClrLst>
-    <dgm:linClrLst meth="repeat">
-      <a:schemeClr val="lt1"/>
-    </dgm:linClrLst>
-    <dgm:effectClrLst/>
-    <dgm:txLinClrLst/>
-    <dgm:txFillClrLst/>
-    <dgm:txEffectClrLst/>
-  </dgm:styleLbl>
-  <dgm:styleLbl name="node3">
-    <dgm:fillClrLst meth="repeat">
-      <a:schemeClr val="accent1"/>
-    </dgm:fillClrLst>
-    <dgm:linClrLst meth="repeat">
-      <a:schemeClr val="lt1"/>
-    </dgm:linClrLst>
-    <dgm:effectClrLst/>
-    <dgm:txLinClrLst/>
-    <dgm:txFillClrLst/>
-    <dgm:txEffectClrLst/>
-  </dgm:styleLbl>
-  <dgm:styleLbl name="node4">
-    <dgm:fillClrLst meth="repeat">
-      <a:schemeClr val="accent1"/>
-    </dgm:fillClrLst>
-    <dgm:linClrLst meth="repeat">
-      <a:schemeClr val="lt1"/>
-    </dgm:linClrLst>
-    <dgm:effectClrLst/>
-    <dgm:txLinClrLst/>
-    <dgm:txFillClrLst/>
-    <dgm:txEffectClrLst/>
-  </dgm:styleLbl>
-  <dgm:styleLbl name="fgImgPlace1">
-    <dgm:fillClrLst meth="repeat">
-      <a:schemeClr val="accent1">
-        <a:tint val="50000"/>
-      </a:schemeClr>
-    </dgm:fillClrLst>
-    <dgm:linClrLst meth="repeat">
-      <a:schemeClr val="lt1"/>
-    </dgm:linClrLst>
-    <dgm:effectClrLst/>
-    <dgm:txLinClrLst/>
-    <dgm:txFillClrLst meth="repeat">
-      <a:schemeClr val="lt1"/>
-    </dgm:txFillClrLst>
-    <dgm:txEffectClrLst/>
-  </dgm:styleLbl>
-  <dgm:styleLbl name="alignImgPlace1">
-    <dgm:fillClrLst meth="repeat">
-      <a:schemeClr val="accent1">
-        <a:tint val="50000"/>
-      </a:schemeClr>
-    </dgm:fillClrLst>
-    <dgm:linClrLst meth="repeat">
-      <a:schemeClr val="lt1"/>
-    </dgm:linClrLst>
-    <dgm:effectClrLst/>
-    <dgm:txLinClrLst/>
-    <dgm:txFillClrLst meth="repeat">
-      <a:schemeClr val="lt1"/>
-    </dgm:txFillClrLst>
-    <dgm:txEffectClrLst/>
-  </dgm:styleLbl>
-  <dgm:styleLbl name="bgImgPlace1">
-    <dgm:fillClrLst meth="repeat">
-      <a:schemeClr val="accent1">
-        <a:tint val="50000"/>
-      </a:schemeClr>
-    </dgm:fillClrLst>
-    <dgm:linClrLst meth="repeat">
-      <a:schemeClr val="lt1"/>
-    </dgm:linClrLst>
-    <dgm:effectClrLst/>
-    <dgm:txLinClrLst/>
-    <dgm:txFillClrLst meth="repeat">
-      <a:schemeClr val="lt1"/>
-    </dgm:txFillClrLst>
-    <dgm:txEffectClrLst/>
-  </dgm:styleLbl>
-  <dgm:styleLbl name="sibTrans2D1">
-    <dgm:fillClrLst meth="repeat">
-      <a:schemeClr val="accent1">
-        <a:tint val="60000"/>
-      </a:schemeClr>
-    </dgm:fillClrLst>
-    <dgm:linClrLst meth="repeat">
-      <a:schemeClr val="accent1">
-        <a:tint val="60000"/>
-      </a:schemeClr>
-    </dgm:linClrLst>
-    <dgm:effectClrLst/>
-    <dgm:txLinClrLst/>
-    <dgm:txFillClrLst/>
-    <dgm:txEffectClrLst/>
-  </dgm:styleLbl>
-  <dgm:styleLbl name="fgSibTrans2D1">
-    <dgm:fillClrLst meth="repeat">
-      <a:schemeClr val="accent1">
-        <a:tint val="60000"/>
-      </a:schemeClr>
-    </dgm:fillClrLst>
-    <dgm:linClrLst meth="repeat">
-      <a:schemeClr val="accent1">
-        <a:tint val="60000"/>
-      </a:schemeClr>
-    </dgm:linClrLst>
-    <dgm:effectClrLst/>
-    <dgm:txLinClrLst/>
-    <dgm:txFillClrLst/>
-    <dgm:txEffectClrLst/>
-  </dgm:styleLbl>
-  <dgm:styleLbl name="bgSibTrans2D1">
-    <dgm:fillClrLst meth="repeat">
-      <a:schemeClr val="accent1">
-        <a:tint val="60000"/>
-      </a:schemeClr>
-    </dgm:fillClrLst>
-    <dgm:linClrLst meth="repeat">
-      <a:schemeClr val="accent1">
-        <a:tint val="60000"/>
-      </a:schemeClr>
-    </dgm:linClrLst>
-    <dgm:effectClrLst/>
-    <dgm:txLinClrLst/>
-    <dgm:txFillClrLst/>
-    <dgm:txEffectClrLst/>
-  </dgm:styleLbl>
-  <dgm:styleLbl name="sibTrans1D1">
-    <dgm:fillClrLst meth="repeat">
-      <a:schemeClr val="accent1"/>
-    </dgm:fillClrLst>
-    <dgm:linClrLst meth="repeat">
-      <a:schemeClr val="accent1"/>
-    </dgm:linClrLst>
-    <dgm:effectClrLst/>
-    <dgm:txLinClrLst/>
-    <dgm:txFillClrLst meth="repeat">
-      <a:schemeClr val="tx1"/>
-    </dgm:txFillClrLst>
-    <dgm:txEffectClrLst/>
-  </dgm:styleLbl>
-  <dgm:styleLbl name="callout">
-    <dgm:fillClrLst meth="repeat">
-      <a:schemeClr val="accent1"/>
-    </dgm:fillClrLst>
-    <dgm:linClrLst meth="repeat">
-      <a:schemeClr val="accent1">
-        <a:tint val="50000"/>
-      </a:schemeClr>
-    </dgm:linClrLst>
-    <dgm:effectClrLst/>
-    <dgm:txLinClrLst/>
-    <dgm:txFillClrLst meth="repeat">
-      <a:schemeClr val="tx1"/>
-    </dgm:txFillClrLst>
-    <dgm:txEffectClrLst/>
-  </dgm:styleLbl>
-  <dgm:styleLbl name="asst0">
-    <dgm:fillClrLst meth="repeat">
-      <a:schemeClr val="accent1"/>
-    </dgm:fillClrLst>
-    <dgm:linClrLst meth="repeat">
-      <a:schemeClr val="lt1"/>
-    </dgm:linClrLst>
-    <dgm:effectClrLst/>
-    <dgm:txLinClrLst/>
-    <dgm:txFillClrLst/>
-    <dgm:txEffectClrLst/>
-  </dgm:styleLbl>
-  <dgm:styleLbl name="asst1">
-    <dgm:fillClrLst meth="repeat">
-      <a:schemeClr val="accent1"/>
-    </dgm:fillClrLst>
-    <dgm:linClrLst meth="repeat">
-      <a:schemeClr val="lt1"/>
-    </dgm:linClrLst>
-    <dgm:effectClrLst/>
-    <dgm:txLinClrLst/>
-    <dgm:txFillClrLst/>
-    <dgm:txEffectClrLst/>
-  </dgm:styleLbl>
-  <dgm:styleLbl name="asst2">
-    <dgm:fillClrLst meth="repeat">
-      <a:schemeClr val="accent1"/>
-    </dgm:fillClrLst>
-    <dgm:linClrLst meth="repeat">
-      <a:schemeClr val="lt1"/>
-    </dgm:linClrLst>
-    <dgm:effectClrLst/>
-    <dgm:txLinClrLst/>
-    <dgm:txFillClrLst/>
-    <dgm:txEffectClrLst/>
-  </dgm:styleLbl>
-  <dgm:styleLbl name="asst3">
-    <dgm:fillClrLst meth="repeat">
-      <a:schemeClr val="accent1"/>
-    </dgm:fillClrLst>
-    <dgm:linClrLst meth="repeat">
-      <a:schemeClr val="lt1"/>
-    </dgm:linClrLst>
-    <dgm:effectClrLst/>
-    <dgm:txLinClrLst/>
-    <dgm:txFillClrLst/>
-    <dgm:txEffectClrLst/>
-  </dgm:styleLbl>
-  <dgm:styleLbl name="asst4">
-    <dgm:fillClrLst meth="repeat">
-      <a:schemeClr val="accent1"/>
-    </dgm:fillClrLst>
-    <dgm:linClrLst meth="repeat">
-      <a:schemeClr val="lt1"/>
-    </dgm:linClrLst>
-    <dgm:effectClrLst/>
-    <dgm:txLinClrLst/>
-    <dgm:txFillClrLst/>
-    <dgm:txEffectClrLst/>
-  </dgm:styleLbl>
-  <dgm:styleLbl name="parChTrans2D1">
-    <dgm:fillClrLst meth="repeat">
-      <a:schemeClr val="accent1">
-        <a:tint val="60000"/>
-      </a:schemeClr>
-    </dgm:fillClrLst>
-    <dgm:linClrLst meth="repeat">
-      <a:schemeClr val="accent1">
-        <a:tint val="60000"/>
-      </a:schemeClr>
-    </dgm:linClrLst>
-    <dgm:effectClrLst/>
-    <dgm:txLinClrLst/>
-    <dgm:txFillClrLst meth="repeat">
-      <a:schemeClr val="lt1"/>
-    </dgm:txFillClrLst>
-    <dgm:txEffectClrLst/>
-  </dgm:styleLbl>
-  <dgm:styleLbl name="parChTrans2D2">
-    <dgm:fillClrLst meth="repeat">
-      <a:schemeClr val="accent1"/>
-    </dgm:fillClrLst>
-    <dgm:linClrLst meth="repeat">
-      <a:schemeClr val="accent1"/>
-    </dgm:linClrLst>
-    <dgm:effectClrLst/>
-    <dgm:txLinClrLst/>
-    <dgm:txFillClrLst meth="repeat">
-      <a:schemeClr val="lt1"/>
-    </dgm:txFillClrLst>
-    <dgm:txEffectClrLst/>
-  </dgm:styleLbl>
-  <dgm:styleLbl name="parChTrans2D3">
-    <dgm:fillClrLst meth="repeat">
-      <a:schemeClr val="accent1"/>
-    </dgm:fillClrLst>
-    <dgm:linClrLst meth="repeat">
-      <a:schemeClr val="accent1"/>
-    </dgm:linClrLst>
-    <dgm:effectClrLst/>
-    <dgm:txLinClrLst/>
-    <dgm:txFillClrLst meth="repeat">
-      <a:schemeClr val="lt1"/>
-    </dgm:txFillClrLst>
-    <dgm:txEffectClrLst/>
-  </dgm:styleLbl>
-  <dgm:styleLbl name="parChTrans2D4">
-    <dgm:fillClrLst meth="repeat">
-      <a:schemeClr val="accent1"/>
-    </dgm:fillClrLst>
-    <dgm:linClrLst meth="repeat">
-      <a:schemeClr val="accent1"/>
-    </dgm:linClrLst>
-    <dgm:effectClrLst/>
-    <dgm:txLinClrLst/>
-    <dgm:txFillClrLst meth="repeat">
-      <a:schemeClr val="lt1"/>
-    </dgm:txFillClrLst>
-    <dgm:txEffectClrLst/>
-  </dgm:styleLbl>
-  <dgm:styleLbl name="parChTrans1D1">
-    <dgm:fillClrLst meth="repeat">
-      <a:schemeClr val="accent1"/>
-    </dgm:fillClrLst>
-    <dgm:linClrLst meth="repeat">
-      <a:schemeClr val="accent1">
-        <a:shade val="60000"/>
-      </a:schemeClr>
-    </dgm:linClrLst>
-    <dgm:effectClrLst/>
-    <dgm:txLinClrLst/>
-    <dgm:txFillClrLst meth="repeat">
-      <a:schemeClr val="tx1"/>
-    </dgm:txFillClrLst>
-    <dgm:txEffectClrLst/>
-  </dgm:styleLbl>
-  <dgm:styleLbl name="parChTrans1D2">
-    <dgm:fillClrLst meth="repeat">
-      <a:schemeClr val="accent1"/>
-    </dgm:fillClrLst>
-    <dgm:linClrLst meth="repeat">
-      <a:schemeClr val="accent1">
-        <a:shade val="60000"/>
-      </a:schemeClr>
-    </dgm:linClrLst>
-    <dgm:effectClrLst/>
-    <dgm:txLinClrLst/>
-    <dgm:txFillClrLst meth="repeat">
-      <a:schemeClr val="tx1"/>
-    </dgm:txFillClrLst>
-    <dgm:txEffectClrLst/>
-  </dgm:styleLbl>
-  <dgm:styleLbl name="parChTrans1D3">
-    <dgm:fillClrLst meth="repeat">
-      <a:schemeClr val="accent1"/>
-    </dgm:fillClrLst>
-    <dgm:linClrLst meth="repeat">
-      <a:schemeClr val="accent1">
-        <a:shade val="80000"/>
-      </a:schemeClr>
-    </dgm:linClrLst>
-    <dgm:effectClrLst/>
-    <dgm:txLinClrLst/>
-    <dgm:txFillClrLst meth="repeat">
-      <a:schemeClr val="tx1"/>
-    </dgm:txFillClrLst>
-    <dgm:txEffectClrLst/>
-  </dgm:styleLbl>
-  <dgm:styleLbl name="parChTrans1D4">
-    <dgm:fillClrLst meth="repeat">
-      <a:schemeClr val="accent1"/>
-    </dgm:fillClrLst>
-    <dgm:linClrLst meth="repeat">
-      <a:schemeClr val="accent1">
-        <a:shade val="80000"/>
-      </a:schemeClr>
-    </dgm:linClrLst>
-    <dgm:effectClrLst/>
-    <dgm:txLinClrLst/>
-    <dgm:txFillClrLst meth="repeat">
-      <a:schemeClr val="tx1"/>
-    </dgm:txFillClrLst>
-    <dgm:txEffectClrLst/>
-  </dgm:styleLbl>
-  <dgm:styleLbl name="fgAcc1">
-    <dgm:fillClrLst meth="repeat">
-      <a:schemeClr val="lt1">
-        <a:alpha val="90000"/>
-      </a:schemeClr>
-    </dgm:fillClrLst>
-    <dgm:linClrLst meth="repeat">
-      <a:schemeClr val="accent1"/>
-    </dgm:linClrLst>
-    <dgm:effectClrLst/>
-    <dgm:txLinClrLst/>
-    <dgm:txFillClrLst meth="repeat">
-      <a:schemeClr val="dk1"/>
-    </dgm:txFillClrLst>
-    <dgm:txEffectClrLst/>
-  </dgm:styleLbl>
-  <dgm:styleLbl name="conFgAcc1">
-    <dgm:fillClrLst meth="repeat">
-      <a:schemeClr val="lt1">
-        <a:alpha val="90000"/>
-      </a:schemeClr>
-    </dgm:fillClrLst>
-    <dgm:linClrLst meth="repeat">
-      <a:schemeClr val="accent1"/>
-    </dgm:linClrLst>
-    <dgm:effectClrLst/>
-    <dgm:txLinClrLst/>
-    <dgm:txFillClrLst meth="repeat">
-      <a:schemeClr val="dk1"/>
-    </dgm:txFillClrLst>
-    <dgm:txEffectClrLst/>
-  </dgm:styleLbl>
-  <dgm:styleLbl name="alignAcc1">
-    <dgm:fillClrLst meth="repeat">
-      <a:schemeClr val="lt1">
-        <a:alpha val="90000"/>
-      </a:schemeClr>
-    </dgm:fillClrLst>
-    <dgm:linClrLst meth="repeat">
-      <a:schemeClr val="accent1"/>
-    </dgm:linClrLst>
-    <dgm:effectClrLst/>
-    <dgm:txLinClrLst/>
-    <dgm:txFillClrLst meth="repeat">
-      <a:schemeClr val="dk1"/>
-    </dgm:txFillClrLst>
-    <dgm:txEffectClrLst/>
-  </dgm:styleLbl>
-  <dgm:styleLbl name="trAlignAcc1">
-    <dgm:fillClrLst meth="repeat">
-      <a:schemeClr val="lt1">
-        <a:alpha val="40000"/>
-      </a:schemeClr>
-    </dgm:fillClrLst>
-    <dgm:linClrLst meth="repeat">
-      <a:schemeClr val="accent1"/>
-    </dgm:linClrLst>
-    <dgm:effectClrLst/>
-    <dgm:txLinClrLst/>
-    <dgm:txFillClrLst meth="repeat">
-      <a:schemeClr val="dk1"/>
-    </dgm:txFillClrLst>
-    <dgm:txEffectClrLst/>
-  </dgm:styleLbl>
-  <dgm:styleLbl name="bgAcc1">
-    <dgm:fillClrLst meth="repeat">
-      <a:schemeClr val="lt1">
-        <a:alpha val="90000"/>
-      </a:schemeClr>
-    </dgm:fillClrLst>
-    <dgm:linClrLst meth="repeat">
-      <a:schemeClr val="accent1"/>
-    </dgm:linClrLst>
-    <dgm:effectClrLst/>
-    <dgm:txLinClrLst/>
-    <dgm:txFillClrLst meth="repeat">
-      <a:schemeClr val="dk1"/>
-    </dgm:txFillClrLst>
-    <dgm:txEffectClrLst/>
-  </dgm:styleLbl>
-  <dgm:styleLbl name="solidFgAcc1">
-    <dgm:fillClrLst meth="repeat">
-      <a:schemeClr val="lt1"/>
-    </dgm:fillClrLst>
-    <dgm:linClrLst meth="repeat">
-      <a:schemeClr val="accent1"/>
-    </dgm:linClrLst>
-    <dgm:effectClrLst/>
-    <dgm:txLinClrLst/>
-    <dgm:txFillClrLst meth="repeat">
-      <a:schemeClr val="dk1"/>
-    </dgm:txFillClrLst>
-    <dgm:txEffectClrLst/>
-  </dgm:styleLbl>
-  <dgm:styleLbl name="solidAlignAcc1">
-    <dgm:fillClrLst meth="repeat">
-      <a:schemeClr val="lt1"/>
-    </dgm:fillClrLst>
-    <dgm:linClrLst meth="repeat">
-      <a:schemeClr val="accent1"/>
-    </dgm:linClrLst>
-    <dgm:effectClrLst/>
-    <dgm:txLinClrLst/>
-    <dgm:txFillClrLst meth="repeat">
-      <a:schemeClr val="dk1"/>
-    </dgm:txFillClrLst>
-    <dgm:txEffectClrLst/>
-  </dgm:styleLbl>
-  <dgm:styleLbl name="solidBgAcc1">
-    <dgm:fillClrLst meth="repeat">
-      <a:schemeClr val="lt1"/>
-    </dgm:fillClrLst>
-    <dgm:linClrLst meth="repeat">
-      <a:schemeClr val="accent1"/>
-    </dgm:linClrLst>
-    <dgm:effectClrLst/>
-    <dgm:txLinClrLst/>
-    <dgm:txFillClrLst meth="repeat">
-      <a:schemeClr val="dk1"/>
-    </dgm:txFillClrLst>
-    <dgm:txEffectClrLst/>
-  </dgm:styleLbl>
-  <dgm:styleLbl name="fgAccFollowNode1">
-    <dgm:fillClrLst meth="repeat">
-      <a:schemeClr val="accent1">
-        <a:alpha val="90000"/>
-        <a:tint val="40000"/>
-      </a:schemeClr>
-    </dgm:fillClrLst>
-    <dgm:linClrLst meth="repeat">
-      <a:schemeClr val="accent1">
-        <a:alpha val="90000"/>
-        <a:tint val="40000"/>
-      </a:schemeClr>
-    </dgm:linClrLst>
-    <dgm:effectClrLst/>
-    <dgm:txLinClrLst/>
-    <dgm:txFillClrLst meth="repeat">
-      <a:schemeClr val="dk1"/>
-    </dgm:txFillClrLst>
-    <dgm:txEffectClrLst/>
-  </dgm:styleLbl>
-  <dgm:styleLbl name="alignAccFollowNode1">
-    <dgm:fillClrLst meth="repeat">
-      <a:schemeClr val="accent1">
-        <a:alpha val="90000"/>
-        <a:tint val="40000"/>
-      </a:schemeClr>
-    </dgm:fillClrLst>
-    <dgm:linClrLst meth="repeat">
-      <a:schemeClr val="accent1">
-        <a:alpha val="90000"/>
-        <a:tint val="40000"/>
-      </a:schemeClr>
-    </dgm:linClrLst>
-    <dgm:effectClrLst/>
-    <dgm:txLinClrLst/>
-    <dgm:txFillClrLst meth="repeat">
-      <a:schemeClr val="dk1"/>
-    </dgm:txFillClrLst>
-    <dgm:txEffectClrLst/>
-  </dgm:styleLbl>
-  <dgm:styleLbl name="bgAccFollowNode1">
-    <dgm:fillClrLst meth="repeat">
-      <a:schemeClr val="accent1">
-        <a:alpha val="90000"/>
-        <a:tint val="40000"/>
-      </a:schemeClr>
-    </dgm:fillClrLst>
-    <dgm:linClrLst meth="repeat">
-      <a:schemeClr val="accent1">
-        <a:alpha val="90000"/>
-        <a:tint val="40000"/>
-      </a:schemeClr>
-    </dgm:linClrLst>
-    <dgm:effectClrLst/>
-    <dgm:txLinClrLst/>
-    <dgm:txFillClrLst meth="repeat">
-      <a:schemeClr val="dk1"/>
-    </dgm:txFillClrLst>
-    <dgm:txEffectClrLst/>
-  </dgm:styleLbl>
-  <dgm:styleLbl name="fgAcc0">
-    <dgm:fillClrLst meth="repeat">
-      <a:schemeClr val="lt1">
-        <a:alpha val="90000"/>
-      </a:schemeClr>
-    </dgm:fillClrLst>
-    <dgm:linClrLst meth="repeat">
-      <a:schemeClr val="accent1"/>
-    </dgm:linClrLst>
-    <dgm:effectClrLst/>
-    <dgm:txLinClrLst/>
-    <dgm:txFillClrLst meth="repeat">
-      <a:schemeClr val="dk1"/>
-    </dgm:txFillClrLst>
-    <dgm:txEffectClrLst/>
-  </dgm:styleLbl>
-  <dgm:styleLbl name="fgAcc2">
-    <dgm:fillClrLst meth="repeat">
-      <a:schemeClr val="lt1">
-        <a:alpha val="90000"/>
-      </a:schemeClr>
-    </dgm:fillClrLst>
-    <dgm:linClrLst meth="repeat">
-      <a:schemeClr val="accent1"/>
-    </dgm:linClrLst>
-    <dgm:effectClrLst/>
-    <dgm:txLinClrLst/>
-    <dgm:txFillClrLst meth="repeat">
-      <a:schemeClr val="dk1"/>
-    </dgm:txFillClrLst>
-    <dgm:txEffectClrLst/>
-  </dgm:styleLbl>
-  <dgm:styleLbl name="fgAcc3">
-    <dgm:fillClrLst meth="repeat">
-      <a:schemeClr val="lt1">
-        <a:alpha val="90000"/>
-      </a:schemeClr>
-    </dgm:fillClrLst>
-    <dgm:linClrLst meth="repeat">
-      <a:schemeClr val="accent1"/>
-    </dgm:linClrLst>
-    <dgm:effectClrLst/>
-    <dgm:txLinClrLst/>
-    <dgm:txFillClrLst meth="repeat">
-      <a:schemeClr val="dk1"/>
-    </dgm:txFillClrLst>
-    <dgm:txEffectClrLst/>
-  </dgm:styleLbl>
-  <dgm:styleLbl name="fgAcc4">
-    <dgm:fillClrLst meth="repeat">
-      <a:schemeClr val="lt1">
-        <a:alpha val="90000"/>
-      </a:schemeClr>
-    </dgm:fillClrLst>
-    <dgm:linClrLst meth="repeat">
-      <a:schemeClr val="accent1"/>
-    </dgm:linClrLst>
-    <dgm:effectClrLst/>
-    <dgm:txLinClrLst/>
-    <dgm:txFillClrLst meth="repeat">
-      <a:schemeClr val="dk1"/>
-    </dgm:txFillClrLst>
-    <dgm:txEffectClrLst/>
-  </dgm:styleLbl>
-  <dgm:styleLbl name="bgShp">
-    <dgm:fillClrLst meth="repeat">
-      <a:schemeClr val="accent1">
-        <a:tint val="40000"/>
-      </a:schemeClr>
-    </dgm:fillClrLst>
-    <dgm:linClrLst meth="repeat">
-      <a:schemeClr val="accent1"/>
-    </dgm:linClrLst>
-    <dgm:effectClrLst/>
-    <dgm:txLinClrLst/>
-    <dgm:txFillClrLst meth="repeat">
-      <a:schemeClr val="dk1"/>
-    </dgm:txFillClrLst>
-    <dgm:txEffectClrLst/>
-  </dgm:styleLbl>
-  <dgm:styleLbl name="dkBgShp">
-    <dgm:fillClrLst meth="repeat">
-      <a:schemeClr val="accent1">
-        <a:shade val="80000"/>
-      </a:schemeClr>
-    </dgm:fillClrLst>
-    <dgm:linClrLst meth="repeat">
-      <a:schemeClr val="accent1"/>
-    </dgm:linClrLst>
-    <dgm:effectClrLst/>
-    <dgm:txLinClrLst/>
-    <dgm:txFillClrLst meth="repeat">
-      <a:schemeClr val="lt1"/>
-    </dgm:txFillClrLst>
-    <dgm:txEffectClrLst/>
-  </dgm:styleLbl>
-  <dgm:styleLbl name="trBgShp">
-    <dgm:fillClrLst meth="repeat">
-      <a:schemeClr val="accent1">
-        <a:tint val="50000"/>
-        <a:alpha val="40000"/>
-      </a:schemeClr>
-    </dgm:fillClrLst>
-    <dgm:linClrLst meth="repeat">
-      <a:schemeClr val="accent1"/>
-    </dgm:linClrLst>
-    <dgm:effectClrLst/>
-    <dgm:txLinClrLst/>
-    <dgm:txFillClrLst meth="repeat">
-      <a:schemeClr val="lt1"/>
-    </dgm:txFillClrLst>
-    <dgm:txEffectClrLst/>
-  </dgm:styleLbl>
-  <dgm:styleLbl name="fgShp">
-    <dgm:fillClrLst meth="repeat">
-      <a:schemeClr val="accent1">
-        <a:tint val="60000"/>
-      </a:schemeClr>
-    </dgm:fillClrLst>
-    <dgm:linClrLst meth="repeat">
-      <a:schemeClr val="lt1"/>
-    </dgm:linClrLst>
-    <dgm:effectClrLst/>
-    <dgm:txLinClrLst/>
-    <dgm:txFillClrLst meth="repeat">
-      <a:schemeClr val="dk1"/>
-    </dgm:txFillClrLst>
-    <dgm:txEffectClrLst/>
-  </dgm:styleLbl>
-  <dgm:styleLbl name="revTx">
-    <dgm:fillClrLst meth="repeat">
-      <a:schemeClr val="lt1">
-        <a:alpha val="0"/>
-      </a:schemeClr>
-    </dgm:fillClrLst>
-    <dgm:linClrLst meth="repeat">
-      <a:schemeClr val="dk1">
-        <a:alpha val="0"/>
-      </a:schemeClr>
-    </dgm:linClrLst>
-    <dgm:effectClrLst/>
-    <dgm:txLinClrLst/>
-    <dgm:txFillClrLst meth="repeat">
-      <a:schemeClr val="tx1"/>
-    </dgm:txFillClrLst>
-    <dgm:txEffectClrLst/>
-  </dgm:styleLbl>
-</dgm:colorsDef>
-</file>
-
-<file path=ppt/diagrams/data1.xml><?xml version="1.0" encoding="utf-8"?>
-<dgm:dataModel xmlns:dgm="http://schemas.openxmlformats.org/drawingml/2006/diagram" xmlns:a="http://schemas.openxmlformats.org/drawingml/2006/main">
-  <dgm:ptLst>
-    <dgm:pt modelId="{55421C07-4004-419E-B24A-20FAA753946E}" type="doc">
-      <dgm:prSet loTypeId="urn:microsoft.com/office/officeart/2005/8/layout/list1" loCatId="list" qsTypeId="urn:microsoft.com/office/officeart/2005/8/quickstyle/simple1" qsCatId="simple" csTypeId="urn:microsoft.com/office/officeart/2005/8/colors/accent1_2" csCatId="accent1" phldr="1"/>
-      <dgm:spPr/>
-      <dgm:t>
-        <a:bodyPr/>
-        <a:lstStyle/>
-        <a:p>
-          <a:endParaRPr lang="en-ID"/>
-        </a:p>
-      </dgm:t>
-    </dgm:pt>
-    <dgm:pt modelId="{76B00D36-EC01-4998-B8CC-0114668A93C6}">
-      <dgm:prSet phldrT="[Text]"/>
-      <dgm:spPr/>
-      <dgm:t>
-        <a:bodyPr/>
-        <a:lstStyle/>
-        <a:p>
-          <a:r>
-            <a:rPr lang="en-ID" dirty="0" err="1"/>
-            <a:t>Diskusi</a:t>
-          </a:r>
-          <a:r>
-            <a:rPr lang="en-ID" dirty="0"/>
-            <a:t> / Meeting</a:t>
-          </a:r>
-        </a:p>
-      </dgm:t>
-    </dgm:pt>
-    <dgm:pt modelId="{C853A65E-45D9-4B9E-AB78-AE50BD738AA0}" type="parTrans" cxnId="{F052F43B-AC81-4F32-8744-9CE472E39B0A}">
-      <dgm:prSet/>
-      <dgm:spPr/>
-      <dgm:t>
-        <a:bodyPr/>
-        <a:lstStyle/>
-        <a:p>
-          <a:endParaRPr lang="en-ID"/>
-        </a:p>
-      </dgm:t>
-    </dgm:pt>
-    <dgm:pt modelId="{0E976619-6455-4A85-A13B-07840B687D0A}" type="sibTrans" cxnId="{F052F43B-AC81-4F32-8744-9CE472E39B0A}">
-      <dgm:prSet/>
-      <dgm:spPr/>
-      <dgm:t>
-        <a:bodyPr/>
-        <a:lstStyle/>
-        <a:p>
-          <a:endParaRPr lang="en-ID"/>
-        </a:p>
-      </dgm:t>
-    </dgm:pt>
-    <dgm:pt modelId="{A0D25CF6-9285-4DF7-AA79-C18001323C07}">
-      <dgm:prSet phldrT="[Text]"/>
-      <dgm:spPr/>
-      <dgm:t>
-        <a:bodyPr/>
-        <a:lstStyle/>
-        <a:p>
-          <a:r>
-            <a:rPr lang="en-ID" dirty="0" err="1"/>
-            <a:t>Pengerjaan</a:t>
-          </a:r>
-          <a:r>
-            <a:rPr lang="en-ID" dirty="0"/>
-            <a:t> </a:t>
-          </a:r>
-          <a:r>
-            <a:rPr lang="en-ID" dirty="0" err="1"/>
-            <a:t>Proyek</a:t>
-          </a:r>
-          <a:endParaRPr lang="en-ID" dirty="0"/>
-        </a:p>
-      </dgm:t>
-    </dgm:pt>
-    <dgm:pt modelId="{27DB2AFF-BA1E-427A-822C-ACB82E6CF6A6}" type="parTrans" cxnId="{0A8BF68F-6905-4850-A84B-F273B91F1035}">
-      <dgm:prSet/>
-      <dgm:spPr/>
-      <dgm:t>
-        <a:bodyPr/>
-        <a:lstStyle/>
-        <a:p>
-          <a:endParaRPr lang="en-ID"/>
-        </a:p>
-      </dgm:t>
-    </dgm:pt>
-    <dgm:pt modelId="{33A2B19C-CAE2-42C3-98F7-45BACAA5F8BF}" type="sibTrans" cxnId="{0A8BF68F-6905-4850-A84B-F273B91F1035}">
-      <dgm:prSet/>
-      <dgm:spPr/>
-      <dgm:t>
-        <a:bodyPr/>
-        <a:lstStyle/>
-        <a:p>
-          <a:endParaRPr lang="en-ID"/>
-        </a:p>
-      </dgm:t>
-    </dgm:pt>
-    <dgm:pt modelId="{67155CD7-4015-4731-B942-14305DDC9545}">
-      <dgm:prSet phldrT="[Text]"/>
-      <dgm:spPr/>
-      <dgm:t>
-        <a:bodyPr/>
-        <a:lstStyle/>
-        <a:p>
-          <a:r>
-            <a:rPr lang="en-ID" dirty="0"/>
-            <a:t>Progress Report</a:t>
-          </a:r>
-        </a:p>
-      </dgm:t>
-    </dgm:pt>
-    <dgm:pt modelId="{12D17AC8-C62A-43A9-AAFD-9EBE585A7130}" type="parTrans" cxnId="{AC474BD9-F619-4BEC-BCC5-9AF3B0D60C45}">
-      <dgm:prSet/>
-      <dgm:spPr/>
-      <dgm:t>
-        <a:bodyPr/>
-        <a:lstStyle/>
-        <a:p>
-          <a:endParaRPr lang="en-ID"/>
-        </a:p>
-      </dgm:t>
-    </dgm:pt>
-    <dgm:pt modelId="{E09E7B3C-4398-46B3-A76D-E54F6895E1B3}" type="sibTrans" cxnId="{AC474BD9-F619-4BEC-BCC5-9AF3B0D60C45}">
-      <dgm:prSet/>
-      <dgm:spPr/>
-      <dgm:t>
-        <a:bodyPr/>
-        <a:lstStyle/>
-        <a:p>
-          <a:endParaRPr lang="en-ID"/>
-        </a:p>
-      </dgm:t>
-    </dgm:pt>
-    <dgm:pt modelId="{108930CC-C86B-47B3-939A-A1FE0A738C3B}" type="pres">
-      <dgm:prSet presAssocID="{55421C07-4004-419E-B24A-20FAA753946E}" presName="linear" presStyleCnt="0">
-        <dgm:presLayoutVars>
-          <dgm:dir/>
-          <dgm:animLvl val="lvl"/>
-          <dgm:resizeHandles val="exact"/>
-        </dgm:presLayoutVars>
-      </dgm:prSet>
-      <dgm:spPr/>
-    </dgm:pt>
-    <dgm:pt modelId="{53817FA0-FDDA-4BCD-82FE-D26E4FD42BFD}" type="pres">
-      <dgm:prSet presAssocID="{76B00D36-EC01-4998-B8CC-0114668A93C6}" presName="parentLin" presStyleCnt="0"/>
-      <dgm:spPr/>
-    </dgm:pt>
-    <dgm:pt modelId="{1A19F113-DE3E-4DBC-BBD5-88AAAEA2AB2D}" type="pres">
-      <dgm:prSet presAssocID="{76B00D36-EC01-4998-B8CC-0114668A93C6}" presName="parentLeftMargin" presStyleLbl="node1" presStyleIdx="0" presStyleCnt="3"/>
-      <dgm:spPr/>
-    </dgm:pt>
-    <dgm:pt modelId="{557B7844-E58C-43FE-B08A-5522DC005F2C}" type="pres">
-      <dgm:prSet presAssocID="{76B00D36-EC01-4998-B8CC-0114668A93C6}" presName="parentText" presStyleLbl="node1" presStyleIdx="0" presStyleCnt="3">
-        <dgm:presLayoutVars>
-          <dgm:chMax val="0"/>
-          <dgm:bulletEnabled val="1"/>
-        </dgm:presLayoutVars>
-      </dgm:prSet>
-      <dgm:spPr/>
-    </dgm:pt>
-    <dgm:pt modelId="{4BB66FC3-204B-47D5-B9D0-4F6003CB0E44}" type="pres">
-      <dgm:prSet presAssocID="{76B00D36-EC01-4998-B8CC-0114668A93C6}" presName="negativeSpace" presStyleCnt="0"/>
-      <dgm:spPr/>
-    </dgm:pt>
-    <dgm:pt modelId="{97EFF9D7-3BCA-4E6F-B1A6-E44195DA09D2}" type="pres">
-      <dgm:prSet presAssocID="{76B00D36-EC01-4998-B8CC-0114668A93C6}" presName="childText" presStyleLbl="conFgAcc1" presStyleIdx="0" presStyleCnt="3">
-        <dgm:presLayoutVars>
-          <dgm:bulletEnabled val="1"/>
-        </dgm:presLayoutVars>
-      </dgm:prSet>
-      <dgm:spPr/>
-    </dgm:pt>
-    <dgm:pt modelId="{4B9F0FC3-7E70-4112-8C8E-379A65CA6E48}" type="pres">
-      <dgm:prSet presAssocID="{0E976619-6455-4A85-A13B-07840B687D0A}" presName="spaceBetweenRectangles" presStyleCnt="0"/>
-      <dgm:spPr/>
-    </dgm:pt>
-    <dgm:pt modelId="{29050EAF-2B45-4EDB-8755-3160099A2B42}" type="pres">
-      <dgm:prSet presAssocID="{A0D25CF6-9285-4DF7-AA79-C18001323C07}" presName="parentLin" presStyleCnt="0"/>
-      <dgm:spPr/>
-    </dgm:pt>
-    <dgm:pt modelId="{27C97F19-90D0-49FF-BE03-A4149FF84A80}" type="pres">
-      <dgm:prSet presAssocID="{A0D25CF6-9285-4DF7-AA79-C18001323C07}" presName="parentLeftMargin" presStyleLbl="node1" presStyleIdx="0" presStyleCnt="3"/>
-      <dgm:spPr/>
-    </dgm:pt>
-    <dgm:pt modelId="{05BA59C5-31CA-4089-B0EE-0F42E227F194}" type="pres">
-      <dgm:prSet presAssocID="{A0D25CF6-9285-4DF7-AA79-C18001323C07}" presName="parentText" presStyleLbl="node1" presStyleIdx="1" presStyleCnt="3">
-        <dgm:presLayoutVars>
-          <dgm:chMax val="0"/>
-          <dgm:bulletEnabled val="1"/>
-        </dgm:presLayoutVars>
-      </dgm:prSet>
-      <dgm:spPr/>
-    </dgm:pt>
-    <dgm:pt modelId="{85151157-5BCB-48D6-A65C-E0854043FB60}" type="pres">
-      <dgm:prSet presAssocID="{A0D25CF6-9285-4DF7-AA79-C18001323C07}" presName="negativeSpace" presStyleCnt="0"/>
-      <dgm:spPr/>
-    </dgm:pt>
-    <dgm:pt modelId="{9D5DBAFE-6EEF-48E0-8A93-0E8887DAA409}" type="pres">
-      <dgm:prSet presAssocID="{A0D25CF6-9285-4DF7-AA79-C18001323C07}" presName="childText" presStyleLbl="conFgAcc1" presStyleIdx="1" presStyleCnt="3">
-        <dgm:presLayoutVars>
-          <dgm:bulletEnabled val="1"/>
-        </dgm:presLayoutVars>
-      </dgm:prSet>
-      <dgm:spPr/>
-    </dgm:pt>
-    <dgm:pt modelId="{887DE033-F694-4593-92E1-E5C311E8F11F}" type="pres">
-      <dgm:prSet presAssocID="{33A2B19C-CAE2-42C3-98F7-45BACAA5F8BF}" presName="spaceBetweenRectangles" presStyleCnt="0"/>
-      <dgm:spPr/>
-    </dgm:pt>
-    <dgm:pt modelId="{77743A37-269B-44B6-97ED-F6D378862E84}" type="pres">
-      <dgm:prSet presAssocID="{67155CD7-4015-4731-B942-14305DDC9545}" presName="parentLin" presStyleCnt="0"/>
-      <dgm:spPr/>
-    </dgm:pt>
-    <dgm:pt modelId="{8E1F5D15-2E0F-4649-995C-3DF5B74577CB}" type="pres">
-      <dgm:prSet presAssocID="{67155CD7-4015-4731-B942-14305DDC9545}" presName="parentLeftMargin" presStyleLbl="node1" presStyleIdx="1" presStyleCnt="3"/>
-      <dgm:spPr/>
-    </dgm:pt>
-    <dgm:pt modelId="{7E0121EC-227C-46C1-B41F-4D9B7995553B}" type="pres">
-      <dgm:prSet presAssocID="{67155CD7-4015-4731-B942-14305DDC9545}" presName="parentText" presStyleLbl="node1" presStyleIdx="2" presStyleCnt="3">
-        <dgm:presLayoutVars>
-          <dgm:chMax val="0"/>
-          <dgm:bulletEnabled val="1"/>
-        </dgm:presLayoutVars>
-      </dgm:prSet>
-      <dgm:spPr/>
-    </dgm:pt>
-    <dgm:pt modelId="{068BE8F6-4B82-43F5-B64E-0465DCCA5B3E}" type="pres">
-      <dgm:prSet presAssocID="{67155CD7-4015-4731-B942-14305DDC9545}" presName="negativeSpace" presStyleCnt="0"/>
-      <dgm:spPr/>
-    </dgm:pt>
-    <dgm:pt modelId="{D2496B27-7D22-4109-9904-05DC7410FE90}" type="pres">
-      <dgm:prSet presAssocID="{67155CD7-4015-4731-B942-14305DDC9545}" presName="childText" presStyleLbl="conFgAcc1" presStyleIdx="2" presStyleCnt="3">
-        <dgm:presLayoutVars>
-          <dgm:bulletEnabled val="1"/>
-        </dgm:presLayoutVars>
-      </dgm:prSet>
-      <dgm:spPr/>
-    </dgm:pt>
-  </dgm:ptLst>
-  <dgm:cxnLst>
-    <dgm:cxn modelId="{5BACCF1A-F6A3-4588-A0EB-474C991F9632}" type="presOf" srcId="{67155CD7-4015-4731-B942-14305DDC9545}" destId="{7E0121EC-227C-46C1-B41F-4D9B7995553B}" srcOrd="1" destOrd="0" presId="urn:microsoft.com/office/officeart/2005/8/layout/list1"/>
-    <dgm:cxn modelId="{30BA8631-118B-4BAC-9392-787EF35E3E86}" type="presOf" srcId="{76B00D36-EC01-4998-B8CC-0114668A93C6}" destId="{557B7844-E58C-43FE-B08A-5522DC005F2C}" srcOrd="1" destOrd="0" presId="urn:microsoft.com/office/officeart/2005/8/layout/list1"/>
-    <dgm:cxn modelId="{F052F43B-AC81-4F32-8744-9CE472E39B0A}" srcId="{55421C07-4004-419E-B24A-20FAA753946E}" destId="{76B00D36-EC01-4998-B8CC-0114668A93C6}" srcOrd="0" destOrd="0" parTransId="{C853A65E-45D9-4B9E-AB78-AE50BD738AA0}" sibTransId="{0E976619-6455-4A85-A13B-07840B687D0A}"/>
-    <dgm:cxn modelId="{C52B0A47-64DD-4099-8F9E-7657AB1DA147}" type="presOf" srcId="{55421C07-4004-419E-B24A-20FAA753946E}" destId="{108930CC-C86B-47B3-939A-A1FE0A738C3B}" srcOrd="0" destOrd="0" presId="urn:microsoft.com/office/officeart/2005/8/layout/list1"/>
-    <dgm:cxn modelId="{AC43B27F-F1BB-4DDC-A141-07EC6391BA49}" type="presOf" srcId="{A0D25CF6-9285-4DF7-AA79-C18001323C07}" destId="{27C97F19-90D0-49FF-BE03-A4149FF84A80}" srcOrd="0" destOrd="0" presId="urn:microsoft.com/office/officeart/2005/8/layout/list1"/>
-    <dgm:cxn modelId="{0A8BF68F-6905-4850-A84B-F273B91F1035}" srcId="{55421C07-4004-419E-B24A-20FAA753946E}" destId="{A0D25CF6-9285-4DF7-AA79-C18001323C07}" srcOrd="1" destOrd="0" parTransId="{27DB2AFF-BA1E-427A-822C-ACB82E6CF6A6}" sibTransId="{33A2B19C-CAE2-42C3-98F7-45BACAA5F8BF}"/>
-    <dgm:cxn modelId="{2A7D9594-2CE6-419D-BDAF-04A48C4E53D8}" type="presOf" srcId="{76B00D36-EC01-4998-B8CC-0114668A93C6}" destId="{1A19F113-DE3E-4DBC-BBD5-88AAAEA2AB2D}" srcOrd="0" destOrd="0" presId="urn:microsoft.com/office/officeart/2005/8/layout/list1"/>
-    <dgm:cxn modelId="{660F72BC-454D-404A-BFD3-2F8D6EA24B4C}" type="presOf" srcId="{A0D25CF6-9285-4DF7-AA79-C18001323C07}" destId="{05BA59C5-31CA-4089-B0EE-0F42E227F194}" srcOrd="1" destOrd="0" presId="urn:microsoft.com/office/officeart/2005/8/layout/list1"/>
-    <dgm:cxn modelId="{AC474BD9-F619-4BEC-BCC5-9AF3B0D60C45}" srcId="{55421C07-4004-419E-B24A-20FAA753946E}" destId="{67155CD7-4015-4731-B942-14305DDC9545}" srcOrd="2" destOrd="0" parTransId="{12D17AC8-C62A-43A9-AAFD-9EBE585A7130}" sibTransId="{E09E7B3C-4398-46B3-A76D-E54F6895E1B3}"/>
-    <dgm:cxn modelId="{1014CCF0-42FF-439A-942C-7662C7B74442}" type="presOf" srcId="{67155CD7-4015-4731-B942-14305DDC9545}" destId="{8E1F5D15-2E0F-4649-995C-3DF5B74577CB}" srcOrd="0" destOrd="0" presId="urn:microsoft.com/office/officeart/2005/8/layout/list1"/>
-    <dgm:cxn modelId="{0CC47CA7-FF9E-4402-A989-D63EEFFC71E4}" type="presParOf" srcId="{108930CC-C86B-47B3-939A-A1FE0A738C3B}" destId="{53817FA0-FDDA-4BCD-82FE-D26E4FD42BFD}" srcOrd="0" destOrd="0" presId="urn:microsoft.com/office/officeart/2005/8/layout/list1"/>
-    <dgm:cxn modelId="{C4B47B43-8042-42D1-9272-EE0D72435086}" type="presParOf" srcId="{53817FA0-FDDA-4BCD-82FE-D26E4FD42BFD}" destId="{1A19F113-DE3E-4DBC-BBD5-88AAAEA2AB2D}" srcOrd="0" destOrd="0" presId="urn:microsoft.com/office/officeart/2005/8/layout/list1"/>
-    <dgm:cxn modelId="{0B21B535-20BB-4BF0-B2AA-F266E4E85062}" type="presParOf" srcId="{53817FA0-FDDA-4BCD-82FE-D26E4FD42BFD}" destId="{557B7844-E58C-43FE-B08A-5522DC005F2C}" srcOrd="1" destOrd="0" presId="urn:microsoft.com/office/officeart/2005/8/layout/list1"/>
-    <dgm:cxn modelId="{B1FE540B-1D68-4302-A955-32CE080FB6DA}" type="presParOf" srcId="{108930CC-C86B-47B3-939A-A1FE0A738C3B}" destId="{4BB66FC3-204B-47D5-B9D0-4F6003CB0E44}" srcOrd="1" destOrd="0" presId="urn:microsoft.com/office/officeart/2005/8/layout/list1"/>
-    <dgm:cxn modelId="{1118A4B6-926F-443E-AC95-3B5C97A6AF2D}" type="presParOf" srcId="{108930CC-C86B-47B3-939A-A1FE0A738C3B}" destId="{97EFF9D7-3BCA-4E6F-B1A6-E44195DA09D2}" srcOrd="2" destOrd="0" presId="urn:microsoft.com/office/officeart/2005/8/layout/list1"/>
-    <dgm:cxn modelId="{1CC6206C-855D-4221-8321-FCEC4650EC3B}" type="presParOf" srcId="{108930CC-C86B-47B3-939A-A1FE0A738C3B}" destId="{4B9F0FC3-7E70-4112-8C8E-379A65CA6E48}" srcOrd="3" destOrd="0" presId="urn:microsoft.com/office/officeart/2005/8/layout/list1"/>
-    <dgm:cxn modelId="{DEB7A34F-063C-44C4-9A21-00D27FF389A0}" type="presParOf" srcId="{108930CC-C86B-47B3-939A-A1FE0A738C3B}" destId="{29050EAF-2B45-4EDB-8755-3160099A2B42}" srcOrd="4" destOrd="0" presId="urn:microsoft.com/office/officeart/2005/8/layout/list1"/>
-    <dgm:cxn modelId="{E8B161C3-666E-4632-B32C-32B93FC9A564}" type="presParOf" srcId="{29050EAF-2B45-4EDB-8755-3160099A2B42}" destId="{27C97F19-90D0-49FF-BE03-A4149FF84A80}" srcOrd="0" destOrd="0" presId="urn:microsoft.com/office/officeart/2005/8/layout/list1"/>
-    <dgm:cxn modelId="{179849C0-90DC-432C-93DB-93ECAC7A7447}" type="presParOf" srcId="{29050EAF-2B45-4EDB-8755-3160099A2B42}" destId="{05BA59C5-31CA-4089-B0EE-0F42E227F194}" srcOrd="1" destOrd="0" presId="urn:microsoft.com/office/officeart/2005/8/layout/list1"/>
-    <dgm:cxn modelId="{771B8344-3875-48F3-BEEF-3E15D042AE1E}" type="presParOf" srcId="{108930CC-C86B-47B3-939A-A1FE0A738C3B}" destId="{85151157-5BCB-48D6-A65C-E0854043FB60}" srcOrd="5" destOrd="0" presId="urn:microsoft.com/office/officeart/2005/8/layout/list1"/>
-    <dgm:cxn modelId="{4E848AA3-40EB-49C4-AEB1-3C58A9FBD3B7}" type="presParOf" srcId="{108930CC-C86B-47B3-939A-A1FE0A738C3B}" destId="{9D5DBAFE-6EEF-48E0-8A93-0E8887DAA409}" srcOrd="6" destOrd="0" presId="urn:microsoft.com/office/officeart/2005/8/layout/list1"/>
-    <dgm:cxn modelId="{72D2082B-371A-4865-954D-A5959A9DDE84}" type="presParOf" srcId="{108930CC-C86B-47B3-939A-A1FE0A738C3B}" destId="{887DE033-F694-4593-92E1-E5C311E8F11F}" srcOrd="7" destOrd="0" presId="urn:microsoft.com/office/officeart/2005/8/layout/list1"/>
-    <dgm:cxn modelId="{2246F462-DEA0-474D-BF4F-82B20105B1A6}" type="presParOf" srcId="{108930CC-C86B-47B3-939A-A1FE0A738C3B}" destId="{77743A37-269B-44B6-97ED-F6D378862E84}" srcOrd="8" destOrd="0" presId="urn:microsoft.com/office/officeart/2005/8/layout/list1"/>
-    <dgm:cxn modelId="{056F9422-FCA2-49E4-A43F-68E7AF10C149}" type="presParOf" srcId="{77743A37-269B-44B6-97ED-F6D378862E84}" destId="{8E1F5D15-2E0F-4649-995C-3DF5B74577CB}" srcOrd="0" destOrd="0" presId="urn:microsoft.com/office/officeart/2005/8/layout/list1"/>
-    <dgm:cxn modelId="{E1C32649-493B-4377-A54E-43D9E5028FDF}" type="presParOf" srcId="{77743A37-269B-44B6-97ED-F6D378862E84}" destId="{7E0121EC-227C-46C1-B41F-4D9B7995553B}" srcOrd="1" destOrd="0" presId="urn:microsoft.com/office/officeart/2005/8/layout/list1"/>
-    <dgm:cxn modelId="{CF2C8F00-FCE1-476D-90FA-0710BBFA4D82}" type="presParOf" srcId="{108930CC-C86B-47B3-939A-A1FE0A738C3B}" destId="{068BE8F6-4B82-43F5-B64E-0465DCCA5B3E}" srcOrd="9" destOrd="0" presId="urn:microsoft.com/office/officeart/2005/8/layout/list1"/>
-    <dgm:cxn modelId="{C266C014-1FE9-4236-8BB0-65EF20DD3853}" type="presParOf" srcId="{108930CC-C86B-47B3-939A-A1FE0A738C3B}" destId="{D2496B27-7D22-4109-9904-05DC7410FE90}" srcOrd="10" destOrd="0" presId="urn:microsoft.com/office/officeart/2005/8/layout/list1"/>
-  </dgm:cxnLst>
-  <dgm:bg/>
-  <dgm:whole/>
-  <dgm:extLst>
-    <a:ext uri="http://schemas.microsoft.com/office/drawing/2008/diagram">
-      <dsp:dataModelExt xmlns:dsp="http://schemas.microsoft.com/office/drawing/2008/diagram" relId="rId6" minVer="http://schemas.openxmlformats.org/drawingml/2006/diagram"/>
-    </a:ext>
-  </dgm:extLst>
-</dgm:dataModel>
-</file>
-
-<file path=ppt/diagrams/drawing1.xml><?xml version="1.0" encoding="utf-8"?>
-<dsp:drawing xmlns:dgm="http://schemas.openxmlformats.org/drawingml/2006/diagram" xmlns:dsp="http://schemas.microsoft.com/office/drawing/2008/diagram" xmlns:a="http://schemas.openxmlformats.org/drawingml/2006/main">
-  <dsp:spTree>
-    <dsp:nvGrpSpPr>
-      <dsp:cNvPr id="0" name=""/>
-      <dsp:cNvGrpSpPr/>
-    </dsp:nvGrpSpPr>
-    <dsp:grpSpPr/>
-    <dsp:sp modelId="{97EFF9D7-3BCA-4E6F-B1A6-E44195DA09D2}">
-      <dsp:nvSpPr>
-        <dsp:cNvPr id="0" name=""/>
-        <dsp:cNvSpPr/>
-      </dsp:nvSpPr>
-      <dsp:spPr>
-        <a:xfrm>
-          <a:off x="0" y="474338"/>
-          <a:ext cx="11029950" cy="781200"/>
-        </a:xfrm>
-        <a:prstGeom prst="rect">
-          <a:avLst/>
-        </a:prstGeom>
-        <a:solidFill>
-          <a:schemeClr val="lt1">
-            <a:alpha val="90000"/>
-            <a:hueOff val="0"/>
-            <a:satOff val="0"/>
-            <a:lumOff val="0"/>
-            <a:alphaOff val="0"/>
-          </a:schemeClr>
-        </a:solidFill>
-        <a:ln w="22225" cap="rnd" cmpd="sng" algn="ctr">
-          <a:solidFill>
-            <a:schemeClr val="accent1">
-              <a:hueOff val="0"/>
-              <a:satOff val="0"/>
-              <a:lumOff val="0"/>
-              <a:alphaOff val="0"/>
-            </a:schemeClr>
-          </a:solidFill>
-          <a:prstDash val="solid"/>
-        </a:ln>
-        <a:effectLst/>
-      </dsp:spPr>
-      <dsp:style>
-        <a:lnRef idx="2">
-          <a:scrgbClr r="0" g="0" b="0"/>
-        </a:lnRef>
-        <a:fillRef idx="1">
-          <a:scrgbClr r="0" g="0" b="0"/>
-        </a:fillRef>
-        <a:effectRef idx="0">
-          <a:scrgbClr r="0" g="0" b="0"/>
-        </a:effectRef>
-        <a:fontRef idx="minor"/>
-      </dsp:style>
-    </dsp:sp>
-    <dsp:sp modelId="{557B7844-E58C-43FE-B08A-5522DC005F2C}">
-      <dsp:nvSpPr>
-        <dsp:cNvPr id="0" name=""/>
-        <dsp:cNvSpPr/>
-      </dsp:nvSpPr>
-      <dsp:spPr>
-        <a:xfrm>
-          <a:off x="551497" y="16778"/>
-          <a:ext cx="7720965" cy="915120"/>
-        </a:xfrm>
-        <a:prstGeom prst="roundRect">
-          <a:avLst/>
-        </a:prstGeom>
-        <a:solidFill>
-          <a:schemeClr val="accent1">
-            <a:hueOff val="0"/>
-            <a:satOff val="0"/>
-            <a:lumOff val="0"/>
-            <a:alphaOff val="0"/>
-          </a:schemeClr>
-        </a:solidFill>
-        <a:ln w="22225" cap="rnd" cmpd="sng" algn="ctr">
-          <a:solidFill>
-            <a:schemeClr val="lt1">
-              <a:hueOff val="0"/>
-              <a:satOff val="0"/>
-              <a:lumOff val="0"/>
-              <a:alphaOff val="0"/>
-            </a:schemeClr>
-          </a:solidFill>
-          <a:prstDash val="solid"/>
-        </a:ln>
-        <a:effectLst/>
-      </dsp:spPr>
-      <dsp:style>
-        <a:lnRef idx="2">
-          <a:scrgbClr r="0" g="0" b="0"/>
-        </a:lnRef>
-        <a:fillRef idx="1">
-          <a:scrgbClr r="0" g="0" b="0"/>
-        </a:fillRef>
-        <a:effectRef idx="0">
-          <a:scrgbClr r="0" g="0" b="0"/>
-        </a:effectRef>
-        <a:fontRef idx="minor">
-          <a:schemeClr val="lt1"/>
-        </a:fontRef>
-      </dsp:style>
-      <dsp:txBody>
-        <a:bodyPr spcFirstLastPara="0" vert="horz" wrap="square" lIns="291834" tIns="0" rIns="291834" bIns="0" numCol="1" spcCol="1270" anchor="ctr" anchorCtr="0">
-          <a:noAutofit/>
-        </a:bodyPr>
-        <a:lstStyle/>
-        <a:p>
-          <a:pPr marL="0" lvl="0" indent="0" algn="l" defTabSz="1377950">
-            <a:lnSpc>
-              <a:spcPct val="90000"/>
-            </a:lnSpc>
-            <a:spcBef>
-              <a:spcPct val="0"/>
-            </a:spcBef>
-            <a:spcAft>
-              <a:spcPct val="35000"/>
-            </a:spcAft>
-            <a:buNone/>
-          </a:pPr>
-          <a:r>
-            <a:rPr lang="en-ID" sz="3100" kern="1200" dirty="0" err="1"/>
-            <a:t>Diskusi</a:t>
-          </a:r>
-          <a:r>
-            <a:rPr lang="en-ID" sz="3100" kern="1200" dirty="0"/>
-            <a:t> / Meeting</a:t>
-          </a:r>
-        </a:p>
-      </dsp:txBody>
-      <dsp:txXfrm>
-        <a:off x="596169" y="61450"/>
-        <a:ext cx="7631621" cy="825776"/>
-      </dsp:txXfrm>
-    </dsp:sp>
-    <dsp:sp modelId="{9D5DBAFE-6EEF-48E0-8A93-0E8887DAA409}">
-      <dsp:nvSpPr>
-        <dsp:cNvPr id="0" name=""/>
-        <dsp:cNvSpPr/>
-      </dsp:nvSpPr>
-      <dsp:spPr>
-        <a:xfrm>
-          <a:off x="0" y="1880498"/>
-          <a:ext cx="11029950" cy="781200"/>
-        </a:xfrm>
-        <a:prstGeom prst="rect">
-          <a:avLst/>
-        </a:prstGeom>
-        <a:solidFill>
-          <a:schemeClr val="lt1">
-            <a:alpha val="90000"/>
-            <a:hueOff val="0"/>
-            <a:satOff val="0"/>
-            <a:lumOff val="0"/>
-            <a:alphaOff val="0"/>
-          </a:schemeClr>
-        </a:solidFill>
-        <a:ln w="22225" cap="rnd" cmpd="sng" algn="ctr">
-          <a:solidFill>
-            <a:schemeClr val="accent1">
-              <a:hueOff val="0"/>
-              <a:satOff val="0"/>
-              <a:lumOff val="0"/>
-              <a:alphaOff val="0"/>
-            </a:schemeClr>
-          </a:solidFill>
-          <a:prstDash val="solid"/>
-        </a:ln>
-        <a:effectLst/>
-      </dsp:spPr>
-      <dsp:style>
-        <a:lnRef idx="2">
-          <a:scrgbClr r="0" g="0" b="0"/>
-        </a:lnRef>
-        <a:fillRef idx="1">
-          <a:scrgbClr r="0" g="0" b="0"/>
-        </a:fillRef>
-        <a:effectRef idx="0">
-          <a:scrgbClr r="0" g="0" b="0"/>
-        </a:effectRef>
-        <a:fontRef idx="minor"/>
-      </dsp:style>
-    </dsp:sp>
-    <dsp:sp modelId="{05BA59C5-31CA-4089-B0EE-0F42E227F194}">
-      <dsp:nvSpPr>
-        <dsp:cNvPr id="0" name=""/>
-        <dsp:cNvSpPr/>
-      </dsp:nvSpPr>
-      <dsp:spPr>
-        <a:xfrm>
-          <a:off x="551497" y="1422938"/>
-          <a:ext cx="7720965" cy="915120"/>
-        </a:xfrm>
-        <a:prstGeom prst="roundRect">
-          <a:avLst/>
-        </a:prstGeom>
-        <a:solidFill>
-          <a:schemeClr val="accent1">
-            <a:hueOff val="0"/>
-            <a:satOff val="0"/>
-            <a:lumOff val="0"/>
-            <a:alphaOff val="0"/>
-          </a:schemeClr>
-        </a:solidFill>
-        <a:ln w="22225" cap="rnd" cmpd="sng" algn="ctr">
-          <a:solidFill>
-            <a:schemeClr val="lt1">
-              <a:hueOff val="0"/>
-              <a:satOff val="0"/>
-              <a:lumOff val="0"/>
-              <a:alphaOff val="0"/>
-            </a:schemeClr>
-          </a:solidFill>
-          <a:prstDash val="solid"/>
-        </a:ln>
-        <a:effectLst/>
-      </dsp:spPr>
-      <dsp:style>
-        <a:lnRef idx="2">
-          <a:scrgbClr r="0" g="0" b="0"/>
-        </a:lnRef>
-        <a:fillRef idx="1">
-          <a:scrgbClr r="0" g="0" b="0"/>
-        </a:fillRef>
-        <a:effectRef idx="0">
-          <a:scrgbClr r="0" g="0" b="0"/>
-        </a:effectRef>
-        <a:fontRef idx="minor">
-          <a:schemeClr val="lt1"/>
-        </a:fontRef>
-      </dsp:style>
-      <dsp:txBody>
-        <a:bodyPr spcFirstLastPara="0" vert="horz" wrap="square" lIns="291834" tIns="0" rIns="291834" bIns="0" numCol="1" spcCol="1270" anchor="ctr" anchorCtr="0">
-          <a:noAutofit/>
-        </a:bodyPr>
-        <a:lstStyle/>
-        <a:p>
-          <a:pPr marL="0" lvl="0" indent="0" algn="l" defTabSz="1377950">
-            <a:lnSpc>
-              <a:spcPct val="90000"/>
-            </a:lnSpc>
-            <a:spcBef>
-              <a:spcPct val="0"/>
-            </a:spcBef>
-            <a:spcAft>
-              <a:spcPct val="35000"/>
-            </a:spcAft>
-            <a:buNone/>
-          </a:pPr>
-          <a:r>
-            <a:rPr lang="en-ID" sz="3100" kern="1200" dirty="0" err="1"/>
-            <a:t>Pengerjaan</a:t>
-          </a:r>
-          <a:r>
-            <a:rPr lang="en-ID" sz="3100" kern="1200" dirty="0"/>
-            <a:t> </a:t>
-          </a:r>
-          <a:r>
-            <a:rPr lang="en-ID" sz="3100" kern="1200" dirty="0" err="1"/>
-            <a:t>Proyek</a:t>
-          </a:r>
-          <a:endParaRPr lang="en-ID" sz="3100" kern="1200" dirty="0"/>
-        </a:p>
-      </dsp:txBody>
-      <dsp:txXfrm>
-        <a:off x="596169" y="1467610"/>
-        <a:ext cx="7631621" cy="825776"/>
-      </dsp:txXfrm>
-    </dsp:sp>
-    <dsp:sp modelId="{D2496B27-7D22-4109-9904-05DC7410FE90}">
-      <dsp:nvSpPr>
-        <dsp:cNvPr id="0" name=""/>
-        <dsp:cNvSpPr/>
-      </dsp:nvSpPr>
-      <dsp:spPr>
-        <a:xfrm>
-          <a:off x="0" y="3286658"/>
-          <a:ext cx="11029950" cy="781200"/>
-        </a:xfrm>
-        <a:prstGeom prst="rect">
-          <a:avLst/>
-        </a:prstGeom>
-        <a:solidFill>
-          <a:schemeClr val="lt1">
-            <a:alpha val="90000"/>
-            <a:hueOff val="0"/>
-            <a:satOff val="0"/>
-            <a:lumOff val="0"/>
-            <a:alphaOff val="0"/>
-          </a:schemeClr>
-        </a:solidFill>
-        <a:ln w="22225" cap="rnd" cmpd="sng" algn="ctr">
-          <a:solidFill>
-            <a:schemeClr val="accent1">
-              <a:hueOff val="0"/>
-              <a:satOff val="0"/>
-              <a:lumOff val="0"/>
-              <a:alphaOff val="0"/>
-            </a:schemeClr>
-          </a:solidFill>
-          <a:prstDash val="solid"/>
-        </a:ln>
-        <a:effectLst/>
-      </dsp:spPr>
-      <dsp:style>
-        <a:lnRef idx="2">
-          <a:scrgbClr r="0" g="0" b="0"/>
-        </a:lnRef>
-        <a:fillRef idx="1">
-          <a:scrgbClr r="0" g="0" b="0"/>
-        </a:fillRef>
-        <a:effectRef idx="0">
-          <a:scrgbClr r="0" g="0" b="0"/>
-        </a:effectRef>
-        <a:fontRef idx="minor"/>
-      </dsp:style>
-    </dsp:sp>
-    <dsp:sp modelId="{7E0121EC-227C-46C1-B41F-4D9B7995553B}">
-      <dsp:nvSpPr>
-        <dsp:cNvPr id="0" name=""/>
-        <dsp:cNvSpPr/>
-      </dsp:nvSpPr>
-      <dsp:spPr>
-        <a:xfrm>
-          <a:off x="551497" y="2829098"/>
-          <a:ext cx="7720965" cy="915120"/>
-        </a:xfrm>
-        <a:prstGeom prst="roundRect">
-          <a:avLst/>
-        </a:prstGeom>
-        <a:solidFill>
-          <a:schemeClr val="accent1">
-            <a:hueOff val="0"/>
-            <a:satOff val="0"/>
-            <a:lumOff val="0"/>
-            <a:alphaOff val="0"/>
-          </a:schemeClr>
-        </a:solidFill>
-        <a:ln w="22225" cap="rnd" cmpd="sng" algn="ctr">
-          <a:solidFill>
-            <a:schemeClr val="lt1">
-              <a:hueOff val="0"/>
-              <a:satOff val="0"/>
-              <a:lumOff val="0"/>
-              <a:alphaOff val="0"/>
-            </a:schemeClr>
-          </a:solidFill>
-          <a:prstDash val="solid"/>
-        </a:ln>
-        <a:effectLst/>
-      </dsp:spPr>
-      <dsp:style>
-        <a:lnRef idx="2">
-          <a:scrgbClr r="0" g="0" b="0"/>
-        </a:lnRef>
-        <a:fillRef idx="1">
-          <a:scrgbClr r="0" g="0" b="0"/>
-        </a:fillRef>
-        <a:effectRef idx="0">
-          <a:scrgbClr r="0" g="0" b="0"/>
-        </a:effectRef>
-        <a:fontRef idx="minor">
-          <a:schemeClr val="lt1"/>
-        </a:fontRef>
-      </dsp:style>
-      <dsp:txBody>
-        <a:bodyPr spcFirstLastPara="0" vert="horz" wrap="square" lIns="291834" tIns="0" rIns="291834" bIns="0" numCol="1" spcCol="1270" anchor="ctr" anchorCtr="0">
-          <a:noAutofit/>
-        </a:bodyPr>
-        <a:lstStyle/>
-        <a:p>
-          <a:pPr marL="0" lvl="0" indent="0" algn="l" defTabSz="1377950">
-            <a:lnSpc>
-              <a:spcPct val="90000"/>
-            </a:lnSpc>
-            <a:spcBef>
-              <a:spcPct val="0"/>
-            </a:spcBef>
-            <a:spcAft>
-              <a:spcPct val="35000"/>
-            </a:spcAft>
-            <a:buNone/>
-          </a:pPr>
-          <a:r>
-            <a:rPr lang="en-ID" sz="3100" kern="1200" dirty="0"/>
-            <a:t>Progress Report</a:t>
-          </a:r>
-        </a:p>
-      </dsp:txBody>
-      <dsp:txXfrm>
-        <a:off x="596169" y="2873770"/>
-        <a:ext cx="7631621" cy="825776"/>
-      </dsp:txXfrm>
-    </dsp:sp>
-  </dsp:spTree>
-</dsp:drawing>
-</file>
-
-<file path=ppt/diagrams/layout1.xml><?xml version="1.0" encoding="utf-8"?>
-<dgm:layoutDef xmlns:dgm="http://schemas.openxmlformats.org/drawingml/2006/diagram" xmlns:a="http://schemas.openxmlformats.org/drawingml/2006/main" uniqueId="urn:microsoft.com/office/officeart/2005/8/layout/list1">
-  <dgm:title val=""/>
-  <dgm:desc val=""/>
-  <dgm:catLst>
-    <dgm:cat type="list" pri="4000"/>
-  </dgm:catLst>
-  <dgm:sampData>
-    <dgm:dataModel>
-      <dgm:ptLst>
-        <dgm:pt modelId="0" type="doc"/>
-        <dgm:pt modelId="1">
-          <dgm:prSet phldr="1"/>
-        </dgm:pt>
-        <dgm:pt modelId="2">
-          <dgm:prSet phldr="1"/>
-        </dgm:pt>
-        <dgm:pt modelId="3">
-          <dgm:prSet phldr="1"/>
-        </dgm:pt>
-      </dgm:ptLst>
-      <dgm:cxnLst>
-        <dgm:cxn modelId="4" srcId="0" destId="1" srcOrd="0" destOrd="0"/>
-        <dgm:cxn modelId="5" srcId="0" destId="2" srcOrd="1" destOrd="0"/>
-        <dgm:cxn modelId="6" srcId="0" destId="3" srcOrd="2" destOrd="0"/>
-      </dgm:cxnLst>
-      <dgm:bg/>
-      <dgm:whole/>
-    </dgm:dataModel>
-  </dgm:sampData>
-  <dgm:styleData>
-    <dgm:dataModel>
-      <dgm:ptLst>
-        <dgm:pt modelId="0" type="doc"/>
-        <dgm:pt modelId="1"/>
-        <dgm:pt modelId="2"/>
-      </dgm:ptLst>
-      <dgm:cxnLst>
-        <dgm:cxn modelId="4" srcId="0" destId="1" srcOrd="0" destOrd="0"/>
-        <dgm:cxn modelId="5" srcId="0" destId="2" srcOrd="1" destOrd="0"/>
-      </dgm:cxnLst>
-      <dgm:bg/>
-      <dgm:whole/>
-    </dgm:dataModel>
-  </dgm:styleData>
-  <dgm:clrData>
-    <dgm:dataModel>
-      <dgm:ptLst>
-        <dgm:pt modelId="0" type="doc"/>
-        <dgm:pt modelId="1"/>
-        <dgm:pt modelId="2"/>
-        <dgm:pt modelId="3"/>
-        <dgm:pt modelId="4"/>
-      </dgm:ptLst>
-      <dgm:cxnLst>
-        <dgm:cxn modelId="5" srcId="0" destId="1" srcOrd="0" destOrd="0"/>
-        <dgm:cxn modelId="6" srcId="0" destId="2" srcOrd="1" destOrd="0"/>
-        <dgm:cxn modelId="7" srcId="0" destId="3" srcOrd="2" destOrd="0"/>
-        <dgm:cxn modelId="8" srcId="0" destId="4" srcOrd="3" destOrd="0"/>
-      </dgm:cxnLst>
-      <dgm:bg/>
-      <dgm:whole/>
-    </dgm:dataModel>
-  </dgm:clrData>
-  <dgm:layoutNode name="linear">
-    <dgm:varLst>
-      <dgm:dir/>
-      <dgm:animLvl val="lvl"/>
-      <dgm:resizeHandles val="exact"/>
-    </dgm:varLst>
-    <dgm:choose name="Name0">
-      <dgm:if name="Name1" func="var" arg="dir" op="equ" val="norm">
-        <dgm:alg type="lin">
-          <dgm:param type="linDir" val="fromT"/>
-          <dgm:param type="vertAlign" val="mid"/>
-          <dgm:param type="horzAlign" val="l"/>
-          <dgm:param type="nodeHorzAlign" val="l"/>
-        </dgm:alg>
-      </dgm:if>
-      <dgm:else name="Name2">
-        <dgm:alg type="lin">
-          <dgm:param type="linDir" val="fromT"/>
-          <dgm:param type="vertAlign" val="mid"/>
-          <dgm:param type="horzAlign" val="r"/>
-          <dgm:param type="nodeHorzAlign" val="r"/>
-        </dgm:alg>
-      </dgm:else>
-    </dgm:choose>
-    <dgm:shape xmlns:r="http://schemas.openxmlformats.org/officeDocument/2006/relationships" r:blip="">
-      <dgm:adjLst/>
-    </dgm:shape>
-    <dgm:presOf/>
-    <dgm:constrLst>
-      <dgm:constr type="w" for="ch" forName="parentLin" refType="w"/>
-      <dgm:constr type="h" for="ch" forName="parentLin" val="INF"/>
-      <dgm:constr type="w" for="des" forName="parentLeftMargin" refType="w" fact="0.05"/>
-      <dgm:constr type="w" for="des" forName="parentText" refType="w" fact="0.7"/>
-      <dgm:constr type="h" for="des" forName="parentText" refType="primFontSz" refFor="des" refForName="parentText" fact="0.82"/>
-      <dgm:constr type="h" for="ch" forName="negativeSpace" refType="primFontSz" refFor="des" refForName="parentText" fact="-0.41"/>
-      <dgm:constr type="h" for="ch" forName="negativeSpace" refType="h" refFor="des" refForName="parentText" op="lte" fact="-0.82"/>
-      <dgm:constr type="h" for="ch" forName="negativeSpace" refType="h" refFor="des" refForName="parentText" op="gte" fact="-0.82"/>
-      <dgm:constr type="w" for="ch" forName="childText" refType="w"/>
-      <dgm:constr type="h" for="ch" forName="childText" refType="primFontSz" refFor="des" refForName="parentText" fact="0.7"/>
-      <dgm:constr type="primFontSz" for="des" forName="parentText" val="65"/>
-      <dgm:constr type="primFontSz" for="ch" forName="childText" refType="primFontSz" refFor="des" refForName="parentText"/>
-      <dgm:constr type="tMarg" for="ch" forName="childText" refType="primFontSz" refFor="des" refForName="parentText" fact="1.64"/>
-      <dgm:constr type="tMarg" for="ch" forName="childText" refType="h" refFor="des" refForName="parentText" op="lte" fact="3.28"/>
-      <dgm:constr type="tMarg" for="ch" forName="childText" refType="h" refFor="des" refForName="parentText" op="gte" fact="3.28"/>
-      <dgm:constr type="lMarg" for="ch" forName="childText" refType="w" fact="0.22"/>
-      <dgm:constr type="rMarg" for="ch" forName="childText" refType="lMarg" refFor="ch" refForName="childText"/>
-      <dgm:constr type="lMarg" for="des" forName="parentText" refType="w" fact="0.075"/>
-      <dgm:constr type="rMarg" for="des" forName="parentText" refType="lMarg" refFor="des" refForName="parentText"/>
-      <dgm:constr type="h" for="ch" forName="spaceBetweenRectangles" refType="primFontSz" refFor="des" refForName="parentText" fact="0.15"/>
-    </dgm:constrLst>
-    <dgm:ruleLst>
-      <dgm:rule type="primFontSz" for="des" forName="parentText" val="5" fact="NaN" max="NaN"/>
-    </dgm:ruleLst>
-    <dgm:forEach name="Name3" axis="ch" ptType="node">
-      <dgm:layoutNode name="parentLin">
-        <dgm:choose name="Name4">
-          <dgm:if name="Name5" func="var" arg="dir" op="equ" val="norm">
-            <dgm:alg type="lin">
-              <dgm:param type="linDir" val="fromL"/>
-              <dgm:param type="horzAlign" val="l"/>
-              <dgm:param type="nodeHorzAlign" val="l"/>
-            </dgm:alg>
-          </dgm:if>
-          <dgm:else name="Name6">
-            <dgm:alg type="lin">
-              <dgm:param type="linDir" val="fromR"/>
-              <dgm:param type="horzAlign" val="r"/>
-              <dgm:param type="nodeHorzAlign" val="r"/>
-            </dgm:alg>
-          </dgm:else>
-        </dgm:choose>
-        <dgm:shape xmlns:r="http://schemas.openxmlformats.org/officeDocument/2006/relationships" r:blip="">
-          <dgm:adjLst/>
-        </dgm:shape>
-        <dgm:presOf/>
-        <dgm:constrLst/>
-        <dgm:ruleLst/>
-        <dgm:layoutNode name="parentLeftMargin">
-          <dgm:alg type="sp"/>
-          <dgm:shape xmlns:r="http://schemas.openxmlformats.org/officeDocument/2006/relationships" type="rect" r:blip="" hideGeom="1">
-            <dgm:adjLst/>
-          </dgm:shape>
-          <dgm:presOf axis="self"/>
-          <dgm:constrLst>
-            <dgm:constr type="h"/>
-          </dgm:constrLst>
-          <dgm:ruleLst/>
-        </dgm:layoutNode>
-        <dgm:layoutNode name="parentText" styleLbl="node1">
-          <dgm:varLst>
-            <dgm:chMax val="0"/>
-            <dgm:bulletEnabled val="1"/>
-          </dgm:varLst>
-          <dgm:choose name="Name7">
-            <dgm:if name="Name8" func="var" arg="dir" op="equ" val="norm">
-              <dgm:alg type="tx">
-                <dgm:param type="parTxLTRAlign" val="l"/>
-                <dgm:param type="parTxRTLAlign" val="l"/>
-              </dgm:alg>
-            </dgm:if>
-            <dgm:else name="Name9">
-              <dgm:alg type="tx">
-                <dgm:param type="parTxLTRAlign" val="r"/>
-                <dgm:param type="parTxRTLAlign" val="r"/>
-              </dgm:alg>
-            </dgm:else>
-          </dgm:choose>
-          <dgm:shape xmlns:r="http://schemas.openxmlformats.org/officeDocument/2006/relationships" type="roundRect" r:blip="">
-            <dgm:adjLst/>
-          </dgm:shape>
-          <dgm:presOf axis="self" ptType="node"/>
-          <dgm:constrLst>
-            <dgm:constr type="tMarg"/>
-            <dgm:constr type="bMarg"/>
-          </dgm:constrLst>
-          <dgm:ruleLst/>
-        </dgm:layoutNode>
-      </dgm:layoutNode>
-      <dgm:layoutNode name="negativeSpace">
-        <dgm:alg type="sp"/>
-        <dgm:shape xmlns:r="http://schemas.openxmlformats.org/officeDocument/2006/relationships" r:blip="">
-          <dgm:adjLst/>
-        </dgm:shape>
-        <dgm:presOf/>
-        <dgm:constrLst/>
-        <dgm:ruleLst/>
-      </dgm:layoutNode>
-      <dgm:layoutNode name="childText" styleLbl="conFgAcc1">
-        <dgm:varLst>
-          <dgm:bulletEnabled val="1"/>
-        </dgm:varLst>
-        <dgm:alg type="tx">
-          <dgm:param type="stBulletLvl" val="1"/>
-        </dgm:alg>
-        <dgm:shape xmlns:r="http://schemas.openxmlformats.org/officeDocument/2006/relationships" type="rect" r:blip="" zOrderOff="-2">
-          <dgm:adjLst/>
-        </dgm:shape>
-        <dgm:presOf axis="des" ptType="node"/>
-        <dgm:constrLst>
-          <dgm:constr type="secFontSz" refType="primFontSz"/>
-        </dgm:constrLst>
-        <dgm:ruleLst>
-          <dgm:rule type="h" val="INF" fact="NaN" max="NaN"/>
-        </dgm:ruleLst>
-      </dgm:layoutNode>
-      <dgm:forEach name="Name10" axis="followSib" ptType="sibTrans" cnt="1">
-        <dgm:layoutNode name="spaceBetweenRectangles">
-          <dgm:alg type="sp"/>
-          <dgm:shape xmlns:r="http://schemas.openxmlformats.org/officeDocument/2006/relationships" r:blip="">
-            <dgm:adjLst/>
-          </dgm:shape>
-          <dgm:presOf/>
-          <dgm:constrLst/>
-          <dgm:ruleLst/>
-        </dgm:layoutNode>
-      </dgm:forEach>
-    </dgm:forEach>
-  </dgm:layoutNode>
-</dgm:layoutDef>
-</file>
-
-<file path=ppt/diagrams/quickStyle1.xml><?xml version="1.0" encoding="utf-8"?>
-<dgm:styleDef xmlns:dgm="http://schemas.openxmlformats.org/drawingml/2006/diagram" xmlns:a="http://schemas.openxmlformats.org/drawingml/2006/main" uniqueId="urn:microsoft.com/office/officeart/2005/8/quickstyle/simple1">
-  <dgm:title val=""/>
-  <dgm:desc val=""/>
-  <dgm:catLst>
-    <dgm:cat type="simple" pri="10100"/>
-  </dgm:catLst>
-  <dgm:scene3d>
-    <a:camera prst="orthographicFront"/>
-    <a:lightRig rig="threePt" dir="t"/>
-  </dgm:scene3d>
-  <dgm:styleLbl name="node0">
-    <dgm:scene3d>
-      <a:camera prst="orthographicFront"/>
-      <a:lightRig rig="threePt" dir="t"/>
-    </dgm:scene3d>
-    <dgm:sp3d/>
-    <dgm:txPr/>
-    <dgm:style>
-      <a:lnRef idx="2">
-        <a:scrgbClr r="0" g="0" b="0"/>
-      </a:lnRef>
-      <a:fillRef idx="1">
-        <a:scrgbClr r="0" g="0" b="0"/>
-      </a:fillRef>
-      <a:effectRef idx="0">
-        <a:scrgbClr r="0" g="0" b="0"/>
-      </a:effectRef>
-      <a:fontRef idx="minor">
-        <a:schemeClr val="lt1"/>
-      </a:fontRef>
-    </dgm:style>
-  </dgm:styleLbl>
-  <dgm:styleLbl name="lnNode1">
-    <dgm:scene3d>
-      <a:camera prst="orthographicFront"/>
-      <a:lightRig rig="threePt" dir="t"/>
-    </dgm:scene3d>
-    <dgm:sp3d/>
-    <dgm:txPr/>
-    <dgm:style>
-      <a:lnRef idx="2">
-        <a:scrgbClr r="0" g="0" b="0"/>
-      </a:lnRef>
-      <a:fillRef idx="1">
-        <a:scrgbClr r="0" g="0" b="0"/>
-      </a:fillRef>
-      <a:effectRef idx="0">
-        <a:scrgbClr r="0" g="0" b="0"/>
-      </a:effectRef>
-      <a:fontRef idx="minor">
-        <a:schemeClr val="lt1"/>
-      </a:fontRef>
-    </dgm:style>
-  </dgm:styleLbl>
-  <dgm:styleLbl name="vennNode1">
-    <dgm:scene3d>
-      <a:camera prst="orthographicFront"/>
-      <a:lightRig rig="threePt" dir="t"/>
-    </dgm:scene3d>
-    <dgm:sp3d/>
-    <dgm:txPr/>
-    <dgm:style>
-      <a:lnRef idx="2">
-        <a:scrgbClr r="0" g="0" b="0"/>
-      </a:lnRef>
-      <a:fillRef idx="1">
-        <a:scrgbClr r="0" g="0" b="0"/>
-      </a:fillRef>
-      <a:effectRef idx="0">
-        <a:scrgbClr r="0" g="0" b="0"/>
-      </a:effectRef>
-      <a:fontRef idx="minor">
-        <a:schemeClr val="tx1"/>
-      </a:fontRef>
-    </dgm:style>
-  </dgm:styleLbl>
-  <dgm:styleLbl name="alignNode1">
-    <dgm:scene3d>
-      <a:camera prst="orthographicFront"/>
-      <a:lightRig rig="threePt" dir="t"/>
-    </dgm:scene3d>
-    <dgm:sp3d/>
-    <dgm:txPr/>
-    <dgm:style>
-      <a:lnRef idx="2">
-        <a:scrgbClr r="0" g="0" b="0"/>
-      </a:lnRef>
-      <a:fillRef idx="1">
-        <a:scrgbClr r="0" g="0" b="0"/>
-      </a:fillRef>
-      <a:effectRef idx="0">
-        <a:scrgbClr r="0" g="0" b="0"/>
-      </a:effectRef>
-      <a:fontRef idx="minor">
-        <a:schemeClr val="lt1"/>
-      </a:fontRef>
-    </dgm:style>
-  </dgm:styleLbl>
-  <dgm:styleLbl name="node1">
-    <dgm:scene3d>
-      <a:camera prst="orthographicFront"/>
-      <a:lightRig rig="threePt" dir="t"/>
-    </dgm:scene3d>
-    <dgm:sp3d/>
-    <dgm:txPr/>
-    <dgm:style>
-      <a:lnRef idx="2">
-        <a:scrgbClr r="0" g="0" b="0"/>
-      </a:lnRef>
-      <a:fillRef idx="1">
-        <a:scrgbClr r="0" g="0" b="0"/>
-      </a:fillRef>
-      <a:effectRef idx="0">
-        <a:scrgbClr r="0" g="0" b="0"/>
-      </a:effectRef>
-      <a:fontRef idx="minor">
-        <a:schemeClr val="lt1"/>
-      </a:fontRef>
-    </dgm:style>
-  </dgm:styleLbl>
-  <dgm:styleLbl name="node2">
-    <dgm:scene3d>
-      <a:camera prst="orthographicFront"/>
-      <a:lightRig rig="threePt" dir="t"/>
-    </dgm:scene3d>
-    <dgm:sp3d/>
-    <dgm:txPr/>
-    <dgm:style>
-      <a:lnRef idx="2">
-        <a:scrgbClr r="0" g="0" b="0"/>
-      </a:lnRef>
-      <a:fillRef idx="1">
-        <a:scrgbClr r="0" g="0" b="0"/>
-      </a:fillRef>
-      <a:effectRef idx="0">
-        <a:scrgbClr r="0" g="0" b="0"/>
-      </a:effectRef>
-      <a:fontRef idx="minor">
-        <a:schemeClr val="lt1"/>
-      </a:fontRef>
-    </dgm:style>
-  </dgm:styleLbl>
-  <dgm:styleLbl name="node3">
-    <dgm:scene3d>
-      <a:camera prst="orthographicFront"/>
-      <a:lightRig rig="threePt" dir="t"/>
-    </dgm:scene3d>
-    <dgm:sp3d/>
-    <dgm:txPr/>
-    <dgm:style>
-      <a:lnRef idx="2">
-        <a:scrgbClr r="0" g="0" b="0"/>
-      </a:lnRef>
-      <a:fillRef idx="1">
-        <a:scrgbClr r="0" g="0" b="0"/>
-      </a:fillRef>
-      <a:effectRef idx="0">
-        <a:scrgbClr r="0" g="0" b="0"/>
-      </a:effectRef>
-      <a:fontRef idx="minor">
-        <a:schemeClr val="lt1"/>
-      </a:fontRef>
-    </dgm:style>
-  </dgm:styleLbl>
-  <dgm:styleLbl name="node4">
-    <dgm:scene3d>
-      <a:camera prst="orthographicFront"/>
-      <a:lightRig rig="threePt" dir="t"/>
-    </dgm:scene3d>
-    <dgm:sp3d/>
-    <dgm:txPr/>
-    <dgm:style>
-      <a:lnRef idx="2">
-        <a:scrgbClr r="0" g="0" b="0"/>
-      </a:lnRef>
-      <a:fillRef idx="1">
-        <a:scrgbClr r="0" g="0" b="0"/>
-      </a:fillRef>
-      <a:effectRef idx="0">
-        <a:scrgbClr r="0" g="0" b="0"/>
-      </a:effectRef>
-      <a:fontRef idx="minor">
-        <a:schemeClr val="lt1"/>
-      </a:fontRef>
-    </dgm:style>
-  </dgm:styleLbl>
-  <dgm:styleLbl name="fgImgPlace1">
-    <dgm:scene3d>
-      <a:camera prst="orthographicFront"/>
-      <a:lightRig rig="threePt" dir="t"/>
-    </dgm:scene3d>
-    <dgm:sp3d/>
-    <dgm:txPr/>
-    <dgm:style>
-      <a:lnRef idx="2">
-        <a:scrgbClr r="0" g="0" b="0"/>
-      </a:lnRef>
-      <a:fillRef idx="1">
-        <a:scrgbClr r="0" g="0" b="0"/>
-      </a:fillRef>
-      <a:effectRef idx="0">
-        <a:scrgbClr r="0" g="0" b="0"/>
-      </a:effectRef>
-      <a:fontRef idx="minor"/>
-    </dgm:style>
-  </dgm:styleLbl>
-  <dgm:styleLbl name="alignImgPlace1">
-    <dgm:scene3d>
-      <a:camera prst="orthographicFront"/>
-      <a:lightRig rig="threePt" dir="t"/>
-    </dgm:scene3d>
-    <dgm:sp3d/>
-    <dgm:txPr/>
-    <dgm:style>
-      <a:lnRef idx="2">
-        <a:scrgbClr r="0" g="0" b="0"/>
-      </a:lnRef>
-      <a:fillRef idx="1">
-        <a:scrgbClr r="0" g="0" b="0"/>
-      </a:fillRef>
-      <a:effectRef idx="0">
-        <a:scrgbClr r="0" g="0" b="0"/>
-      </a:effectRef>
-      <a:fontRef idx="minor"/>
-    </dgm:style>
-  </dgm:styleLbl>
-  <dgm:styleLbl name="bgImgPlace1">
-    <dgm:scene3d>
-      <a:camera prst="orthographicFront"/>
-      <a:lightRig rig="threePt" dir="t"/>
-    </dgm:scene3d>
-    <dgm:sp3d/>
-    <dgm:txPr/>
-    <dgm:style>
-      <a:lnRef idx="2">
-        <a:scrgbClr r="0" g="0" b="0"/>
-      </a:lnRef>
-      <a:fillRef idx="1">
-        <a:scrgbClr r="0" g="0" b="0"/>
-      </a:fillRef>
-      <a:effectRef idx="0">
-        <a:scrgbClr r="0" g="0" b="0"/>
-      </a:effectRef>
-      <a:fontRef idx="minor"/>
-    </dgm:style>
-  </dgm:styleLbl>
-  <dgm:styleLbl name="sibTrans2D1">
-    <dgm:scene3d>
-      <a:camera prst="orthographicFront"/>
-      <a:lightRig rig="threePt" dir="t"/>
-    </dgm:scene3d>
-    <dgm:sp3d/>
-    <dgm:txPr/>
-    <dgm:style>
-      <a:lnRef idx="0">
-        <a:scrgbClr r="0" g="0" b="0"/>
-      </a:lnRef>
-      <a:fillRef idx="1">
-        <a:scrgbClr r="0" g="0" b="0"/>
-      </a:fillRef>
-      <a:effectRef idx="0">
-        <a:scrgbClr r="0" g="0" b="0"/>
-      </a:effectRef>
-      <a:fontRef idx="minor">
-        <a:schemeClr val="lt1"/>
-      </a:fontRef>
-    </dgm:style>
-  </dgm:styleLbl>
-  <dgm:styleLbl name="fgSibTrans2D1">
-    <dgm:scene3d>
-      <a:camera prst="orthographicFront"/>
-      <a:lightRig rig="threePt" dir="t"/>
-    </dgm:scene3d>
-    <dgm:sp3d/>
-    <dgm:txPr/>
-    <dgm:style>
-      <a:lnRef idx="0">
-        <a:scrgbClr r="0" g="0" b="0"/>
-      </a:lnRef>
-      <a:fillRef idx="1">
-        <a:scrgbClr r="0" g="0" b="0"/>
-      </a:fillRef>
-      <a:effectRef idx="0">
-        <a:scrgbClr r="0" g="0" b="0"/>
-      </a:effectRef>
-      <a:fontRef idx="minor">
-        <a:schemeClr val="lt1"/>
-      </a:fontRef>
-    </dgm:style>
-  </dgm:styleLbl>
-  <dgm:styleLbl name="bgSibTrans2D1">
-    <dgm:scene3d>
-      <a:camera prst="orthographicFront"/>
-      <a:lightRig rig="threePt" dir="t"/>
-    </dgm:scene3d>
-    <dgm:sp3d/>
-    <dgm:txPr/>
-    <dgm:style>
-      <a:lnRef idx="0">
-        <a:scrgbClr r="0" g="0" b="0"/>
-      </a:lnRef>
-      <a:fillRef idx="1">
-        <a:scrgbClr r="0" g="0" b="0"/>
-      </a:fillRef>
-      <a:effectRef idx="0">
-        <a:scrgbClr r="0" g="0" b="0"/>
-      </a:effectRef>
-      <a:fontRef idx="minor">
-        <a:schemeClr val="lt1"/>
-      </a:fontRef>
-    </dgm:style>
-  </dgm:styleLbl>
-  <dgm:styleLbl name="sibTrans1D1">
-    <dgm:scene3d>
-      <a:camera prst="orthographicFront"/>
-      <a:lightRig rig="threePt" dir="t"/>
-    </dgm:scene3d>
-    <dgm:sp3d/>
-    <dgm:txPr/>
-    <dgm:style>
-      <a:lnRef idx="1">
-        <a:scrgbClr r="0" g="0" b="0"/>
-      </a:lnRef>
-      <a:fillRef idx="0">
-        <a:scrgbClr r="0" g="0" b="0"/>
-      </a:fillRef>
-      <a:effectRef idx="0">
-        <a:scrgbClr r="0" g="0" b="0"/>
-      </a:effectRef>
-      <a:fontRef idx="minor"/>
-    </dgm:style>
-  </dgm:styleLbl>
-  <dgm:styleLbl name="callout">
-    <dgm:scene3d>
-      <a:camera prst="orthographicFront"/>
-      <a:lightRig rig="threePt" dir="t"/>
-    </dgm:scene3d>
-    <dgm:sp3d/>
-    <dgm:txPr/>
-    <dgm:style>
-      <a:lnRef idx="2">
-        <a:scrgbClr r="0" g="0" b="0"/>
-      </a:lnRef>
-      <a:fillRef idx="1">
-        <a:scrgbClr r="0" g="0" b="0"/>
-      </a:fillRef>
-      <a:effectRef idx="0">
-        <a:scrgbClr r="0" g="0" b="0"/>
-      </a:effectRef>
-      <a:fontRef idx="minor"/>
-    </dgm:style>
-  </dgm:styleLbl>
-  <dgm:styleLbl name="asst0">
-    <dgm:scene3d>
-      <a:camera prst="orthographicFront"/>
-      <a:lightRig rig="threePt" dir="t"/>
-    </dgm:scene3d>
-    <dgm:sp3d/>
-    <dgm:txPr/>
-    <dgm:style>
-      <a:lnRef idx="2">
-        <a:scrgbClr r="0" g="0" b="0"/>
-      </a:lnRef>
-      <a:fillRef idx="1">
-        <a:scrgbClr r="0" g="0" b="0"/>
-      </a:fillRef>
-      <a:effectRef idx="0">
-        <a:scrgbClr r="0" g="0" b="0"/>
-      </a:effectRef>
-      <a:fontRef idx="minor">
-        <a:schemeClr val="lt1"/>
-      </a:fontRef>
-    </dgm:style>
-  </dgm:styleLbl>
-  <dgm:styleLbl name="asst1">
-    <dgm:scene3d>
-      <a:camera prst="orthographicFront"/>
-      <a:lightRig rig="threePt" dir="t"/>
-    </dgm:scene3d>
-    <dgm:sp3d/>
-    <dgm:txPr/>
-    <dgm:style>
-      <a:lnRef idx="2">
-        <a:scrgbClr r="0" g="0" b="0"/>
-      </a:lnRef>
-      <a:fillRef idx="1">
-        <a:scrgbClr r="0" g="0" b="0"/>
-      </a:fillRef>
-      <a:effectRef idx="0">
-        <a:scrgbClr r="0" g="0" b="0"/>
-      </a:effectRef>
-      <a:fontRef idx="minor">
-        <a:schemeClr val="lt1"/>
-      </a:fontRef>
-    </dgm:style>
-  </dgm:styleLbl>
-  <dgm:styleLbl name="asst2">
-    <dgm:scene3d>
-      <a:camera prst="orthographicFront"/>
-      <a:lightRig rig="threePt" dir="t"/>
-    </dgm:scene3d>
-    <dgm:sp3d/>
-    <dgm:txPr/>
-    <dgm:style>
-      <a:lnRef idx="2">
-        <a:scrgbClr r="0" g="0" b="0"/>
-      </a:lnRef>
-      <a:fillRef idx="1">
-        <a:scrgbClr r="0" g="0" b="0"/>
-      </a:fillRef>
-      <a:effectRef idx="0">
-        <a:scrgbClr r="0" g="0" b="0"/>
-      </a:effectRef>
-      <a:fontRef idx="minor">
-        <a:schemeClr val="lt1"/>
-      </a:fontRef>
-    </dgm:style>
-  </dgm:styleLbl>
-  <dgm:styleLbl name="asst3">
-    <dgm:scene3d>
-      <a:camera prst="orthographicFront"/>
-      <a:lightRig rig="threePt" dir="t"/>
-    </dgm:scene3d>
-    <dgm:sp3d/>
-    <dgm:txPr/>
-    <dgm:style>
-      <a:lnRef idx="2">
-        <a:scrgbClr r="0" g="0" b="0"/>
-      </a:lnRef>
-      <a:fillRef idx="1">
-        <a:scrgbClr r="0" g="0" b="0"/>
-      </a:fillRef>
-      <a:effectRef idx="0">
-        <a:scrgbClr r="0" g="0" b="0"/>
-      </a:effectRef>
-      <a:fontRef idx="minor">
-        <a:schemeClr val="lt1"/>
-      </a:fontRef>
-    </dgm:style>
-  </dgm:styleLbl>
-  <dgm:styleLbl name="asst4">
-    <dgm:scene3d>
-      <a:camera prst="orthographicFront"/>
-      <a:lightRig rig="threePt" dir="t"/>
-    </dgm:scene3d>
-    <dgm:sp3d/>
-    <dgm:txPr/>
-    <dgm:style>
-      <a:lnRef idx="2">
-        <a:scrgbClr r="0" g="0" b="0"/>
-      </a:lnRef>
-      <a:fillRef idx="1">
-        <a:scrgbClr r="0" g="0" b="0"/>
-      </a:fillRef>
-      <a:effectRef idx="0">
-        <a:scrgbClr r="0" g="0" b="0"/>
-      </a:effectRef>
-      <a:fontRef idx="minor">
-        <a:schemeClr val="lt1"/>
-      </a:fontRef>
-    </dgm:style>
-  </dgm:styleLbl>
-  <dgm:styleLbl name="parChTrans2D1">
-    <dgm:scene3d>
-      <a:camera prst="orthographicFront"/>
-      <a:lightRig rig="threePt" dir="t"/>
-    </dgm:scene3d>
-    <dgm:sp3d/>
-    <dgm:txPr/>
-    <dgm:style>
-      <a:lnRef idx="2">
-        <a:scrgbClr r="0" g="0" b="0"/>
-      </a:lnRef>
-      <a:fillRef idx="1">
-        <a:scrgbClr r="0" g="0" b="0"/>
-      </a:fillRef>
-      <a:effectRef idx="0">
-        <a:scrgbClr r="0" g="0" b="0"/>
-      </a:effectRef>
-      <a:fontRef idx="minor">
-        <a:schemeClr val="lt1"/>
-      </a:fontRef>
-    </dgm:style>
-  </dgm:styleLbl>
-  <dgm:styleLbl name="parChTrans2D2">
-    <dgm:scene3d>
-      <a:camera prst="orthographicFront"/>
-      <a:lightRig rig="threePt" dir="t"/>
-    </dgm:scene3d>
-    <dgm:sp3d/>
-    <dgm:txPr/>
-    <dgm:style>
-      <a:lnRef idx="2">
-        <a:scrgbClr r="0" g="0" b="0"/>
-      </a:lnRef>
-      <a:fillRef idx="1">
-        <a:scrgbClr r="0" g="0" b="0"/>
-      </a:fillRef>
-      <a:effectRef idx="0">
-        <a:scrgbClr r="0" g="0" b="0"/>
-      </a:effectRef>
-      <a:fontRef idx="minor">
-        <a:schemeClr val="lt1"/>
-      </a:fontRef>
-    </dgm:style>
-  </dgm:styleLbl>
-  <dgm:styleLbl name="parChTrans2D3">
-    <dgm:scene3d>
-      <a:camera prst="orthographicFront"/>
-      <a:lightRig rig="threePt" dir="t"/>
-    </dgm:scene3d>
-    <dgm:sp3d/>
-    <dgm:txPr/>
-    <dgm:style>
-      <a:lnRef idx="2">
-        <a:scrgbClr r="0" g="0" b="0"/>
-      </a:lnRef>
-      <a:fillRef idx="1">
-        <a:scrgbClr r="0" g="0" b="0"/>
-      </a:fillRef>
-      <a:effectRef idx="0">
-        <a:scrgbClr r="0" g="0" b="0"/>
-      </a:effectRef>
-      <a:fontRef idx="minor">
-        <a:schemeClr val="lt1"/>
-      </a:fontRef>
-    </dgm:style>
-  </dgm:styleLbl>
-  <dgm:styleLbl name="parChTrans2D4">
-    <dgm:scene3d>
-      <a:camera prst="orthographicFront"/>
-      <a:lightRig rig="threePt" dir="t"/>
-    </dgm:scene3d>
-    <dgm:sp3d/>
-    <dgm:txPr/>
-    <dgm:style>
-      <a:lnRef idx="2">
-        <a:scrgbClr r="0" g="0" b="0"/>
-      </a:lnRef>
-      <a:fillRef idx="1">
-        <a:scrgbClr r="0" g="0" b="0"/>
-      </a:fillRef>
-      <a:effectRef idx="0">
-        <a:scrgbClr r="0" g="0" b="0"/>
-      </a:effectRef>
-      <a:fontRef idx="minor">
-        <a:schemeClr val="lt1"/>
-      </a:fontRef>
-    </dgm:style>
-  </dgm:styleLbl>
-  <dgm:styleLbl name="parChTrans1D1">
-    <dgm:scene3d>
-      <a:camera prst="orthographicFront"/>
-      <a:lightRig rig="threePt" dir="t"/>
-    </dgm:scene3d>
-    <dgm:sp3d/>
-    <dgm:txPr/>
-    <dgm:style>
-      <a:lnRef idx="2">
-        <a:scrgbClr r="0" g="0" b="0"/>
-      </a:lnRef>
-      <a:fillRef idx="0">
-        <a:scrgbClr r="0" g="0" b="0"/>
-      </a:fillRef>
-      <a:effectRef idx="0">
-        <a:scrgbClr r="0" g="0" b="0"/>
-      </a:effectRef>
-      <a:fontRef idx="minor"/>
-    </dgm:style>
-  </dgm:styleLbl>
-  <dgm:styleLbl name="parChTrans1D2">
-    <dgm:scene3d>
-      <a:camera prst="orthographicFront"/>
-      <a:lightRig rig="threePt" dir="t"/>
-    </dgm:scene3d>
-    <dgm:sp3d/>
-    <dgm:txPr/>
-    <dgm:style>
-      <a:lnRef idx="2">
-        <a:scrgbClr r="0" g="0" b="0"/>
-      </a:lnRef>
-      <a:fillRef idx="0">
-        <a:scrgbClr r="0" g="0" b="0"/>
-      </a:fillRef>
-      <a:effectRef idx="0">
-        <a:scrgbClr r="0" g="0" b="0"/>
-      </a:effectRef>
-      <a:fontRef idx="minor"/>
-    </dgm:style>
-  </dgm:styleLbl>
-  <dgm:styleLbl name="parChTrans1D3">
-    <dgm:scene3d>
-      <a:camera prst="orthographicFront"/>
-      <a:lightRig rig="threePt" dir="t"/>
-    </dgm:scene3d>
-    <dgm:sp3d/>
-    <dgm:txPr/>
-    <dgm:style>
-      <a:lnRef idx="2">
-        <a:scrgbClr r="0" g="0" b="0"/>
-      </a:lnRef>
-      <a:fillRef idx="0">
-        <a:scrgbClr r="0" g="0" b="0"/>
-      </a:fillRef>
-      <a:effectRef idx="0">
-        <a:scrgbClr r="0" g="0" b="0"/>
-      </a:effectRef>
-      <a:fontRef idx="minor"/>
-    </dgm:style>
-  </dgm:styleLbl>
-  <dgm:styleLbl name="parChTrans1D4">
-    <dgm:scene3d>
-      <a:camera prst="orthographicFront"/>
-      <a:lightRig rig="threePt" dir="t"/>
-    </dgm:scene3d>
-    <dgm:sp3d/>
-    <dgm:txPr/>
-    <dgm:style>
-      <a:lnRef idx="2">
-        <a:scrgbClr r="0" g="0" b="0"/>
-      </a:lnRef>
-      <a:fillRef idx="0">
-        <a:scrgbClr r="0" g="0" b="0"/>
-      </a:fillRef>
-      <a:effectRef idx="0">
-        <a:scrgbClr r="0" g="0" b="0"/>
-      </a:effectRef>
-      <a:fontRef idx="minor"/>
-    </dgm:style>
-  </dgm:styleLbl>
-  <dgm:styleLbl name="fgAcc1">
-    <dgm:scene3d>
-      <a:camera prst="orthographicFront"/>
-      <a:lightRig rig="threePt" dir="t"/>
-    </dgm:scene3d>
-    <dgm:sp3d/>
-    <dgm:txPr/>
-    <dgm:style>
-      <a:lnRef idx="2">
-        <a:scrgbClr r="0" g="0" b="0"/>
-      </a:lnRef>
-      <a:fillRef idx="1">
-        <a:scrgbClr r="0" g="0" b="0"/>
-      </a:fillRef>
-      <a:effectRef idx="0">
-        <a:scrgbClr r="0" g="0" b="0"/>
-      </a:effectRef>
-      <a:fontRef idx="minor"/>
-    </dgm:style>
-  </dgm:styleLbl>
-  <dgm:styleLbl name="conFgAcc1">
-    <dgm:scene3d>
-      <a:camera prst="orthographicFront"/>
-      <a:lightRig rig="threePt" dir="t"/>
-    </dgm:scene3d>
-    <dgm:sp3d/>
-    <dgm:txPr/>
-    <dgm:style>
-      <a:lnRef idx="2">
-        <a:scrgbClr r="0" g="0" b="0"/>
-      </a:lnRef>
-      <a:fillRef idx="1">
-        <a:scrgbClr r="0" g="0" b="0"/>
-      </a:fillRef>
-      <a:effectRef idx="0">
-        <a:scrgbClr r="0" g="0" b="0"/>
-      </a:effectRef>
-      <a:fontRef idx="minor"/>
-    </dgm:style>
-  </dgm:styleLbl>
-  <dgm:styleLbl name="alignAcc1">
-    <dgm:scene3d>
-      <a:camera prst="orthographicFront"/>
-      <a:lightRig rig="threePt" dir="t"/>
-    </dgm:scene3d>
-    <dgm:sp3d/>
-    <dgm:txPr/>
-    <dgm:style>
-      <a:lnRef idx="2">
-        <a:scrgbClr r="0" g="0" b="0"/>
-      </a:lnRef>
-      <a:fillRef idx="1">
-        <a:scrgbClr r="0" g="0" b="0"/>
-      </a:fillRef>
-      <a:effectRef idx="0">
-        <a:scrgbClr r="0" g="0" b="0"/>
-      </a:effectRef>
-      <a:fontRef idx="minor"/>
-    </dgm:style>
-  </dgm:styleLbl>
-  <dgm:styleLbl name="trAlignAcc1">
-    <dgm:scene3d>
-      <a:camera prst="orthographicFront"/>
-      <a:lightRig rig="threePt" dir="t"/>
-    </dgm:scene3d>
-    <dgm:sp3d/>
-    <dgm:txPr/>
-    <dgm:style>
-      <a:lnRef idx="1">
-        <a:scrgbClr r="0" g="0" b="0"/>
-      </a:lnRef>
-      <a:fillRef idx="1">
-        <a:scrgbClr r="0" g="0" b="0"/>
-      </a:fillRef>
-      <a:effectRef idx="0">
-        <a:scrgbClr r="0" g="0" b="0"/>
-      </a:effectRef>
-      <a:fontRef idx="minor"/>
-    </dgm:style>
-  </dgm:styleLbl>
-  <dgm:styleLbl name="bgAcc1">
-    <dgm:scene3d>
-      <a:camera prst="orthographicFront"/>
-      <a:lightRig rig="threePt" dir="t"/>
-    </dgm:scene3d>
-    <dgm:sp3d/>
-    <dgm:txPr/>
-    <dgm:style>
-      <a:lnRef idx="2">
-        <a:scrgbClr r="0" g="0" b="0"/>
-      </a:lnRef>
-      <a:fillRef idx="1">
-        <a:scrgbClr r="0" g="0" b="0"/>
-      </a:fillRef>
-      <a:effectRef idx="0">
-        <a:scrgbClr r="0" g="0" b="0"/>
-      </a:effectRef>
-      <a:fontRef idx="minor"/>
-    </dgm:style>
-  </dgm:styleLbl>
-  <dgm:styleLbl name="solidFgAcc1">
-    <dgm:scene3d>
-      <a:camera prst="orthographicFront"/>
-      <a:lightRig rig="threePt" dir="t"/>
-    </dgm:scene3d>
-    <dgm:sp3d/>
-    <dgm:txPr/>
-    <dgm:style>
-      <a:lnRef idx="2">
-        <a:scrgbClr r="0" g="0" b="0"/>
-      </a:lnRef>
-      <a:fillRef idx="1">
-        <a:scrgbClr r="0" g="0" b="0"/>
-      </a:fillRef>
-      <a:effectRef idx="0">
-        <a:scrgbClr r="0" g="0" b="0"/>
-      </a:effectRef>
-      <a:fontRef idx="minor"/>
-    </dgm:style>
-  </dgm:styleLbl>
-  <dgm:styleLbl name="solidAlignAcc1">
-    <dgm:scene3d>
-      <a:camera prst="orthographicFront"/>
-      <a:lightRig rig="threePt" dir="t"/>
-    </dgm:scene3d>
-    <dgm:sp3d/>
-    <dgm:txPr/>
-    <dgm:style>
-      <a:lnRef idx="2">
-        <a:scrgbClr r="0" g="0" b="0"/>
-      </a:lnRef>
-      <a:fillRef idx="1">
-        <a:scrgbClr r="0" g="0" b="0"/>
-      </a:fillRef>
-      <a:effectRef idx="0">
-        <a:scrgbClr r="0" g="0" b="0"/>
-      </a:effectRef>
-      <a:fontRef idx="minor"/>
-    </dgm:style>
-  </dgm:styleLbl>
-  <dgm:styleLbl name="solidBgAcc1">
-    <dgm:scene3d>
-      <a:camera prst="orthographicFront"/>
-      <a:lightRig rig="threePt" dir="t"/>
-    </dgm:scene3d>
-    <dgm:sp3d/>
-    <dgm:txPr/>
-    <dgm:style>
-      <a:lnRef idx="2">
-        <a:scrgbClr r="0" g="0" b="0"/>
-      </a:lnRef>
-      <a:fillRef idx="1">
-        <a:scrgbClr r="0" g="0" b="0"/>
-      </a:fillRef>
-      <a:effectRef idx="0">
-        <a:scrgbClr r="0" g="0" b="0"/>
-      </a:effectRef>
-      <a:fontRef idx="minor"/>
-    </dgm:style>
-  </dgm:styleLbl>
-  <dgm:styleLbl name="fgAccFollowNode1">
-    <dgm:scene3d>
-      <a:camera prst="orthographicFront"/>
-      <a:lightRig rig="threePt" dir="t"/>
-    </dgm:scene3d>
-    <dgm:sp3d/>
-    <dgm:txPr/>
-    <dgm:style>
-      <a:lnRef idx="2">
-        <a:scrgbClr r="0" g="0" b="0"/>
-      </a:lnRef>
-      <a:fillRef idx="1">
-        <a:scrgbClr r="0" g="0" b="0"/>
-      </a:fillRef>
-      <a:effectRef idx="0">
-        <a:scrgbClr r="0" g="0" b="0"/>
-      </a:effectRef>
-      <a:fontRef idx="minor"/>
-    </dgm:style>
-  </dgm:styleLbl>
-  <dgm:styleLbl name="alignAccFollowNode1">
-    <dgm:scene3d>
-      <a:camera prst="orthographicFront"/>
-      <a:lightRig rig="threePt" dir="t"/>
-    </dgm:scene3d>
-    <dgm:sp3d/>
-    <dgm:txPr/>
-    <dgm:style>
-      <a:lnRef idx="2">
-        <a:scrgbClr r="0" g="0" b="0"/>
-      </a:lnRef>
-      <a:fillRef idx="1">
-        <a:scrgbClr r="0" g="0" b="0"/>
-      </a:fillRef>
-      <a:effectRef idx="0">
-        <a:scrgbClr r="0" g="0" b="0"/>
-      </a:effectRef>
-      <a:fontRef idx="minor"/>
-    </dgm:style>
-  </dgm:styleLbl>
-  <dgm:styleLbl name="bgAccFollowNode1">
-    <dgm:scene3d>
-      <a:camera prst="orthographicFront"/>
-      <a:lightRig rig="threePt" dir="t"/>
-    </dgm:scene3d>
-    <dgm:sp3d/>
-    <dgm:txPr/>
-    <dgm:style>
-      <a:lnRef idx="2">
-        <a:scrgbClr r="0" g="0" b="0"/>
-      </a:lnRef>
-      <a:fillRef idx="1">
-        <a:scrgbClr r="0" g="0" b="0"/>
-      </a:fillRef>
-      <a:effectRef idx="0">
-        <a:scrgbClr r="0" g="0" b="0"/>
-      </a:effectRef>
-      <a:fontRef idx="minor"/>
-    </dgm:style>
-  </dgm:styleLbl>
-  <dgm:styleLbl name="fgAcc0">
-    <dgm:scene3d>
-      <a:camera prst="orthographicFront"/>
-      <a:lightRig rig="threePt" dir="t"/>
-    </dgm:scene3d>
-    <dgm:sp3d/>
-    <dgm:txPr/>
-    <dgm:style>
-      <a:lnRef idx="2">
-        <a:scrgbClr r="0" g="0" b="0"/>
-      </a:lnRef>
-      <a:fillRef idx="1">
-        <a:scrgbClr r="0" g="0" b="0"/>
-      </a:fillRef>
-      <a:effectRef idx="0">
-        <a:scrgbClr r="0" g="0" b="0"/>
-      </a:effectRef>
-      <a:fontRef idx="minor"/>
-    </dgm:style>
-  </dgm:styleLbl>
-  <dgm:styleLbl name="fgAcc2">
-    <dgm:scene3d>
-      <a:camera prst="orthographicFront"/>
-      <a:lightRig rig="threePt" dir="t"/>
-    </dgm:scene3d>
-    <dgm:sp3d/>
-    <dgm:txPr/>
-    <dgm:style>
-      <a:lnRef idx="2">
-        <a:scrgbClr r="0" g="0" b="0"/>
-      </a:lnRef>
-      <a:fillRef idx="1">
-        <a:scrgbClr r="0" g="0" b="0"/>
-      </a:fillRef>
-      <a:effectRef idx="0">
-        <a:scrgbClr r="0" g="0" b="0"/>
-      </a:effectRef>
-      <a:fontRef idx="minor"/>
-    </dgm:style>
-  </dgm:styleLbl>
-  <dgm:styleLbl name="fgAcc3">
-    <dgm:scene3d>
-      <a:camera prst="orthographicFront"/>
-      <a:lightRig rig="threePt" dir="t"/>
-    </dgm:scene3d>
-    <dgm:sp3d/>
-    <dgm:txPr/>
-    <dgm:style>
-      <a:lnRef idx="2">
-        <a:scrgbClr r="0" g="0" b="0"/>
-      </a:lnRef>
-      <a:fillRef idx="1">
-        <a:scrgbClr r="0" g="0" b="0"/>
-      </a:fillRef>
-      <a:effectRef idx="0">
-        <a:scrgbClr r="0" g="0" b="0"/>
-      </a:effectRef>
-      <a:fontRef idx="minor"/>
-    </dgm:style>
-  </dgm:styleLbl>
-  <dgm:styleLbl name="fgAcc4">
-    <dgm:scene3d>
-      <a:camera prst="orthographicFront"/>
-      <a:lightRig rig="threePt" dir="t"/>
-    </dgm:scene3d>
-    <dgm:sp3d/>
-    <dgm:txPr/>
-    <dgm:style>
-      <a:lnRef idx="2">
-        <a:scrgbClr r="0" g="0" b="0"/>
-      </a:lnRef>
-      <a:fillRef idx="1">
-        <a:scrgbClr r="0" g="0" b="0"/>
-      </a:fillRef>
-      <a:effectRef idx="0">
-        <a:scrgbClr r="0" g="0" b="0"/>
-      </a:effectRef>
-      <a:fontRef idx="minor"/>
-    </dgm:style>
-  </dgm:styleLbl>
-  <dgm:styleLbl name="bgShp">
-    <dgm:scene3d>
-      <a:camera prst="orthographicFront"/>
-      <a:lightRig rig="threePt" dir="t"/>
-    </dgm:scene3d>
-    <dgm:sp3d/>
-    <dgm:txPr/>
-    <dgm:style>
-      <a:lnRef idx="0">
-        <a:scrgbClr r="0" g="0" b="0"/>
-      </a:lnRef>
-      <a:fillRef idx="1">
-        <a:scrgbClr r="0" g="0" b="0"/>
-      </a:fillRef>
-      <a:effectRef idx="0">
-        <a:scrgbClr r="0" g="0" b="0"/>
-      </a:effectRef>
-      <a:fontRef idx="minor"/>
-    </dgm:style>
-  </dgm:styleLbl>
-  <dgm:styleLbl name="dkBgShp">
-    <dgm:scene3d>
-      <a:camera prst="orthographicFront"/>
-      <a:lightRig rig="threePt" dir="t"/>
-    </dgm:scene3d>
-    <dgm:sp3d/>
-    <dgm:txPr/>
-    <dgm:style>
-      <a:lnRef idx="0">
-        <a:scrgbClr r="0" g="0" b="0"/>
-      </a:lnRef>
-      <a:fillRef idx="1">
-        <a:scrgbClr r="0" g="0" b="0"/>
-      </a:fillRef>
-      <a:effectRef idx="0">
-        <a:scrgbClr r="0" g="0" b="0"/>
-      </a:effectRef>
-      <a:fontRef idx="minor"/>
-    </dgm:style>
-  </dgm:styleLbl>
-  <dgm:styleLbl name="trBgShp">
-    <dgm:scene3d>
-      <a:camera prst="orthographicFront"/>
-      <a:lightRig rig="threePt" dir="t"/>
-    </dgm:scene3d>
-    <dgm:sp3d/>
-    <dgm:txPr/>
-    <dgm:style>
-      <a:lnRef idx="0">
-        <a:scrgbClr r="0" g="0" b="0"/>
-      </a:lnRef>
-      <a:fillRef idx="1">
-        <a:scrgbClr r="0" g="0" b="0"/>
-      </a:fillRef>
-      <a:effectRef idx="0">
-        <a:scrgbClr r="0" g="0" b="0"/>
-      </a:effectRef>
-      <a:fontRef idx="minor"/>
-    </dgm:style>
-  </dgm:styleLbl>
-  <dgm:styleLbl name="fgShp">
-    <dgm:scene3d>
-      <a:camera prst="orthographicFront"/>
-      <a:lightRig rig="threePt" dir="t"/>
-    </dgm:scene3d>
-    <dgm:sp3d/>
-    <dgm:txPr/>
-    <dgm:style>
-      <a:lnRef idx="2">
-        <a:scrgbClr r="0" g="0" b="0"/>
-      </a:lnRef>
-      <a:fillRef idx="1">
-        <a:scrgbClr r="0" g="0" b="0"/>
-      </a:fillRef>
-      <a:effectRef idx="0">
-        <a:scrgbClr r="0" g="0" b="0"/>
-      </a:effectRef>
-      <a:fontRef idx="minor"/>
-    </dgm:style>
-  </dgm:styleLbl>
-  <dgm:styleLbl name="revTx">
-    <dgm:scene3d>
-      <a:camera prst="orthographicFront"/>
-      <a:lightRig rig="threePt" dir="t"/>
-    </dgm:scene3d>
-    <dgm:sp3d/>
-    <dgm:txPr/>
-    <dgm:style>
-      <a:lnRef idx="0">
-        <a:scrgbClr r="0" g="0" b="0"/>
-      </a:lnRef>
-      <a:fillRef idx="0">
-        <a:scrgbClr r="0" g="0" b="0"/>
-      </a:fillRef>
-      <a:effectRef idx="0">
-        <a:scrgbClr r="0" g="0" b="0"/>
-      </a:effectRef>
-      <a:fontRef idx="minor"/>
-    </dgm:style>
-  </dgm:styleLbl>
-</dgm:styleDef>
 </file>
 
 <file path=ppt/handoutMasters/handoutMaster1.xml><?xml version="1.0" encoding="utf-8"?>
@@ -10523,282 +7836,6 @@
           <a:p>
             <a:r>
               <a:rPr lang="en-US" dirty="0"/>
-              <a:t>Fitur Daftar </a:t>
-            </a:r>
-            <a:r>
-              <a:rPr lang="en-US" dirty="0" err="1"/>
-              <a:t>Pesanan</a:t>
-            </a:r>
-            <a:endParaRPr lang="en-US" dirty="0"/>
-          </a:p>
-        </p:txBody>
-      </p:sp>
-      <p:sp>
-        <p:nvSpPr>
-          <p:cNvPr id="4" name="Content Placeholder 3">
-            <a:extLst>
-              <a:ext uri="{FF2B5EF4-FFF2-40B4-BE49-F238E27FC236}">
-                <a16:creationId xmlns:a16="http://schemas.microsoft.com/office/drawing/2014/main" id="{258465F5-4312-2541-8368-01B99B3E9619}"/>
-              </a:ext>
-            </a:extLst>
-          </p:cNvPr>
-          <p:cNvSpPr>
-            <a:spLocks noGrp="1"/>
-          </p:cNvSpPr>
-          <p:nvPr>
-            <p:ph sz="quarter" idx="14"/>
-          </p:nvPr>
-        </p:nvSpPr>
-        <p:spPr/>
-        <p:txBody>
-          <a:bodyPr/>
-          <a:lstStyle/>
-          <a:p>
-            <a:pPr marL="342900" indent="-342900">
-              <a:buFont typeface="+mj-lt"/>
-              <a:buAutoNum type="arabicPeriod"/>
-            </a:pPr>
-            <a:endParaRPr lang="en-US" dirty="0"/>
-          </a:p>
-        </p:txBody>
-      </p:sp>
-      <p:sp>
-        <p:nvSpPr>
-          <p:cNvPr id="16" name="TextBox 15">
-            <a:extLst>
-              <a:ext uri="{FF2B5EF4-FFF2-40B4-BE49-F238E27FC236}">
-                <a16:creationId xmlns:a16="http://schemas.microsoft.com/office/drawing/2014/main" id="{E3F6DAC6-7F78-4B8F-8679-D04D60BBCB94}"/>
-              </a:ext>
-            </a:extLst>
-          </p:cNvPr>
-          <p:cNvSpPr txBox="1"/>
-          <p:nvPr/>
-        </p:nvSpPr>
-        <p:spPr>
-          <a:xfrm>
-            <a:off x="657851" y="5391710"/>
-            <a:ext cx="1117344" cy="369332"/>
-          </a:xfrm>
-          <a:prstGeom prst="rect">
-            <a:avLst/>
-          </a:prstGeom>
-          <a:noFill/>
-        </p:spPr>
-        <p:txBody>
-          <a:bodyPr wrap="square" rtlCol="0">
-            <a:spAutoFit/>
-          </a:bodyPr>
-          <a:lstStyle/>
-          <a:p>
-            <a:pPr algn="ctr"/>
-            <a:r>
-              <a:rPr lang="en-US" dirty="0"/>
-              <a:t>Customer</a:t>
-            </a:r>
-            <a:endParaRPr lang="en-ID" dirty="0"/>
-          </a:p>
-        </p:txBody>
-      </p:sp>
-      <p:sp>
-        <p:nvSpPr>
-          <p:cNvPr id="17" name="TextBox 16">
-            <a:extLst>
-              <a:ext uri="{FF2B5EF4-FFF2-40B4-BE49-F238E27FC236}">
-                <a16:creationId xmlns:a16="http://schemas.microsoft.com/office/drawing/2014/main" id="{8AF7402C-6C43-42E4-9C2B-D20C74B90995}"/>
-              </a:ext>
-            </a:extLst>
-          </p:cNvPr>
-          <p:cNvSpPr txBox="1"/>
-          <p:nvPr/>
-        </p:nvSpPr>
-        <p:spPr>
-          <a:xfrm>
-            <a:off x="2994008" y="5391710"/>
-            <a:ext cx="805052" cy="369332"/>
-          </a:xfrm>
-          <a:prstGeom prst="rect">
-            <a:avLst/>
-          </a:prstGeom>
-          <a:noFill/>
-        </p:spPr>
-        <p:txBody>
-          <a:bodyPr wrap="square" rtlCol="0">
-            <a:spAutoFit/>
-          </a:bodyPr>
-          <a:lstStyle/>
-          <a:p>
-            <a:pPr algn="ctr"/>
-            <a:r>
-              <a:rPr lang="en-US" dirty="0"/>
-              <a:t>Driver</a:t>
-            </a:r>
-            <a:endParaRPr lang="en-ID" dirty="0"/>
-          </a:p>
-        </p:txBody>
-      </p:sp>
-      <p:pic>
-        <p:nvPicPr>
-          <p:cNvPr id="8" name="Picture 7">
-            <a:extLst>
-              <a:ext uri="{FF2B5EF4-FFF2-40B4-BE49-F238E27FC236}">
-                <a16:creationId xmlns:a16="http://schemas.microsoft.com/office/drawing/2014/main" id="{AAC55765-3FD7-412F-808C-51249DD9BC73}"/>
-              </a:ext>
-            </a:extLst>
-          </p:cNvPr>
-          <p:cNvPicPr/>
-          <p:nvPr/>
-        </p:nvPicPr>
-        <p:blipFill>
-          <a:blip r:embed="rId2" cstate="print">
-            <a:extLst>
-              <a:ext uri="{28A0092B-C50C-407E-A947-70E740481C1C}">
-                <a14:useLocalDpi xmlns:a14="http://schemas.microsoft.com/office/drawing/2010/main" val="0"/>
-              </a:ext>
-            </a:extLst>
-          </a:blip>
-          <a:srcRect/>
-          <a:stretch>
-            <a:fillRect/>
-          </a:stretch>
-        </p:blipFill>
-        <p:spPr bwMode="auto">
-          <a:xfrm>
-            <a:off x="117001" y="702156"/>
-            <a:ext cx="2186742" cy="4689554"/>
-          </a:xfrm>
-          <a:prstGeom prst="rect">
-            <a:avLst/>
-          </a:prstGeom>
-          <a:noFill/>
-          <a:ln>
-            <a:noFill/>
-          </a:ln>
-        </p:spPr>
-      </p:pic>
-      <p:pic>
-        <p:nvPicPr>
-          <p:cNvPr id="11" name="Picture 10">
-            <a:extLst>
-              <a:ext uri="{FF2B5EF4-FFF2-40B4-BE49-F238E27FC236}">
-                <a16:creationId xmlns:a16="http://schemas.microsoft.com/office/drawing/2014/main" id="{2ED994F8-7CAE-4872-9956-97BE02A00212}"/>
-              </a:ext>
-            </a:extLst>
-          </p:cNvPr>
-          <p:cNvPicPr/>
-          <p:nvPr/>
-        </p:nvPicPr>
-        <p:blipFill>
-          <a:blip r:embed="rId3" cstate="print">
-            <a:extLst>
-              <a:ext uri="{28A0092B-C50C-407E-A947-70E740481C1C}">
-                <a14:useLocalDpi xmlns:a14="http://schemas.microsoft.com/office/drawing/2010/main" val="0"/>
-              </a:ext>
-            </a:extLst>
-          </a:blip>
-          <a:srcRect/>
-          <a:stretch>
-            <a:fillRect/>
-          </a:stretch>
-        </p:blipFill>
-        <p:spPr bwMode="auto">
-          <a:xfrm>
-            <a:off x="2303743" y="702156"/>
-            <a:ext cx="2186350" cy="4689554"/>
-          </a:xfrm>
-          <a:prstGeom prst="rect">
-            <a:avLst/>
-          </a:prstGeom>
-          <a:noFill/>
-          <a:ln>
-            <a:noFill/>
-          </a:ln>
-        </p:spPr>
-      </p:pic>
-      <p:pic>
-        <p:nvPicPr>
-          <p:cNvPr id="5" name="Picture 4">
-            <a:extLst>
-              <a:ext uri="{FF2B5EF4-FFF2-40B4-BE49-F238E27FC236}">
-                <a16:creationId xmlns:a16="http://schemas.microsoft.com/office/drawing/2014/main" id="{684EBD67-42CE-42EF-9128-71A092A05B20}"/>
-              </a:ext>
-            </a:extLst>
-          </p:cNvPr>
-          <p:cNvPicPr>
-            <a:picLocks noChangeAspect="1"/>
-          </p:cNvPicPr>
-          <p:nvPr/>
-        </p:nvPicPr>
-        <p:blipFill>
-          <a:blip r:embed="rId4"/>
-          <a:stretch>
-            <a:fillRect/>
-          </a:stretch>
-        </p:blipFill>
-        <p:spPr>
-          <a:xfrm>
-            <a:off x="4490485" y="4476265"/>
-            <a:ext cx="2186350" cy="2270441"/>
-          </a:xfrm>
-          <a:prstGeom prst="rect">
-            <a:avLst/>
-          </a:prstGeom>
-        </p:spPr>
-      </p:pic>
-    </p:spTree>
-    <p:extLst>
-      <p:ext uri="{BB962C8B-B14F-4D97-AF65-F5344CB8AC3E}">
-        <p14:creationId xmlns:p14="http://schemas.microsoft.com/office/powerpoint/2010/main" val="3643141342"/>
-      </p:ext>
-    </p:extLst>
-  </p:cSld>
-  <p:clrMapOvr>
-    <a:masterClrMapping/>
-  </p:clrMapOvr>
-</p:sld>
-</file>
-
-<file path=ppt/slides/slide11.xml><?xml version="1.0" encoding="utf-8"?>
-<p:sld xmlns:a="http://schemas.openxmlformats.org/drawingml/2006/main" xmlns:r="http://schemas.openxmlformats.org/officeDocument/2006/relationships" xmlns:p="http://schemas.openxmlformats.org/presentationml/2006/main">
-  <p:cSld>
-    <p:spTree>
-      <p:nvGrpSpPr>
-        <p:cNvPr id="1" name=""/>
-        <p:cNvGrpSpPr/>
-        <p:nvPr/>
-      </p:nvGrpSpPr>
-      <p:grpSpPr>
-        <a:xfrm>
-          <a:off x="0" y="0"/>
-          <a:ext cx="0" cy="0"/>
-          <a:chOff x="0" y="0"/>
-          <a:chExt cx="0" cy="0"/>
-        </a:xfrm>
-      </p:grpSpPr>
-      <p:sp>
-        <p:nvSpPr>
-          <p:cNvPr id="3" name="Title 2">
-            <a:extLst>
-              <a:ext uri="{FF2B5EF4-FFF2-40B4-BE49-F238E27FC236}">
-                <a16:creationId xmlns:a16="http://schemas.microsoft.com/office/drawing/2014/main" id="{F6BF800B-2D91-A844-B4B2-97273E94E563}"/>
-              </a:ext>
-            </a:extLst>
-          </p:cNvPr>
-          <p:cNvSpPr>
-            <a:spLocks noGrp="1"/>
-          </p:cNvSpPr>
-          <p:nvPr>
-            <p:ph type="title"/>
-          </p:nvPr>
-        </p:nvSpPr>
-        <p:spPr/>
-        <p:txBody>
-          <a:bodyPr>
-            <a:normAutofit/>
-          </a:bodyPr>
-          <a:lstStyle/>
-          <a:p>
-            <a:r>
-              <a:rPr lang="en-US" dirty="0"/>
               <a:t>Fitur Riwayat</a:t>
             </a:r>
           </a:p>
@@ -10998,7 +8035,7 @@
 </p:sld>
 </file>
 
-<file path=ppt/slides/slide12.xml><?xml version="1.0" encoding="utf-8"?>
+<file path=ppt/slides/slide11.xml><?xml version="1.0" encoding="utf-8"?>
 <p:sld xmlns:a="http://schemas.openxmlformats.org/drawingml/2006/main" xmlns:r="http://schemas.openxmlformats.org/officeDocument/2006/relationships" xmlns:p="http://schemas.openxmlformats.org/presentationml/2006/main">
   <p:cSld>
     <p:spTree>
@@ -11294,7 +8331,7 @@
 </p:sld>
 </file>
 
-<file path=ppt/slides/slide13.xml><?xml version="1.0" encoding="utf-8"?>
+<file path=ppt/slides/slide12.xml><?xml version="1.0" encoding="utf-8"?>
 <p:sld xmlns:a="http://schemas.openxmlformats.org/drawingml/2006/main" xmlns:r="http://schemas.openxmlformats.org/officeDocument/2006/relationships" xmlns:p="http://schemas.openxmlformats.org/presentationml/2006/main">
   <p:cSld>
     <p:spTree>
@@ -11556,7 +8593,7 @@
 </p:sld>
 </file>
 
-<file path=ppt/slides/slide14.xml><?xml version="1.0" encoding="utf-8"?>
+<file path=ppt/slides/slide13.xml><?xml version="1.0" encoding="utf-8"?>
 <p:sld xmlns:a="http://schemas.openxmlformats.org/drawingml/2006/main" xmlns:r="http://schemas.openxmlformats.org/officeDocument/2006/relationships" xmlns:p="http://schemas.openxmlformats.org/presentationml/2006/main">
   <p:cSld>
     <p:spTree>
@@ -11785,7 +8822,7 @@
 </p:sld>
 </file>
 
-<file path=ppt/slides/slide15.xml><?xml version="1.0" encoding="utf-8"?>
+<file path=ppt/slides/slide14.xml><?xml version="1.0" encoding="utf-8"?>
 <p:sld xmlns:a="http://schemas.openxmlformats.org/drawingml/2006/main" xmlns:r="http://schemas.openxmlformats.org/officeDocument/2006/relationships" xmlns:p="http://schemas.openxmlformats.org/presentationml/2006/main">
   <p:cSld>
     <p:spTree>
@@ -12028,7 +9065,7 @@
 </p:sld>
 </file>
 
-<file path=ppt/slides/slide16.xml><?xml version="1.0" encoding="utf-8"?>
+<file path=ppt/slides/slide15.xml><?xml version="1.0" encoding="utf-8"?>
 <p:sld xmlns:a="http://schemas.openxmlformats.org/drawingml/2006/main" xmlns:r="http://schemas.openxmlformats.org/officeDocument/2006/relationships" xmlns:p="http://schemas.openxmlformats.org/presentationml/2006/main">
   <p:cSld>
     <p:spTree>
@@ -12311,7 +9348,7 @@
 </p:sld>
 </file>
 
-<file path=ppt/slides/slide17.xml><?xml version="1.0" encoding="utf-8"?>
+<file path=ppt/slides/slide16.xml><?xml version="1.0" encoding="utf-8"?>
 <p:sld xmlns:a="http://schemas.openxmlformats.org/drawingml/2006/main" xmlns:r="http://schemas.openxmlformats.org/officeDocument/2006/relationships" xmlns:p="http://schemas.openxmlformats.org/presentationml/2006/main">
   <p:cSld>
     <p:spTree>
@@ -14858,12 +11895,421 @@
           <a:chExt cx="0" cy="0"/>
         </a:xfrm>
       </p:grpSpPr>
-      <p:sp>
-        <p:nvSpPr>
-          <p:cNvPr id="2" name="Title 1">
-            <a:extLst>
-              <a:ext uri="{FF2B5EF4-FFF2-40B4-BE49-F238E27FC236}">
-                <a16:creationId xmlns:a16="http://schemas.microsoft.com/office/drawing/2014/main" id="{AD41CCC1-9471-4224-844E-F35BE73E6034}"/>
+      <p:pic>
+        <p:nvPicPr>
+          <p:cNvPr id="6" name="Content Placeholder 5">
+            <a:extLst>
+              <a:ext uri="{FF2B5EF4-FFF2-40B4-BE49-F238E27FC236}">
+                <a16:creationId xmlns:a16="http://schemas.microsoft.com/office/drawing/2014/main" id="{BAD94886-4C7C-40F5-9C73-0CC560D78E95}"/>
+              </a:ext>
+            </a:extLst>
+          </p:cNvPr>
+          <p:cNvPicPr>
+            <a:picLocks noGrp="1" noChangeAspect="1"/>
+          </p:cNvPicPr>
+          <p:nvPr>
+            <p:ph sz="half" idx="1"/>
+          </p:nvPr>
+        </p:nvPicPr>
+        <p:blipFill>
+          <a:blip r:embed="rId2"/>
+          <a:stretch>
+            <a:fillRect/>
+          </a:stretch>
+        </p:blipFill>
+        <p:spPr>
+          <a:xfrm>
+            <a:off x="1875393" y="1956391"/>
+            <a:ext cx="1524003" cy="1481331"/>
+          </a:xfrm>
+        </p:spPr>
+      </p:pic>
+      <p:sp>
+        <p:nvSpPr>
+          <p:cNvPr id="3" name="Content Placeholder 2">
+            <a:extLst>
+              <a:ext uri="{FF2B5EF4-FFF2-40B4-BE49-F238E27FC236}">
+                <a16:creationId xmlns:a16="http://schemas.microsoft.com/office/drawing/2014/main" id="{9A1D7F71-2815-4D6B-A05A-E76568779DC6}"/>
+              </a:ext>
+            </a:extLst>
+          </p:cNvPr>
+          <p:cNvSpPr>
+            <a:spLocks noGrp="1"/>
+          </p:cNvSpPr>
+          <p:nvPr>
+            <p:ph sz="half" idx="2"/>
+          </p:nvPr>
+        </p:nvSpPr>
+        <p:spPr/>
+        <p:txBody>
+          <a:bodyPr/>
+          <a:lstStyle/>
+          <a:p>
+            <a:r>
+              <a:rPr lang="en-ID" dirty="0" err="1"/>
+              <a:t>Manfaatnya</a:t>
+            </a:r>
+            <a:r>
+              <a:rPr lang="en-ID" dirty="0"/>
+              <a:t> </a:t>
+            </a:r>
+            <a:r>
+              <a:rPr lang="en-ID" dirty="0" err="1"/>
+              <a:t>antara</a:t>
+            </a:r>
+            <a:r>
+              <a:rPr lang="en-ID" dirty="0"/>
+              <a:t> lain : </a:t>
+            </a:r>
+          </a:p>
+          <a:p>
+            <a:pPr lvl="1"/>
+            <a:r>
+              <a:rPr lang="en-ID" dirty="0"/>
+              <a:t>Masyarakat </a:t>
+            </a:r>
+            <a:r>
+              <a:rPr lang="en-ID" dirty="0" err="1"/>
+              <a:t>atau</a:t>
+            </a:r>
+            <a:r>
+              <a:rPr lang="en-ID" dirty="0"/>
+              <a:t> </a:t>
+            </a:r>
+            <a:r>
+              <a:rPr lang="en-ID" dirty="0" err="1"/>
+              <a:t>konsumen</a:t>
+            </a:r>
+            <a:r>
+              <a:rPr lang="en-ID" dirty="0"/>
+              <a:t> </a:t>
+            </a:r>
+            <a:r>
+              <a:rPr lang="en-ID" dirty="0" err="1"/>
+              <a:t>dapat</a:t>
+            </a:r>
+            <a:r>
+              <a:rPr lang="en-ID" dirty="0"/>
+              <a:t> </a:t>
+            </a:r>
+            <a:r>
+              <a:rPr lang="en-ID" dirty="0" err="1"/>
+              <a:t>memesan</a:t>
+            </a:r>
+            <a:r>
+              <a:rPr lang="en-ID" dirty="0"/>
+              <a:t> , </a:t>
+            </a:r>
+            <a:r>
+              <a:rPr lang="en-ID" dirty="0" err="1"/>
+              <a:t>memonitor</a:t>
+            </a:r>
+            <a:r>
+              <a:rPr lang="en-ID" dirty="0"/>
+              <a:t> progress, </a:t>
+            </a:r>
+            <a:r>
+              <a:rPr lang="en-ID" dirty="0" err="1"/>
+              <a:t>sampai</a:t>
+            </a:r>
+            <a:r>
+              <a:rPr lang="en-ID" dirty="0"/>
+              <a:t> </a:t>
+            </a:r>
+            <a:r>
+              <a:rPr lang="en-ID" dirty="0" err="1"/>
+              <a:t>membayar</a:t>
+            </a:r>
+            <a:r>
+              <a:rPr lang="en-ID" dirty="0"/>
+              <a:t> </a:t>
+            </a:r>
+            <a:r>
+              <a:rPr lang="en-ID" dirty="0" err="1"/>
+              <a:t>layanan</a:t>
+            </a:r>
+            <a:r>
+              <a:rPr lang="en-ID" dirty="0"/>
+              <a:t> </a:t>
+            </a:r>
+            <a:r>
+              <a:rPr lang="en-ID" dirty="0" err="1"/>
+              <a:t>secara</a:t>
+            </a:r>
+            <a:r>
+              <a:rPr lang="en-ID" dirty="0"/>
+              <a:t> online.</a:t>
+            </a:r>
+          </a:p>
+          <a:p>
+            <a:pPr lvl="1"/>
+            <a:r>
+              <a:rPr lang="en-ID" dirty="0"/>
+              <a:t>Mitra </a:t>
+            </a:r>
+            <a:r>
+              <a:rPr lang="en-ID" dirty="0" err="1"/>
+              <a:t>bisa</a:t>
+            </a:r>
+            <a:r>
+              <a:rPr lang="en-ID" dirty="0"/>
+              <a:t> </a:t>
+            </a:r>
+            <a:r>
+              <a:rPr lang="en-ID" dirty="0" err="1"/>
+              <a:t>mendapatkan</a:t>
+            </a:r>
+            <a:r>
+              <a:rPr lang="en-ID" dirty="0"/>
+              <a:t> order dan </a:t>
+            </a:r>
+            <a:r>
+              <a:rPr lang="en-ID" dirty="0" err="1"/>
+              <a:t>melakukan</a:t>
+            </a:r>
+            <a:r>
+              <a:rPr lang="en-ID" dirty="0"/>
+              <a:t> </a:t>
+            </a:r>
+            <a:r>
+              <a:rPr lang="en-ID" dirty="0" err="1"/>
+              <a:t>pembayaran</a:t>
+            </a:r>
+            <a:r>
+              <a:rPr lang="en-ID" dirty="0"/>
+              <a:t> </a:t>
+            </a:r>
+            <a:r>
+              <a:rPr lang="en-ID" dirty="0" err="1"/>
+              <a:t>layanan</a:t>
+            </a:r>
+            <a:r>
+              <a:rPr lang="en-ID" dirty="0"/>
+              <a:t> </a:t>
+            </a:r>
+            <a:r>
+              <a:rPr lang="en-ID" dirty="0" err="1"/>
+              <a:t>secara</a:t>
+            </a:r>
+            <a:r>
+              <a:rPr lang="en-ID" dirty="0"/>
+              <a:t> online.</a:t>
+            </a:r>
+          </a:p>
+          <a:p>
+            <a:pPr lvl="1"/>
+            <a:r>
+              <a:rPr lang="en-ID" dirty="0" err="1"/>
+              <a:t>Pengelola</a:t>
+            </a:r>
+            <a:r>
+              <a:rPr lang="en-ID" dirty="0"/>
+              <a:t> </a:t>
+            </a:r>
+            <a:r>
+              <a:rPr lang="en-ID" dirty="0" err="1"/>
+              <a:t>layanan</a:t>
+            </a:r>
+            <a:r>
+              <a:rPr lang="en-ID" dirty="0"/>
+              <a:t> </a:t>
+            </a:r>
+            <a:r>
+              <a:rPr lang="en-ID" dirty="0" err="1"/>
+              <a:t>dapat</a:t>
+            </a:r>
+            <a:r>
+              <a:rPr lang="en-ID" dirty="0"/>
+              <a:t> </a:t>
+            </a:r>
+            <a:r>
+              <a:rPr lang="en-ID" dirty="0" err="1"/>
+              <a:t>memperoleh</a:t>
+            </a:r>
+            <a:r>
+              <a:rPr lang="en-ID" dirty="0"/>
+              <a:t> </a:t>
+            </a:r>
+            <a:r>
+              <a:rPr lang="en-ID" dirty="0" err="1"/>
+              <a:t>permintaan</a:t>
+            </a:r>
+            <a:r>
+              <a:rPr lang="en-ID" dirty="0"/>
+              <a:t> </a:t>
+            </a:r>
+            <a:r>
+              <a:rPr lang="en-ID" dirty="0" err="1"/>
+              <a:t>layanan</a:t>
+            </a:r>
+            <a:r>
+              <a:rPr lang="en-ID" dirty="0"/>
+              <a:t> </a:t>
+            </a:r>
+            <a:r>
+              <a:rPr lang="en-ID" dirty="0" err="1"/>
+              <a:t>dari</a:t>
+            </a:r>
+            <a:r>
+              <a:rPr lang="en-ID" dirty="0"/>
+              <a:t> </a:t>
+            </a:r>
+            <a:r>
+              <a:rPr lang="en-ID" dirty="0" err="1"/>
+              <a:t>masyarakat</a:t>
+            </a:r>
+            <a:r>
+              <a:rPr lang="en-ID" dirty="0"/>
+              <a:t> dan </a:t>
+            </a:r>
+            <a:r>
+              <a:rPr lang="en-ID" dirty="0" err="1"/>
+              <a:t>mitra</a:t>
+            </a:r>
+            <a:r>
+              <a:rPr lang="en-ID" dirty="0"/>
+              <a:t> </a:t>
+            </a:r>
+            <a:r>
+              <a:rPr lang="en-ID" dirty="0" err="1"/>
+              <a:t>secara</a:t>
+            </a:r>
+            <a:r>
+              <a:rPr lang="en-ID" dirty="0"/>
+              <a:t> online, </a:t>
+            </a:r>
+          </a:p>
+          <a:p>
+            <a:pPr lvl="1"/>
+            <a:r>
+              <a:rPr lang="en-ID" dirty="0" err="1"/>
+              <a:t>Pengelola</a:t>
+            </a:r>
+            <a:r>
+              <a:rPr lang="en-ID" dirty="0"/>
+              <a:t> </a:t>
+            </a:r>
+            <a:r>
+              <a:rPr lang="en-ID" dirty="0" err="1"/>
+              <a:t>layanan</a:t>
+            </a:r>
+            <a:r>
+              <a:rPr lang="en-ID" dirty="0"/>
+              <a:t> </a:t>
+            </a:r>
+            <a:r>
+              <a:rPr lang="en-ID" dirty="0" err="1"/>
+              <a:t>dapat</a:t>
+            </a:r>
+            <a:r>
+              <a:rPr lang="en-ID" dirty="0"/>
+              <a:t> </a:t>
+            </a:r>
+            <a:r>
+              <a:rPr lang="en-ID" dirty="0" err="1"/>
+              <a:t>mendistribusikan</a:t>
+            </a:r>
+            <a:r>
+              <a:rPr lang="en-ID" dirty="0"/>
+              <a:t> </a:t>
+            </a:r>
+            <a:r>
+              <a:rPr lang="en-ID" dirty="0" err="1"/>
+              <a:t>permintaan</a:t>
+            </a:r>
+            <a:r>
+              <a:rPr lang="en-ID" dirty="0"/>
+              <a:t> </a:t>
+            </a:r>
+            <a:r>
+              <a:rPr lang="en-ID" dirty="0" err="1"/>
+              <a:t>ke</a:t>
+            </a:r>
+            <a:r>
+              <a:rPr lang="en-ID" dirty="0"/>
+              <a:t> </a:t>
+            </a:r>
+            <a:r>
+              <a:rPr lang="en-ID" dirty="0" err="1"/>
+              <a:t>mitra</a:t>
+            </a:r>
+            <a:r>
+              <a:rPr lang="en-ID" dirty="0"/>
+              <a:t> </a:t>
+            </a:r>
+            <a:r>
+              <a:rPr lang="en-ID" dirty="0" err="1"/>
+              <a:t>dengan</a:t>
+            </a:r>
+            <a:r>
+              <a:rPr lang="en-ID" dirty="0"/>
+              <a:t> </a:t>
+            </a:r>
+            <a:r>
+              <a:rPr lang="en-ID" dirty="0" err="1"/>
+              <a:t>cepat</a:t>
+            </a:r>
+            <a:r>
+              <a:rPr lang="en-ID" dirty="0"/>
+              <a:t> , </a:t>
+            </a:r>
+            <a:r>
+              <a:rPr lang="en-ID" dirty="0" err="1"/>
+              <a:t>memonitor</a:t>
+            </a:r>
+            <a:r>
+              <a:rPr lang="en-ID" dirty="0"/>
+              <a:t> progress </a:t>
+            </a:r>
+            <a:r>
+              <a:rPr lang="en-ID" dirty="0" err="1"/>
+              <a:t>layanan</a:t>
+            </a:r>
+            <a:r>
+              <a:rPr lang="en-ID" dirty="0"/>
+              <a:t> , dan </a:t>
+            </a:r>
+            <a:r>
+              <a:rPr lang="en-ID" dirty="0" err="1"/>
+              <a:t>mendapatkan</a:t>
+            </a:r>
+            <a:r>
+              <a:rPr lang="en-ID" dirty="0"/>
+              <a:t> </a:t>
+            </a:r>
+            <a:r>
+              <a:rPr lang="en-ID" dirty="0" err="1"/>
+              <a:t>informasi</a:t>
+            </a:r>
+            <a:r>
+              <a:rPr lang="en-ID" dirty="0"/>
+              <a:t> </a:t>
+            </a:r>
+            <a:r>
+              <a:rPr lang="en-ID" dirty="0" err="1"/>
+              <a:t>pembayaran</a:t>
+            </a:r>
+            <a:r>
+              <a:rPr lang="en-ID" dirty="0"/>
+              <a:t> </a:t>
+            </a:r>
+            <a:r>
+              <a:rPr lang="en-ID" dirty="0" err="1"/>
+              <a:t>secara</a:t>
+            </a:r>
+            <a:r>
+              <a:rPr lang="en-ID" dirty="0"/>
+              <a:t> real time. </a:t>
+            </a:r>
+          </a:p>
+        </p:txBody>
+      </p:sp>
+      <p:sp>
+        <p:nvSpPr>
+          <p:cNvPr id="4" name="Title 3">
+            <a:extLst>
+              <a:ext uri="{FF2B5EF4-FFF2-40B4-BE49-F238E27FC236}">
+                <a16:creationId xmlns:a16="http://schemas.microsoft.com/office/drawing/2014/main" id="{A6E6C6AF-C7A7-48B3-A379-29E58AA4A740}"/>
               </a:ext>
             </a:extLst>
           </p:cNvPr>
@@ -14881,63 +12327,468 @@
           <a:p>
             <a:r>
               <a:rPr lang="en-US" dirty="0" err="1"/>
-              <a:t>Kegiatan</a:t>
+              <a:t>Aplikasi</a:t>
             </a:r>
             <a:r>
               <a:rPr lang="en-US" dirty="0"/>
+              <a:t> b-</a:t>
+            </a:r>
+            <a:r>
+              <a:rPr lang="en-US" dirty="0" err="1"/>
+              <a:t>septik</a:t>
+            </a:r>
+            <a:endParaRPr lang="en-ID" dirty="0"/>
+          </a:p>
+        </p:txBody>
+      </p:sp>
+      <p:sp>
+        <p:nvSpPr>
+          <p:cNvPr id="7" name="Content Placeholder 2">
+            <a:extLst>
+              <a:ext uri="{FF2B5EF4-FFF2-40B4-BE49-F238E27FC236}">
+                <a16:creationId xmlns:a16="http://schemas.microsoft.com/office/drawing/2014/main" id="{66645950-870A-4D1F-BB03-F8E5DDF9F7D0}"/>
+              </a:ext>
+            </a:extLst>
+          </p:cNvPr>
+          <p:cNvSpPr txBox="1">
+            <a:spLocks/>
+          </p:cNvSpPr>
+          <p:nvPr/>
+        </p:nvSpPr>
+        <p:spPr>
+          <a:xfrm>
+            <a:off x="581191" y="3645567"/>
+            <a:ext cx="4112408" cy="2778347"/>
+          </a:xfrm>
+          <a:prstGeom prst="rect">
+            <a:avLst/>
+          </a:prstGeom>
+        </p:spPr>
+        <p:txBody>
+          <a:bodyPr vert="horz" lIns="91440" tIns="45720" rIns="91440" bIns="45720" rtlCol="0" anchor="t">
+            <a:normAutofit/>
+          </a:bodyPr>
+          <a:lstStyle>
+            <a:lvl1pPr marL="306000" indent="-306000" algn="l" defTabSz="457200" rtl="0" eaLnBrk="1" latinLnBrk="0" hangingPunct="1">
+              <a:spcBef>
+                <a:spcPct val="20000"/>
+              </a:spcBef>
+              <a:spcAft>
+                <a:spcPts val="600"/>
+              </a:spcAft>
+              <a:buClr>
+                <a:schemeClr val="accent1"/>
+              </a:buClr>
+              <a:buSzPct val="92000"/>
+              <a:buFont typeface="Wingdings 2" panose="05020102010507070707" pitchFamily="18" charset="2"/>
+              <a:buChar char=""/>
+              <a:defRPr sz="1800" kern="1200">
+                <a:solidFill>
+                  <a:schemeClr val="tx1">
+                    <a:lumMod val="75000"/>
+                    <a:lumOff val="25000"/>
+                  </a:schemeClr>
+                </a:solidFill>
+                <a:latin typeface="+mn-lt"/>
+                <a:ea typeface="+mn-ea"/>
+                <a:cs typeface="+mn-cs"/>
+              </a:defRPr>
+            </a:lvl1pPr>
+            <a:lvl2pPr marL="630000" indent="-306000" algn="l" defTabSz="457200" rtl="0" eaLnBrk="1" latinLnBrk="0" hangingPunct="1">
+              <a:spcBef>
+                <a:spcPct val="20000"/>
+              </a:spcBef>
+              <a:spcAft>
+                <a:spcPts val="600"/>
+              </a:spcAft>
+              <a:buClr>
+                <a:schemeClr val="accent1"/>
+              </a:buClr>
+              <a:buSzPct val="92000"/>
+              <a:buFont typeface="Wingdings 2" panose="05020102010507070707" pitchFamily="18" charset="2"/>
+              <a:buChar char=""/>
+              <a:defRPr sz="1600" kern="1200">
+                <a:solidFill>
+                  <a:schemeClr val="tx1">
+                    <a:lumMod val="75000"/>
+                    <a:lumOff val="25000"/>
+                  </a:schemeClr>
+                </a:solidFill>
+                <a:latin typeface="+mn-lt"/>
+                <a:ea typeface="+mn-ea"/>
+                <a:cs typeface="+mn-cs"/>
+              </a:defRPr>
+            </a:lvl2pPr>
+            <a:lvl3pPr marL="900000" indent="-270000" algn="l" defTabSz="457200" rtl="0" eaLnBrk="1" latinLnBrk="0" hangingPunct="1">
+              <a:spcBef>
+                <a:spcPct val="20000"/>
+              </a:spcBef>
+              <a:spcAft>
+                <a:spcPts val="600"/>
+              </a:spcAft>
+              <a:buClr>
+                <a:schemeClr val="accent1"/>
+              </a:buClr>
+              <a:buSzPct val="92000"/>
+              <a:buFont typeface="Wingdings 2" panose="05020102010507070707" pitchFamily="18" charset="2"/>
+              <a:buChar char=""/>
+              <a:defRPr sz="1400" kern="1200">
+                <a:solidFill>
+                  <a:schemeClr val="tx1">
+                    <a:lumMod val="75000"/>
+                    <a:lumOff val="25000"/>
+                  </a:schemeClr>
+                </a:solidFill>
+                <a:latin typeface="+mn-lt"/>
+                <a:ea typeface="+mn-ea"/>
+                <a:cs typeface="+mn-cs"/>
+              </a:defRPr>
+            </a:lvl3pPr>
+            <a:lvl4pPr marL="1242000" indent="-234000" algn="l" defTabSz="457200" rtl="0" eaLnBrk="1" latinLnBrk="0" hangingPunct="1">
+              <a:spcBef>
+                <a:spcPct val="20000"/>
+              </a:spcBef>
+              <a:spcAft>
+                <a:spcPts val="600"/>
+              </a:spcAft>
+              <a:buClr>
+                <a:schemeClr val="accent1"/>
+              </a:buClr>
+              <a:buSzPct val="92000"/>
+              <a:buFont typeface="Wingdings 2" panose="05020102010507070707" pitchFamily="18" charset="2"/>
+              <a:buChar char=""/>
+              <a:defRPr sz="1200" kern="1200">
+                <a:solidFill>
+                  <a:schemeClr val="tx1">
+                    <a:lumMod val="75000"/>
+                    <a:lumOff val="25000"/>
+                  </a:schemeClr>
+                </a:solidFill>
+                <a:latin typeface="+mn-lt"/>
+                <a:ea typeface="+mn-ea"/>
+                <a:cs typeface="+mn-cs"/>
+              </a:defRPr>
+            </a:lvl4pPr>
+            <a:lvl5pPr marL="1602000" indent="-234000" algn="l" defTabSz="457200" rtl="0" eaLnBrk="1" latinLnBrk="0" hangingPunct="1">
+              <a:spcBef>
+                <a:spcPct val="20000"/>
+              </a:spcBef>
+              <a:spcAft>
+                <a:spcPts val="600"/>
+              </a:spcAft>
+              <a:buClr>
+                <a:schemeClr val="accent1"/>
+              </a:buClr>
+              <a:buSzPct val="92000"/>
+              <a:buFont typeface="Wingdings 2" panose="05020102010507070707" pitchFamily="18" charset="2"/>
+              <a:buChar char=""/>
+              <a:defRPr sz="1200" kern="1200">
+                <a:solidFill>
+                  <a:schemeClr val="tx1">
+                    <a:lumMod val="75000"/>
+                    <a:lumOff val="25000"/>
+                  </a:schemeClr>
+                </a:solidFill>
+                <a:latin typeface="+mn-lt"/>
+                <a:ea typeface="+mn-ea"/>
+                <a:cs typeface="+mn-cs"/>
+              </a:defRPr>
+            </a:lvl5pPr>
+            <a:lvl6pPr marL="1900000" indent="-228600" algn="l" defTabSz="457200" rtl="0" eaLnBrk="1" latinLnBrk="0" hangingPunct="1">
+              <a:spcBef>
+                <a:spcPct val="20000"/>
+              </a:spcBef>
+              <a:spcAft>
+                <a:spcPts val="600"/>
+              </a:spcAft>
+              <a:buClr>
+                <a:schemeClr val="accent2"/>
+              </a:buClr>
+              <a:buSzPct val="92000"/>
+              <a:buFont typeface="Wingdings 2" panose="05020102010507070707" pitchFamily="18" charset="2"/>
+              <a:buChar char=""/>
+              <a:defRPr sz="1200" kern="1200">
+                <a:solidFill>
+                  <a:schemeClr val="tx2"/>
+                </a:solidFill>
+                <a:latin typeface="+mn-lt"/>
+                <a:ea typeface="+mn-ea"/>
+                <a:cs typeface="+mn-cs"/>
+              </a:defRPr>
+            </a:lvl6pPr>
+            <a:lvl7pPr marL="2200000" indent="-228600" algn="l" defTabSz="457200" rtl="0" eaLnBrk="1" latinLnBrk="0" hangingPunct="1">
+              <a:spcBef>
+                <a:spcPct val="20000"/>
+              </a:spcBef>
+              <a:spcAft>
+                <a:spcPts val="600"/>
+              </a:spcAft>
+              <a:buClr>
+                <a:schemeClr val="accent2"/>
+              </a:buClr>
+              <a:buSzPct val="92000"/>
+              <a:buFont typeface="Wingdings 2" panose="05020102010507070707" pitchFamily="18" charset="2"/>
+              <a:buChar char=""/>
+              <a:defRPr sz="1200" kern="1200">
+                <a:solidFill>
+                  <a:schemeClr val="tx2"/>
+                </a:solidFill>
+                <a:latin typeface="+mn-lt"/>
+                <a:ea typeface="+mn-ea"/>
+                <a:cs typeface="+mn-cs"/>
+              </a:defRPr>
+            </a:lvl7pPr>
+            <a:lvl8pPr marL="2500000" indent="-228600" algn="l" defTabSz="457200" rtl="0" eaLnBrk="1" latinLnBrk="0" hangingPunct="1">
+              <a:spcBef>
+                <a:spcPct val="20000"/>
+              </a:spcBef>
+              <a:spcAft>
+                <a:spcPts val="600"/>
+              </a:spcAft>
+              <a:buClr>
+                <a:schemeClr val="accent2"/>
+              </a:buClr>
+              <a:buSzPct val="92000"/>
+              <a:buFont typeface="Wingdings 2" panose="05020102010507070707" pitchFamily="18" charset="2"/>
+              <a:buChar char=""/>
+              <a:defRPr sz="1200" kern="1200">
+                <a:solidFill>
+                  <a:schemeClr val="tx2"/>
+                </a:solidFill>
+                <a:latin typeface="+mn-lt"/>
+                <a:ea typeface="+mn-ea"/>
+                <a:cs typeface="+mn-cs"/>
+              </a:defRPr>
+            </a:lvl8pPr>
+            <a:lvl9pPr marL="2800000" indent="-228600" algn="l" defTabSz="457200" rtl="0" eaLnBrk="1" latinLnBrk="0" hangingPunct="1">
+              <a:spcBef>
+                <a:spcPct val="20000"/>
+              </a:spcBef>
+              <a:spcAft>
+                <a:spcPts val="600"/>
+              </a:spcAft>
+              <a:buClr>
+                <a:schemeClr val="accent2"/>
+              </a:buClr>
+              <a:buSzPct val="92000"/>
+              <a:buFont typeface="Wingdings 2" panose="05020102010507070707" pitchFamily="18" charset="2"/>
+              <a:buChar char=""/>
+              <a:defRPr sz="1200" kern="1200">
+                <a:solidFill>
+                  <a:schemeClr val="tx2"/>
+                </a:solidFill>
+                <a:latin typeface="+mn-lt"/>
+                <a:ea typeface="+mn-ea"/>
+                <a:cs typeface="+mn-cs"/>
+              </a:defRPr>
+            </a:lvl9pPr>
+          </a:lstStyle>
+          <a:p>
+            <a:pPr marL="0" indent="0">
+              <a:buNone/>
+            </a:pPr>
+            <a:r>
+              <a:rPr lang="en-ID" dirty="0" err="1"/>
+              <a:t>Adalah</a:t>
+            </a:r>
+            <a:r>
+              <a:rPr lang="en-ID" dirty="0"/>
               <a:t> </a:t>
             </a:r>
             <a:r>
-              <a:rPr lang="en-US" dirty="0" err="1"/>
-              <a:t>umum</a:t>
-            </a:r>
-            <a:r>
-              <a:rPr lang="en-US" dirty="0"/>
+              <a:rPr lang="en-ID" dirty="0" err="1"/>
+              <a:t>sistem</a:t>
+            </a:r>
+            <a:r>
+              <a:rPr lang="en-ID" dirty="0"/>
               <a:t> </a:t>
             </a:r>
             <a:r>
-              <a:rPr lang="en-US" dirty="0" err="1"/>
-              <a:t>pkl</a:t>
-            </a:r>
+              <a:rPr lang="en-ID" dirty="0" err="1"/>
+              <a:t>pelayanan</a:t>
+            </a:r>
+            <a:r>
+              <a:rPr lang="en-ID" dirty="0"/>
+              <a:t> </a:t>
+            </a:r>
+            <a:r>
+              <a:rPr lang="en-ID" dirty="0" err="1"/>
+              <a:t>limbah</a:t>
+            </a:r>
+            <a:r>
+              <a:rPr lang="en-ID" dirty="0"/>
+              <a:t> </a:t>
+            </a:r>
+            <a:r>
+              <a:rPr lang="en-ID" dirty="0" err="1"/>
+              <a:t>domestik</a:t>
+            </a:r>
+            <a:r>
+              <a:rPr lang="en-ID" dirty="0"/>
+              <a:t> </a:t>
+            </a:r>
+            <a:r>
+              <a:rPr lang="en-ID" dirty="0" err="1"/>
+              <a:t>berbasis</a:t>
+            </a:r>
+            <a:r>
+              <a:rPr lang="en-ID" dirty="0"/>
+              <a:t> android dan </a:t>
+            </a:r>
+            <a:r>
+              <a:rPr lang="en-ID" dirty="0" err="1"/>
+              <a:t>ios</a:t>
+            </a:r>
+            <a:r>
+              <a:rPr lang="en-ID" dirty="0"/>
+              <a:t>. </a:t>
+            </a:r>
+          </a:p>
+          <a:p>
+            <a:pPr marL="0" indent="0">
+              <a:buNone/>
+            </a:pPr>
+            <a:r>
+              <a:rPr lang="en-ID" dirty="0" err="1"/>
+              <a:t>Tujuan</a:t>
+            </a:r>
+            <a:r>
+              <a:rPr lang="en-ID" dirty="0"/>
+              <a:t> </a:t>
+            </a:r>
+            <a:r>
+              <a:rPr lang="en-ID" dirty="0" err="1"/>
+              <a:t>aplikasi</a:t>
+            </a:r>
+            <a:r>
+              <a:rPr lang="en-ID" dirty="0"/>
+              <a:t> </a:t>
+            </a:r>
+            <a:r>
+              <a:rPr lang="en-ID" dirty="0" err="1"/>
+              <a:t>ini</a:t>
+            </a:r>
+            <a:r>
+              <a:rPr lang="en-ID" dirty="0"/>
+              <a:t> </a:t>
+            </a:r>
+            <a:r>
+              <a:rPr lang="en-ID" dirty="0" err="1"/>
+              <a:t>adalah</a:t>
+            </a:r>
+            <a:r>
+              <a:rPr lang="en-ID" dirty="0"/>
+              <a:t> </a:t>
+            </a:r>
+            <a:r>
+              <a:rPr lang="en-ID" dirty="0" err="1"/>
+              <a:t>untuk</a:t>
+            </a:r>
+            <a:r>
+              <a:rPr lang="en-ID" dirty="0"/>
+              <a:t> </a:t>
+            </a:r>
+            <a:r>
+              <a:rPr lang="en-ID" dirty="0" err="1"/>
+              <a:t>mempermudah</a:t>
+            </a:r>
+            <a:r>
+              <a:rPr lang="en-ID" dirty="0"/>
+              <a:t> </a:t>
+            </a:r>
+            <a:r>
+              <a:rPr lang="en-ID" dirty="0" err="1"/>
+              <a:t>pelayanan</a:t>
+            </a:r>
+            <a:r>
+              <a:rPr lang="en-ID" dirty="0"/>
+              <a:t> </a:t>
+            </a:r>
+            <a:r>
+              <a:rPr lang="en-ID" dirty="0" err="1"/>
+              <a:t>bagi</a:t>
+            </a:r>
+            <a:r>
+              <a:rPr lang="en-ID" dirty="0"/>
+              <a:t> </a:t>
+            </a:r>
+            <a:r>
+              <a:rPr lang="en-ID" dirty="0" err="1"/>
+              <a:t>konsumen</a:t>
+            </a:r>
+            <a:r>
+              <a:rPr lang="en-ID" dirty="0"/>
+              <a:t>, </a:t>
+            </a:r>
+            <a:r>
+              <a:rPr lang="en-ID" dirty="0" err="1"/>
+              <a:t>mitra</a:t>
+            </a:r>
+            <a:r>
+              <a:rPr lang="en-ID" dirty="0"/>
+              <a:t>, </a:t>
+            </a:r>
+            <a:r>
+              <a:rPr lang="en-ID" dirty="0" err="1"/>
+              <a:t>pelaksana</a:t>
+            </a:r>
+            <a:r>
+              <a:rPr lang="en-ID" dirty="0"/>
+              <a:t> dan </a:t>
+            </a:r>
+            <a:r>
+              <a:rPr lang="en-ID" dirty="0" err="1"/>
+              <a:t>pengelolan</a:t>
+            </a:r>
+            <a:r>
+              <a:rPr lang="en-ID" dirty="0"/>
+              <a:t> </a:t>
+            </a:r>
+            <a:r>
+              <a:rPr lang="en-ID" dirty="0" err="1"/>
+              <a:t>pelayanan</a:t>
+            </a:r>
+            <a:r>
+              <a:rPr lang="en-ID" dirty="0"/>
+              <a:t> </a:t>
+            </a:r>
+            <a:r>
+              <a:rPr lang="en-ID" dirty="0" err="1"/>
+              <a:t>pengolahan</a:t>
+            </a:r>
+            <a:r>
+              <a:rPr lang="en-ID" dirty="0"/>
+              <a:t> </a:t>
+            </a:r>
+            <a:r>
+              <a:rPr lang="en-ID" dirty="0" err="1"/>
+              <a:t>limbah</a:t>
+            </a:r>
+            <a:r>
+              <a:rPr lang="en-ID" dirty="0"/>
+              <a:t> </a:t>
+            </a:r>
+            <a:r>
+              <a:rPr lang="en-ID" dirty="0" err="1"/>
+              <a:t>domestik</a:t>
+            </a:r>
+            <a:r>
+              <a:rPr lang="en-ID" dirty="0"/>
+              <a:t>.</a:t>
+            </a:r>
+          </a:p>
+          <a:p>
+            <a:pPr marL="0" indent="0">
+              <a:buNone/>
+            </a:pPr>
             <a:endParaRPr lang="en-ID" dirty="0"/>
           </a:p>
         </p:txBody>
       </p:sp>
-      <p:graphicFrame>
-        <p:nvGraphicFramePr>
-          <p:cNvPr id="4" name="Content Placeholder 3">
-            <a:extLst>
-              <a:ext uri="{FF2B5EF4-FFF2-40B4-BE49-F238E27FC236}">
-                <a16:creationId xmlns:a16="http://schemas.microsoft.com/office/drawing/2014/main" id="{532C2156-17D0-4C22-AF9B-CBA6DB75023E}"/>
-              </a:ext>
-            </a:extLst>
-          </p:cNvPr>
-          <p:cNvGraphicFramePr>
-            <a:graphicFrameLocks noGrp="1"/>
-          </p:cNvGraphicFramePr>
-          <p:nvPr>
-            <p:ph idx="1"/>
-            <p:extLst>
-              <p:ext uri="{D42A27DB-BD31-4B8C-83A1-F6EECF244321}">
-                <p14:modId xmlns:p14="http://schemas.microsoft.com/office/powerpoint/2010/main" val="1858804571"/>
-              </p:ext>
-            </p:extLst>
-          </p:nvPr>
-        </p:nvGraphicFramePr>
-        <p:xfrm>
-          <a:off x="581025" y="1890713"/>
-          <a:ext cx="11029950" cy="4084637"/>
-        </p:xfrm>
-        <a:graphic>
-          <a:graphicData uri="http://schemas.openxmlformats.org/drawingml/2006/diagram">
-            <dgm:relIds xmlns:dgm="http://schemas.openxmlformats.org/drawingml/2006/diagram" xmlns:r="http://schemas.openxmlformats.org/officeDocument/2006/relationships" r:dm="rId2" r:lo="rId3" r:qs="rId4" r:cs="rId5"/>
-          </a:graphicData>
-        </a:graphic>
-      </p:graphicFrame>
     </p:spTree>
     <p:extLst>
       <p:ext uri="{BB962C8B-B14F-4D97-AF65-F5344CB8AC3E}">
-        <p14:creationId xmlns:p14="http://schemas.microsoft.com/office/powerpoint/2010/main" val="809919190"/>
+        <p14:creationId xmlns:p14="http://schemas.microsoft.com/office/powerpoint/2010/main" val="1053144450"/>
       </p:ext>
     </p:extLst>
   </p:cSld>
@@ -14986,16 +12837,8 @@
           <a:lstStyle/>
           <a:p>
             <a:r>
-              <a:rPr lang="en-US" dirty="0" err="1"/>
-              <a:t>Kegiatan</a:t>
-            </a:r>
-            <a:r>
               <a:rPr lang="en-US" dirty="0"/>
-              <a:t> </a:t>
-            </a:r>
-            <a:r>
-              <a:rPr lang="en-US" dirty="0" err="1"/>
-              <a:t>khusus</a:t>
+              <a:t>Task android developer</a:t>
             </a:r>
             <a:endParaRPr lang="en-ID" dirty="0"/>
           </a:p>
@@ -15838,926 +13681,6 @@
           <a:chExt cx="0" cy="0"/>
         </a:xfrm>
       </p:grpSpPr>
-      <p:pic>
-        <p:nvPicPr>
-          <p:cNvPr id="6" name="Content Placeholder 5">
-            <a:extLst>
-              <a:ext uri="{FF2B5EF4-FFF2-40B4-BE49-F238E27FC236}">
-                <a16:creationId xmlns:a16="http://schemas.microsoft.com/office/drawing/2014/main" id="{BAD94886-4C7C-40F5-9C73-0CC560D78E95}"/>
-              </a:ext>
-            </a:extLst>
-          </p:cNvPr>
-          <p:cNvPicPr>
-            <a:picLocks noGrp="1" noChangeAspect="1"/>
-          </p:cNvPicPr>
-          <p:nvPr>
-            <p:ph sz="half" idx="1"/>
-          </p:nvPr>
-        </p:nvPicPr>
-        <p:blipFill>
-          <a:blip r:embed="rId2"/>
-          <a:stretch>
-            <a:fillRect/>
-          </a:stretch>
-        </p:blipFill>
-        <p:spPr>
-          <a:xfrm>
-            <a:off x="1875393" y="1956391"/>
-            <a:ext cx="1524003" cy="1481331"/>
-          </a:xfrm>
-        </p:spPr>
-      </p:pic>
-      <p:sp>
-        <p:nvSpPr>
-          <p:cNvPr id="3" name="Content Placeholder 2">
-            <a:extLst>
-              <a:ext uri="{FF2B5EF4-FFF2-40B4-BE49-F238E27FC236}">
-                <a16:creationId xmlns:a16="http://schemas.microsoft.com/office/drawing/2014/main" id="{9A1D7F71-2815-4D6B-A05A-E76568779DC6}"/>
-              </a:ext>
-            </a:extLst>
-          </p:cNvPr>
-          <p:cNvSpPr>
-            <a:spLocks noGrp="1"/>
-          </p:cNvSpPr>
-          <p:nvPr>
-            <p:ph sz="half" idx="2"/>
-          </p:nvPr>
-        </p:nvSpPr>
-        <p:spPr/>
-        <p:txBody>
-          <a:bodyPr/>
-          <a:lstStyle/>
-          <a:p>
-            <a:r>
-              <a:rPr lang="en-ID" dirty="0" err="1"/>
-              <a:t>Manfaatnya</a:t>
-            </a:r>
-            <a:r>
-              <a:rPr lang="en-ID" dirty="0"/>
-              <a:t> </a:t>
-            </a:r>
-            <a:r>
-              <a:rPr lang="en-ID" dirty="0" err="1"/>
-              <a:t>antara</a:t>
-            </a:r>
-            <a:r>
-              <a:rPr lang="en-ID" dirty="0"/>
-              <a:t> lain : </a:t>
-            </a:r>
-          </a:p>
-          <a:p>
-            <a:pPr lvl="1"/>
-            <a:r>
-              <a:rPr lang="en-ID" dirty="0"/>
-              <a:t>Masyarakat </a:t>
-            </a:r>
-            <a:r>
-              <a:rPr lang="en-ID" dirty="0" err="1"/>
-              <a:t>atau</a:t>
-            </a:r>
-            <a:r>
-              <a:rPr lang="en-ID" dirty="0"/>
-              <a:t> </a:t>
-            </a:r>
-            <a:r>
-              <a:rPr lang="en-ID" dirty="0" err="1"/>
-              <a:t>konsumen</a:t>
-            </a:r>
-            <a:r>
-              <a:rPr lang="en-ID" dirty="0"/>
-              <a:t> </a:t>
-            </a:r>
-            <a:r>
-              <a:rPr lang="en-ID" dirty="0" err="1"/>
-              <a:t>dapat</a:t>
-            </a:r>
-            <a:r>
-              <a:rPr lang="en-ID" dirty="0"/>
-              <a:t> </a:t>
-            </a:r>
-            <a:r>
-              <a:rPr lang="en-ID" dirty="0" err="1"/>
-              <a:t>memesan</a:t>
-            </a:r>
-            <a:r>
-              <a:rPr lang="en-ID" dirty="0"/>
-              <a:t> , </a:t>
-            </a:r>
-            <a:r>
-              <a:rPr lang="en-ID" dirty="0" err="1"/>
-              <a:t>memonitor</a:t>
-            </a:r>
-            <a:r>
-              <a:rPr lang="en-ID" dirty="0"/>
-              <a:t> progress, </a:t>
-            </a:r>
-            <a:r>
-              <a:rPr lang="en-ID" dirty="0" err="1"/>
-              <a:t>sampai</a:t>
-            </a:r>
-            <a:r>
-              <a:rPr lang="en-ID" dirty="0"/>
-              <a:t> </a:t>
-            </a:r>
-            <a:r>
-              <a:rPr lang="en-ID" dirty="0" err="1"/>
-              <a:t>membayar</a:t>
-            </a:r>
-            <a:r>
-              <a:rPr lang="en-ID" dirty="0"/>
-              <a:t> </a:t>
-            </a:r>
-            <a:r>
-              <a:rPr lang="en-ID" dirty="0" err="1"/>
-              <a:t>layanan</a:t>
-            </a:r>
-            <a:r>
-              <a:rPr lang="en-ID" dirty="0"/>
-              <a:t> </a:t>
-            </a:r>
-            <a:r>
-              <a:rPr lang="en-ID" dirty="0" err="1"/>
-              <a:t>secara</a:t>
-            </a:r>
-            <a:r>
-              <a:rPr lang="en-ID" dirty="0"/>
-              <a:t> online.</a:t>
-            </a:r>
-          </a:p>
-          <a:p>
-            <a:pPr lvl="1"/>
-            <a:r>
-              <a:rPr lang="en-ID" dirty="0"/>
-              <a:t>Mitra </a:t>
-            </a:r>
-            <a:r>
-              <a:rPr lang="en-ID" dirty="0" err="1"/>
-              <a:t>bisa</a:t>
-            </a:r>
-            <a:r>
-              <a:rPr lang="en-ID" dirty="0"/>
-              <a:t> </a:t>
-            </a:r>
-            <a:r>
-              <a:rPr lang="en-ID" dirty="0" err="1"/>
-              <a:t>mendapatkan</a:t>
-            </a:r>
-            <a:r>
-              <a:rPr lang="en-ID" dirty="0"/>
-              <a:t> order dan </a:t>
-            </a:r>
-            <a:r>
-              <a:rPr lang="en-ID" dirty="0" err="1"/>
-              <a:t>melakukan</a:t>
-            </a:r>
-            <a:r>
-              <a:rPr lang="en-ID" dirty="0"/>
-              <a:t> </a:t>
-            </a:r>
-            <a:r>
-              <a:rPr lang="en-ID" dirty="0" err="1"/>
-              <a:t>pembayaran</a:t>
-            </a:r>
-            <a:r>
-              <a:rPr lang="en-ID" dirty="0"/>
-              <a:t> </a:t>
-            </a:r>
-            <a:r>
-              <a:rPr lang="en-ID" dirty="0" err="1"/>
-              <a:t>layanan</a:t>
-            </a:r>
-            <a:r>
-              <a:rPr lang="en-ID" dirty="0"/>
-              <a:t> </a:t>
-            </a:r>
-            <a:r>
-              <a:rPr lang="en-ID" dirty="0" err="1"/>
-              <a:t>secara</a:t>
-            </a:r>
-            <a:r>
-              <a:rPr lang="en-ID" dirty="0"/>
-              <a:t> online.</a:t>
-            </a:r>
-          </a:p>
-          <a:p>
-            <a:pPr lvl="1"/>
-            <a:r>
-              <a:rPr lang="en-ID" dirty="0" err="1"/>
-              <a:t>Pengelola</a:t>
-            </a:r>
-            <a:r>
-              <a:rPr lang="en-ID" dirty="0"/>
-              <a:t> </a:t>
-            </a:r>
-            <a:r>
-              <a:rPr lang="en-ID" dirty="0" err="1"/>
-              <a:t>layanan</a:t>
-            </a:r>
-            <a:r>
-              <a:rPr lang="en-ID" dirty="0"/>
-              <a:t> </a:t>
-            </a:r>
-            <a:r>
-              <a:rPr lang="en-ID" dirty="0" err="1"/>
-              <a:t>dapat</a:t>
-            </a:r>
-            <a:r>
-              <a:rPr lang="en-ID" dirty="0"/>
-              <a:t> </a:t>
-            </a:r>
-            <a:r>
-              <a:rPr lang="en-ID" dirty="0" err="1"/>
-              <a:t>memperoleh</a:t>
-            </a:r>
-            <a:r>
-              <a:rPr lang="en-ID" dirty="0"/>
-              <a:t> </a:t>
-            </a:r>
-            <a:r>
-              <a:rPr lang="en-ID" dirty="0" err="1"/>
-              <a:t>permintaan</a:t>
-            </a:r>
-            <a:r>
-              <a:rPr lang="en-ID" dirty="0"/>
-              <a:t> </a:t>
-            </a:r>
-            <a:r>
-              <a:rPr lang="en-ID" dirty="0" err="1"/>
-              <a:t>layanan</a:t>
-            </a:r>
-            <a:r>
-              <a:rPr lang="en-ID" dirty="0"/>
-              <a:t> </a:t>
-            </a:r>
-            <a:r>
-              <a:rPr lang="en-ID" dirty="0" err="1"/>
-              <a:t>dari</a:t>
-            </a:r>
-            <a:r>
-              <a:rPr lang="en-ID" dirty="0"/>
-              <a:t> </a:t>
-            </a:r>
-            <a:r>
-              <a:rPr lang="en-ID" dirty="0" err="1"/>
-              <a:t>masyarakat</a:t>
-            </a:r>
-            <a:r>
-              <a:rPr lang="en-ID" dirty="0"/>
-              <a:t> dan </a:t>
-            </a:r>
-            <a:r>
-              <a:rPr lang="en-ID" dirty="0" err="1"/>
-              <a:t>mitra</a:t>
-            </a:r>
-            <a:r>
-              <a:rPr lang="en-ID" dirty="0"/>
-              <a:t> </a:t>
-            </a:r>
-            <a:r>
-              <a:rPr lang="en-ID" dirty="0" err="1"/>
-              <a:t>secara</a:t>
-            </a:r>
-            <a:r>
-              <a:rPr lang="en-ID" dirty="0"/>
-              <a:t> online, </a:t>
-            </a:r>
-          </a:p>
-          <a:p>
-            <a:pPr lvl="1"/>
-            <a:r>
-              <a:rPr lang="en-ID" dirty="0" err="1"/>
-              <a:t>Pengelola</a:t>
-            </a:r>
-            <a:r>
-              <a:rPr lang="en-ID" dirty="0"/>
-              <a:t> </a:t>
-            </a:r>
-            <a:r>
-              <a:rPr lang="en-ID" dirty="0" err="1"/>
-              <a:t>layanan</a:t>
-            </a:r>
-            <a:r>
-              <a:rPr lang="en-ID" dirty="0"/>
-              <a:t> </a:t>
-            </a:r>
-            <a:r>
-              <a:rPr lang="en-ID" dirty="0" err="1"/>
-              <a:t>dapat</a:t>
-            </a:r>
-            <a:r>
-              <a:rPr lang="en-ID" dirty="0"/>
-              <a:t> </a:t>
-            </a:r>
-            <a:r>
-              <a:rPr lang="en-ID" dirty="0" err="1"/>
-              <a:t>mendistribusikan</a:t>
-            </a:r>
-            <a:r>
-              <a:rPr lang="en-ID" dirty="0"/>
-              <a:t> </a:t>
-            </a:r>
-            <a:r>
-              <a:rPr lang="en-ID" dirty="0" err="1"/>
-              <a:t>permintaan</a:t>
-            </a:r>
-            <a:r>
-              <a:rPr lang="en-ID" dirty="0"/>
-              <a:t> </a:t>
-            </a:r>
-            <a:r>
-              <a:rPr lang="en-ID" dirty="0" err="1"/>
-              <a:t>ke</a:t>
-            </a:r>
-            <a:r>
-              <a:rPr lang="en-ID" dirty="0"/>
-              <a:t> </a:t>
-            </a:r>
-            <a:r>
-              <a:rPr lang="en-ID" dirty="0" err="1"/>
-              <a:t>mitra</a:t>
-            </a:r>
-            <a:r>
-              <a:rPr lang="en-ID" dirty="0"/>
-              <a:t> </a:t>
-            </a:r>
-            <a:r>
-              <a:rPr lang="en-ID" dirty="0" err="1"/>
-              <a:t>dengan</a:t>
-            </a:r>
-            <a:r>
-              <a:rPr lang="en-ID" dirty="0"/>
-              <a:t> </a:t>
-            </a:r>
-            <a:r>
-              <a:rPr lang="en-ID" dirty="0" err="1"/>
-              <a:t>cepat</a:t>
-            </a:r>
-            <a:r>
-              <a:rPr lang="en-ID" dirty="0"/>
-              <a:t> , </a:t>
-            </a:r>
-            <a:r>
-              <a:rPr lang="en-ID" dirty="0" err="1"/>
-              <a:t>memonitor</a:t>
-            </a:r>
-            <a:r>
-              <a:rPr lang="en-ID" dirty="0"/>
-              <a:t> progress </a:t>
-            </a:r>
-            <a:r>
-              <a:rPr lang="en-ID" dirty="0" err="1"/>
-              <a:t>layanan</a:t>
-            </a:r>
-            <a:r>
-              <a:rPr lang="en-ID" dirty="0"/>
-              <a:t> , dan </a:t>
-            </a:r>
-            <a:r>
-              <a:rPr lang="en-ID" dirty="0" err="1"/>
-              <a:t>mendapatkan</a:t>
-            </a:r>
-            <a:r>
-              <a:rPr lang="en-ID" dirty="0"/>
-              <a:t> </a:t>
-            </a:r>
-            <a:r>
-              <a:rPr lang="en-ID" dirty="0" err="1"/>
-              <a:t>informasi</a:t>
-            </a:r>
-            <a:r>
-              <a:rPr lang="en-ID" dirty="0"/>
-              <a:t> </a:t>
-            </a:r>
-            <a:r>
-              <a:rPr lang="en-ID" dirty="0" err="1"/>
-              <a:t>pembayaran</a:t>
-            </a:r>
-            <a:r>
-              <a:rPr lang="en-ID" dirty="0"/>
-              <a:t> </a:t>
-            </a:r>
-            <a:r>
-              <a:rPr lang="en-ID" dirty="0" err="1"/>
-              <a:t>secara</a:t>
-            </a:r>
-            <a:r>
-              <a:rPr lang="en-ID" dirty="0"/>
-              <a:t> real time. </a:t>
-            </a:r>
-          </a:p>
-        </p:txBody>
-      </p:sp>
-      <p:sp>
-        <p:nvSpPr>
-          <p:cNvPr id="4" name="Title 3">
-            <a:extLst>
-              <a:ext uri="{FF2B5EF4-FFF2-40B4-BE49-F238E27FC236}">
-                <a16:creationId xmlns:a16="http://schemas.microsoft.com/office/drawing/2014/main" id="{A6E6C6AF-C7A7-48B3-A379-29E58AA4A740}"/>
-              </a:ext>
-            </a:extLst>
-          </p:cNvPr>
-          <p:cNvSpPr>
-            <a:spLocks noGrp="1"/>
-          </p:cNvSpPr>
-          <p:nvPr>
-            <p:ph type="title"/>
-          </p:nvPr>
-        </p:nvSpPr>
-        <p:spPr/>
-        <p:txBody>
-          <a:bodyPr/>
-          <a:lstStyle/>
-          <a:p>
-            <a:r>
-              <a:rPr lang="en-US" dirty="0" err="1"/>
-              <a:t>Aplikasi</a:t>
-            </a:r>
-            <a:r>
-              <a:rPr lang="en-US" dirty="0"/>
-              <a:t> b-</a:t>
-            </a:r>
-            <a:r>
-              <a:rPr lang="en-US" dirty="0" err="1"/>
-              <a:t>septik</a:t>
-            </a:r>
-            <a:endParaRPr lang="en-ID" dirty="0"/>
-          </a:p>
-        </p:txBody>
-      </p:sp>
-      <p:sp>
-        <p:nvSpPr>
-          <p:cNvPr id="7" name="Content Placeholder 2">
-            <a:extLst>
-              <a:ext uri="{FF2B5EF4-FFF2-40B4-BE49-F238E27FC236}">
-                <a16:creationId xmlns:a16="http://schemas.microsoft.com/office/drawing/2014/main" id="{66645950-870A-4D1F-BB03-F8E5DDF9F7D0}"/>
-              </a:ext>
-            </a:extLst>
-          </p:cNvPr>
-          <p:cNvSpPr txBox="1">
-            <a:spLocks/>
-          </p:cNvSpPr>
-          <p:nvPr/>
-        </p:nvSpPr>
-        <p:spPr>
-          <a:xfrm>
-            <a:off x="581191" y="3645567"/>
-            <a:ext cx="4112408" cy="2778347"/>
-          </a:xfrm>
-          <a:prstGeom prst="rect">
-            <a:avLst/>
-          </a:prstGeom>
-        </p:spPr>
-        <p:txBody>
-          <a:bodyPr vert="horz" lIns="91440" tIns="45720" rIns="91440" bIns="45720" rtlCol="0" anchor="t">
-            <a:normAutofit/>
-          </a:bodyPr>
-          <a:lstStyle>
-            <a:lvl1pPr marL="306000" indent="-306000" algn="l" defTabSz="457200" rtl="0" eaLnBrk="1" latinLnBrk="0" hangingPunct="1">
-              <a:spcBef>
-                <a:spcPct val="20000"/>
-              </a:spcBef>
-              <a:spcAft>
-                <a:spcPts val="600"/>
-              </a:spcAft>
-              <a:buClr>
-                <a:schemeClr val="accent1"/>
-              </a:buClr>
-              <a:buSzPct val="92000"/>
-              <a:buFont typeface="Wingdings 2" panose="05020102010507070707" pitchFamily="18" charset="2"/>
-              <a:buChar char=""/>
-              <a:defRPr sz="1800" kern="1200">
-                <a:solidFill>
-                  <a:schemeClr val="tx1">
-                    <a:lumMod val="75000"/>
-                    <a:lumOff val="25000"/>
-                  </a:schemeClr>
-                </a:solidFill>
-                <a:latin typeface="+mn-lt"/>
-                <a:ea typeface="+mn-ea"/>
-                <a:cs typeface="+mn-cs"/>
-              </a:defRPr>
-            </a:lvl1pPr>
-            <a:lvl2pPr marL="630000" indent="-306000" algn="l" defTabSz="457200" rtl="0" eaLnBrk="1" latinLnBrk="0" hangingPunct="1">
-              <a:spcBef>
-                <a:spcPct val="20000"/>
-              </a:spcBef>
-              <a:spcAft>
-                <a:spcPts val="600"/>
-              </a:spcAft>
-              <a:buClr>
-                <a:schemeClr val="accent1"/>
-              </a:buClr>
-              <a:buSzPct val="92000"/>
-              <a:buFont typeface="Wingdings 2" panose="05020102010507070707" pitchFamily="18" charset="2"/>
-              <a:buChar char=""/>
-              <a:defRPr sz="1600" kern="1200">
-                <a:solidFill>
-                  <a:schemeClr val="tx1">
-                    <a:lumMod val="75000"/>
-                    <a:lumOff val="25000"/>
-                  </a:schemeClr>
-                </a:solidFill>
-                <a:latin typeface="+mn-lt"/>
-                <a:ea typeface="+mn-ea"/>
-                <a:cs typeface="+mn-cs"/>
-              </a:defRPr>
-            </a:lvl2pPr>
-            <a:lvl3pPr marL="900000" indent="-270000" algn="l" defTabSz="457200" rtl="0" eaLnBrk="1" latinLnBrk="0" hangingPunct="1">
-              <a:spcBef>
-                <a:spcPct val="20000"/>
-              </a:spcBef>
-              <a:spcAft>
-                <a:spcPts val="600"/>
-              </a:spcAft>
-              <a:buClr>
-                <a:schemeClr val="accent1"/>
-              </a:buClr>
-              <a:buSzPct val="92000"/>
-              <a:buFont typeface="Wingdings 2" panose="05020102010507070707" pitchFamily="18" charset="2"/>
-              <a:buChar char=""/>
-              <a:defRPr sz="1400" kern="1200">
-                <a:solidFill>
-                  <a:schemeClr val="tx1">
-                    <a:lumMod val="75000"/>
-                    <a:lumOff val="25000"/>
-                  </a:schemeClr>
-                </a:solidFill>
-                <a:latin typeface="+mn-lt"/>
-                <a:ea typeface="+mn-ea"/>
-                <a:cs typeface="+mn-cs"/>
-              </a:defRPr>
-            </a:lvl3pPr>
-            <a:lvl4pPr marL="1242000" indent="-234000" algn="l" defTabSz="457200" rtl="0" eaLnBrk="1" latinLnBrk="0" hangingPunct="1">
-              <a:spcBef>
-                <a:spcPct val="20000"/>
-              </a:spcBef>
-              <a:spcAft>
-                <a:spcPts val="600"/>
-              </a:spcAft>
-              <a:buClr>
-                <a:schemeClr val="accent1"/>
-              </a:buClr>
-              <a:buSzPct val="92000"/>
-              <a:buFont typeface="Wingdings 2" panose="05020102010507070707" pitchFamily="18" charset="2"/>
-              <a:buChar char=""/>
-              <a:defRPr sz="1200" kern="1200">
-                <a:solidFill>
-                  <a:schemeClr val="tx1">
-                    <a:lumMod val="75000"/>
-                    <a:lumOff val="25000"/>
-                  </a:schemeClr>
-                </a:solidFill>
-                <a:latin typeface="+mn-lt"/>
-                <a:ea typeface="+mn-ea"/>
-                <a:cs typeface="+mn-cs"/>
-              </a:defRPr>
-            </a:lvl4pPr>
-            <a:lvl5pPr marL="1602000" indent="-234000" algn="l" defTabSz="457200" rtl="0" eaLnBrk="1" latinLnBrk="0" hangingPunct="1">
-              <a:spcBef>
-                <a:spcPct val="20000"/>
-              </a:spcBef>
-              <a:spcAft>
-                <a:spcPts val="600"/>
-              </a:spcAft>
-              <a:buClr>
-                <a:schemeClr val="accent1"/>
-              </a:buClr>
-              <a:buSzPct val="92000"/>
-              <a:buFont typeface="Wingdings 2" panose="05020102010507070707" pitchFamily="18" charset="2"/>
-              <a:buChar char=""/>
-              <a:defRPr sz="1200" kern="1200">
-                <a:solidFill>
-                  <a:schemeClr val="tx1">
-                    <a:lumMod val="75000"/>
-                    <a:lumOff val="25000"/>
-                  </a:schemeClr>
-                </a:solidFill>
-                <a:latin typeface="+mn-lt"/>
-                <a:ea typeface="+mn-ea"/>
-                <a:cs typeface="+mn-cs"/>
-              </a:defRPr>
-            </a:lvl5pPr>
-            <a:lvl6pPr marL="1900000" indent="-228600" algn="l" defTabSz="457200" rtl="0" eaLnBrk="1" latinLnBrk="0" hangingPunct="1">
-              <a:spcBef>
-                <a:spcPct val="20000"/>
-              </a:spcBef>
-              <a:spcAft>
-                <a:spcPts val="600"/>
-              </a:spcAft>
-              <a:buClr>
-                <a:schemeClr val="accent2"/>
-              </a:buClr>
-              <a:buSzPct val="92000"/>
-              <a:buFont typeface="Wingdings 2" panose="05020102010507070707" pitchFamily="18" charset="2"/>
-              <a:buChar char=""/>
-              <a:defRPr sz="1200" kern="1200">
-                <a:solidFill>
-                  <a:schemeClr val="tx2"/>
-                </a:solidFill>
-                <a:latin typeface="+mn-lt"/>
-                <a:ea typeface="+mn-ea"/>
-                <a:cs typeface="+mn-cs"/>
-              </a:defRPr>
-            </a:lvl6pPr>
-            <a:lvl7pPr marL="2200000" indent="-228600" algn="l" defTabSz="457200" rtl="0" eaLnBrk="1" latinLnBrk="0" hangingPunct="1">
-              <a:spcBef>
-                <a:spcPct val="20000"/>
-              </a:spcBef>
-              <a:spcAft>
-                <a:spcPts val="600"/>
-              </a:spcAft>
-              <a:buClr>
-                <a:schemeClr val="accent2"/>
-              </a:buClr>
-              <a:buSzPct val="92000"/>
-              <a:buFont typeface="Wingdings 2" panose="05020102010507070707" pitchFamily="18" charset="2"/>
-              <a:buChar char=""/>
-              <a:defRPr sz="1200" kern="1200">
-                <a:solidFill>
-                  <a:schemeClr val="tx2"/>
-                </a:solidFill>
-                <a:latin typeface="+mn-lt"/>
-                <a:ea typeface="+mn-ea"/>
-                <a:cs typeface="+mn-cs"/>
-              </a:defRPr>
-            </a:lvl7pPr>
-            <a:lvl8pPr marL="2500000" indent="-228600" algn="l" defTabSz="457200" rtl="0" eaLnBrk="1" latinLnBrk="0" hangingPunct="1">
-              <a:spcBef>
-                <a:spcPct val="20000"/>
-              </a:spcBef>
-              <a:spcAft>
-                <a:spcPts val="600"/>
-              </a:spcAft>
-              <a:buClr>
-                <a:schemeClr val="accent2"/>
-              </a:buClr>
-              <a:buSzPct val="92000"/>
-              <a:buFont typeface="Wingdings 2" panose="05020102010507070707" pitchFamily="18" charset="2"/>
-              <a:buChar char=""/>
-              <a:defRPr sz="1200" kern="1200">
-                <a:solidFill>
-                  <a:schemeClr val="tx2"/>
-                </a:solidFill>
-                <a:latin typeface="+mn-lt"/>
-                <a:ea typeface="+mn-ea"/>
-                <a:cs typeface="+mn-cs"/>
-              </a:defRPr>
-            </a:lvl8pPr>
-            <a:lvl9pPr marL="2800000" indent="-228600" algn="l" defTabSz="457200" rtl="0" eaLnBrk="1" latinLnBrk="0" hangingPunct="1">
-              <a:spcBef>
-                <a:spcPct val="20000"/>
-              </a:spcBef>
-              <a:spcAft>
-                <a:spcPts val="600"/>
-              </a:spcAft>
-              <a:buClr>
-                <a:schemeClr val="accent2"/>
-              </a:buClr>
-              <a:buSzPct val="92000"/>
-              <a:buFont typeface="Wingdings 2" panose="05020102010507070707" pitchFamily="18" charset="2"/>
-              <a:buChar char=""/>
-              <a:defRPr sz="1200" kern="1200">
-                <a:solidFill>
-                  <a:schemeClr val="tx2"/>
-                </a:solidFill>
-                <a:latin typeface="+mn-lt"/>
-                <a:ea typeface="+mn-ea"/>
-                <a:cs typeface="+mn-cs"/>
-              </a:defRPr>
-            </a:lvl9pPr>
-          </a:lstStyle>
-          <a:p>
-            <a:pPr marL="0" indent="0">
-              <a:buNone/>
-            </a:pPr>
-            <a:r>
-              <a:rPr lang="en-ID" dirty="0" err="1"/>
-              <a:t>Adalah</a:t>
-            </a:r>
-            <a:r>
-              <a:rPr lang="en-ID" dirty="0"/>
-              <a:t> </a:t>
-            </a:r>
-            <a:r>
-              <a:rPr lang="en-ID" dirty="0" err="1"/>
-              <a:t>sistem</a:t>
-            </a:r>
-            <a:r>
-              <a:rPr lang="en-ID" dirty="0"/>
-              <a:t> </a:t>
-            </a:r>
-            <a:r>
-              <a:rPr lang="en-ID" dirty="0" err="1"/>
-              <a:t>pelayanan</a:t>
-            </a:r>
-            <a:r>
-              <a:rPr lang="en-ID" dirty="0"/>
-              <a:t> </a:t>
-            </a:r>
-            <a:r>
-              <a:rPr lang="en-ID" dirty="0" err="1"/>
-              <a:t>limbah</a:t>
-            </a:r>
-            <a:r>
-              <a:rPr lang="en-ID" dirty="0"/>
-              <a:t> </a:t>
-            </a:r>
-            <a:r>
-              <a:rPr lang="en-ID" dirty="0" err="1"/>
-              <a:t>domestik</a:t>
-            </a:r>
-            <a:r>
-              <a:rPr lang="en-ID" dirty="0"/>
-              <a:t> </a:t>
-            </a:r>
-            <a:r>
-              <a:rPr lang="en-ID" dirty="0" err="1"/>
-              <a:t>berbasis</a:t>
-            </a:r>
-            <a:r>
-              <a:rPr lang="en-ID" dirty="0"/>
-              <a:t> android dan </a:t>
-            </a:r>
-            <a:r>
-              <a:rPr lang="en-ID" dirty="0" err="1"/>
-              <a:t>ios</a:t>
-            </a:r>
-            <a:r>
-              <a:rPr lang="en-ID" dirty="0"/>
-              <a:t>. </a:t>
-            </a:r>
-          </a:p>
-          <a:p>
-            <a:pPr marL="0" indent="0">
-              <a:buNone/>
-            </a:pPr>
-            <a:r>
-              <a:rPr lang="en-ID" dirty="0" err="1"/>
-              <a:t>Tujuan</a:t>
-            </a:r>
-            <a:r>
-              <a:rPr lang="en-ID" dirty="0"/>
-              <a:t> </a:t>
-            </a:r>
-            <a:r>
-              <a:rPr lang="en-ID" dirty="0" err="1"/>
-              <a:t>aplikasi</a:t>
-            </a:r>
-            <a:r>
-              <a:rPr lang="en-ID" dirty="0"/>
-              <a:t> </a:t>
-            </a:r>
-            <a:r>
-              <a:rPr lang="en-ID" dirty="0" err="1"/>
-              <a:t>ini</a:t>
-            </a:r>
-            <a:r>
-              <a:rPr lang="en-ID" dirty="0"/>
-              <a:t> </a:t>
-            </a:r>
-            <a:r>
-              <a:rPr lang="en-ID" dirty="0" err="1"/>
-              <a:t>adalah</a:t>
-            </a:r>
-            <a:r>
-              <a:rPr lang="en-ID" dirty="0"/>
-              <a:t> </a:t>
-            </a:r>
-            <a:r>
-              <a:rPr lang="en-ID" dirty="0" err="1"/>
-              <a:t>untuk</a:t>
-            </a:r>
-            <a:r>
-              <a:rPr lang="en-ID" dirty="0"/>
-              <a:t> </a:t>
-            </a:r>
-            <a:r>
-              <a:rPr lang="en-ID" dirty="0" err="1"/>
-              <a:t>mempermudah</a:t>
-            </a:r>
-            <a:r>
-              <a:rPr lang="en-ID" dirty="0"/>
-              <a:t> </a:t>
-            </a:r>
-            <a:r>
-              <a:rPr lang="en-ID" dirty="0" err="1"/>
-              <a:t>pelayanan</a:t>
-            </a:r>
-            <a:r>
-              <a:rPr lang="en-ID" dirty="0"/>
-              <a:t> </a:t>
-            </a:r>
-            <a:r>
-              <a:rPr lang="en-ID" dirty="0" err="1"/>
-              <a:t>bagi</a:t>
-            </a:r>
-            <a:r>
-              <a:rPr lang="en-ID" dirty="0"/>
-              <a:t> </a:t>
-            </a:r>
-            <a:r>
-              <a:rPr lang="en-ID" dirty="0" err="1"/>
-              <a:t>konsumen</a:t>
-            </a:r>
-            <a:r>
-              <a:rPr lang="en-ID" dirty="0"/>
-              <a:t>, </a:t>
-            </a:r>
-            <a:r>
-              <a:rPr lang="en-ID" dirty="0" err="1"/>
-              <a:t>mitra</a:t>
-            </a:r>
-            <a:r>
-              <a:rPr lang="en-ID" dirty="0"/>
-              <a:t>, </a:t>
-            </a:r>
-            <a:r>
-              <a:rPr lang="en-ID" dirty="0" err="1"/>
-              <a:t>pelaksana</a:t>
-            </a:r>
-            <a:r>
-              <a:rPr lang="en-ID" dirty="0"/>
-              <a:t> dan </a:t>
-            </a:r>
-            <a:r>
-              <a:rPr lang="en-ID" dirty="0" err="1"/>
-              <a:t>pengelolan</a:t>
-            </a:r>
-            <a:r>
-              <a:rPr lang="en-ID" dirty="0"/>
-              <a:t> </a:t>
-            </a:r>
-            <a:r>
-              <a:rPr lang="en-ID" dirty="0" err="1"/>
-              <a:t>pelayanan</a:t>
-            </a:r>
-            <a:r>
-              <a:rPr lang="en-ID" dirty="0"/>
-              <a:t> </a:t>
-            </a:r>
-            <a:r>
-              <a:rPr lang="en-ID" dirty="0" err="1"/>
-              <a:t>pengolahan</a:t>
-            </a:r>
-            <a:r>
-              <a:rPr lang="en-ID" dirty="0"/>
-              <a:t> </a:t>
-            </a:r>
-            <a:r>
-              <a:rPr lang="en-ID" dirty="0" err="1"/>
-              <a:t>limbah</a:t>
-            </a:r>
-            <a:r>
-              <a:rPr lang="en-ID" dirty="0"/>
-              <a:t> </a:t>
-            </a:r>
-            <a:r>
-              <a:rPr lang="en-ID" dirty="0" err="1"/>
-              <a:t>domestik</a:t>
-            </a:r>
-            <a:r>
-              <a:rPr lang="en-ID" dirty="0"/>
-              <a:t>.</a:t>
-            </a:r>
-          </a:p>
-          <a:p>
-            <a:pPr marL="0" indent="0">
-              <a:buNone/>
-            </a:pPr>
-            <a:endParaRPr lang="en-ID" dirty="0"/>
-          </a:p>
-        </p:txBody>
-      </p:sp>
-    </p:spTree>
-    <p:extLst>
-      <p:ext uri="{BB962C8B-B14F-4D97-AF65-F5344CB8AC3E}">
-        <p14:creationId xmlns:p14="http://schemas.microsoft.com/office/powerpoint/2010/main" val="1053144450"/>
-      </p:ext>
-    </p:extLst>
-  </p:cSld>
-  <p:clrMapOvr>
-    <a:masterClrMapping/>
-  </p:clrMapOvr>
-</p:sld>
-</file>
-
-<file path=ppt/slides/slide7.xml><?xml version="1.0" encoding="utf-8"?>
-<p:sld xmlns:a="http://schemas.openxmlformats.org/drawingml/2006/main" xmlns:r="http://schemas.openxmlformats.org/officeDocument/2006/relationships" xmlns:p="http://schemas.openxmlformats.org/presentationml/2006/main">
-  <p:cSld>
-    <p:spTree>
-      <p:nvGrpSpPr>
-        <p:cNvPr id="1" name=""/>
-        <p:cNvGrpSpPr/>
-        <p:nvPr/>
-      </p:nvGrpSpPr>
-      <p:grpSpPr>
-        <a:xfrm>
-          <a:off x="0" y="0"/>
-          <a:ext cx="0" cy="0"/>
-          <a:chOff x="0" y="0"/>
-          <a:chExt cx="0" cy="0"/>
-        </a:xfrm>
-      </p:grpSpPr>
       <p:sp>
         <p:nvSpPr>
           <p:cNvPr id="3" name="Title 2">
@@ -16985,7 +13908,7 @@
 </p:sld>
 </file>
 
-<file path=ppt/slides/slide8.xml><?xml version="1.0" encoding="utf-8"?>
+<file path=ppt/slides/slide7.xml><?xml version="1.0" encoding="utf-8"?>
 <p:sld xmlns:a="http://schemas.openxmlformats.org/drawingml/2006/main" xmlns:r="http://schemas.openxmlformats.org/officeDocument/2006/relationships" xmlns:p="http://schemas.openxmlformats.org/presentationml/2006/main">
   <p:cSld>
     <p:spTree>
@@ -17194,7 +14117,7 @@
 </p:sld>
 </file>
 
-<file path=ppt/slides/slide9.xml><?xml version="1.0" encoding="utf-8"?>
+<file path=ppt/slides/slide8.xml><?xml version="1.0" encoding="utf-8"?>
 <p:sld xmlns:a="http://schemas.openxmlformats.org/drawingml/2006/main" xmlns:r="http://schemas.openxmlformats.org/officeDocument/2006/relationships" xmlns:p="http://schemas.openxmlformats.org/presentationml/2006/main">
   <p:cSld>
     <p:spTree>
@@ -17426,6 +14349,282 @@
     <p:extLst>
       <p:ext uri="{BB962C8B-B14F-4D97-AF65-F5344CB8AC3E}">
         <p14:creationId xmlns:p14="http://schemas.microsoft.com/office/powerpoint/2010/main" val="665433359"/>
+      </p:ext>
+    </p:extLst>
+  </p:cSld>
+  <p:clrMapOvr>
+    <a:masterClrMapping/>
+  </p:clrMapOvr>
+</p:sld>
+</file>
+
+<file path=ppt/slides/slide9.xml><?xml version="1.0" encoding="utf-8"?>
+<p:sld xmlns:a="http://schemas.openxmlformats.org/drawingml/2006/main" xmlns:r="http://schemas.openxmlformats.org/officeDocument/2006/relationships" xmlns:p="http://schemas.openxmlformats.org/presentationml/2006/main">
+  <p:cSld>
+    <p:spTree>
+      <p:nvGrpSpPr>
+        <p:cNvPr id="1" name=""/>
+        <p:cNvGrpSpPr/>
+        <p:nvPr/>
+      </p:nvGrpSpPr>
+      <p:grpSpPr>
+        <a:xfrm>
+          <a:off x="0" y="0"/>
+          <a:ext cx="0" cy="0"/>
+          <a:chOff x="0" y="0"/>
+          <a:chExt cx="0" cy="0"/>
+        </a:xfrm>
+      </p:grpSpPr>
+      <p:sp>
+        <p:nvSpPr>
+          <p:cNvPr id="3" name="Title 2">
+            <a:extLst>
+              <a:ext uri="{FF2B5EF4-FFF2-40B4-BE49-F238E27FC236}">
+                <a16:creationId xmlns:a16="http://schemas.microsoft.com/office/drawing/2014/main" id="{F6BF800B-2D91-A844-B4B2-97273E94E563}"/>
+              </a:ext>
+            </a:extLst>
+          </p:cNvPr>
+          <p:cNvSpPr>
+            <a:spLocks noGrp="1"/>
+          </p:cNvSpPr>
+          <p:nvPr>
+            <p:ph type="title"/>
+          </p:nvPr>
+        </p:nvSpPr>
+        <p:spPr/>
+        <p:txBody>
+          <a:bodyPr>
+            <a:normAutofit/>
+          </a:bodyPr>
+          <a:lstStyle/>
+          <a:p>
+            <a:r>
+              <a:rPr lang="en-US" dirty="0"/>
+              <a:t>Fitur Daftar </a:t>
+            </a:r>
+            <a:r>
+              <a:rPr lang="en-US" dirty="0" err="1"/>
+              <a:t>Pesanan</a:t>
+            </a:r>
+            <a:endParaRPr lang="en-US" dirty="0"/>
+          </a:p>
+        </p:txBody>
+      </p:sp>
+      <p:sp>
+        <p:nvSpPr>
+          <p:cNvPr id="4" name="Content Placeholder 3">
+            <a:extLst>
+              <a:ext uri="{FF2B5EF4-FFF2-40B4-BE49-F238E27FC236}">
+                <a16:creationId xmlns:a16="http://schemas.microsoft.com/office/drawing/2014/main" id="{258465F5-4312-2541-8368-01B99B3E9619}"/>
+              </a:ext>
+            </a:extLst>
+          </p:cNvPr>
+          <p:cNvSpPr>
+            <a:spLocks noGrp="1"/>
+          </p:cNvSpPr>
+          <p:nvPr>
+            <p:ph sz="quarter" idx="14"/>
+          </p:nvPr>
+        </p:nvSpPr>
+        <p:spPr/>
+        <p:txBody>
+          <a:bodyPr/>
+          <a:lstStyle/>
+          <a:p>
+            <a:pPr marL="342900" indent="-342900">
+              <a:buFont typeface="+mj-lt"/>
+              <a:buAutoNum type="arabicPeriod"/>
+            </a:pPr>
+            <a:endParaRPr lang="en-US" dirty="0"/>
+          </a:p>
+        </p:txBody>
+      </p:sp>
+      <p:sp>
+        <p:nvSpPr>
+          <p:cNvPr id="16" name="TextBox 15">
+            <a:extLst>
+              <a:ext uri="{FF2B5EF4-FFF2-40B4-BE49-F238E27FC236}">
+                <a16:creationId xmlns:a16="http://schemas.microsoft.com/office/drawing/2014/main" id="{E3F6DAC6-7F78-4B8F-8679-D04D60BBCB94}"/>
+              </a:ext>
+            </a:extLst>
+          </p:cNvPr>
+          <p:cNvSpPr txBox="1"/>
+          <p:nvPr/>
+        </p:nvSpPr>
+        <p:spPr>
+          <a:xfrm>
+            <a:off x="657851" y="5391710"/>
+            <a:ext cx="1117344" cy="369332"/>
+          </a:xfrm>
+          <a:prstGeom prst="rect">
+            <a:avLst/>
+          </a:prstGeom>
+          <a:noFill/>
+        </p:spPr>
+        <p:txBody>
+          <a:bodyPr wrap="square" rtlCol="0">
+            <a:spAutoFit/>
+          </a:bodyPr>
+          <a:lstStyle/>
+          <a:p>
+            <a:pPr algn="ctr"/>
+            <a:r>
+              <a:rPr lang="en-US" dirty="0"/>
+              <a:t>Customer</a:t>
+            </a:r>
+            <a:endParaRPr lang="en-ID" dirty="0"/>
+          </a:p>
+        </p:txBody>
+      </p:sp>
+      <p:sp>
+        <p:nvSpPr>
+          <p:cNvPr id="17" name="TextBox 16">
+            <a:extLst>
+              <a:ext uri="{FF2B5EF4-FFF2-40B4-BE49-F238E27FC236}">
+                <a16:creationId xmlns:a16="http://schemas.microsoft.com/office/drawing/2014/main" id="{8AF7402C-6C43-42E4-9C2B-D20C74B90995}"/>
+              </a:ext>
+            </a:extLst>
+          </p:cNvPr>
+          <p:cNvSpPr txBox="1"/>
+          <p:nvPr/>
+        </p:nvSpPr>
+        <p:spPr>
+          <a:xfrm>
+            <a:off x="2994008" y="5391710"/>
+            <a:ext cx="805052" cy="369332"/>
+          </a:xfrm>
+          <a:prstGeom prst="rect">
+            <a:avLst/>
+          </a:prstGeom>
+          <a:noFill/>
+        </p:spPr>
+        <p:txBody>
+          <a:bodyPr wrap="square" rtlCol="0">
+            <a:spAutoFit/>
+          </a:bodyPr>
+          <a:lstStyle/>
+          <a:p>
+            <a:pPr algn="ctr"/>
+            <a:r>
+              <a:rPr lang="en-US" dirty="0"/>
+              <a:t>Driver</a:t>
+            </a:r>
+            <a:endParaRPr lang="en-ID" dirty="0"/>
+          </a:p>
+        </p:txBody>
+      </p:sp>
+      <p:pic>
+        <p:nvPicPr>
+          <p:cNvPr id="8" name="Picture 7">
+            <a:extLst>
+              <a:ext uri="{FF2B5EF4-FFF2-40B4-BE49-F238E27FC236}">
+                <a16:creationId xmlns:a16="http://schemas.microsoft.com/office/drawing/2014/main" id="{AAC55765-3FD7-412F-808C-51249DD9BC73}"/>
+              </a:ext>
+            </a:extLst>
+          </p:cNvPr>
+          <p:cNvPicPr/>
+          <p:nvPr/>
+        </p:nvPicPr>
+        <p:blipFill>
+          <a:blip r:embed="rId2" cstate="print">
+            <a:extLst>
+              <a:ext uri="{28A0092B-C50C-407E-A947-70E740481C1C}">
+                <a14:useLocalDpi xmlns:a14="http://schemas.microsoft.com/office/drawing/2010/main" val="0"/>
+              </a:ext>
+            </a:extLst>
+          </a:blip>
+          <a:srcRect/>
+          <a:stretch>
+            <a:fillRect/>
+          </a:stretch>
+        </p:blipFill>
+        <p:spPr bwMode="auto">
+          <a:xfrm>
+            <a:off x="117001" y="702156"/>
+            <a:ext cx="2186742" cy="4689554"/>
+          </a:xfrm>
+          <a:prstGeom prst="rect">
+            <a:avLst/>
+          </a:prstGeom>
+          <a:noFill/>
+          <a:ln>
+            <a:noFill/>
+          </a:ln>
+        </p:spPr>
+      </p:pic>
+      <p:pic>
+        <p:nvPicPr>
+          <p:cNvPr id="11" name="Picture 10">
+            <a:extLst>
+              <a:ext uri="{FF2B5EF4-FFF2-40B4-BE49-F238E27FC236}">
+                <a16:creationId xmlns:a16="http://schemas.microsoft.com/office/drawing/2014/main" id="{2ED994F8-7CAE-4872-9956-97BE02A00212}"/>
+              </a:ext>
+            </a:extLst>
+          </p:cNvPr>
+          <p:cNvPicPr/>
+          <p:nvPr/>
+        </p:nvPicPr>
+        <p:blipFill>
+          <a:blip r:embed="rId3" cstate="print">
+            <a:extLst>
+              <a:ext uri="{28A0092B-C50C-407E-A947-70E740481C1C}">
+                <a14:useLocalDpi xmlns:a14="http://schemas.microsoft.com/office/drawing/2010/main" val="0"/>
+              </a:ext>
+            </a:extLst>
+          </a:blip>
+          <a:srcRect/>
+          <a:stretch>
+            <a:fillRect/>
+          </a:stretch>
+        </p:blipFill>
+        <p:spPr bwMode="auto">
+          <a:xfrm>
+            <a:off x="2303743" y="702156"/>
+            <a:ext cx="2186350" cy="4689554"/>
+          </a:xfrm>
+          <a:prstGeom prst="rect">
+            <a:avLst/>
+          </a:prstGeom>
+          <a:noFill/>
+          <a:ln>
+            <a:noFill/>
+          </a:ln>
+        </p:spPr>
+      </p:pic>
+      <p:pic>
+        <p:nvPicPr>
+          <p:cNvPr id="5" name="Picture 4">
+            <a:extLst>
+              <a:ext uri="{FF2B5EF4-FFF2-40B4-BE49-F238E27FC236}">
+                <a16:creationId xmlns:a16="http://schemas.microsoft.com/office/drawing/2014/main" id="{684EBD67-42CE-42EF-9128-71A092A05B20}"/>
+              </a:ext>
+            </a:extLst>
+          </p:cNvPr>
+          <p:cNvPicPr>
+            <a:picLocks noChangeAspect="1"/>
+          </p:cNvPicPr>
+          <p:nvPr/>
+        </p:nvPicPr>
+        <p:blipFill>
+          <a:blip r:embed="rId4"/>
+          <a:stretch>
+            <a:fillRect/>
+          </a:stretch>
+        </p:blipFill>
+        <p:spPr>
+          <a:xfrm>
+            <a:off x="4490485" y="4476265"/>
+            <a:ext cx="2186350" cy="2270441"/>
+          </a:xfrm>
+          <a:prstGeom prst="rect">
+            <a:avLst/>
+          </a:prstGeom>
+        </p:spPr>
+      </p:pic>
+    </p:spTree>
+    <p:extLst>
+      <p:ext uri="{BB962C8B-B14F-4D97-AF65-F5344CB8AC3E}">
+        <p14:creationId xmlns:p14="http://schemas.microsoft.com/office/powerpoint/2010/main" val="3643141342"/>
       </p:ext>
     </p:extLst>
   </p:cSld>

--- a/PKL Industri 2020/magang_ppt.pptx
+++ b/PKL Industri 2020/magang_ppt.pptx
@@ -12738,7 +12738,7 @@
             </a:r>
             <a:r>
               <a:rPr lang="en-ID" dirty="0" err="1"/>
-              <a:t>pengelolan</a:t>
+              <a:t>pengelola</a:t>
             </a:r>
             <a:r>
               <a:rPr lang="en-ID" dirty="0"/>

--- a/PKL Industri 2020/magang_ppt.pptx
+++ b/PKL Industri 2020/magang_ppt.pptx
@@ -13244,10 +13244,6 @@
               <a:buFont typeface="Courier New" panose="02070309020205020404" pitchFamily="49" charset="0"/>
               <a:buChar char="o"/>
             </a:pPr>
-            <a:r>
-              <a:rPr lang="en-ID" dirty="0"/>
-              <a:t>Layout </a:t>
-            </a:r>
             <a:r>
               <a:rPr lang="en-ID" dirty="0" err="1"/>
               <a:t>Masuk</a:t>
@@ -15490,21 +15486,21 @@
 </file>
 
 <file path=customXml/item1.xml><?xml version="1.0" encoding="utf-8"?>
+<p:properties xmlns:p="http://schemas.microsoft.com/office/2006/metadata/properties" xmlns:xsi="http://www.w3.org/2001/XMLSchema-instance" xmlns:pc="http://schemas.microsoft.com/office/infopath/2007/PartnerControls">
+  <documentManagement>
+    <Status xmlns="71af3243-3dd4-4a8d-8c0d-dd76da1f02a5">Not started</Status>
+    <MediaServiceKeyPoints xmlns="71af3243-3dd4-4a8d-8c0d-dd76da1f02a5" xsi:nil="true"/>
+  </documentManagement>
+</p:properties>
+</file>
+
+<file path=customXml/item2.xml><?xml version="1.0" encoding="utf-8"?>
 <?mso-contentType ?>
 <FormTemplates xmlns="http://schemas.microsoft.com/sharepoint/v3/contenttype/forms">
   <Display>DocumentLibraryForm</Display>
   <Edit>DocumentLibraryForm</Edit>
   <New>DocumentLibraryForm</New>
 </FormTemplates>
-</file>
-
-<file path=customXml/item2.xml><?xml version="1.0" encoding="utf-8"?>
-<p:properties xmlns:p="http://schemas.microsoft.com/office/2006/metadata/properties" xmlns:xsi="http://www.w3.org/2001/XMLSchema-instance" xmlns:pc="http://schemas.microsoft.com/office/infopath/2007/PartnerControls">
-  <documentManagement>
-    <Status xmlns="71af3243-3dd4-4a8d-8c0d-dd76da1f02a5">Not started</Status>
-    <MediaServiceKeyPoints xmlns="71af3243-3dd4-4a8d-8c0d-dd76da1f02a5" xsi:nil="true"/>
-  </documentManagement>
-</p:properties>
 </file>
 
 <file path=customXml/item3.xml><?xml version="1.0" encoding="utf-8"?>
@@ -15729,19 +15725,19 @@
 </file>
 
 <file path=customXml/itemProps1.xml><?xml version="1.0" encoding="utf-8"?>
-<ds:datastoreItem xmlns:ds="http://schemas.openxmlformats.org/officeDocument/2006/customXml" ds:itemID="{8435A0B9-5F49-415F-9BEE-591FDACE98D1}">
+<ds:datastoreItem xmlns:ds="http://schemas.openxmlformats.org/officeDocument/2006/customXml" ds:itemID="{ADC43B05-D266-4257-98DE-FF9D8CEDAE76}">
   <ds:schemaRefs>
-    <ds:schemaRef ds:uri="http://schemas.microsoft.com/sharepoint/v3/contenttype/forms"/>
+    <ds:schemaRef ds:uri="http://schemas.microsoft.com/office/2006/metadata/properties"/>
+    <ds:schemaRef ds:uri="http://schemas.microsoft.com/office/infopath/2007/PartnerControls"/>
+    <ds:schemaRef ds:uri="71af3243-3dd4-4a8d-8c0d-dd76da1f02a5"/>
   </ds:schemaRefs>
 </ds:datastoreItem>
 </file>
 
 <file path=customXml/itemProps2.xml><?xml version="1.0" encoding="utf-8"?>
-<ds:datastoreItem xmlns:ds="http://schemas.openxmlformats.org/officeDocument/2006/customXml" ds:itemID="{ADC43B05-D266-4257-98DE-FF9D8CEDAE76}">
+<ds:datastoreItem xmlns:ds="http://schemas.openxmlformats.org/officeDocument/2006/customXml" ds:itemID="{8435A0B9-5F49-415F-9BEE-591FDACE98D1}">
   <ds:schemaRefs>
-    <ds:schemaRef ds:uri="http://schemas.microsoft.com/office/2006/metadata/properties"/>
-    <ds:schemaRef ds:uri="http://schemas.microsoft.com/office/infopath/2007/PartnerControls"/>
-    <ds:schemaRef ds:uri="71af3243-3dd4-4a8d-8c0d-dd76da1f02a5"/>
+    <ds:schemaRef ds:uri="http://schemas.microsoft.com/sharepoint/v3/contenttype/forms"/>
   </ds:schemaRefs>
 </ds:datastoreItem>
 </file>

--- a/PKL Industri 2020/magang_ppt.pptx
+++ b/PKL Industri 2020/magang_ppt.pptx
@@ -5,10 +5,10 @@
     <p:sldMasterId id="2147483685" r:id="rId4"/>
   </p:sldMasterIdLst>
   <p:notesMasterIdLst>
-    <p:notesMasterId r:id="rId21"/>
+    <p:notesMasterId r:id="rId20"/>
   </p:notesMasterIdLst>
   <p:handoutMasterIdLst>
-    <p:handoutMasterId r:id="rId22"/>
+    <p:handoutMasterId r:id="rId21"/>
   </p:handoutMasterIdLst>
   <p:sldIdLst>
     <p:sldId id="338" r:id="rId5"/>
@@ -23,10 +23,9 @@
     <p:sldId id="363" r:id="rId14"/>
     <p:sldId id="364" r:id="rId15"/>
     <p:sldId id="365" r:id="rId16"/>
-    <p:sldId id="366" r:id="rId17"/>
-    <p:sldId id="367" r:id="rId18"/>
-    <p:sldId id="368" r:id="rId19"/>
-    <p:sldId id="355" r:id="rId20"/>
+    <p:sldId id="367" r:id="rId17"/>
+    <p:sldId id="368" r:id="rId18"/>
+    <p:sldId id="355" r:id="rId19"/>
   </p:sldIdLst>
   <p:sldSz cx="12192000" cy="6858000"/>
   <p:notesSz cx="6858000" cy="9144000"/>
@@ -8626,235 +8625,6 @@
             <p:ph type="title"/>
           </p:nvPr>
         </p:nvSpPr>
-        <p:spPr>
-          <a:xfrm>
-            <a:off x="6096000" y="332079"/>
-            <a:ext cx="6096000" cy="740156"/>
-          </a:xfrm>
-        </p:spPr>
-        <p:txBody>
-          <a:bodyPr>
-            <a:normAutofit fontScale="90000"/>
-          </a:bodyPr>
-          <a:lstStyle/>
-          <a:p>
-            <a:r>
-              <a:rPr lang="en-US" dirty="0" err="1"/>
-              <a:t>Mulai</a:t>
-            </a:r>
-            <a:r>
-              <a:rPr lang="en-US" dirty="0"/>
-              <a:t> </a:t>
-            </a:r>
-            <a:r>
-              <a:rPr lang="en-US" dirty="0" err="1"/>
-              <a:t>Mengerjakan</a:t>
-            </a:r>
-            <a:r>
-              <a:rPr lang="en-US" dirty="0"/>
-              <a:t> </a:t>
-            </a:r>
-            <a:r>
-              <a:rPr lang="en-US" dirty="0" err="1"/>
-              <a:t>Pesanan</a:t>
-            </a:r>
-            <a:endParaRPr lang="en-US" dirty="0"/>
-          </a:p>
-        </p:txBody>
-      </p:sp>
-      <p:sp>
-        <p:nvSpPr>
-          <p:cNvPr id="4" name="Content Placeholder 3">
-            <a:extLst>
-              <a:ext uri="{FF2B5EF4-FFF2-40B4-BE49-F238E27FC236}">
-                <a16:creationId xmlns:a16="http://schemas.microsoft.com/office/drawing/2014/main" id="{258465F5-4312-2541-8368-01B99B3E9619}"/>
-              </a:ext>
-            </a:extLst>
-          </p:cNvPr>
-          <p:cNvSpPr>
-            <a:spLocks noGrp="1"/>
-          </p:cNvSpPr>
-          <p:nvPr>
-            <p:ph sz="quarter" idx="14"/>
-          </p:nvPr>
-        </p:nvSpPr>
-        <p:spPr/>
-        <p:txBody>
-          <a:bodyPr/>
-          <a:lstStyle/>
-          <a:p>
-            <a:pPr marL="342900" indent="-342900">
-              <a:buFont typeface="+mj-lt"/>
-              <a:buAutoNum type="arabicPeriod"/>
-            </a:pPr>
-            <a:endParaRPr lang="en-US" dirty="0"/>
-          </a:p>
-        </p:txBody>
-      </p:sp>
-      <p:sp>
-        <p:nvSpPr>
-          <p:cNvPr id="16" name="TextBox 15">
-            <a:extLst>
-              <a:ext uri="{FF2B5EF4-FFF2-40B4-BE49-F238E27FC236}">
-                <a16:creationId xmlns:a16="http://schemas.microsoft.com/office/drawing/2014/main" id="{E3F6DAC6-7F78-4B8F-8679-D04D60BBCB94}"/>
-              </a:ext>
-            </a:extLst>
-          </p:cNvPr>
-          <p:cNvSpPr txBox="1"/>
-          <p:nvPr/>
-        </p:nvSpPr>
-        <p:spPr>
-          <a:xfrm>
-            <a:off x="2603139" y="5888729"/>
-            <a:ext cx="767133" cy="369332"/>
-          </a:xfrm>
-          <a:prstGeom prst="rect">
-            <a:avLst/>
-          </a:prstGeom>
-          <a:noFill/>
-        </p:spPr>
-        <p:txBody>
-          <a:bodyPr wrap="none" rtlCol="0">
-            <a:spAutoFit/>
-          </a:bodyPr>
-          <a:lstStyle/>
-          <a:p>
-            <a:pPr algn="ctr"/>
-            <a:r>
-              <a:rPr lang="en-US" dirty="0"/>
-              <a:t>Driver</a:t>
-            </a:r>
-            <a:endParaRPr lang="en-ID" dirty="0"/>
-          </a:p>
-        </p:txBody>
-      </p:sp>
-      <p:pic>
-        <p:nvPicPr>
-          <p:cNvPr id="7" name="Picture 6">
-            <a:extLst>
-              <a:ext uri="{FF2B5EF4-FFF2-40B4-BE49-F238E27FC236}">
-                <a16:creationId xmlns:a16="http://schemas.microsoft.com/office/drawing/2014/main" id="{CF99BE5F-FF3B-43EF-AAE6-9DFD1C79DE29}"/>
-              </a:ext>
-            </a:extLst>
-          </p:cNvPr>
-          <p:cNvPicPr/>
-          <p:nvPr/>
-        </p:nvPicPr>
-        <p:blipFill>
-          <a:blip r:embed="rId2" cstate="print">
-            <a:extLst>
-              <a:ext uri="{28A0092B-C50C-407E-A947-70E740481C1C}">
-                <a14:useLocalDpi xmlns:a14="http://schemas.microsoft.com/office/drawing/2010/main" val="0"/>
-              </a:ext>
-            </a:extLst>
-          </a:blip>
-          <a:srcRect/>
-          <a:stretch>
-            <a:fillRect/>
-          </a:stretch>
-        </p:blipFill>
-        <p:spPr bwMode="auto">
-          <a:xfrm>
-            <a:off x="1865437" y="702157"/>
-            <a:ext cx="2242539" cy="4809952"/>
-          </a:xfrm>
-          <a:prstGeom prst="rect">
-            <a:avLst/>
-          </a:prstGeom>
-          <a:noFill/>
-          <a:ln>
-            <a:noFill/>
-          </a:ln>
-        </p:spPr>
-      </p:pic>
-      <p:pic>
-        <p:nvPicPr>
-          <p:cNvPr id="9" name="Picture 8">
-            <a:extLst>
-              <a:ext uri="{FF2B5EF4-FFF2-40B4-BE49-F238E27FC236}">
-                <a16:creationId xmlns:a16="http://schemas.microsoft.com/office/drawing/2014/main" id="{307BAD4E-3114-4CDE-86D8-F1C21A625EC4}"/>
-              </a:ext>
-            </a:extLst>
-          </p:cNvPr>
-          <p:cNvPicPr/>
-          <p:nvPr/>
-        </p:nvPicPr>
-        <p:blipFill rotWithShape="1">
-          <a:blip r:embed="rId3" cstate="print">
-            <a:extLst>
-              <a:ext uri="{28A0092B-C50C-407E-A947-70E740481C1C}">
-                <a14:useLocalDpi xmlns:a14="http://schemas.microsoft.com/office/drawing/2010/main" val="0"/>
-              </a:ext>
-            </a:extLst>
-          </a:blip>
-          <a:srcRect t="84336"/>
-          <a:stretch/>
-        </p:blipFill>
-        <p:spPr bwMode="auto">
-          <a:xfrm>
-            <a:off x="1865437" y="5135489"/>
-            <a:ext cx="2242539" cy="753240"/>
-          </a:xfrm>
-          <a:prstGeom prst="rect">
-            <a:avLst/>
-          </a:prstGeom>
-          <a:noFill/>
-          <a:ln>
-            <a:noFill/>
-          </a:ln>
-          <a:extLst>
-            <a:ext uri="{53640926-AAD7-44D8-BBD7-CCE9431645EC}">
-              <a14:shadowObscured xmlns:a14="http://schemas.microsoft.com/office/drawing/2010/main"/>
-            </a:ext>
-          </a:extLst>
-        </p:spPr>
-      </p:pic>
-    </p:spTree>
-    <p:extLst>
-      <p:ext uri="{BB962C8B-B14F-4D97-AF65-F5344CB8AC3E}">
-        <p14:creationId xmlns:p14="http://schemas.microsoft.com/office/powerpoint/2010/main" val="3997558715"/>
-      </p:ext>
-    </p:extLst>
-  </p:cSld>
-  <p:clrMapOvr>
-    <a:masterClrMapping/>
-  </p:clrMapOvr>
-</p:sld>
-</file>
-
-<file path=ppt/slides/slide14.xml><?xml version="1.0" encoding="utf-8"?>
-<p:sld xmlns:a="http://schemas.openxmlformats.org/drawingml/2006/main" xmlns:r="http://schemas.openxmlformats.org/officeDocument/2006/relationships" xmlns:p="http://schemas.openxmlformats.org/presentationml/2006/main">
-  <p:cSld>
-    <p:spTree>
-      <p:nvGrpSpPr>
-        <p:cNvPr id="1" name=""/>
-        <p:cNvGrpSpPr/>
-        <p:nvPr/>
-      </p:nvGrpSpPr>
-      <p:grpSpPr>
-        <a:xfrm>
-          <a:off x="0" y="0"/>
-          <a:ext cx="0" cy="0"/>
-          <a:chOff x="0" y="0"/>
-          <a:chExt cx="0" cy="0"/>
-        </a:xfrm>
-      </p:grpSpPr>
-      <p:sp>
-        <p:nvSpPr>
-          <p:cNvPr id="3" name="Title 2">
-            <a:extLst>
-              <a:ext uri="{FF2B5EF4-FFF2-40B4-BE49-F238E27FC236}">
-                <a16:creationId xmlns:a16="http://schemas.microsoft.com/office/drawing/2014/main" id="{F6BF800B-2D91-A844-B4B2-97273E94E563}"/>
-              </a:ext>
-            </a:extLst>
-          </p:cNvPr>
-          <p:cNvSpPr>
-            <a:spLocks noGrp="1"/>
-          </p:cNvSpPr>
-          <p:nvPr>
-            <p:ph type="title"/>
-          </p:nvPr>
-        </p:nvSpPr>
         <p:spPr/>
         <p:txBody>
           <a:bodyPr>
@@ -9065,7 +8835,7 @@
 </p:sld>
 </file>
 
-<file path=ppt/slides/slide15.xml><?xml version="1.0" encoding="utf-8"?>
+<file path=ppt/slides/slide14.xml><?xml version="1.0" encoding="utf-8"?>
 <p:sld xmlns:a="http://schemas.openxmlformats.org/drawingml/2006/main" xmlns:r="http://schemas.openxmlformats.org/officeDocument/2006/relationships" xmlns:p="http://schemas.openxmlformats.org/presentationml/2006/main">
   <p:cSld>
     <p:spTree>
@@ -9348,7 +9118,7 @@
 </p:sld>
 </file>
 
-<file path=ppt/slides/slide16.xml><?xml version="1.0" encoding="utf-8"?>
+<file path=ppt/slides/slide15.xml><?xml version="1.0" encoding="utf-8"?>
 <p:sld xmlns:a="http://schemas.openxmlformats.org/drawingml/2006/main" xmlns:r="http://schemas.openxmlformats.org/officeDocument/2006/relationships" xmlns:p="http://schemas.openxmlformats.org/presentationml/2006/main">
   <p:cSld>
     <p:spTree>
@@ -13613,36 +13383,6 @@
             <a:r>
               <a:rPr lang="en-ID" dirty="0"/>
               <a:t> (Customer &amp; Driver)</a:t>
-            </a:r>
-          </a:p>
-          <a:p>
-            <a:pPr lvl="1">
-              <a:buFont typeface="Courier New" panose="02070309020205020404" pitchFamily="49" charset="0"/>
-              <a:buChar char="o"/>
-            </a:pPr>
-            <a:r>
-              <a:rPr lang="en-ID" dirty="0" err="1"/>
-              <a:t>Mulai</a:t>
-            </a:r>
-            <a:r>
-              <a:rPr lang="en-ID" dirty="0"/>
-              <a:t> </a:t>
-            </a:r>
-            <a:r>
-              <a:rPr lang="en-ID" dirty="0" err="1"/>
-              <a:t>Mengerjakan</a:t>
-            </a:r>
-            <a:r>
-              <a:rPr lang="en-ID" dirty="0"/>
-              <a:t> </a:t>
-            </a:r>
-            <a:r>
-              <a:rPr lang="en-ID" dirty="0" err="1"/>
-              <a:t>Pesanan</a:t>
-            </a:r>
-            <a:r>
-              <a:rPr lang="en-ID" dirty="0"/>
-              <a:t> (Driver)</a:t>
             </a:r>
           </a:p>
         </p:txBody>

--- a/PKL Industri 2020/magang_ppt.pptx
+++ b/PKL Industri 2020/magang_ppt.pptx
@@ -5,10 +5,10 @@
     <p:sldMasterId id="2147483685" r:id="rId4"/>
   </p:sldMasterIdLst>
   <p:notesMasterIdLst>
-    <p:notesMasterId r:id="rId20"/>
+    <p:notesMasterId r:id="rId21"/>
   </p:notesMasterIdLst>
   <p:handoutMasterIdLst>
-    <p:handoutMasterId r:id="rId21"/>
+    <p:handoutMasterId r:id="rId22"/>
   </p:handoutMasterIdLst>
   <p:sldIdLst>
     <p:sldId id="338" r:id="rId5"/>
@@ -16,16 +16,17 @@
     <p:sldId id="333" r:id="rId7"/>
     <p:sldId id="357" r:id="rId8"/>
     <p:sldId id="354" r:id="rId9"/>
-    <p:sldId id="339" r:id="rId10"/>
-    <p:sldId id="358" r:id="rId11"/>
-    <p:sldId id="361" r:id="rId12"/>
-    <p:sldId id="362" r:id="rId13"/>
-    <p:sldId id="363" r:id="rId14"/>
-    <p:sldId id="364" r:id="rId15"/>
-    <p:sldId id="365" r:id="rId16"/>
-    <p:sldId id="367" r:id="rId17"/>
-    <p:sldId id="368" r:id="rId18"/>
-    <p:sldId id="355" r:id="rId19"/>
+    <p:sldId id="369" r:id="rId10"/>
+    <p:sldId id="339" r:id="rId11"/>
+    <p:sldId id="358" r:id="rId12"/>
+    <p:sldId id="361" r:id="rId13"/>
+    <p:sldId id="362" r:id="rId14"/>
+    <p:sldId id="363" r:id="rId15"/>
+    <p:sldId id="364" r:id="rId16"/>
+    <p:sldId id="365" r:id="rId17"/>
+    <p:sldId id="367" r:id="rId18"/>
+    <p:sldId id="368" r:id="rId19"/>
+    <p:sldId id="355" r:id="rId20"/>
   </p:sldIdLst>
   <p:sldSz cx="12192000" cy="6858000"/>
   <p:notesSz cx="6858000" cy="9144000"/>
@@ -229,7 +230,7 @@
           <a:p>
             <a:fld id="{BB37BDEB-D08A-4BCC-82C3-65677B6346BB}" type="datetimeFigureOut">
               <a:rPr lang="en-US" smtClean="0"/>
-              <a:t>2/4/2021</a:t>
+              <a:t>2/5/2021</a:t>
             </a:fld>
             <a:endParaRPr lang="en-US"/>
           </a:p>
@@ -406,7 +407,7 @@
           <a:p>
             <a:fld id="{D64182BB-4E27-4552-8EE4-33C8EF731305}" type="datetimeFigureOut">
               <a:rPr lang="en-US" smtClean="0"/>
-              <a:t>2/4/2021</a:t>
+              <a:t>2/5/2021</a:t>
             </a:fld>
             <a:endParaRPr lang="en-US"/>
           </a:p>
@@ -911,7 +912,7 @@
           <a:p>
             <a:fld id="{ED291B17-9318-49DB-B28B-6E5994AE9581}" type="datetime1">
               <a:rPr lang="en-US" smtClean="0"/>
-              <a:t>2/4/2021</a:t>
+              <a:t>2/5/2021</a:t>
             </a:fld>
             <a:endParaRPr lang="en-US" dirty="0"/>
           </a:p>
@@ -1070,7 +1071,7 @@
           <a:p>
             <a:fld id="{4EDE50D6-574B-40AF-946F-D52A04ADE379}" type="datetime1">
               <a:rPr lang="en-US" smtClean="0"/>
-              <a:t>2/4/2021</a:t>
+              <a:t>2/5/2021</a:t>
             </a:fld>
             <a:endParaRPr lang="en-US" dirty="0"/>
           </a:p>
@@ -1482,7 +1483,7 @@
           <a:p>
             <a:fld id="{4EDE50D6-574B-40AF-946F-D52A04ADE379}" type="datetime1">
               <a:rPr lang="en-US" smtClean="0"/>
-              <a:t>2/4/2021</a:t>
+              <a:t>2/5/2021</a:t>
             </a:fld>
             <a:endParaRPr lang="en-US" dirty="0"/>
           </a:p>
@@ -1958,7 +1959,7 @@
           <a:p>
             <a:fld id="{4EDE50D6-574B-40AF-946F-D52A04ADE379}" type="datetime1">
               <a:rPr lang="en-US" smtClean="0"/>
-              <a:t>2/4/2021</a:t>
+              <a:t>2/5/2021</a:t>
             </a:fld>
             <a:endParaRPr lang="en-US" dirty="0"/>
           </a:p>
@@ -2407,7 +2408,7 @@
           <a:p>
             <a:fld id="{4EDE50D6-574B-40AF-946F-D52A04ADE379}" type="datetime1">
               <a:rPr lang="en-US" smtClean="0"/>
-              <a:t>2/4/2021</a:t>
+              <a:t>2/5/2021</a:t>
             </a:fld>
             <a:endParaRPr lang="en-US" dirty="0"/>
           </a:p>
@@ -2639,7 +2640,7 @@
           <a:p>
             <a:fld id="{4EDE50D6-574B-40AF-946F-D52A04ADE379}" type="datetime1">
               <a:rPr lang="en-US" noProof="0" smtClean="0"/>
-              <a:t>2/4/2021</a:t>
+              <a:t>2/5/2021</a:t>
             </a:fld>
             <a:endParaRPr lang="en-US" noProof="0"/>
           </a:p>
@@ -3337,7 +3338,7 @@
           <a:p>
             <a:fld id="{4EDE50D6-574B-40AF-946F-D52A04ADE379}" type="datetime1">
               <a:rPr lang="en-US" noProof="0" smtClean="0"/>
-              <a:t>2/4/2021</a:t>
+              <a:t>2/5/2021</a:t>
             </a:fld>
             <a:endParaRPr lang="en-US" noProof="0"/>
           </a:p>
@@ -3694,7 +3695,7 @@
           <a:p>
             <a:fld id="{4EDE50D6-574B-40AF-946F-D52A04ADE379}" type="datetime1">
               <a:rPr lang="en-US" noProof="0" smtClean="0"/>
-              <a:t>2/4/2021</a:t>
+              <a:t>2/5/2021</a:t>
             </a:fld>
             <a:endParaRPr lang="en-US" noProof="0"/>
           </a:p>
@@ -4256,7 +4257,7 @@
           <a:p>
             <a:fld id="{78DD82B9-B8EE-4375-B6FF-88FA6ABB15D9}" type="datetime1">
               <a:rPr lang="en-US" smtClean="0"/>
-              <a:t>2/4/2021</a:t>
+              <a:t>2/5/2021</a:t>
             </a:fld>
             <a:endParaRPr lang="en-US" dirty="0"/>
           </a:p>
@@ -4604,7 +4605,7 @@
           <a:p>
             <a:fld id="{78DD82B9-B8EE-4375-B6FF-88FA6ABB15D9}" type="datetime1">
               <a:rPr lang="en-US" smtClean="0"/>
-              <a:t>2/4/2021</a:t>
+              <a:t>2/5/2021</a:t>
             </a:fld>
             <a:endParaRPr lang="en-US" dirty="0"/>
           </a:p>
@@ -5007,7 +5008,7 @@
           <a:p>
             <a:fld id="{B2497495-0637-405E-AE64-5CC7506D51F5}" type="datetime1">
               <a:rPr lang="en-US" smtClean="0"/>
-              <a:t>2/4/2021</a:t>
+              <a:t>2/5/2021</a:t>
             </a:fld>
             <a:endParaRPr lang="en-US" dirty="0"/>
           </a:p>
@@ -5300,7 +5301,7 @@
           <a:p>
             <a:fld id="{7BFFD690-9426-415D-8B65-26881E07B2D4}" type="datetime1">
               <a:rPr lang="en-US" smtClean="0"/>
-              <a:t>2/4/2021</a:t>
+              <a:t>2/5/2021</a:t>
             </a:fld>
             <a:endParaRPr lang="en-US" dirty="0"/>
           </a:p>
@@ -5794,7 +5795,7 @@
           <a:p>
             <a:fld id="{04C4989A-474C-40DE-95B9-011C28B71673}" type="datetime1">
               <a:rPr lang="en-US" smtClean="0"/>
-              <a:t>2/4/2021</a:t>
+              <a:t>2/5/2021</a:t>
             </a:fld>
             <a:endParaRPr lang="en-US" dirty="0"/>
           </a:p>
@@ -6098,7 +6099,7 @@
           <a:p>
             <a:fld id="{5DB4ED54-5B5E-4A04-93D3-5772E3CE3818}" type="datetime1">
               <a:rPr lang="en-US" smtClean="0"/>
-              <a:t>2/4/2021</a:t>
+              <a:t>2/5/2021</a:t>
             </a:fld>
             <a:endParaRPr lang="en-US" dirty="0"/>
           </a:p>
@@ -6285,7 +6286,7 @@
           <a:p>
             <a:fld id="{4EDE50D6-574B-40AF-946F-D52A04ADE379}" type="datetime1">
               <a:rPr lang="en-US" smtClean="0"/>
-              <a:t>2/4/2021</a:t>
+              <a:t>2/5/2021</a:t>
             </a:fld>
             <a:endParaRPr lang="en-US" dirty="0"/>
           </a:p>
@@ -6497,7 +6498,7 @@
           <a:p>
             <a:fld id="{4EDE50D6-574B-40AF-946F-D52A04ADE379}" type="datetime1">
               <a:rPr lang="en-US" smtClean="0"/>
-              <a:t>2/4/2021</a:t>
+              <a:t>2/5/2021</a:t>
             </a:fld>
             <a:endParaRPr lang="en-US" dirty="0"/>
           </a:p>
@@ -6929,7 +6930,7 @@
           <a:p>
             <a:fld id="{ED291B17-9318-49DB-B28B-6E5994AE9581}" type="datetime1">
               <a:rPr lang="en-US" smtClean="0"/>
-              <a:t>2/4/2021</a:t>
+              <a:t>2/5/2021</a:t>
             </a:fld>
             <a:endParaRPr lang="en-US" dirty="0"/>
           </a:p>
@@ -7835,8 +7836,13 @@
           <a:p>
             <a:r>
               <a:rPr lang="en-US" dirty="0"/>
-              <a:t>Fitur Riwayat</a:t>
-            </a:r>
+              <a:t>Fitur Daftar </a:t>
+            </a:r>
+            <a:r>
+              <a:rPr lang="en-US" dirty="0" err="1"/>
+              <a:t>Pesanan</a:t>
+            </a:r>
+            <a:endParaRPr lang="en-US" dirty="0"/>
           </a:p>
         </p:txBody>
       </p:sp>
@@ -7858,14 +7864,724 @@
         </p:nvSpPr>
         <p:spPr/>
         <p:txBody>
-          <a:bodyPr/>
+          <a:bodyPr anchor="t"/>
           <a:lstStyle/>
           <a:p>
             <a:pPr marL="342900" indent="-342900">
               <a:buFont typeface="+mj-lt"/>
               <a:buAutoNum type="arabicPeriod"/>
             </a:pPr>
+            <a:r>
+              <a:rPr lang="en-US" dirty="0"/>
+              <a:t>Daftar </a:t>
+            </a:r>
+            <a:r>
+              <a:rPr lang="en-US" dirty="0" err="1"/>
+              <a:t>Pesanan</a:t>
+            </a:r>
+            <a:r>
+              <a:rPr lang="en-US" dirty="0"/>
+              <a:t> </a:t>
+            </a:r>
+            <a:r>
+              <a:rPr lang="en-US" dirty="0" err="1"/>
+              <a:t>ini</a:t>
+            </a:r>
+            <a:r>
+              <a:rPr lang="en-US" dirty="0"/>
+              <a:t> </a:t>
+            </a:r>
+            <a:r>
+              <a:rPr lang="en-US" dirty="0" err="1"/>
+              <a:t>berisikan</a:t>
+            </a:r>
+            <a:r>
+              <a:rPr lang="en-US" dirty="0"/>
+              <a:t> daftar order yang </a:t>
+            </a:r>
+            <a:r>
+              <a:rPr lang="en-US" dirty="0" err="1"/>
+              <a:t>yang</a:t>
+            </a:r>
+            <a:r>
+              <a:rPr lang="en-US" dirty="0"/>
+              <a:t> </a:t>
+            </a:r>
+            <a:r>
+              <a:rPr lang="en-US" dirty="0" err="1"/>
+              <a:t>masih</a:t>
+            </a:r>
+            <a:r>
+              <a:rPr lang="en-US" dirty="0"/>
+              <a:t> </a:t>
+            </a:r>
+            <a:r>
+              <a:rPr lang="en-US" dirty="0" err="1"/>
+              <a:t>dalam</a:t>
+            </a:r>
+            <a:r>
+              <a:rPr lang="en-US" dirty="0"/>
+              <a:t> status ORDER </a:t>
+            </a:r>
+            <a:r>
+              <a:rPr lang="en-US" dirty="0" err="1"/>
+              <a:t>menunggu</a:t>
+            </a:r>
+            <a:r>
+              <a:rPr lang="en-US" dirty="0"/>
+              <a:t> </a:t>
+            </a:r>
+            <a:r>
+              <a:rPr lang="en-US" dirty="0" err="1"/>
+              <a:t>untuk</a:t>
+            </a:r>
+            <a:r>
+              <a:rPr lang="en-US" dirty="0"/>
+              <a:t> </a:t>
+            </a:r>
+            <a:r>
+              <a:rPr lang="en-US" dirty="0" err="1"/>
+              <a:t>dikerjakan,disini</a:t>
+            </a:r>
+            <a:r>
+              <a:rPr lang="en-US" dirty="0"/>
+              <a:t> juga </a:t>
+            </a:r>
+            <a:r>
+              <a:rPr lang="en-US" dirty="0" err="1"/>
+              <a:t>bisa</a:t>
+            </a:r>
+            <a:r>
+              <a:rPr lang="en-US" dirty="0"/>
+              <a:t> </a:t>
+            </a:r>
+            <a:r>
+              <a:rPr lang="en-US" dirty="0" err="1"/>
+              <a:t>melihat</a:t>
+            </a:r>
+            <a:r>
+              <a:rPr lang="en-US" dirty="0"/>
+              <a:t> detail </a:t>
+            </a:r>
+            <a:r>
+              <a:rPr lang="en-US" dirty="0" err="1"/>
+              <a:t>dari</a:t>
+            </a:r>
+            <a:r>
+              <a:rPr lang="en-US" dirty="0"/>
+              <a:t> Daftar </a:t>
+            </a:r>
+            <a:r>
+              <a:rPr lang="en-US" dirty="0" err="1"/>
+              <a:t>Pesanan</a:t>
+            </a:r>
+            <a:r>
+              <a:rPr lang="en-US" dirty="0"/>
+              <a:t> </a:t>
+            </a:r>
+            <a:r>
+              <a:rPr lang="en-US" dirty="0" err="1"/>
+              <a:t>tersebut</a:t>
+            </a:r>
+            <a:r>
+              <a:rPr lang="en-US" dirty="0"/>
+              <a:t>. </a:t>
+            </a:r>
+          </a:p>
+          <a:p>
+            <a:pPr marL="342900" indent="-342900">
+              <a:buFont typeface="+mj-lt"/>
+              <a:buAutoNum type="arabicPeriod"/>
+            </a:pPr>
+            <a:r>
+              <a:rPr lang="en-US" dirty="0"/>
+              <a:t>User juga </a:t>
+            </a:r>
+            <a:r>
+              <a:rPr lang="en-US" dirty="0" err="1"/>
+              <a:t>dapat</a:t>
+            </a:r>
+            <a:r>
+              <a:rPr lang="en-US" dirty="0"/>
+              <a:t> </a:t>
+            </a:r>
+            <a:r>
+              <a:rPr lang="en-US" dirty="0" err="1"/>
+              <a:t>menyaring</a:t>
+            </a:r>
+            <a:r>
+              <a:rPr lang="en-US" dirty="0"/>
+              <a:t> Daftar </a:t>
+            </a:r>
+            <a:r>
+              <a:rPr lang="en-US" dirty="0" err="1"/>
+              <a:t>Pesanan</a:t>
+            </a:r>
+            <a:r>
+              <a:rPr lang="en-US" dirty="0"/>
+              <a:t> </a:t>
+            </a:r>
+            <a:r>
+              <a:rPr lang="en-US" dirty="0" err="1"/>
+              <a:t>berdasarkan</a:t>
+            </a:r>
+            <a:r>
+              <a:rPr lang="en-US" dirty="0"/>
+              <a:t> status </a:t>
+            </a:r>
+            <a:r>
+              <a:rPr lang="en-US" dirty="0" err="1"/>
+              <a:t>dengan</a:t>
+            </a:r>
+            <a:r>
+              <a:rPr lang="en-US" dirty="0"/>
+              <a:t> </a:t>
+            </a:r>
+            <a:r>
+              <a:rPr lang="en-US" dirty="0" err="1"/>
+              <a:t>cara</a:t>
+            </a:r>
+            <a:r>
+              <a:rPr lang="en-US" dirty="0"/>
+              <a:t> </a:t>
+            </a:r>
+            <a:r>
+              <a:rPr lang="en-US" dirty="0" err="1"/>
+              <a:t>mengetuk</a:t>
+            </a:r>
+            <a:r>
+              <a:rPr lang="en-US" dirty="0"/>
+              <a:t> </a:t>
+            </a:r>
+            <a:r>
+              <a:rPr lang="en-US" dirty="0" err="1"/>
+              <a:t>tombol</a:t>
+            </a:r>
+            <a:r>
+              <a:rPr lang="en-US" dirty="0"/>
+              <a:t> </a:t>
+            </a:r>
+            <a:r>
+              <a:rPr lang="en-US" dirty="0" err="1"/>
+              <a:t>dengan</a:t>
+            </a:r>
+            <a:r>
+              <a:rPr lang="en-US" dirty="0"/>
+              <a:t> ikon </a:t>
+            </a:r>
+            <a:r>
+              <a:rPr lang="en-US" dirty="0" err="1"/>
+              <a:t>saringan</a:t>
+            </a:r>
+            <a:r>
+              <a:rPr lang="en-US" dirty="0"/>
+              <a:t> dan </a:t>
+            </a:r>
+            <a:r>
+              <a:rPr lang="en-US" dirty="0" err="1"/>
+              <a:t>memilih</a:t>
+            </a:r>
+            <a:r>
+              <a:rPr lang="en-US" dirty="0"/>
+              <a:t> </a:t>
+            </a:r>
+            <a:r>
+              <a:rPr lang="en-US" dirty="0" err="1"/>
+              <a:t>metode</a:t>
+            </a:r>
+            <a:r>
+              <a:rPr lang="en-US" dirty="0"/>
+              <a:t> </a:t>
+            </a:r>
+            <a:r>
+              <a:rPr lang="en-US" dirty="0" err="1"/>
+              <a:t>penyaringan</a:t>
+            </a:r>
+            <a:r>
+              <a:rPr lang="en-US" dirty="0"/>
+              <a:t> </a:t>
+            </a:r>
+            <a:r>
+              <a:rPr lang="en-US" dirty="0" err="1"/>
+              <a:t>sesuai</a:t>
+            </a:r>
+            <a:r>
+              <a:rPr lang="en-US" dirty="0"/>
+              <a:t> </a:t>
+            </a:r>
+            <a:r>
+              <a:rPr lang="en-US" dirty="0" err="1"/>
+              <a:t>dengan</a:t>
+            </a:r>
+            <a:r>
+              <a:rPr lang="en-US" dirty="0"/>
+              <a:t> </a:t>
+            </a:r>
+            <a:r>
+              <a:rPr lang="en-US" dirty="0" err="1"/>
+              <a:t>keinginan</a:t>
+            </a:r>
             <a:endParaRPr lang="en-US" dirty="0"/>
+          </a:p>
+        </p:txBody>
+      </p:sp>
+      <p:sp>
+        <p:nvSpPr>
+          <p:cNvPr id="16" name="TextBox 15">
+            <a:extLst>
+              <a:ext uri="{FF2B5EF4-FFF2-40B4-BE49-F238E27FC236}">
+                <a16:creationId xmlns:a16="http://schemas.microsoft.com/office/drawing/2014/main" id="{E3F6DAC6-7F78-4B8F-8679-D04D60BBCB94}"/>
+              </a:ext>
+            </a:extLst>
+          </p:cNvPr>
+          <p:cNvSpPr txBox="1"/>
+          <p:nvPr/>
+        </p:nvSpPr>
+        <p:spPr>
+          <a:xfrm>
+            <a:off x="657851" y="5391710"/>
+            <a:ext cx="1117344" cy="369332"/>
+          </a:xfrm>
+          <a:prstGeom prst="rect">
+            <a:avLst/>
+          </a:prstGeom>
+          <a:noFill/>
+        </p:spPr>
+        <p:txBody>
+          <a:bodyPr wrap="square" rtlCol="0">
+            <a:spAutoFit/>
+          </a:bodyPr>
+          <a:lstStyle/>
+          <a:p>
+            <a:pPr algn="ctr"/>
+            <a:r>
+              <a:rPr lang="en-US" dirty="0"/>
+              <a:t>Customer</a:t>
+            </a:r>
+            <a:endParaRPr lang="en-ID" dirty="0"/>
+          </a:p>
+        </p:txBody>
+      </p:sp>
+      <p:sp>
+        <p:nvSpPr>
+          <p:cNvPr id="17" name="TextBox 16">
+            <a:extLst>
+              <a:ext uri="{FF2B5EF4-FFF2-40B4-BE49-F238E27FC236}">
+                <a16:creationId xmlns:a16="http://schemas.microsoft.com/office/drawing/2014/main" id="{8AF7402C-6C43-42E4-9C2B-D20C74B90995}"/>
+              </a:ext>
+            </a:extLst>
+          </p:cNvPr>
+          <p:cNvSpPr txBox="1"/>
+          <p:nvPr/>
+        </p:nvSpPr>
+        <p:spPr>
+          <a:xfrm>
+            <a:off x="2994008" y="5391710"/>
+            <a:ext cx="805052" cy="369332"/>
+          </a:xfrm>
+          <a:prstGeom prst="rect">
+            <a:avLst/>
+          </a:prstGeom>
+          <a:noFill/>
+        </p:spPr>
+        <p:txBody>
+          <a:bodyPr wrap="square" rtlCol="0">
+            <a:spAutoFit/>
+          </a:bodyPr>
+          <a:lstStyle/>
+          <a:p>
+            <a:pPr algn="ctr"/>
+            <a:r>
+              <a:rPr lang="en-US" dirty="0"/>
+              <a:t>Driver</a:t>
+            </a:r>
+            <a:endParaRPr lang="en-ID" dirty="0"/>
+          </a:p>
+        </p:txBody>
+      </p:sp>
+      <p:pic>
+        <p:nvPicPr>
+          <p:cNvPr id="8" name="Picture 7">
+            <a:extLst>
+              <a:ext uri="{FF2B5EF4-FFF2-40B4-BE49-F238E27FC236}">
+                <a16:creationId xmlns:a16="http://schemas.microsoft.com/office/drawing/2014/main" id="{AAC55765-3FD7-412F-808C-51249DD9BC73}"/>
+              </a:ext>
+            </a:extLst>
+          </p:cNvPr>
+          <p:cNvPicPr/>
+          <p:nvPr/>
+        </p:nvPicPr>
+        <p:blipFill>
+          <a:blip r:embed="rId2" cstate="print">
+            <a:extLst>
+              <a:ext uri="{28A0092B-C50C-407E-A947-70E740481C1C}">
+                <a14:useLocalDpi xmlns:a14="http://schemas.microsoft.com/office/drawing/2010/main" val="0"/>
+              </a:ext>
+            </a:extLst>
+          </a:blip>
+          <a:srcRect/>
+          <a:stretch>
+            <a:fillRect/>
+          </a:stretch>
+        </p:blipFill>
+        <p:spPr bwMode="auto">
+          <a:xfrm>
+            <a:off x="117001" y="702156"/>
+            <a:ext cx="2186742" cy="4689554"/>
+          </a:xfrm>
+          <a:prstGeom prst="rect">
+            <a:avLst/>
+          </a:prstGeom>
+          <a:noFill/>
+          <a:ln>
+            <a:noFill/>
+          </a:ln>
+        </p:spPr>
+      </p:pic>
+      <p:pic>
+        <p:nvPicPr>
+          <p:cNvPr id="11" name="Picture 10">
+            <a:extLst>
+              <a:ext uri="{FF2B5EF4-FFF2-40B4-BE49-F238E27FC236}">
+                <a16:creationId xmlns:a16="http://schemas.microsoft.com/office/drawing/2014/main" id="{2ED994F8-7CAE-4872-9956-97BE02A00212}"/>
+              </a:ext>
+            </a:extLst>
+          </p:cNvPr>
+          <p:cNvPicPr/>
+          <p:nvPr/>
+        </p:nvPicPr>
+        <p:blipFill>
+          <a:blip r:embed="rId3" cstate="print">
+            <a:extLst>
+              <a:ext uri="{28A0092B-C50C-407E-A947-70E740481C1C}">
+                <a14:useLocalDpi xmlns:a14="http://schemas.microsoft.com/office/drawing/2010/main" val="0"/>
+              </a:ext>
+            </a:extLst>
+          </a:blip>
+          <a:srcRect/>
+          <a:stretch>
+            <a:fillRect/>
+          </a:stretch>
+        </p:blipFill>
+        <p:spPr bwMode="auto">
+          <a:xfrm>
+            <a:off x="2303743" y="702156"/>
+            <a:ext cx="2186350" cy="4689554"/>
+          </a:xfrm>
+          <a:prstGeom prst="rect">
+            <a:avLst/>
+          </a:prstGeom>
+          <a:noFill/>
+          <a:ln>
+            <a:noFill/>
+          </a:ln>
+        </p:spPr>
+      </p:pic>
+      <p:pic>
+        <p:nvPicPr>
+          <p:cNvPr id="5" name="Picture 4">
+            <a:extLst>
+              <a:ext uri="{FF2B5EF4-FFF2-40B4-BE49-F238E27FC236}">
+                <a16:creationId xmlns:a16="http://schemas.microsoft.com/office/drawing/2014/main" id="{684EBD67-42CE-42EF-9128-71A092A05B20}"/>
+              </a:ext>
+            </a:extLst>
+          </p:cNvPr>
+          <p:cNvPicPr>
+            <a:picLocks noChangeAspect="1"/>
+          </p:cNvPicPr>
+          <p:nvPr/>
+        </p:nvPicPr>
+        <p:blipFill>
+          <a:blip r:embed="rId4"/>
+          <a:stretch>
+            <a:fillRect/>
+          </a:stretch>
+        </p:blipFill>
+        <p:spPr>
+          <a:xfrm>
+            <a:off x="4490485" y="4476265"/>
+            <a:ext cx="2186350" cy="2270441"/>
+          </a:xfrm>
+          <a:prstGeom prst="rect">
+            <a:avLst/>
+          </a:prstGeom>
+        </p:spPr>
+      </p:pic>
+    </p:spTree>
+    <p:extLst>
+      <p:ext uri="{BB962C8B-B14F-4D97-AF65-F5344CB8AC3E}">
+        <p14:creationId xmlns:p14="http://schemas.microsoft.com/office/powerpoint/2010/main" val="3643141342"/>
+      </p:ext>
+    </p:extLst>
+  </p:cSld>
+  <p:clrMapOvr>
+    <a:masterClrMapping/>
+  </p:clrMapOvr>
+</p:sld>
+</file>
+
+<file path=ppt/slides/slide11.xml><?xml version="1.0" encoding="utf-8"?>
+<p:sld xmlns:a="http://schemas.openxmlformats.org/drawingml/2006/main" xmlns:r="http://schemas.openxmlformats.org/officeDocument/2006/relationships" xmlns:p="http://schemas.openxmlformats.org/presentationml/2006/main">
+  <p:cSld>
+    <p:spTree>
+      <p:nvGrpSpPr>
+        <p:cNvPr id="1" name=""/>
+        <p:cNvGrpSpPr/>
+        <p:nvPr/>
+      </p:nvGrpSpPr>
+      <p:grpSpPr>
+        <a:xfrm>
+          <a:off x="0" y="0"/>
+          <a:ext cx="0" cy="0"/>
+          <a:chOff x="0" y="0"/>
+          <a:chExt cx="0" cy="0"/>
+        </a:xfrm>
+      </p:grpSpPr>
+      <p:sp>
+        <p:nvSpPr>
+          <p:cNvPr id="3" name="Title 2">
+            <a:extLst>
+              <a:ext uri="{FF2B5EF4-FFF2-40B4-BE49-F238E27FC236}">
+                <a16:creationId xmlns:a16="http://schemas.microsoft.com/office/drawing/2014/main" id="{F6BF800B-2D91-A844-B4B2-97273E94E563}"/>
+              </a:ext>
+            </a:extLst>
+          </p:cNvPr>
+          <p:cNvSpPr>
+            <a:spLocks noGrp="1"/>
+          </p:cNvSpPr>
+          <p:nvPr>
+            <p:ph type="title"/>
+          </p:nvPr>
+        </p:nvSpPr>
+        <p:spPr/>
+        <p:txBody>
+          <a:bodyPr>
+            <a:normAutofit/>
+          </a:bodyPr>
+          <a:lstStyle/>
+          <a:p>
+            <a:r>
+              <a:rPr lang="en-US" dirty="0"/>
+              <a:t>Fitur Riwayat</a:t>
+            </a:r>
+          </a:p>
+        </p:txBody>
+      </p:sp>
+      <p:sp>
+        <p:nvSpPr>
+          <p:cNvPr id="4" name="Content Placeholder 3">
+            <a:extLst>
+              <a:ext uri="{FF2B5EF4-FFF2-40B4-BE49-F238E27FC236}">
+                <a16:creationId xmlns:a16="http://schemas.microsoft.com/office/drawing/2014/main" id="{258465F5-4312-2541-8368-01B99B3E9619}"/>
+              </a:ext>
+            </a:extLst>
+          </p:cNvPr>
+          <p:cNvSpPr>
+            <a:spLocks noGrp="1"/>
+          </p:cNvSpPr>
+          <p:nvPr>
+            <p:ph sz="quarter" idx="14"/>
+          </p:nvPr>
+        </p:nvSpPr>
+        <p:spPr/>
+        <p:txBody>
+          <a:bodyPr anchor="t"/>
+          <a:lstStyle/>
+          <a:p>
+            <a:pPr marL="342900" indent="-342900">
+              <a:buFont typeface="+mj-lt"/>
+              <a:buAutoNum type="arabicPeriod"/>
+            </a:pPr>
+            <a:r>
+              <a:rPr lang="en-US" dirty="0"/>
+              <a:t>Halaman Riwayat </a:t>
+            </a:r>
+            <a:r>
+              <a:rPr lang="en-US" dirty="0" err="1"/>
+              <a:t>ini</a:t>
+            </a:r>
+            <a:r>
+              <a:rPr lang="en-US" dirty="0"/>
+              <a:t> </a:t>
+            </a:r>
+            <a:r>
+              <a:rPr lang="en-US" dirty="0" err="1"/>
+              <a:t>berisikan</a:t>
+            </a:r>
+            <a:r>
+              <a:rPr lang="en-US" dirty="0"/>
+              <a:t> data </a:t>
+            </a:r>
+            <a:r>
+              <a:rPr lang="en-US" dirty="0" err="1"/>
+              <a:t>dari</a:t>
+            </a:r>
+            <a:r>
+              <a:rPr lang="en-US" dirty="0"/>
+              <a:t> </a:t>
+            </a:r>
+            <a:r>
+              <a:rPr lang="en-US" dirty="0" err="1"/>
+              <a:t>beberapa</a:t>
+            </a:r>
+            <a:r>
+              <a:rPr lang="en-US" dirty="0"/>
+              <a:t> </a:t>
+            </a:r>
+            <a:r>
+              <a:rPr lang="en-US" dirty="0" err="1"/>
+              <a:t>transaksi</a:t>
+            </a:r>
+            <a:r>
+              <a:rPr lang="en-US" dirty="0"/>
+              <a:t> yang </a:t>
+            </a:r>
+            <a:r>
+              <a:rPr lang="en-US" dirty="0" err="1"/>
+              <a:t>telah</a:t>
+            </a:r>
+            <a:r>
+              <a:rPr lang="en-US" dirty="0"/>
+              <a:t> </a:t>
+            </a:r>
+            <a:r>
+              <a:rPr lang="en-US" dirty="0" err="1"/>
+              <a:t>dikerjakan</a:t>
+            </a:r>
+            <a:r>
+              <a:rPr lang="en-US" dirty="0"/>
+              <a:t> </a:t>
+            </a:r>
+            <a:r>
+              <a:rPr lang="en-US" dirty="0" err="1"/>
+              <a:t>atau</a:t>
+            </a:r>
+            <a:r>
+              <a:rPr lang="en-US" dirty="0"/>
+              <a:t> </a:t>
+            </a:r>
+            <a:r>
+              <a:rPr lang="en-US" dirty="0" err="1"/>
+              <a:t>sudah</a:t>
+            </a:r>
+            <a:r>
+              <a:rPr lang="en-US" dirty="0"/>
+              <a:t> </a:t>
+            </a:r>
+            <a:r>
+              <a:rPr lang="en-US" dirty="0" err="1"/>
+              <a:t>selesai</a:t>
+            </a:r>
+            <a:r>
+              <a:rPr lang="en-US" dirty="0"/>
+              <a:t> </a:t>
+            </a:r>
+            <a:r>
+              <a:rPr lang="en-US" dirty="0" err="1"/>
+              <a:t>dikerjakan</a:t>
+            </a:r>
+            <a:r>
+              <a:rPr lang="en-US" dirty="0"/>
+              <a:t>. </a:t>
+            </a:r>
+          </a:p>
+          <a:p>
+            <a:pPr marL="342900" indent="-342900">
+              <a:buFont typeface="+mj-lt"/>
+              <a:buAutoNum type="arabicPeriod"/>
+            </a:pPr>
+            <a:r>
+              <a:rPr lang="en-US" dirty="0"/>
+              <a:t>Sama </a:t>
+            </a:r>
+            <a:r>
+              <a:rPr lang="en-US" dirty="0" err="1"/>
+              <a:t>halnya</a:t>
+            </a:r>
+            <a:r>
+              <a:rPr lang="en-US" dirty="0"/>
+              <a:t> </a:t>
+            </a:r>
+            <a:r>
+              <a:rPr lang="en-US" dirty="0" err="1"/>
+              <a:t>dengan</a:t>
+            </a:r>
+            <a:r>
+              <a:rPr lang="en-US" dirty="0"/>
+              <a:t> Daftar </a:t>
+            </a:r>
+            <a:r>
+              <a:rPr lang="en-US" dirty="0" err="1"/>
+              <a:t>Pesanan</a:t>
+            </a:r>
+            <a:r>
+              <a:rPr lang="en-US" dirty="0"/>
+              <a:t> </a:t>
+            </a:r>
+            <a:r>
+              <a:rPr lang="en-US" dirty="0" err="1"/>
+              <a:t>sebelumnya</a:t>
+            </a:r>
+            <a:r>
+              <a:rPr lang="en-US" dirty="0"/>
+              <a:t>, Riwayat juga </a:t>
+            </a:r>
+            <a:r>
+              <a:rPr lang="en-US" dirty="0" err="1"/>
+              <a:t>bisa</a:t>
+            </a:r>
+            <a:r>
+              <a:rPr lang="en-US" dirty="0"/>
+              <a:t> </a:t>
+            </a:r>
+            <a:r>
+              <a:rPr lang="en-US" dirty="0" err="1"/>
+              <a:t>melihat</a:t>
+            </a:r>
+            <a:r>
+              <a:rPr lang="en-US" dirty="0"/>
+              <a:t> detail </a:t>
+            </a:r>
+            <a:r>
+              <a:rPr lang="en-US" dirty="0" err="1"/>
+              <a:t>dari</a:t>
+            </a:r>
+            <a:r>
+              <a:rPr lang="en-US" dirty="0"/>
+              <a:t> yang </a:t>
+            </a:r>
+            <a:r>
+              <a:rPr lang="en-US" dirty="0" err="1"/>
+              <a:t>telah</a:t>
+            </a:r>
+            <a:r>
+              <a:rPr lang="en-US" dirty="0"/>
+              <a:t> </a:t>
+            </a:r>
+            <a:r>
+              <a:rPr lang="en-US" dirty="0" err="1"/>
+              <a:t>dikerjakan</a:t>
+            </a:r>
+            <a:r>
+              <a:rPr lang="en-US" dirty="0"/>
+              <a:t> dan </a:t>
+            </a:r>
+            <a:r>
+              <a:rPr lang="en-US" dirty="0" err="1"/>
+              <a:t>menyaring</a:t>
+            </a:r>
+            <a:r>
+              <a:rPr lang="en-US" dirty="0"/>
+              <a:t> </a:t>
+            </a:r>
+            <a:r>
+              <a:rPr lang="en-US" dirty="0" err="1"/>
+              <a:t>isi</a:t>
+            </a:r>
+            <a:r>
+              <a:rPr lang="en-US" dirty="0"/>
+              <a:t> data. </a:t>
+            </a:r>
           </a:p>
         </p:txBody>
       </p:sp>
@@ -8034,7 +8750,7 @@
 </p:sld>
 </file>
 
-<file path=ppt/slides/slide11.xml><?xml version="1.0" encoding="utf-8"?>
+<file path=ppt/slides/slide12.xml><?xml version="1.0" encoding="utf-8"?>
 <p:sld xmlns:a="http://schemas.openxmlformats.org/drawingml/2006/main" xmlns:r="http://schemas.openxmlformats.org/officeDocument/2006/relationships" xmlns:p="http://schemas.openxmlformats.org/presentationml/2006/main">
   <p:cSld>
     <p:spTree>
@@ -8112,14 +8828,313 @@
         </p:nvSpPr>
         <p:spPr/>
         <p:txBody>
-          <a:bodyPr/>
+          <a:bodyPr anchor="t"/>
           <a:lstStyle/>
           <a:p>
             <a:pPr marL="342900" indent="-342900">
               <a:buFont typeface="+mj-lt"/>
               <a:buAutoNum type="arabicPeriod"/>
             </a:pPr>
-            <a:endParaRPr lang="en-US" dirty="0"/>
+            <a:r>
+              <a:rPr lang="en-US" dirty="0" err="1"/>
+              <a:t>Detil</a:t>
+            </a:r>
+            <a:r>
+              <a:rPr lang="en-US" dirty="0"/>
+              <a:t> </a:t>
+            </a:r>
+            <a:r>
+              <a:rPr lang="en-US" dirty="0" err="1"/>
+              <a:t>Pesanan</a:t>
+            </a:r>
+            <a:r>
+              <a:rPr lang="en-US" dirty="0"/>
+              <a:t> </a:t>
+            </a:r>
+            <a:r>
+              <a:rPr lang="en-US" dirty="0" err="1"/>
+              <a:t>ini</a:t>
+            </a:r>
+            <a:r>
+              <a:rPr lang="en-US" dirty="0"/>
+              <a:t> </a:t>
+            </a:r>
+            <a:r>
+              <a:rPr lang="en-US" dirty="0" err="1"/>
+              <a:t>berisikan</a:t>
+            </a:r>
+            <a:r>
+              <a:rPr lang="en-US" dirty="0"/>
+              <a:t> </a:t>
+            </a:r>
+            <a:r>
+              <a:rPr lang="en-US" dirty="0" err="1"/>
+              <a:t>sebuah</a:t>
+            </a:r>
+            <a:r>
+              <a:rPr lang="en-US" dirty="0"/>
+              <a:t> data </a:t>
+            </a:r>
+            <a:r>
+              <a:rPr lang="en-US" dirty="0" err="1"/>
+              <a:t>detil</a:t>
+            </a:r>
+            <a:r>
+              <a:rPr lang="en-US" dirty="0"/>
+              <a:t> </a:t>
+            </a:r>
+            <a:r>
+              <a:rPr lang="en-US" dirty="0" err="1"/>
+              <a:t>dari</a:t>
+            </a:r>
+            <a:r>
+              <a:rPr lang="en-US" dirty="0"/>
+              <a:t> Daftar </a:t>
+            </a:r>
+            <a:r>
+              <a:rPr lang="en-US" dirty="0" err="1"/>
+              <a:t>Pesanan</a:t>
+            </a:r>
+            <a:r>
+              <a:rPr lang="en-US" dirty="0"/>
+              <a:t> </a:t>
+            </a:r>
+            <a:r>
+              <a:rPr lang="en-US" dirty="0" err="1"/>
+              <a:t>dari</a:t>
+            </a:r>
+            <a:r>
+              <a:rPr lang="en-US" dirty="0"/>
+              <a:t> yang </a:t>
+            </a:r>
+            <a:r>
+              <a:rPr lang="en-US" dirty="0" err="1"/>
+              <a:t>baru</a:t>
+            </a:r>
+            <a:r>
+              <a:rPr lang="en-US" dirty="0"/>
+              <a:t> order </a:t>
+            </a:r>
+            <a:r>
+              <a:rPr lang="en-US" dirty="0" err="1"/>
+              <a:t>sampai</a:t>
+            </a:r>
+            <a:r>
+              <a:rPr lang="en-US" dirty="0"/>
+              <a:t> yang </a:t>
+            </a:r>
+            <a:r>
+              <a:rPr lang="en-US" dirty="0" err="1"/>
+              <a:t>telah</a:t>
+            </a:r>
+            <a:r>
+              <a:rPr lang="en-US" dirty="0"/>
+              <a:t> </a:t>
+            </a:r>
+            <a:r>
+              <a:rPr lang="en-US" dirty="0" err="1"/>
+              <a:t>selesai</a:t>
+            </a:r>
+            <a:r>
+              <a:rPr lang="en-US" dirty="0"/>
+              <a:t> </a:t>
+            </a:r>
+            <a:r>
+              <a:rPr lang="en-US" dirty="0" err="1"/>
+              <a:t>dikerjakan</a:t>
+            </a:r>
+            <a:r>
+              <a:rPr lang="en-US" dirty="0"/>
+              <a:t>. </a:t>
+            </a:r>
+            <a:r>
+              <a:rPr lang="en-US" dirty="0" err="1"/>
+              <a:t>Dihalaman</a:t>
+            </a:r>
+            <a:r>
+              <a:rPr lang="en-US" dirty="0"/>
+              <a:t> </a:t>
+            </a:r>
+            <a:r>
+              <a:rPr lang="en-US" dirty="0" err="1"/>
+              <a:t>ini</a:t>
+            </a:r>
+            <a:r>
+              <a:rPr lang="en-US" dirty="0"/>
+              <a:t> </a:t>
+            </a:r>
+            <a:r>
+              <a:rPr lang="en-US" dirty="0" err="1"/>
+              <a:t>memuat</a:t>
+            </a:r>
+            <a:r>
+              <a:rPr lang="en-US" dirty="0"/>
+              <a:t> </a:t>
+            </a:r>
+            <a:r>
+              <a:rPr lang="en-US" dirty="0" err="1"/>
+              <a:t>informasi</a:t>
+            </a:r>
+            <a:r>
+              <a:rPr lang="en-US" dirty="0"/>
+              <a:t> </a:t>
+            </a:r>
+            <a:r>
+              <a:rPr lang="en-US" dirty="0" err="1"/>
+              <a:t>rinci</a:t>
+            </a:r>
+            <a:r>
+              <a:rPr lang="en-US" dirty="0"/>
+              <a:t> </a:t>
+            </a:r>
+            <a:r>
+              <a:rPr lang="en-US" dirty="0" err="1"/>
+              <a:t>mengenai</a:t>
+            </a:r>
+            <a:r>
+              <a:rPr lang="en-US" dirty="0"/>
+              <a:t> </a:t>
+            </a:r>
+            <a:r>
+              <a:rPr lang="en-US" dirty="0" err="1"/>
+              <a:t>Pesanan</a:t>
+            </a:r>
+            <a:r>
+              <a:rPr lang="en-US" dirty="0"/>
+              <a:t>.</a:t>
+            </a:r>
+          </a:p>
+          <a:p>
+            <a:pPr marL="342900" indent="-342900">
+              <a:buFont typeface="+mj-lt"/>
+              <a:buAutoNum type="arabicPeriod"/>
+            </a:pPr>
+            <a:r>
+              <a:rPr lang="en-US" dirty="0"/>
+              <a:t>Ketika status </a:t>
+            </a:r>
+            <a:r>
+              <a:rPr lang="en-US" dirty="0" err="1"/>
+              <a:t>masih</a:t>
+            </a:r>
+            <a:r>
+              <a:rPr lang="en-US" dirty="0"/>
+              <a:t> ORDER user </a:t>
+            </a:r>
+            <a:r>
+              <a:rPr lang="en-US" dirty="0" err="1"/>
+              <a:t>dapat</a:t>
+            </a:r>
+            <a:r>
+              <a:rPr lang="en-US" dirty="0"/>
+              <a:t> </a:t>
+            </a:r>
+            <a:r>
+              <a:rPr lang="en-US" dirty="0" err="1"/>
+              <a:t>membatalkan</a:t>
+            </a:r>
+            <a:r>
+              <a:rPr lang="en-US" dirty="0"/>
+              <a:t> order </a:t>
+            </a:r>
+          </a:p>
+          <a:p>
+            <a:pPr marL="342900" indent="-342900">
+              <a:buFont typeface="+mj-lt"/>
+              <a:buAutoNum type="arabicPeriod"/>
+            </a:pPr>
+            <a:r>
+              <a:rPr lang="en-US" dirty="0"/>
+              <a:t>Jika status </a:t>
+            </a:r>
+            <a:r>
+              <a:rPr lang="en-US" dirty="0" err="1"/>
+              <a:t>telah</a:t>
+            </a:r>
+            <a:r>
+              <a:rPr lang="en-US" dirty="0"/>
+              <a:t> </a:t>
+            </a:r>
+            <a:r>
+              <a:rPr lang="en-US" dirty="0" err="1"/>
+              <a:t>berubah</a:t>
+            </a:r>
+            <a:r>
+              <a:rPr lang="en-US" dirty="0"/>
+              <a:t> </a:t>
+            </a:r>
+            <a:r>
+              <a:rPr lang="en-US" dirty="0" err="1"/>
+              <a:t>menjadi</a:t>
+            </a:r>
+            <a:r>
+              <a:rPr lang="en-US" dirty="0"/>
+              <a:t> ONGOING </a:t>
+            </a:r>
+            <a:r>
+              <a:rPr lang="en-US" dirty="0" err="1"/>
+              <a:t>maka</a:t>
+            </a:r>
+            <a:r>
+              <a:rPr lang="en-US" dirty="0"/>
+              <a:t> </a:t>
+            </a:r>
+            <a:r>
+              <a:rPr lang="en-US" dirty="0" err="1"/>
+              <a:t>artinya</a:t>
+            </a:r>
+            <a:r>
+              <a:rPr lang="en-US" dirty="0"/>
+              <a:t> </a:t>
+            </a:r>
+            <a:r>
+              <a:rPr lang="en-US" dirty="0" err="1"/>
+              <a:t>pesanan</a:t>
+            </a:r>
+            <a:r>
+              <a:rPr lang="en-US" dirty="0"/>
+              <a:t> user </a:t>
+            </a:r>
+            <a:r>
+              <a:rPr lang="en-US" dirty="0" err="1"/>
+              <a:t>telah</a:t>
+            </a:r>
+            <a:r>
+              <a:rPr lang="en-US" dirty="0"/>
+              <a:t> </a:t>
+            </a:r>
+            <a:r>
+              <a:rPr lang="en-US" dirty="0" err="1"/>
+              <a:t>diproses</a:t>
+            </a:r>
+            <a:r>
+              <a:rPr lang="en-US" dirty="0"/>
+              <a:t> dan user </a:t>
+            </a:r>
+            <a:r>
+              <a:rPr lang="en-US" dirty="0" err="1"/>
+              <a:t>tidak</a:t>
+            </a:r>
+            <a:r>
+              <a:rPr lang="en-US" dirty="0"/>
+              <a:t> </a:t>
+            </a:r>
+            <a:r>
+              <a:rPr lang="en-US" dirty="0" err="1"/>
+              <a:t>dapat</a:t>
+            </a:r>
+            <a:r>
+              <a:rPr lang="en-US" dirty="0"/>
+              <a:t> </a:t>
+            </a:r>
+            <a:r>
+              <a:rPr lang="en-US" dirty="0" err="1"/>
+              <a:t>membatalkannya</a:t>
+            </a:r>
+            <a:r>
+              <a:rPr lang="en-US" dirty="0"/>
+              <a:t>.</a:t>
+            </a:r>
           </a:p>
         </p:txBody>
       </p:sp>
@@ -8330,7 +9345,7 @@
 </p:sld>
 </file>
 
-<file path=ppt/slides/slide12.xml><?xml version="1.0" encoding="utf-8"?>
+<file path=ppt/slides/slide13.xml><?xml version="1.0" encoding="utf-8"?>
 <p:sld xmlns:a="http://schemas.openxmlformats.org/drawingml/2006/main" xmlns:r="http://schemas.openxmlformats.org/officeDocument/2006/relationships" xmlns:p="http://schemas.openxmlformats.org/presentationml/2006/main">
   <p:cSld>
     <p:spTree>
@@ -8408,14 +9423,93 @@
         </p:nvSpPr>
         <p:spPr/>
         <p:txBody>
-          <a:bodyPr/>
+          <a:bodyPr anchor="t"/>
           <a:lstStyle/>
           <a:p>
             <a:pPr marL="342900" indent="-342900">
               <a:buFont typeface="+mj-lt"/>
               <a:buAutoNum type="arabicPeriod"/>
             </a:pPr>
-            <a:endParaRPr lang="en-US" dirty="0"/>
+            <a:r>
+              <a:rPr lang="en-US" dirty="0" err="1"/>
+              <a:t>Pengguna</a:t>
+            </a:r>
+            <a:r>
+              <a:rPr lang="en-US" dirty="0"/>
+              <a:t> </a:t>
+            </a:r>
+            <a:r>
+              <a:rPr lang="en-US" dirty="0" err="1"/>
+              <a:t>dapat</a:t>
+            </a:r>
+            <a:r>
+              <a:rPr lang="en-US" dirty="0"/>
+              <a:t> </a:t>
+            </a:r>
+            <a:r>
+              <a:rPr lang="en-US" dirty="0" err="1"/>
+              <a:t>memberikan</a:t>
+            </a:r>
+            <a:r>
+              <a:rPr lang="en-US" dirty="0"/>
+              <a:t> </a:t>
+            </a:r>
+            <a:r>
+              <a:rPr lang="en-US" dirty="0" err="1"/>
+              <a:t>sebuah</a:t>
+            </a:r>
+            <a:r>
+              <a:rPr lang="en-US" dirty="0"/>
+              <a:t> </a:t>
+            </a:r>
+            <a:r>
+              <a:rPr lang="en-US" dirty="0" err="1"/>
+              <a:t>penilaian</a:t>
+            </a:r>
+            <a:r>
+              <a:rPr lang="en-US" dirty="0"/>
+              <a:t> </a:t>
+            </a:r>
+            <a:r>
+              <a:rPr lang="en-US" dirty="0" err="1"/>
+              <a:t>berdasarkan</a:t>
+            </a:r>
+            <a:r>
+              <a:rPr lang="en-US" dirty="0"/>
+              <a:t> </a:t>
+            </a:r>
+            <a:r>
+              <a:rPr lang="en-US" dirty="0" err="1"/>
+              <a:t>kinerja</a:t>
+            </a:r>
+            <a:r>
+              <a:rPr lang="en-US" dirty="0"/>
+              <a:t> </a:t>
+            </a:r>
+            <a:r>
+              <a:rPr lang="en-US" dirty="0" err="1"/>
+              <a:t>dari</a:t>
+            </a:r>
+            <a:r>
+              <a:rPr lang="en-US" dirty="0"/>
+              <a:t> </a:t>
+            </a:r>
+            <a:r>
+              <a:rPr lang="en-US" dirty="0" err="1"/>
+              <a:t>pengemudi</a:t>
+            </a:r>
+            <a:r>
+              <a:rPr lang="en-US" dirty="0"/>
+              <a:t> </a:t>
+            </a:r>
+            <a:r>
+              <a:rPr lang="en-US" dirty="0" err="1"/>
+              <a:t>tersebut</a:t>
+            </a:r>
+            <a:r>
+              <a:rPr lang="en-US" dirty="0"/>
+              <a:t>.</a:t>
+            </a:r>
           </a:p>
         </p:txBody>
       </p:sp>
@@ -8592,7 +9686,7 @@
 </p:sld>
 </file>
 
-<file path=ppt/slides/slide13.xml><?xml version="1.0" encoding="utf-8"?>
+<file path=ppt/slides/slide14.xml><?xml version="1.0" encoding="utf-8"?>
 <p:sld xmlns:a="http://schemas.openxmlformats.org/drawingml/2006/main" xmlns:r="http://schemas.openxmlformats.org/officeDocument/2006/relationships" xmlns:p="http://schemas.openxmlformats.org/presentationml/2006/main">
   <p:cSld>
     <p:spTree>
@@ -8657,14 +9751,73 @@
         </p:nvSpPr>
         <p:spPr/>
         <p:txBody>
-          <a:bodyPr/>
+          <a:bodyPr anchor="t"/>
           <a:lstStyle/>
           <a:p>
             <a:pPr marL="342900" indent="-342900">
               <a:buFont typeface="+mj-lt"/>
               <a:buAutoNum type="arabicPeriod"/>
             </a:pPr>
-            <a:endParaRPr lang="en-US" dirty="0"/>
+            <a:r>
+              <a:rPr lang="en-US" dirty="0"/>
+              <a:t>Di </a:t>
+            </a:r>
+            <a:r>
+              <a:rPr lang="en-US" dirty="0" err="1"/>
+              <a:t>halaman</a:t>
+            </a:r>
+            <a:r>
+              <a:rPr lang="en-US" dirty="0"/>
+              <a:t> order </a:t>
+            </a:r>
+            <a:r>
+              <a:rPr lang="en-US" dirty="0" err="1"/>
+              <a:t>ini</a:t>
+            </a:r>
+            <a:r>
+              <a:rPr lang="en-US" dirty="0"/>
+              <a:t> </a:t>
+            </a:r>
+            <a:r>
+              <a:rPr lang="en-US" dirty="0" err="1"/>
+              <a:t>pengguna</a:t>
+            </a:r>
+            <a:r>
+              <a:rPr lang="en-US" dirty="0"/>
+              <a:t> </a:t>
+            </a:r>
+            <a:r>
+              <a:rPr lang="en-US" dirty="0" err="1"/>
+              <a:t>dapat</a:t>
+            </a:r>
+            <a:r>
+              <a:rPr lang="en-US" dirty="0"/>
+              <a:t> </a:t>
+            </a:r>
+            <a:r>
+              <a:rPr lang="en-US" dirty="0" err="1"/>
+              <a:t>membuat</a:t>
+            </a:r>
+            <a:r>
+              <a:rPr lang="en-US" dirty="0"/>
+              <a:t> order </a:t>
+            </a:r>
+            <a:r>
+              <a:rPr lang="en-US" dirty="0" err="1"/>
+              <a:t>pengangkatan</a:t>
+            </a:r>
+            <a:r>
+              <a:rPr lang="en-US" dirty="0"/>
+              <a:t> </a:t>
+            </a:r>
+            <a:r>
+              <a:rPr lang="en-US" dirty="0" err="1"/>
+              <a:t>limbah</a:t>
+            </a:r>
+            <a:r>
+              <a:rPr lang="en-US" dirty="0"/>
+              <a:t>. </a:t>
+            </a:r>
           </a:p>
         </p:txBody>
       </p:sp>
@@ -8835,7 +9988,7 @@
 </p:sld>
 </file>
 
-<file path=ppt/slides/slide14.xml><?xml version="1.0" encoding="utf-8"?>
+<file path=ppt/slides/slide15.xml><?xml version="1.0" encoding="utf-8"?>
 <p:sld xmlns:a="http://schemas.openxmlformats.org/drawingml/2006/main" xmlns:r="http://schemas.openxmlformats.org/officeDocument/2006/relationships" xmlns:p="http://schemas.openxmlformats.org/presentationml/2006/main">
   <p:cSld>
     <p:spTree>
@@ -8900,13 +10053,199 @@
         </p:nvSpPr>
         <p:spPr/>
         <p:txBody>
-          <a:bodyPr/>
+          <a:bodyPr anchor="t"/>
           <a:lstStyle/>
           <a:p>
             <a:pPr marL="342900" indent="-342900">
               <a:buFont typeface="+mj-lt"/>
               <a:buAutoNum type="arabicPeriod"/>
             </a:pPr>
+            <a:r>
+              <a:rPr lang="en-US" dirty="0"/>
+              <a:t>Di Halaman </a:t>
+            </a:r>
+            <a:r>
+              <a:rPr lang="en-US" dirty="0" err="1"/>
+              <a:t>Profil</a:t>
+            </a:r>
+            <a:r>
+              <a:rPr lang="en-US" dirty="0"/>
+              <a:t> user </a:t>
+            </a:r>
+            <a:r>
+              <a:rPr lang="en-US" dirty="0" err="1"/>
+              <a:t>dapat</a:t>
+            </a:r>
+            <a:r>
+              <a:rPr lang="en-US" dirty="0"/>
+              <a:t> </a:t>
+            </a:r>
+            <a:r>
+              <a:rPr lang="en-US" dirty="0" err="1"/>
+              <a:t>memperbarui</a:t>
+            </a:r>
+            <a:r>
+              <a:rPr lang="en-US" dirty="0"/>
+              <a:t> data </a:t>
+            </a:r>
+            <a:r>
+              <a:rPr lang="en-US" dirty="0" err="1"/>
+              <a:t>profil</a:t>
+            </a:r>
+            <a:r>
+              <a:rPr lang="en-US" dirty="0"/>
+              <a:t> </a:t>
+            </a:r>
+            <a:r>
+              <a:rPr lang="en-US" dirty="0" err="1"/>
+              <a:t>dari</a:t>
+            </a:r>
+            <a:r>
+              <a:rPr lang="en-US" dirty="0"/>
+              <a:t> </a:t>
+            </a:r>
+            <a:r>
+              <a:rPr lang="en-US" dirty="0" err="1"/>
+              <a:t>nama</a:t>
+            </a:r>
+            <a:r>
+              <a:rPr lang="en-US" dirty="0"/>
+              <a:t>, </a:t>
+            </a:r>
+            <a:r>
+              <a:rPr lang="en-US" dirty="0" err="1"/>
+              <a:t>alamat</a:t>
+            </a:r>
+            <a:r>
+              <a:rPr lang="en-US" dirty="0"/>
+              <a:t> </a:t>
+            </a:r>
+            <a:r>
+              <a:rPr lang="en-US" dirty="0" err="1"/>
+              <a:t>hingga</a:t>
+            </a:r>
+            <a:r>
+              <a:rPr lang="en-US" dirty="0"/>
+              <a:t> </a:t>
+            </a:r>
+            <a:r>
+              <a:rPr lang="en-US" dirty="0" err="1"/>
+              <a:t>foto</a:t>
+            </a:r>
+            <a:r>
+              <a:rPr lang="en-US" dirty="0"/>
+              <a:t> </a:t>
+            </a:r>
+            <a:r>
+              <a:rPr lang="en-US" dirty="0" err="1"/>
+              <a:t>profil</a:t>
+            </a:r>
+            <a:r>
+              <a:rPr lang="en-US" dirty="0"/>
+              <a:t>. </a:t>
+            </a:r>
+          </a:p>
+          <a:p>
+            <a:pPr marL="342900" indent="-342900">
+              <a:buFont typeface="+mj-lt"/>
+              <a:buAutoNum type="arabicPeriod"/>
+            </a:pPr>
+            <a:r>
+              <a:rPr lang="en-US" dirty="0" err="1"/>
+              <a:t>Dihalaman</a:t>
+            </a:r>
+            <a:r>
+              <a:rPr lang="en-US" dirty="0"/>
+              <a:t> </a:t>
+            </a:r>
+            <a:r>
+              <a:rPr lang="en-US" dirty="0" err="1"/>
+              <a:t>ini</a:t>
+            </a:r>
+            <a:r>
+              <a:rPr lang="en-US" dirty="0"/>
+              <a:t> juga </a:t>
+            </a:r>
+            <a:r>
+              <a:rPr lang="en-US" dirty="0" err="1"/>
+              <a:t>terdapat</a:t>
+            </a:r>
+            <a:r>
+              <a:rPr lang="en-US" dirty="0"/>
+              <a:t> </a:t>
+            </a:r>
+            <a:r>
+              <a:rPr lang="en-US" dirty="0" err="1"/>
+              <a:t>tombol</a:t>
+            </a:r>
+            <a:r>
+              <a:rPr lang="en-US" dirty="0"/>
+              <a:t> </a:t>
+            </a:r>
+            <a:r>
+              <a:rPr lang="en-US" dirty="0" err="1"/>
+              <a:t>Keluar</a:t>
+            </a:r>
+            <a:r>
+              <a:rPr lang="en-US" dirty="0"/>
+              <a:t> yang </a:t>
+            </a:r>
+            <a:r>
+              <a:rPr lang="en-US" dirty="0" err="1"/>
+              <a:t>jika</a:t>
+            </a:r>
+            <a:r>
+              <a:rPr lang="en-US" dirty="0"/>
+              <a:t> user </a:t>
+            </a:r>
+            <a:r>
+              <a:rPr lang="en-US" dirty="0" err="1"/>
+              <a:t>ketuk</a:t>
+            </a:r>
+            <a:r>
+              <a:rPr lang="en-US" dirty="0"/>
+              <a:t> </a:t>
+            </a:r>
+            <a:r>
+              <a:rPr lang="en-US" dirty="0" err="1"/>
+              <a:t>maka</a:t>
+            </a:r>
+            <a:r>
+              <a:rPr lang="en-US" dirty="0"/>
+              <a:t> </a:t>
+            </a:r>
+            <a:r>
+              <a:rPr lang="en-US" dirty="0" err="1"/>
+              <a:t>akan</a:t>
+            </a:r>
+            <a:r>
+              <a:rPr lang="en-US" dirty="0"/>
+              <a:t> </a:t>
+            </a:r>
+            <a:r>
+              <a:rPr lang="en-US" dirty="0" err="1"/>
+              <a:t>diarahkan</a:t>
+            </a:r>
+            <a:r>
+              <a:rPr lang="en-US" dirty="0"/>
+              <a:t> </a:t>
+            </a:r>
+            <a:r>
+              <a:rPr lang="en-US" dirty="0" err="1"/>
+              <a:t>menuju</a:t>
+            </a:r>
+            <a:r>
+              <a:rPr lang="en-US" dirty="0"/>
+              <a:t> Halaman </a:t>
+            </a:r>
+            <a:r>
+              <a:rPr lang="en-US" dirty="0" err="1"/>
+              <a:t>Masuk</a:t>
+            </a:r>
+            <a:r>
+              <a:rPr lang="en-US"/>
+              <a:t>. </a:t>
+            </a:r>
             <a:endParaRPr lang="en-US" dirty="0"/>
           </a:p>
         </p:txBody>
@@ -9118,7 +10457,7 @@
 </p:sld>
 </file>
 
-<file path=ppt/slides/slide15.xml><?xml version="1.0" encoding="utf-8"?>
+<file path=ppt/slides/slide16.xml><?xml version="1.0" encoding="utf-8"?>
 <p:sld xmlns:a="http://schemas.openxmlformats.org/drawingml/2006/main" xmlns:r="http://schemas.openxmlformats.org/officeDocument/2006/relationships" xmlns:p="http://schemas.openxmlformats.org/presentationml/2006/main">
   <p:cSld>
     <p:spTree>
@@ -12608,6 +13947,912 @@
           <a:p>
             <a:r>
               <a:rPr lang="en-US" dirty="0"/>
+              <a:t>Task WEB developer</a:t>
+            </a:r>
+            <a:endParaRPr lang="en-ID" dirty="0"/>
+          </a:p>
+        </p:txBody>
+      </p:sp>
+      <p:sp>
+        <p:nvSpPr>
+          <p:cNvPr id="3" name="Content Placeholder 2">
+            <a:extLst>
+              <a:ext uri="{FF2B5EF4-FFF2-40B4-BE49-F238E27FC236}">
+                <a16:creationId xmlns:a16="http://schemas.microsoft.com/office/drawing/2014/main" id="{72C09F58-E594-4E6C-B1B4-F72A3A5AD6E5}"/>
+              </a:ext>
+            </a:extLst>
+          </p:cNvPr>
+          <p:cNvSpPr>
+            <a:spLocks noGrp="1"/>
+          </p:cNvSpPr>
+          <p:nvPr>
+            <p:ph idx="1"/>
+          </p:nvPr>
+        </p:nvSpPr>
+        <p:spPr>
+          <a:xfrm>
+            <a:off x="581192" y="1890876"/>
+            <a:ext cx="11029615" cy="740156"/>
+          </a:xfrm>
+        </p:spPr>
+        <p:txBody>
+          <a:bodyPr anchor="t">
+            <a:normAutofit/>
+          </a:bodyPr>
+          <a:lstStyle/>
+          <a:p>
+            <a:r>
+              <a:rPr lang="en-ID" dirty="0" err="1"/>
+              <a:t>Sebagai</a:t>
+            </a:r>
+            <a:r>
+              <a:rPr lang="en-ID" dirty="0"/>
+              <a:t> Web Developer </a:t>
+            </a:r>
+            <a:r>
+              <a:rPr lang="en-ID" dirty="0" err="1"/>
+              <a:t>diberikan</a:t>
+            </a:r>
+            <a:r>
+              <a:rPr lang="en-ID" dirty="0"/>
+              <a:t> </a:t>
+            </a:r>
+            <a:r>
+              <a:rPr lang="en-ID" dirty="0" err="1"/>
+              <a:t>tugas</a:t>
+            </a:r>
+            <a:r>
+              <a:rPr lang="en-ID" dirty="0"/>
+              <a:t> </a:t>
+            </a:r>
+            <a:r>
+              <a:rPr lang="en-ID" dirty="0" err="1"/>
+              <a:t>untuk</a:t>
+            </a:r>
+            <a:r>
+              <a:rPr lang="en-ID" dirty="0"/>
+              <a:t> </a:t>
+            </a:r>
+            <a:r>
+              <a:rPr lang="en-ID" dirty="0" err="1"/>
+              <a:t>mengembangkan</a:t>
+            </a:r>
+            <a:r>
+              <a:rPr lang="en-ID" dirty="0"/>
+              <a:t> </a:t>
+            </a:r>
+            <a:r>
+              <a:rPr lang="en-ID" dirty="0" err="1"/>
+              <a:t>aplikasi</a:t>
+            </a:r>
+            <a:r>
+              <a:rPr lang="en-ID" dirty="0"/>
+              <a:t> website yang </a:t>
+            </a:r>
+            <a:r>
+              <a:rPr lang="en-ID" dirty="0" err="1"/>
+              <a:t>bernama</a:t>
+            </a:r>
+            <a:r>
+              <a:rPr lang="en-ID" dirty="0"/>
+              <a:t> B-</a:t>
+            </a:r>
+            <a:r>
+              <a:rPr lang="en-ID" dirty="0" err="1"/>
+              <a:t>Septik</a:t>
+            </a:r>
+            <a:r>
+              <a:rPr lang="en-ID" dirty="0"/>
+              <a:t>. </a:t>
+            </a:r>
+            <a:r>
+              <a:rPr lang="en-ID" dirty="0" err="1"/>
+              <a:t>Berikut</a:t>
+            </a:r>
+            <a:r>
+              <a:rPr lang="en-ID" dirty="0"/>
+              <a:t> </a:t>
+            </a:r>
+            <a:r>
+              <a:rPr lang="en-ID" dirty="0" err="1"/>
+              <a:t>adalah</a:t>
+            </a:r>
+            <a:r>
+              <a:rPr lang="en-ID" dirty="0"/>
+              <a:t> </a:t>
+            </a:r>
+            <a:r>
+              <a:rPr lang="en-ID" dirty="0" err="1"/>
+              <a:t>fitur</a:t>
+            </a:r>
+            <a:r>
+              <a:rPr lang="en-ID" dirty="0"/>
+              <a:t> yang </a:t>
+            </a:r>
+            <a:r>
+              <a:rPr lang="en-ID" dirty="0" err="1"/>
+              <a:t>terdapat</a:t>
+            </a:r>
+            <a:r>
+              <a:rPr lang="en-ID" dirty="0"/>
+              <a:t> pada </a:t>
+            </a:r>
+            <a:r>
+              <a:rPr lang="en-ID" dirty="0" err="1"/>
+              <a:t>aplikasi</a:t>
+            </a:r>
+            <a:r>
+              <a:rPr lang="en-ID" dirty="0"/>
+              <a:t> B-</a:t>
+            </a:r>
+            <a:r>
+              <a:rPr lang="en-ID" dirty="0" err="1"/>
+              <a:t>Septik</a:t>
+            </a:r>
+            <a:r>
+              <a:rPr lang="en-ID" dirty="0"/>
+              <a:t> :</a:t>
+            </a:r>
+          </a:p>
+          <a:p>
+            <a:pPr lvl="1">
+              <a:buFont typeface="Courier New" panose="02070309020205020404" pitchFamily="49" charset="0"/>
+              <a:buChar char="o"/>
+            </a:pPr>
+            <a:endParaRPr lang="en-ID" dirty="0"/>
+          </a:p>
+          <a:p>
+            <a:endParaRPr lang="en-ID" dirty="0"/>
+          </a:p>
+        </p:txBody>
+      </p:sp>
+      <p:sp>
+        <p:nvSpPr>
+          <p:cNvPr id="7" name="Content Placeholder 3">
+            <a:extLst>
+              <a:ext uri="{FF2B5EF4-FFF2-40B4-BE49-F238E27FC236}">
+                <a16:creationId xmlns:a16="http://schemas.microsoft.com/office/drawing/2014/main" id="{8A567245-B3A6-4C11-9C48-B99572450841}"/>
+              </a:ext>
+            </a:extLst>
+          </p:cNvPr>
+          <p:cNvSpPr txBox="1">
+            <a:spLocks/>
+          </p:cNvSpPr>
+          <p:nvPr/>
+        </p:nvSpPr>
+        <p:spPr>
+          <a:xfrm>
+            <a:off x="581194" y="2631032"/>
+            <a:ext cx="4757479" cy="2131499"/>
+          </a:xfrm>
+          <a:prstGeom prst="rect">
+            <a:avLst/>
+          </a:prstGeom>
+        </p:spPr>
+        <p:txBody>
+          <a:bodyPr>
+            <a:normAutofit lnSpcReduction="10000"/>
+          </a:bodyPr>
+          <a:lstStyle>
+            <a:lvl1pPr marL="306000" indent="-306000" algn="l" defTabSz="457200" rtl="0" eaLnBrk="1" latinLnBrk="0" hangingPunct="1">
+              <a:spcBef>
+                <a:spcPct val="20000"/>
+              </a:spcBef>
+              <a:spcAft>
+                <a:spcPts val="600"/>
+              </a:spcAft>
+              <a:buClr>
+                <a:schemeClr val="accent1"/>
+              </a:buClr>
+              <a:buSzPct val="92000"/>
+              <a:buFont typeface="Wingdings 2" panose="05020102010507070707" pitchFamily="18" charset="2"/>
+              <a:buChar char=""/>
+              <a:defRPr sz="1800" kern="1200">
+                <a:solidFill>
+                  <a:schemeClr val="tx1">
+                    <a:lumMod val="75000"/>
+                    <a:lumOff val="25000"/>
+                  </a:schemeClr>
+                </a:solidFill>
+                <a:latin typeface="+mn-lt"/>
+                <a:ea typeface="+mn-ea"/>
+                <a:cs typeface="+mn-cs"/>
+              </a:defRPr>
+            </a:lvl1pPr>
+            <a:lvl2pPr marL="630000" indent="-306000" algn="l" defTabSz="457200" rtl="0" eaLnBrk="1" latinLnBrk="0" hangingPunct="1">
+              <a:spcBef>
+                <a:spcPct val="20000"/>
+              </a:spcBef>
+              <a:spcAft>
+                <a:spcPts val="600"/>
+              </a:spcAft>
+              <a:buClr>
+                <a:schemeClr val="accent1"/>
+              </a:buClr>
+              <a:buSzPct val="92000"/>
+              <a:buFont typeface="Wingdings 2" panose="05020102010507070707" pitchFamily="18" charset="2"/>
+              <a:buChar char=""/>
+              <a:defRPr sz="1600" kern="1200">
+                <a:solidFill>
+                  <a:schemeClr val="tx1">
+                    <a:lumMod val="75000"/>
+                    <a:lumOff val="25000"/>
+                  </a:schemeClr>
+                </a:solidFill>
+                <a:latin typeface="+mn-lt"/>
+                <a:ea typeface="+mn-ea"/>
+                <a:cs typeface="+mn-cs"/>
+              </a:defRPr>
+            </a:lvl2pPr>
+            <a:lvl3pPr marL="900000" indent="-270000" algn="l" defTabSz="457200" rtl="0" eaLnBrk="1" latinLnBrk="0" hangingPunct="1">
+              <a:spcBef>
+                <a:spcPct val="20000"/>
+              </a:spcBef>
+              <a:spcAft>
+                <a:spcPts val="600"/>
+              </a:spcAft>
+              <a:buClr>
+                <a:schemeClr val="accent1"/>
+              </a:buClr>
+              <a:buSzPct val="92000"/>
+              <a:buFont typeface="Wingdings 2" panose="05020102010507070707" pitchFamily="18" charset="2"/>
+              <a:buChar char=""/>
+              <a:defRPr sz="1400" kern="1200">
+                <a:solidFill>
+                  <a:schemeClr val="tx1">
+                    <a:lumMod val="75000"/>
+                    <a:lumOff val="25000"/>
+                  </a:schemeClr>
+                </a:solidFill>
+                <a:latin typeface="+mn-lt"/>
+                <a:ea typeface="+mn-ea"/>
+                <a:cs typeface="+mn-cs"/>
+              </a:defRPr>
+            </a:lvl3pPr>
+            <a:lvl4pPr marL="1242000" indent="-234000" algn="l" defTabSz="457200" rtl="0" eaLnBrk="1" latinLnBrk="0" hangingPunct="1">
+              <a:spcBef>
+                <a:spcPct val="20000"/>
+              </a:spcBef>
+              <a:spcAft>
+                <a:spcPts val="600"/>
+              </a:spcAft>
+              <a:buClr>
+                <a:schemeClr val="accent1"/>
+              </a:buClr>
+              <a:buSzPct val="92000"/>
+              <a:buFont typeface="Wingdings 2" panose="05020102010507070707" pitchFamily="18" charset="2"/>
+              <a:buChar char=""/>
+              <a:defRPr sz="1200" kern="1200">
+                <a:solidFill>
+                  <a:schemeClr val="tx1">
+                    <a:lumMod val="75000"/>
+                    <a:lumOff val="25000"/>
+                  </a:schemeClr>
+                </a:solidFill>
+                <a:latin typeface="+mn-lt"/>
+                <a:ea typeface="+mn-ea"/>
+                <a:cs typeface="+mn-cs"/>
+              </a:defRPr>
+            </a:lvl4pPr>
+            <a:lvl5pPr marL="1602000" indent="-234000" algn="l" defTabSz="457200" rtl="0" eaLnBrk="1" latinLnBrk="0" hangingPunct="1">
+              <a:spcBef>
+                <a:spcPct val="20000"/>
+              </a:spcBef>
+              <a:spcAft>
+                <a:spcPts val="600"/>
+              </a:spcAft>
+              <a:buClr>
+                <a:schemeClr val="accent1"/>
+              </a:buClr>
+              <a:buSzPct val="92000"/>
+              <a:buFont typeface="Wingdings 2" panose="05020102010507070707" pitchFamily="18" charset="2"/>
+              <a:buChar char=""/>
+              <a:defRPr sz="1200" kern="1200">
+                <a:solidFill>
+                  <a:schemeClr val="tx1">
+                    <a:lumMod val="75000"/>
+                    <a:lumOff val="25000"/>
+                  </a:schemeClr>
+                </a:solidFill>
+                <a:latin typeface="+mn-lt"/>
+                <a:ea typeface="+mn-ea"/>
+                <a:cs typeface="+mn-cs"/>
+              </a:defRPr>
+            </a:lvl5pPr>
+            <a:lvl6pPr marL="1900000" indent="-228600" algn="l" defTabSz="457200" rtl="0" eaLnBrk="1" latinLnBrk="0" hangingPunct="1">
+              <a:spcBef>
+                <a:spcPct val="20000"/>
+              </a:spcBef>
+              <a:spcAft>
+                <a:spcPts val="600"/>
+              </a:spcAft>
+              <a:buClr>
+                <a:schemeClr val="accent2"/>
+              </a:buClr>
+              <a:buSzPct val="92000"/>
+              <a:buFont typeface="Wingdings 2" panose="05020102010507070707" pitchFamily="18" charset="2"/>
+              <a:buChar char=""/>
+              <a:defRPr sz="1200" kern="1200">
+                <a:solidFill>
+                  <a:schemeClr val="tx2"/>
+                </a:solidFill>
+                <a:latin typeface="+mn-lt"/>
+                <a:ea typeface="+mn-ea"/>
+                <a:cs typeface="+mn-cs"/>
+              </a:defRPr>
+            </a:lvl6pPr>
+            <a:lvl7pPr marL="2200000" indent="-228600" algn="l" defTabSz="457200" rtl="0" eaLnBrk="1" latinLnBrk="0" hangingPunct="1">
+              <a:spcBef>
+                <a:spcPct val="20000"/>
+              </a:spcBef>
+              <a:spcAft>
+                <a:spcPts val="600"/>
+              </a:spcAft>
+              <a:buClr>
+                <a:schemeClr val="accent2"/>
+              </a:buClr>
+              <a:buSzPct val="92000"/>
+              <a:buFont typeface="Wingdings 2" panose="05020102010507070707" pitchFamily="18" charset="2"/>
+              <a:buChar char=""/>
+              <a:defRPr sz="1200" kern="1200">
+                <a:solidFill>
+                  <a:schemeClr val="tx2"/>
+                </a:solidFill>
+                <a:latin typeface="+mn-lt"/>
+                <a:ea typeface="+mn-ea"/>
+                <a:cs typeface="+mn-cs"/>
+              </a:defRPr>
+            </a:lvl7pPr>
+            <a:lvl8pPr marL="2500000" indent="-228600" algn="l" defTabSz="457200" rtl="0" eaLnBrk="1" latinLnBrk="0" hangingPunct="1">
+              <a:spcBef>
+                <a:spcPct val="20000"/>
+              </a:spcBef>
+              <a:spcAft>
+                <a:spcPts val="600"/>
+              </a:spcAft>
+              <a:buClr>
+                <a:schemeClr val="accent2"/>
+              </a:buClr>
+              <a:buSzPct val="92000"/>
+              <a:buFont typeface="Wingdings 2" panose="05020102010507070707" pitchFamily="18" charset="2"/>
+              <a:buChar char=""/>
+              <a:defRPr sz="1200" kern="1200">
+                <a:solidFill>
+                  <a:schemeClr val="tx2"/>
+                </a:solidFill>
+                <a:latin typeface="+mn-lt"/>
+                <a:ea typeface="+mn-ea"/>
+                <a:cs typeface="+mn-cs"/>
+              </a:defRPr>
+            </a:lvl8pPr>
+            <a:lvl9pPr marL="2800000" indent="-228600" algn="l" defTabSz="457200" rtl="0" eaLnBrk="1" latinLnBrk="0" hangingPunct="1">
+              <a:spcBef>
+                <a:spcPct val="20000"/>
+              </a:spcBef>
+              <a:spcAft>
+                <a:spcPts val="600"/>
+              </a:spcAft>
+              <a:buClr>
+                <a:schemeClr val="accent2"/>
+              </a:buClr>
+              <a:buSzPct val="92000"/>
+              <a:buFont typeface="Wingdings 2" panose="05020102010507070707" pitchFamily="18" charset="2"/>
+              <a:buChar char=""/>
+              <a:defRPr sz="1200" kern="1200">
+                <a:solidFill>
+                  <a:schemeClr val="tx2"/>
+                </a:solidFill>
+                <a:latin typeface="+mn-lt"/>
+                <a:ea typeface="+mn-ea"/>
+                <a:cs typeface="+mn-cs"/>
+              </a:defRPr>
+            </a:lvl9pPr>
+          </a:lstStyle>
+          <a:p>
+            <a:pPr lvl="1">
+              <a:buFont typeface="Courier New" panose="02070309020205020404" pitchFamily="49" charset="0"/>
+              <a:buChar char="o"/>
+            </a:pPr>
+            <a:r>
+              <a:rPr lang="en-ID" dirty="0"/>
+              <a:t>Login (Admin &amp; </a:t>
+            </a:r>
+            <a:r>
+              <a:rPr lang="en-ID" dirty="0" err="1"/>
+              <a:t>Mitra</a:t>
+            </a:r>
+            <a:r>
+              <a:rPr lang="en-ID" dirty="0"/>
+              <a:t>)</a:t>
+            </a:r>
+          </a:p>
+          <a:p>
+            <a:pPr lvl="1">
+              <a:buFont typeface="Courier New" panose="02070309020205020404" pitchFamily="49" charset="0"/>
+              <a:buChar char="o"/>
+            </a:pPr>
+            <a:r>
+              <a:rPr lang="en-ID" dirty="0"/>
+              <a:t>Dashboard (Admin &amp; </a:t>
+            </a:r>
+            <a:r>
+              <a:rPr lang="en-ID" dirty="0" err="1"/>
+              <a:t>Mitra</a:t>
+            </a:r>
+            <a:r>
+              <a:rPr lang="en-ID" dirty="0"/>
+              <a:t>)</a:t>
+            </a:r>
+          </a:p>
+          <a:p>
+            <a:pPr lvl="1">
+              <a:buFont typeface="Courier New" panose="02070309020205020404" pitchFamily="49" charset="0"/>
+              <a:buChar char="o"/>
+            </a:pPr>
+            <a:r>
+              <a:rPr lang="en-ID" dirty="0"/>
+              <a:t>Menu </a:t>
+            </a:r>
+            <a:r>
+              <a:rPr lang="en-ID" dirty="0" err="1"/>
+              <a:t>Mitra</a:t>
+            </a:r>
+            <a:r>
+              <a:rPr lang="en-ID" dirty="0"/>
+              <a:t> (Admin)</a:t>
+            </a:r>
+          </a:p>
+          <a:p>
+            <a:pPr lvl="1">
+              <a:buFont typeface="Courier New" panose="02070309020205020404" pitchFamily="49" charset="0"/>
+              <a:buChar char="o"/>
+            </a:pPr>
+            <a:r>
+              <a:rPr lang="en-ID" dirty="0"/>
+              <a:t>Menu Truck (Admin &amp; </a:t>
+            </a:r>
+            <a:r>
+              <a:rPr lang="en-ID" dirty="0" err="1"/>
+              <a:t>Mitra</a:t>
+            </a:r>
+            <a:r>
+              <a:rPr lang="en-ID" dirty="0"/>
+              <a:t>)</a:t>
+            </a:r>
+          </a:p>
+          <a:p>
+            <a:pPr lvl="1">
+              <a:buFont typeface="Courier New" panose="02070309020205020404" pitchFamily="49" charset="0"/>
+              <a:buChar char="o"/>
+            </a:pPr>
+            <a:r>
+              <a:rPr lang="en-ID" dirty="0"/>
+              <a:t>Menu Driver (Admin &amp; </a:t>
+            </a:r>
+            <a:r>
+              <a:rPr lang="en-ID" dirty="0" err="1"/>
+              <a:t>Mitra</a:t>
+            </a:r>
+            <a:r>
+              <a:rPr lang="en-ID" dirty="0"/>
+              <a:t>)</a:t>
+            </a:r>
+          </a:p>
+          <a:p>
+            <a:pPr lvl="1">
+              <a:buFont typeface="Courier New" panose="02070309020205020404" pitchFamily="49" charset="0"/>
+              <a:buChar char="o"/>
+            </a:pPr>
+            <a:r>
+              <a:rPr lang="en-ID" dirty="0"/>
+              <a:t>Menu User (Admin)</a:t>
+            </a:r>
+          </a:p>
+        </p:txBody>
+      </p:sp>
+      <p:sp>
+        <p:nvSpPr>
+          <p:cNvPr id="8" name="Content Placeholder 5">
+            <a:extLst>
+              <a:ext uri="{FF2B5EF4-FFF2-40B4-BE49-F238E27FC236}">
+                <a16:creationId xmlns:a16="http://schemas.microsoft.com/office/drawing/2014/main" id="{C60D3320-ECF7-4DA9-A77E-667CB36F733F}"/>
+              </a:ext>
+            </a:extLst>
+          </p:cNvPr>
+          <p:cNvSpPr txBox="1">
+            <a:spLocks/>
+          </p:cNvSpPr>
+          <p:nvPr/>
+        </p:nvSpPr>
+        <p:spPr>
+          <a:xfrm>
+            <a:off x="6604001" y="2631032"/>
+            <a:ext cx="4757484" cy="2131499"/>
+          </a:xfrm>
+          <a:prstGeom prst="rect">
+            <a:avLst/>
+          </a:prstGeom>
+        </p:spPr>
+        <p:txBody>
+          <a:bodyPr/>
+          <a:lstStyle>
+            <a:lvl1pPr marL="306000" indent="-306000" algn="l" defTabSz="457200" rtl="0" eaLnBrk="1" latinLnBrk="0" hangingPunct="1">
+              <a:spcBef>
+                <a:spcPct val="20000"/>
+              </a:spcBef>
+              <a:spcAft>
+                <a:spcPts val="600"/>
+              </a:spcAft>
+              <a:buClr>
+                <a:schemeClr val="accent1"/>
+              </a:buClr>
+              <a:buSzPct val="92000"/>
+              <a:buFont typeface="Wingdings 2" panose="05020102010507070707" pitchFamily="18" charset="2"/>
+              <a:buChar char=""/>
+              <a:defRPr sz="1800" kern="1200">
+                <a:solidFill>
+                  <a:schemeClr val="tx1">
+                    <a:lumMod val="75000"/>
+                    <a:lumOff val="25000"/>
+                  </a:schemeClr>
+                </a:solidFill>
+                <a:latin typeface="+mn-lt"/>
+                <a:ea typeface="+mn-ea"/>
+                <a:cs typeface="+mn-cs"/>
+              </a:defRPr>
+            </a:lvl1pPr>
+            <a:lvl2pPr marL="630000" indent="-306000" algn="l" defTabSz="457200" rtl="0" eaLnBrk="1" latinLnBrk="0" hangingPunct="1">
+              <a:spcBef>
+                <a:spcPct val="20000"/>
+              </a:spcBef>
+              <a:spcAft>
+                <a:spcPts val="600"/>
+              </a:spcAft>
+              <a:buClr>
+                <a:schemeClr val="accent1"/>
+              </a:buClr>
+              <a:buSzPct val="92000"/>
+              <a:buFont typeface="Wingdings 2" panose="05020102010507070707" pitchFamily="18" charset="2"/>
+              <a:buChar char=""/>
+              <a:defRPr sz="1600" kern="1200">
+                <a:solidFill>
+                  <a:schemeClr val="tx1">
+                    <a:lumMod val="75000"/>
+                    <a:lumOff val="25000"/>
+                  </a:schemeClr>
+                </a:solidFill>
+                <a:latin typeface="+mn-lt"/>
+                <a:ea typeface="+mn-ea"/>
+                <a:cs typeface="+mn-cs"/>
+              </a:defRPr>
+            </a:lvl2pPr>
+            <a:lvl3pPr marL="900000" indent="-270000" algn="l" defTabSz="457200" rtl="0" eaLnBrk="1" latinLnBrk="0" hangingPunct="1">
+              <a:spcBef>
+                <a:spcPct val="20000"/>
+              </a:spcBef>
+              <a:spcAft>
+                <a:spcPts val="600"/>
+              </a:spcAft>
+              <a:buClr>
+                <a:schemeClr val="accent1"/>
+              </a:buClr>
+              <a:buSzPct val="92000"/>
+              <a:buFont typeface="Wingdings 2" panose="05020102010507070707" pitchFamily="18" charset="2"/>
+              <a:buChar char=""/>
+              <a:defRPr sz="1400" kern="1200">
+                <a:solidFill>
+                  <a:schemeClr val="tx1">
+                    <a:lumMod val="75000"/>
+                    <a:lumOff val="25000"/>
+                  </a:schemeClr>
+                </a:solidFill>
+                <a:latin typeface="+mn-lt"/>
+                <a:ea typeface="+mn-ea"/>
+                <a:cs typeface="+mn-cs"/>
+              </a:defRPr>
+            </a:lvl3pPr>
+            <a:lvl4pPr marL="1242000" indent="-234000" algn="l" defTabSz="457200" rtl="0" eaLnBrk="1" latinLnBrk="0" hangingPunct="1">
+              <a:spcBef>
+                <a:spcPct val="20000"/>
+              </a:spcBef>
+              <a:spcAft>
+                <a:spcPts val="600"/>
+              </a:spcAft>
+              <a:buClr>
+                <a:schemeClr val="accent1"/>
+              </a:buClr>
+              <a:buSzPct val="92000"/>
+              <a:buFont typeface="Wingdings 2" panose="05020102010507070707" pitchFamily="18" charset="2"/>
+              <a:buChar char=""/>
+              <a:defRPr sz="1200" kern="1200">
+                <a:solidFill>
+                  <a:schemeClr val="tx1">
+                    <a:lumMod val="75000"/>
+                    <a:lumOff val="25000"/>
+                  </a:schemeClr>
+                </a:solidFill>
+                <a:latin typeface="+mn-lt"/>
+                <a:ea typeface="+mn-ea"/>
+                <a:cs typeface="+mn-cs"/>
+              </a:defRPr>
+            </a:lvl4pPr>
+            <a:lvl5pPr marL="1602000" indent="-234000" algn="l" defTabSz="457200" rtl="0" eaLnBrk="1" latinLnBrk="0" hangingPunct="1">
+              <a:spcBef>
+                <a:spcPct val="20000"/>
+              </a:spcBef>
+              <a:spcAft>
+                <a:spcPts val="600"/>
+              </a:spcAft>
+              <a:buClr>
+                <a:schemeClr val="accent1"/>
+              </a:buClr>
+              <a:buSzPct val="92000"/>
+              <a:buFont typeface="Wingdings 2" panose="05020102010507070707" pitchFamily="18" charset="2"/>
+              <a:buChar char=""/>
+              <a:defRPr sz="1200" kern="1200">
+                <a:solidFill>
+                  <a:schemeClr val="tx1">
+                    <a:lumMod val="75000"/>
+                    <a:lumOff val="25000"/>
+                  </a:schemeClr>
+                </a:solidFill>
+                <a:latin typeface="+mn-lt"/>
+                <a:ea typeface="+mn-ea"/>
+                <a:cs typeface="+mn-cs"/>
+              </a:defRPr>
+            </a:lvl5pPr>
+            <a:lvl6pPr marL="1900000" indent="-228600" algn="l" defTabSz="457200" rtl="0" eaLnBrk="1" latinLnBrk="0" hangingPunct="1">
+              <a:spcBef>
+                <a:spcPct val="20000"/>
+              </a:spcBef>
+              <a:spcAft>
+                <a:spcPts val="600"/>
+              </a:spcAft>
+              <a:buClr>
+                <a:schemeClr val="accent2"/>
+              </a:buClr>
+              <a:buSzPct val="92000"/>
+              <a:buFont typeface="Wingdings 2" panose="05020102010507070707" pitchFamily="18" charset="2"/>
+              <a:buChar char=""/>
+              <a:defRPr sz="1200" kern="1200">
+                <a:solidFill>
+                  <a:schemeClr val="tx2"/>
+                </a:solidFill>
+                <a:latin typeface="+mn-lt"/>
+                <a:ea typeface="+mn-ea"/>
+                <a:cs typeface="+mn-cs"/>
+              </a:defRPr>
+            </a:lvl6pPr>
+            <a:lvl7pPr marL="2200000" indent="-228600" algn="l" defTabSz="457200" rtl="0" eaLnBrk="1" latinLnBrk="0" hangingPunct="1">
+              <a:spcBef>
+                <a:spcPct val="20000"/>
+              </a:spcBef>
+              <a:spcAft>
+                <a:spcPts val="600"/>
+              </a:spcAft>
+              <a:buClr>
+                <a:schemeClr val="accent2"/>
+              </a:buClr>
+              <a:buSzPct val="92000"/>
+              <a:buFont typeface="Wingdings 2" panose="05020102010507070707" pitchFamily="18" charset="2"/>
+              <a:buChar char=""/>
+              <a:defRPr sz="1200" kern="1200">
+                <a:solidFill>
+                  <a:schemeClr val="tx2"/>
+                </a:solidFill>
+                <a:latin typeface="+mn-lt"/>
+                <a:ea typeface="+mn-ea"/>
+                <a:cs typeface="+mn-cs"/>
+              </a:defRPr>
+            </a:lvl7pPr>
+            <a:lvl8pPr marL="2500000" indent="-228600" algn="l" defTabSz="457200" rtl="0" eaLnBrk="1" latinLnBrk="0" hangingPunct="1">
+              <a:spcBef>
+                <a:spcPct val="20000"/>
+              </a:spcBef>
+              <a:spcAft>
+                <a:spcPts val="600"/>
+              </a:spcAft>
+              <a:buClr>
+                <a:schemeClr val="accent2"/>
+              </a:buClr>
+              <a:buSzPct val="92000"/>
+              <a:buFont typeface="Wingdings 2" panose="05020102010507070707" pitchFamily="18" charset="2"/>
+              <a:buChar char=""/>
+              <a:defRPr sz="1200" kern="1200">
+                <a:solidFill>
+                  <a:schemeClr val="tx2"/>
+                </a:solidFill>
+                <a:latin typeface="+mn-lt"/>
+                <a:ea typeface="+mn-ea"/>
+                <a:cs typeface="+mn-cs"/>
+              </a:defRPr>
+            </a:lvl8pPr>
+            <a:lvl9pPr marL="2800000" indent="-228600" algn="l" defTabSz="457200" rtl="0" eaLnBrk="1" latinLnBrk="0" hangingPunct="1">
+              <a:spcBef>
+                <a:spcPct val="20000"/>
+              </a:spcBef>
+              <a:spcAft>
+                <a:spcPts val="600"/>
+              </a:spcAft>
+              <a:buClr>
+                <a:schemeClr val="accent2"/>
+              </a:buClr>
+              <a:buSzPct val="92000"/>
+              <a:buFont typeface="Wingdings 2" panose="05020102010507070707" pitchFamily="18" charset="2"/>
+              <a:buChar char=""/>
+              <a:defRPr sz="1200" kern="1200">
+                <a:solidFill>
+                  <a:schemeClr val="tx2"/>
+                </a:solidFill>
+                <a:latin typeface="+mn-lt"/>
+                <a:ea typeface="+mn-ea"/>
+                <a:cs typeface="+mn-cs"/>
+              </a:defRPr>
+            </a:lvl9pPr>
+          </a:lstStyle>
+          <a:p>
+            <a:pPr lvl="1">
+              <a:buFont typeface="Courier New" panose="02070309020205020404" pitchFamily="49" charset="0"/>
+              <a:buChar char="o"/>
+            </a:pPr>
+            <a:r>
+              <a:rPr lang="en-ID" dirty="0"/>
+              <a:t>Menu Zona (Admin)</a:t>
+            </a:r>
+          </a:p>
+          <a:p>
+            <a:pPr lvl="1">
+              <a:buFont typeface="Courier New" panose="02070309020205020404" pitchFamily="49" charset="0"/>
+              <a:buChar char="o"/>
+            </a:pPr>
+            <a:r>
+              <a:rPr lang="en-ID" dirty="0"/>
+              <a:t>Menu Region(Admin)</a:t>
+            </a:r>
+          </a:p>
+          <a:p>
+            <a:pPr lvl="1">
+              <a:buFont typeface="Courier New" panose="02070309020205020404" pitchFamily="49" charset="0"/>
+              <a:buChar char="o"/>
+            </a:pPr>
+            <a:r>
+              <a:rPr lang="en-ID" dirty="0"/>
+              <a:t>Menu Item </a:t>
+            </a:r>
+            <a:r>
+              <a:rPr lang="en-ID" dirty="0" err="1"/>
+              <a:t>Jasa</a:t>
+            </a:r>
+            <a:r>
+              <a:rPr lang="en-ID" dirty="0"/>
+              <a:t> (Admin)</a:t>
+            </a:r>
+          </a:p>
+          <a:p>
+            <a:pPr lvl="1">
+              <a:buFont typeface="Courier New" panose="02070309020205020404" pitchFamily="49" charset="0"/>
+              <a:buChar char="o"/>
+            </a:pPr>
+            <a:r>
+              <a:rPr lang="en-ID" dirty="0"/>
+              <a:t>Menu </a:t>
+            </a:r>
+            <a:r>
+              <a:rPr lang="en-ID" dirty="0" err="1"/>
+              <a:t>Berita</a:t>
+            </a:r>
+            <a:r>
+              <a:rPr lang="en-ID" dirty="0"/>
+              <a:t> (Admin)</a:t>
+            </a:r>
+          </a:p>
+          <a:p>
+            <a:pPr lvl="1">
+              <a:buFont typeface="Courier New" panose="02070309020205020404" pitchFamily="49" charset="0"/>
+              <a:buChar char="o"/>
+            </a:pPr>
+            <a:r>
+              <a:rPr lang="en-ID" dirty="0"/>
+              <a:t>Menu List </a:t>
+            </a:r>
+            <a:r>
+              <a:rPr lang="en-ID" dirty="0" err="1"/>
+              <a:t>Transaksi</a:t>
+            </a:r>
+            <a:r>
+              <a:rPr lang="en-ID" dirty="0"/>
+              <a:t> (Admin &amp; </a:t>
+            </a:r>
+            <a:r>
+              <a:rPr lang="en-ID" dirty="0" err="1"/>
+              <a:t>Mitra</a:t>
+            </a:r>
+            <a:r>
+              <a:rPr lang="en-ID" dirty="0"/>
+              <a:t>)</a:t>
+            </a:r>
+          </a:p>
+          <a:p>
+            <a:pPr lvl="1">
+              <a:buFont typeface="Courier New" panose="02070309020205020404" pitchFamily="49" charset="0"/>
+              <a:buChar char="o"/>
+            </a:pPr>
+            <a:r>
+              <a:rPr lang="en-ID" dirty="0"/>
+              <a:t>Menu </a:t>
+            </a:r>
+            <a:r>
+              <a:rPr lang="en-ID" dirty="0" err="1"/>
+              <a:t>Penyetoran</a:t>
+            </a:r>
+            <a:r>
+              <a:rPr lang="en-ID" dirty="0"/>
+              <a:t> (Admin &amp; </a:t>
+            </a:r>
+            <a:r>
+              <a:rPr lang="en-ID" dirty="0" err="1"/>
+              <a:t>Mitra</a:t>
+            </a:r>
+            <a:r>
+              <a:rPr lang="en-ID" dirty="0"/>
+              <a:t>)</a:t>
+            </a:r>
+          </a:p>
+        </p:txBody>
+      </p:sp>
+    </p:spTree>
+    <p:extLst>
+      <p:ext uri="{BB962C8B-B14F-4D97-AF65-F5344CB8AC3E}">
+        <p14:creationId xmlns:p14="http://schemas.microsoft.com/office/powerpoint/2010/main" val="1842538774"/>
+      </p:ext>
+    </p:extLst>
+  </p:cSld>
+  <p:clrMapOvr>
+    <a:masterClrMapping/>
+  </p:clrMapOvr>
+</p:sld>
+</file>
+
+<file path=ppt/slides/slide6.xml><?xml version="1.0" encoding="utf-8"?>
+<p:sld xmlns:a="http://schemas.openxmlformats.org/drawingml/2006/main" xmlns:r="http://schemas.openxmlformats.org/officeDocument/2006/relationships" xmlns:p="http://schemas.openxmlformats.org/presentationml/2006/main">
+  <p:cSld>
+    <p:spTree>
+      <p:nvGrpSpPr>
+        <p:cNvPr id="1" name=""/>
+        <p:cNvGrpSpPr/>
+        <p:nvPr/>
+      </p:nvGrpSpPr>
+      <p:grpSpPr>
+        <a:xfrm>
+          <a:off x="0" y="0"/>
+          <a:ext cx="0" cy="0"/>
+          <a:chOff x="0" y="0"/>
+          <a:chExt cx="0" cy="0"/>
+        </a:xfrm>
+      </p:grpSpPr>
+      <p:sp>
+        <p:nvSpPr>
+          <p:cNvPr id="2" name="Title 1">
+            <a:extLst>
+              <a:ext uri="{FF2B5EF4-FFF2-40B4-BE49-F238E27FC236}">
+                <a16:creationId xmlns:a16="http://schemas.microsoft.com/office/drawing/2014/main" id="{8FC8A8A2-FD0C-400B-AF0D-0FBE0FB4D3FB}"/>
+              </a:ext>
+            </a:extLst>
+          </p:cNvPr>
+          <p:cNvSpPr>
+            <a:spLocks noGrp="1"/>
+          </p:cNvSpPr>
+          <p:nvPr>
+            <p:ph type="title"/>
+          </p:nvPr>
+        </p:nvSpPr>
+        <p:spPr/>
+        <p:txBody>
+          <a:bodyPr/>
+          <a:lstStyle/>
+          <a:p>
+            <a:r>
+              <a:rPr lang="en-US" dirty="0"/>
               <a:t>Task android developer</a:t>
             </a:r>
             <a:endParaRPr lang="en-ID" dirty="0"/>
@@ -13390,251 +15635,7 @@
     </p:spTree>
     <p:extLst>
       <p:ext uri="{BB962C8B-B14F-4D97-AF65-F5344CB8AC3E}">
-        <p14:creationId xmlns:p14="http://schemas.microsoft.com/office/powerpoint/2010/main" val="1842538774"/>
-      </p:ext>
-    </p:extLst>
-  </p:cSld>
-  <p:clrMapOvr>
-    <a:masterClrMapping/>
-  </p:clrMapOvr>
-</p:sld>
-</file>
-
-<file path=ppt/slides/slide6.xml><?xml version="1.0" encoding="utf-8"?>
-<p:sld xmlns:a="http://schemas.openxmlformats.org/drawingml/2006/main" xmlns:r="http://schemas.openxmlformats.org/officeDocument/2006/relationships" xmlns:p="http://schemas.openxmlformats.org/presentationml/2006/main">
-  <p:cSld>
-    <p:spTree>
-      <p:nvGrpSpPr>
-        <p:cNvPr id="1" name=""/>
-        <p:cNvGrpSpPr/>
-        <p:nvPr/>
-      </p:nvGrpSpPr>
-      <p:grpSpPr>
-        <a:xfrm>
-          <a:off x="0" y="0"/>
-          <a:ext cx="0" cy="0"/>
-          <a:chOff x="0" y="0"/>
-          <a:chExt cx="0" cy="0"/>
-        </a:xfrm>
-      </p:grpSpPr>
-      <p:sp>
-        <p:nvSpPr>
-          <p:cNvPr id="3" name="Title 2">
-            <a:extLst>
-              <a:ext uri="{FF2B5EF4-FFF2-40B4-BE49-F238E27FC236}">
-                <a16:creationId xmlns:a16="http://schemas.microsoft.com/office/drawing/2014/main" id="{F6BF800B-2D91-A844-B4B2-97273E94E563}"/>
-              </a:ext>
-            </a:extLst>
-          </p:cNvPr>
-          <p:cNvSpPr>
-            <a:spLocks noGrp="1"/>
-          </p:cNvSpPr>
-          <p:nvPr>
-            <p:ph type="title"/>
-          </p:nvPr>
-        </p:nvSpPr>
-        <p:spPr/>
-        <p:txBody>
-          <a:bodyPr/>
-          <a:lstStyle/>
-          <a:p>
-            <a:r>
-              <a:rPr lang="en-US" dirty="0"/>
-              <a:t>Fitur </a:t>
-            </a:r>
-            <a:r>
-              <a:rPr lang="en-US" dirty="0" err="1"/>
-              <a:t>masuk</a:t>
-            </a:r>
-            <a:endParaRPr lang="en-US" dirty="0"/>
-          </a:p>
-        </p:txBody>
-      </p:sp>
-      <p:sp>
-        <p:nvSpPr>
-          <p:cNvPr id="4" name="Content Placeholder 3">
-            <a:extLst>
-              <a:ext uri="{FF2B5EF4-FFF2-40B4-BE49-F238E27FC236}">
-                <a16:creationId xmlns:a16="http://schemas.microsoft.com/office/drawing/2014/main" id="{258465F5-4312-2541-8368-01B99B3E9619}"/>
-              </a:ext>
-            </a:extLst>
-          </p:cNvPr>
-          <p:cNvSpPr>
-            <a:spLocks noGrp="1"/>
-          </p:cNvSpPr>
-          <p:nvPr>
-            <p:ph sz="quarter" idx="14"/>
-          </p:nvPr>
-        </p:nvSpPr>
-        <p:spPr/>
-        <p:txBody>
-          <a:bodyPr/>
-          <a:lstStyle/>
-          <a:p>
-            <a:pPr marL="342900" indent="-342900">
-              <a:buFont typeface="+mj-lt"/>
-              <a:buAutoNum type="arabicPeriod"/>
-            </a:pPr>
-            <a:endParaRPr lang="en-US" dirty="0"/>
-          </a:p>
-        </p:txBody>
-      </p:sp>
-      <p:pic>
-        <p:nvPicPr>
-          <p:cNvPr id="7" name="Picture 6">
-            <a:extLst>
-              <a:ext uri="{FF2B5EF4-FFF2-40B4-BE49-F238E27FC236}">
-                <a16:creationId xmlns:a16="http://schemas.microsoft.com/office/drawing/2014/main" id="{F8BC6F42-68D2-48F0-B10D-40ED71873BB8}"/>
-              </a:ext>
-            </a:extLst>
-          </p:cNvPr>
-          <p:cNvPicPr/>
-          <p:nvPr/>
-        </p:nvPicPr>
-        <p:blipFill>
-          <a:blip r:embed="rId2" cstate="print">
-            <a:extLst>
-              <a:ext uri="{28A0092B-C50C-407E-A947-70E740481C1C}">
-                <a14:useLocalDpi xmlns:a14="http://schemas.microsoft.com/office/drawing/2010/main" val="0"/>
-              </a:ext>
-            </a:extLst>
-          </a:blip>
-          <a:srcRect/>
-          <a:stretch>
-            <a:fillRect/>
-          </a:stretch>
-        </p:blipFill>
-        <p:spPr bwMode="auto">
-          <a:xfrm>
-            <a:off x="329533" y="702156"/>
-            <a:ext cx="2592721" cy="5562212"/>
-          </a:xfrm>
-          <a:prstGeom prst="rect">
-            <a:avLst/>
-          </a:prstGeom>
-          <a:noFill/>
-          <a:ln>
-            <a:noFill/>
-          </a:ln>
-        </p:spPr>
-      </p:pic>
-      <p:pic>
-        <p:nvPicPr>
-          <p:cNvPr id="9" name="Picture 8">
-            <a:extLst>
-              <a:ext uri="{FF2B5EF4-FFF2-40B4-BE49-F238E27FC236}">
-                <a16:creationId xmlns:a16="http://schemas.microsoft.com/office/drawing/2014/main" id="{783A8F50-20E0-4DF1-BCDC-11B042A84A3D}"/>
-              </a:ext>
-            </a:extLst>
-          </p:cNvPr>
-          <p:cNvPicPr/>
-          <p:nvPr/>
-        </p:nvPicPr>
-        <p:blipFill>
-          <a:blip r:embed="rId3" cstate="print">
-            <a:extLst>
-              <a:ext uri="{28A0092B-C50C-407E-A947-70E740481C1C}">
-                <a14:useLocalDpi xmlns:a14="http://schemas.microsoft.com/office/drawing/2010/main" val="0"/>
-              </a:ext>
-            </a:extLst>
-          </a:blip>
-          <a:srcRect/>
-          <a:stretch>
-            <a:fillRect/>
-          </a:stretch>
-        </p:blipFill>
-        <p:spPr bwMode="auto">
-          <a:xfrm>
-            <a:off x="2922255" y="702156"/>
-            <a:ext cx="2592720" cy="5559946"/>
-          </a:xfrm>
-          <a:prstGeom prst="rect">
-            <a:avLst/>
-          </a:prstGeom>
-          <a:noFill/>
-          <a:ln>
-            <a:noFill/>
-          </a:ln>
-        </p:spPr>
-      </p:pic>
-      <p:sp>
-        <p:nvSpPr>
-          <p:cNvPr id="6" name="TextBox 5">
-            <a:extLst>
-              <a:ext uri="{FF2B5EF4-FFF2-40B4-BE49-F238E27FC236}">
-                <a16:creationId xmlns:a16="http://schemas.microsoft.com/office/drawing/2014/main" id="{4C96BAD3-4E77-4F90-A5B4-C3C86DF259B6}"/>
-              </a:ext>
-            </a:extLst>
-          </p:cNvPr>
-          <p:cNvSpPr txBox="1"/>
-          <p:nvPr/>
-        </p:nvSpPr>
-        <p:spPr>
-          <a:xfrm>
-            <a:off x="1093535" y="6264368"/>
-            <a:ext cx="1064715" cy="369332"/>
-          </a:xfrm>
-          <a:prstGeom prst="rect">
-            <a:avLst/>
-          </a:prstGeom>
-          <a:noFill/>
-        </p:spPr>
-        <p:txBody>
-          <a:bodyPr wrap="none" rtlCol="0">
-            <a:spAutoFit/>
-          </a:bodyPr>
-          <a:lstStyle/>
-          <a:p>
-            <a:pPr algn="ctr"/>
-            <a:r>
-              <a:rPr lang="en-US" dirty="0"/>
-              <a:t>Customer</a:t>
-            </a:r>
-            <a:endParaRPr lang="en-ID" dirty="0"/>
-          </a:p>
-        </p:txBody>
-      </p:sp>
-      <p:sp>
-        <p:nvSpPr>
-          <p:cNvPr id="10" name="TextBox 9">
-            <a:extLst>
-              <a:ext uri="{FF2B5EF4-FFF2-40B4-BE49-F238E27FC236}">
-                <a16:creationId xmlns:a16="http://schemas.microsoft.com/office/drawing/2014/main" id="{A1529446-42A4-4CA1-A2C1-22C720352D10}"/>
-              </a:ext>
-            </a:extLst>
-          </p:cNvPr>
-          <p:cNvSpPr txBox="1"/>
-          <p:nvPr/>
-        </p:nvSpPr>
-        <p:spPr>
-          <a:xfrm>
-            <a:off x="3835048" y="6264368"/>
-            <a:ext cx="767133" cy="369332"/>
-          </a:xfrm>
-          <a:prstGeom prst="rect">
-            <a:avLst/>
-          </a:prstGeom>
-          <a:noFill/>
-        </p:spPr>
-        <p:txBody>
-          <a:bodyPr wrap="none" rtlCol="0">
-            <a:spAutoFit/>
-          </a:bodyPr>
-          <a:lstStyle/>
-          <a:p>
-            <a:pPr algn="ctr"/>
-            <a:r>
-              <a:rPr lang="en-US" dirty="0"/>
-              <a:t>Driver</a:t>
-            </a:r>
-            <a:endParaRPr lang="en-ID" dirty="0"/>
-          </a:p>
-        </p:txBody>
-      </p:sp>
-    </p:spTree>
-    <p:extLst>
-      <p:ext uri="{BB962C8B-B14F-4D97-AF65-F5344CB8AC3E}">
-        <p14:creationId xmlns:p14="http://schemas.microsoft.com/office/powerpoint/2010/main" val="2058852336"/>
+        <p14:creationId xmlns:p14="http://schemas.microsoft.com/office/powerpoint/2010/main" val="3711505921"/>
       </p:ext>
     </p:extLst>
   </p:cSld>
@@ -13679,9 +15680,7 @@
         </p:nvSpPr>
         <p:spPr/>
         <p:txBody>
-          <a:bodyPr>
-            <a:normAutofit/>
-          </a:bodyPr>
+          <a:bodyPr/>
           <a:lstStyle/>
           <a:p>
             <a:r>
@@ -13690,7 +15689,7 @@
             </a:r>
             <a:r>
               <a:rPr lang="en-US" dirty="0" err="1"/>
-              <a:t>Registrasi</a:t>
+              <a:t>masuk</a:t>
             </a:r>
             <a:endParaRPr lang="en-US" dirty="0"/>
           </a:p>
@@ -13714,14 +15713,632 @@
         </p:nvSpPr>
         <p:spPr/>
         <p:txBody>
-          <a:bodyPr/>
+          <a:bodyPr anchor="t"/>
           <a:lstStyle/>
           <a:p>
             <a:pPr marL="342900" indent="-342900">
               <a:buFont typeface="+mj-lt"/>
               <a:buAutoNum type="arabicPeriod"/>
             </a:pPr>
+            <a:r>
+              <a:rPr lang="en-US" dirty="0" err="1"/>
+              <a:t>Saat</a:t>
+            </a:r>
+            <a:r>
+              <a:rPr lang="en-US" dirty="0"/>
+              <a:t> </a:t>
+            </a:r>
+            <a:r>
+              <a:rPr lang="en-US" dirty="0" err="1"/>
+              <a:t>pertama</a:t>
+            </a:r>
+            <a:r>
+              <a:rPr lang="en-US" dirty="0"/>
+              <a:t> kali </a:t>
+            </a:r>
+            <a:r>
+              <a:rPr lang="en-US" dirty="0" err="1"/>
+              <a:t>membuka</a:t>
+            </a:r>
+            <a:r>
+              <a:rPr lang="en-US" dirty="0"/>
+              <a:t> </a:t>
+            </a:r>
+            <a:r>
+              <a:rPr lang="en-US" dirty="0" err="1"/>
+              <a:t>aplikasi</a:t>
+            </a:r>
+            <a:r>
+              <a:rPr lang="en-US" dirty="0"/>
+              <a:t> b-</a:t>
+            </a:r>
+            <a:r>
+              <a:rPr lang="en-US" dirty="0" err="1"/>
+              <a:t>septik</a:t>
+            </a:r>
+            <a:r>
+              <a:rPr lang="en-US" dirty="0"/>
+              <a:t>, </a:t>
+            </a:r>
+            <a:r>
+              <a:rPr lang="en-US" dirty="0" err="1"/>
+              <a:t>maka</a:t>
+            </a:r>
+            <a:r>
+              <a:rPr lang="en-US" dirty="0"/>
+              <a:t> </a:t>
+            </a:r>
+            <a:r>
+              <a:rPr lang="en-US" dirty="0" err="1"/>
+              <a:t>akan</a:t>
+            </a:r>
+            <a:r>
+              <a:rPr lang="en-US" dirty="0"/>
+              <a:t> </a:t>
+            </a:r>
+            <a:r>
+              <a:rPr lang="en-US" dirty="0" err="1"/>
+              <a:t>bertemu</a:t>
+            </a:r>
+            <a:r>
+              <a:rPr lang="en-US" dirty="0"/>
+              <a:t> </a:t>
+            </a:r>
+            <a:r>
+              <a:rPr lang="en-US" dirty="0" err="1"/>
+              <a:t>dengan</a:t>
+            </a:r>
+            <a:r>
+              <a:rPr lang="en-US" dirty="0"/>
+              <a:t> </a:t>
+            </a:r>
+            <a:r>
+              <a:rPr lang="en-US" dirty="0" err="1"/>
+              <a:t>halaman</a:t>
+            </a:r>
+            <a:r>
+              <a:rPr lang="en-US" dirty="0"/>
+              <a:t> </a:t>
+            </a:r>
+            <a:r>
+              <a:rPr lang="en-US" dirty="0" err="1"/>
+              <a:t>masuk</a:t>
+            </a:r>
+            <a:r>
+              <a:rPr lang="en-US" dirty="0"/>
+              <a:t>. </a:t>
+            </a:r>
+          </a:p>
+          <a:p>
+            <a:pPr marL="342900" indent="-342900">
+              <a:buFont typeface="+mj-lt"/>
+              <a:buAutoNum type="arabicPeriod"/>
+            </a:pPr>
+            <a:r>
+              <a:rPr lang="en-US" dirty="0"/>
+              <a:t>Di </a:t>
+            </a:r>
+            <a:r>
+              <a:rPr lang="en-US" dirty="0" err="1"/>
+              <a:t>halaman</a:t>
+            </a:r>
+            <a:r>
+              <a:rPr lang="en-US" dirty="0"/>
+              <a:t> </a:t>
+            </a:r>
+            <a:r>
+              <a:rPr lang="en-US" dirty="0" err="1"/>
+              <a:t>ini</a:t>
+            </a:r>
+            <a:r>
+              <a:rPr lang="en-US" dirty="0"/>
+              <a:t> </a:t>
+            </a:r>
+            <a:r>
+              <a:rPr lang="en-US" dirty="0" err="1"/>
+              <a:t>terdapat</a:t>
+            </a:r>
+            <a:r>
+              <a:rPr lang="en-US" dirty="0"/>
+              <a:t> </a:t>
+            </a:r>
+            <a:r>
+              <a:rPr lang="en-US" dirty="0" err="1"/>
+              <a:t>dua</a:t>
+            </a:r>
+            <a:r>
+              <a:rPr lang="en-US" dirty="0"/>
+              <a:t> </a:t>
+            </a:r>
+            <a:r>
+              <a:rPr lang="en-US" dirty="0" err="1"/>
+              <a:t>kolom</a:t>
+            </a:r>
+            <a:r>
+              <a:rPr lang="en-US" dirty="0"/>
+              <a:t> </a:t>
+            </a:r>
+            <a:r>
+              <a:rPr lang="en-US" dirty="0" err="1"/>
+              <a:t>yaitu</a:t>
+            </a:r>
+            <a:r>
+              <a:rPr lang="en-US" dirty="0"/>
+              <a:t> </a:t>
+            </a:r>
+            <a:r>
+              <a:rPr lang="en-US" dirty="0" err="1"/>
+              <a:t>surel</a:t>
+            </a:r>
+            <a:r>
+              <a:rPr lang="en-US" dirty="0"/>
+              <a:t> dan kata </a:t>
+            </a:r>
+            <a:r>
+              <a:rPr lang="en-US" dirty="0" err="1"/>
+              <a:t>sandi</a:t>
+            </a:r>
+            <a:r>
+              <a:rPr lang="en-US" dirty="0"/>
+              <a:t> </a:t>
+            </a:r>
+            <a:r>
+              <a:rPr lang="en-US" dirty="0" err="1"/>
+              <a:t>sebagai</a:t>
+            </a:r>
+            <a:r>
+              <a:rPr lang="en-US" dirty="0"/>
+              <a:t> </a:t>
+            </a:r>
+            <a:r>
+              <a:rPr lang="en-US" dirty="0" err="1"/>
+              <a:t>autentikasi</a:t>
+            </a:r>
+            <a:r>
+              <a:rPr lang="en-US" dirty="0"/>
+              <a:t> </a:t>
+            </a:r>
+            <a:r>
+              <a:rPr lang="en-US" dirty="0" err="1"/>
+              <a:t>pengguna</a:t>
+            </a:r>
+            <a:r>
+              <a:rPr lang="en-US" dirty="0"/>
+              <a:t> dan </a:t>
+            </a:r>
+            <a:r>
+              <a:rPr lang="en-US" dirty="0" err="1"/>
+              <a:t>pintasan</a:t>
+            </a:r>
+            <a:r>
+              <a:rPr lang="en-US" dirty="0"/>
+              <a:t> </a:t>
+            </a:r>
+            <a:r>
+              <a:rPr lang="en-US" dirty="0" err="1"/>
+              <a:t>untuk</a:t>
+            </a:r>
+            <a:r>
+              <a:rPr lang="en-US" dirty="0"/>
+              <a:t> </a:t>
+            </a:r>
+            <a:r>
+              <a:rPr lang="en-US" dirty="0" err="1"/>
+              <a:t>menuju</a:t>
+            </a:r>
+            <a:r>
+              <a:rPr lang="en-US" dirty="0"/>
+              <a:t> </a:t>
+            </a:r>
+            <a:r>
+              <a:rPr lang="en-US" dirty="0" err="1"/>
+              <a:t>halaman</a:t>
+            </a:r>
+            <a:r>
+              <a:rPr lang="en-US" dirty="0"/>
+              <a:t> </a:t>
+            </a:r>
+            <a:r>
+              <a:rPr lang="en-US" dirty="0" err="1"/>
+              <a:t>registrasi</a:t>
+            </a:r>
+            <a:r>
+              <a:rPr lang="en-US" dirty="0"/>
+              <a:t>. </a:t>
+            </a:r>
+          </a:p>
+        </p:txBody>
+      </p:sp>
+      <p:pic>
+        <p:nvPicPr>
+          <p:cNvPr id="7" name="Picture 6">
+            <a:extLst>
+              <a:ext uri="{FF2B5EF4-FFF2-40B4-BE49-F238E27FC236}">
+                <a16:creationId xmlns:a16="http://schemas.microsoft.com/office/drawing/2014/main" id="{F8BC6F42-68D2-48F0-B10D-40ED71873BB8}"/>
+              </a:ext>
+            </a:extLst>
+          </p:cNvPr>
+          <p:cNvPicPr/>
+          <p:nvPr/>
+        </p:nvPicPr>
+        <p:blipFill>
+          <a:blip r:embed="rId2" cstate="print">
+            <a:extLst>
+              <a:ext uri="{28A0092B-C50C-407E-A947-70E740481C1C}">
+                <a14:useLocalDpi xmlns:a14="http://schemas.microsoft.com/office/drawing/2010/main" val="0"/>
+              </a:ext>
+            </a:extLst>
+          </a:blip>
+          <a:srcRect/>
+          <a:stretch>
+            <a:fillRect/>
+          </a:stretch>
+        </p:blipFill>
+        <p:spPr bwMode="auto">
+          <a:xfrm>
+            <a:off x="329533" y="702156"/>
+            <a:ext cx="2592721" cy="5562212"/>
+          </a:xfrm>
+          <a:prstGeom prst="rect">
+            <a:avLst/>
+          </a:prstGeom>
+          <a:noFill/>
+          <a:ln>
+            <a:noFill/>
+          </a:ln>
+        </p:spPr>
+      </p:pic>
+      <p:pic>
+        <p:nvPicPr>
+          <p:cNvPr id="9" name="Picture 8">
+            <a:extLst>
+              <a:ext uri="{FF2B5EF4-FFF2-40B4-BE49-F238E27FC236}">
+                <a16:creationId xmlns:a16="http://schemas.microsoft.com/office/drawing/2014/main" id="{783A8F50-20E0-4DF1-BCDC-11B042A84A3D}"/>
+              </a:ext>
+            </a:extLst>
+          </p:cNvPr>
+          <p:cNvPicPr/>
+          <p:nvPr/>
+        </p:nvPicPr>
+        <p:blipFill>
+          <a:blip r:embed="rId3" cstate="print">
+            <a:extLst>
+              <a:ext uri="{28A0092B-C50C-407E-A947-70E740481C1C}">
+                <a14:useLocalDpi xmlns:a14="http://schemas.microsoft.com/office/drawing/2010/main" val="0"/>
+              </a:ext>
+            </a:extLst>
+          </a:blip>
+          <a:srcRect/>
+          <a:stretch>
+            <a:fillRect/>
+          </a:stretch>
+        </p:blipFill>
+        <p:spPr bwMode="auto">
+          <a:xfrm>
+            <a:off x="2922255" y="702156"/>
+            <a:ext cx="2592720" cy="5559946"/>
+          </a:xfrm>
+          <a:prstGeom prst="rect">
+            <a:avLst/>
+          </a:prstGeom>
+          <a:noFill/>
+          <a:ln>
+            <a:noFill/>
+          </a:ln>
+        </p:spPr>
+      </p:pic>
+      <p:sp>
+        <p:nvSpPr>
+          <p:cNvPr id="6" name="TextBox 5">
+            <a:extLst>
+              <a:ext uri="{FF2B5EF4-FFF2-40B4-BE49-F238E27FC236}">
+                <a16:creationId xmlns:a16="http://schemas.microsoft.com/office/drawing/2014/main" id="{4C96BAD3-4E77-4F90-A5B4-C3C86DF259B6}"/>
+              </a:ext>
+            </a:extLst>
+          </p:cNvPr>
+          <p:cNvSpPr txBox="1"/>
+          <p:nvPr/>
+        </p:nvSpPr>
+        <p:spPr>
+          <a:xfrm>
+            <a:off x="1093535" y="6264368"/>
+            <a:ext cx="1064715" cy="369332"/>
+          </a:xfrm>
+          <a:prstGeom prst="rect">
+            <a:avLst/>
+          </a:prstGeom>
+          <a:noFill/>
+        </p:spPr>
+        <p:txBody>
+          <a:bodyPr wrap="none" rtlCol="0">
+            <a:spAutoFit/>
+          </a:bodyPr>
+          <a:lstStyle/>
+          <a:p>
+            <a:pPr algn="ctr"/>
+            <a:r>
+              <a:rPr lang="en-US" dirty="0"/>
+              <a:t>Customer</a:t>
+            </a:r>
+            <a:endParaRPr lang="en-ID" dirty="0"/>
+          </a:p>
+        </p:txBody>
+      </p:sp>
+      <p:sp>
+        <p:nvSpPr>
+          <p:cNvPr id="10" name="TextBox 9">
+            <a:extLst>
+              <a:ext uri="{FF2B5EF4-FFF2-40B4-BE49-F238E27FC236}">
+                <a16:creationId xmlns:a16="http://schemas.microsoft.com/office/drawing/2014/main" id="{A1529446-42A4-4CA1-A2C1-22C720352D10}"/>
+              </a:ext>
+            </a:extLst>
+          </p:cNvPr>
+          <p:cNvSpPr txBox="1"/>
+          <p:nvPr/>
+        </p:nvSpPr>
+        <p:spPr>
+          <a:xfrm>
+            <a:off x="3835048" y="6264368"/>
+            <a:ext cx="767133" cy="369332"/>
+          </a:xfrm>
+          <a:prstGeom prst="rect">
+            <a:avLst/>
+          </a:prstGeom>
+          <a:noFill/>
+        </p:spPr>
+        <p:txBody>
+          <a:bodyPr wrap="none" rtlCol="0">
+            <a:spAutoFit/>
+          </a:bodyPr>
+          <a:lstStyle/>
+          <a:p>
+            <a:pPr algn="ctr"/>
+            <a:r>
+              <a:rPr lang="en-US" dirty="0"/>
+              <a:t>Driver</a:t>
+            </a:r>
+            <a:endParaRPr lang="en-ID" dirty="0"/>
+          </a:p>
+        </p:txBody>
+      </p:sp>
+    </p:spTree>
+    <p:extLst>
+      <p:ext uri="{BB962C8B-B14F-4D97-AF65-F5344CB8AC3E}">
+        <p14:creationId xmlns:p14="http://schemas.microsoft.com/office/powerpoint/2010/main" val="2058852336"/>
+      </p:ext>
+    </p:extLst>
+  </p:cSld>
+  <p:clrMapOvr>
+    <a:masterClrMapping/>
+  </p:clrMapOvr>
+</p:sld>
+</file>
+
+<file path=ppt/slides/slide8.xml><?xml version="1.0" encoding="utf-8"?>
+<p:sld xmlns:a="http://schemas.openxmlformats.org/drawingml/2006/main" xmlns:r="http://schemas.openxmlformats.org/officeDocument/2006/relationships" xmlns:p="http://schemas.openxmlformats.org/presentationml/2006/main">
+  <p:cSld>
+    <p:spTree>
+      <p:nvGrpSpPr>
+        <p:cNvPr id="1" name=""/>
+        <p:cNvGrpSpPr/>
+        <p:nvPr/>
+      </p:nvGrpSpPr>
+      <p:grpSpPr>
+        <a:xfrm>
+          <a:off x="0" y="0"/>
+          <a:ext cx="0" cy="0"/>
+          <a:chOff x="0" y="0"/>
+          <a:chExt cx="0" cy="0"/>
+        </a:xfrm>
+      </p:grpSpPr>
+      <p:sp>
+        <p:nvSpPr>
+          <p:cNvPr id="3" name="Title 2">
+            <a:extLst>
+              <a:ext uri="{FF2B5EF4-FFF2-40B4-BE49-F238E27FC236}">
+                <a16:creationId xmlns:a16="http://schemas.microsoft.com/office/drawing/2014/main" id="{F6BF800B-2D91-A844-B4B2-97273E94E563}"/>
+              </a:ext>
+            </a:extLst>
+          </p:cNvPr>
+          <p:cNvSpPr>
+            <a:spLocks noGrp="1"/>
+          </p:cNvSpPr>
+          <p:nvPr>
+            <p:ph type="title"/>
+          </p:nvPr>
+        </p:nvSpPr>
+        <p:spPr/>
+        <p:txBody>
+          <a:bodyPr>
+            <a:normAutofit/>
+          </a:bodyPr>
+          <a:lstStyle/>
+          <a:p>
+            <a:r>
+              <a:rPr lang="en-US" dirty="0"/>
+              <a:t>Fitur </a:t>
+            </a:r>
+            <a:r>
+              <a:rPr lang="en-US" dirty="0" err="1"/>
+              <a:t>Registrasi</a:t>
+            </a:r>
             <a:endParaRPr lang="en-US" dirty="0"/>
+          </a:p>
+        </p:txBody>
+      </p:sp>
+      <p:sp>
+        <p:nvSpPr>
+          <p:cNvPr id="4" name="Content Placeholder 3">
+            <a:extLst>
+              <a:ext uri="{FF2B5EF4-FFF2-40B4-BE49-F238E27FC236}">
+                <a16:creationId xmlns:a16="http://schemas.microsoft.com/office/drawing/2014/main" id="{258465F5-4312-2541-8368-01B99B3E9619}"/>
+              </a:ext>
+            </a:extLst>
+          </p:cNvPr>
+          <p:cNvSpPr>
+            <a:spLocks noGrp="1"/>
+          </p:cNvSpPr>
+          <p:nvPr>
+            <p:ph sz="quarter" idx="14"/>
+          </p:nvPr>
+        </p:nvSpPr>
+        <p:spPr/>
+        <p:txBody>
+          <a:bodyPr anchor="t"/>
+          <a:lstStyle/>
+          <a:p>
+            <a:pPr marL="342900" indent="-342900">
+              <a:buFont typeface="+mj-lt"/>
+              <a:buAutoNum type="arabicPeriod"/>
+            </a:pPr>
+            <a:r>
+              <a:rPr lang="en-US" dirty="0"/>
+              <a:t>Calon </a:t>
+            </a:r>
+            <a:r>
+              <a:rPr lang="en-US" dirty="0" err="1"/>
+              <a:t>pengguna</a:t>
+            </a:r>
+            <a:r>
+              <a:rPr lang="en-US" dirty="0"/>
+              <a:t> </a:t>
+            </a:r>
+            <a:r>
+              <a:rPr lang="en-US" dirty="0" err="1"/>
+              <a:t>dapat</a:t>
+            </a:r>
+            <a:r>
+              <a:rPr lang="en-US" dirty="0"/>
+              <a:t> </a:t>
+            </a:r>
+            <a:r>
+              <a:rPr lang="en-US" dirty="0" err="1"/>
+              <a:t>mendaftarkan</a:t>
+            </a:r>
+            <a:r>
+              <a:rPr lang="en-US" dirty="0"/>
+              <a:t> </a:t>
+            </a:r>
+            <a:r>
+              <a:rPr lang="en-US" dirty="0" err="1"/>
+              <a:t>diri</a:t>
+            </a:r>
+            <a:r>
+              <a:rPr lang="en-US" dirty="0"/>
+              <a:t> </a:t>
+            </a:r>
+            <a:r>
+              <a:rPr lang="en-US" dirty="0" err="1"/>
+              <a:t>sebagai</a:t>
+            </a:r>
+            <a:r>
+              <a:rPr lang="en-US" dirty="0"/>
+              <a:t> </a:t>
+            </a:r>
+            <a:r>
+              <a:rPr lang="en-US" dirty="0" err="1"/>
+              <a:t>pengguna</a:t>
+            </a:r>
+            <a:r>
+              <a:rPr lang="en-US" dirty="0"/>
+              <a:t> </a:t>
+            </a:r>
+            <a:r>
+              <a:rPr lang="en-US" dirty="0" err="1"/>
+              <a:t>baru</a:t>
+            </a:r>
+            <a:r>
+              <a:rPr lang="en-US" dirty="0"/>
+              <a:t> </a:t>
+            </a:r>
+            <a:r>
+              <a:rPr lang="en-US" dirty="0" err="1"/>
+              <a:t>dengan</a:t>
+            </a:r>
+            <a:r>
+              <a:rPr lang="en-US" dirty="0"/>
+              <a:t> </a:t>
+            </a:r>
+            <a:r>
+              <a:rPr lang="en-US" dirty="0" err="1"/>
+              <a:t>mengisi</a:t>
+            </a:r>
+            <a:r>
+              <a:rPr lang="en-US" dirty="0"/>
+              <a:t> </a:t>
+            </a:r>
+            <a:r>
+              <a:rPr lang="en-US" dirty="0" err="1"/>
+              <a:t>beberapa</a:t>
+            </a:r>
+            <a:r>
+              <a:rPr lang="en-US" dirty="0"/>
+              <a:t> </a:t>
+            </a:r>
+            <a:r>
+              <a:rPr lang="en-US" dirty="0" err="1"/>
+              <a:t>kolom</a:t>
+            </a:r>
+            <a:r>
+              <a:rPr lang="en-US" dirty="0"/>
+              <a:t> </a:t>
+            </a:r>
+            <a:r>
+              <a:rPr lang="en-US" dirty="0" err="1"/>
+              <a:t>formulir</a:t>
+            </a:r>
+            <a:r>
+              <a:rPr lang="en-US" dirty="0"/>
+              <a:t> </a:t>
+            </a:r>
+            <a:r>
+              <a:rPr lang="en-US" dirty="0" err="1"/>
+              <a:t>sebagai</a:t>
+            </a:r>
+            <a:r>
+              <a:rPr lang="en-US" dirty="0"/>
+              <a:t> </a:t>
+            </a:r>
+            <a:r>
+              <a:rPr lang="en-US" dirty="0" err="1"/>
+              <a:t>syarat</a:t>
+            </a:r>
+            <a:r>
+              <a:rPr lang="en-US" dirty="0"/>
+              <a:t> dan </a:t>
+            </a:r>
+            <a:r>
+              <a:rPr lang="en-US" dirty="0" err="1"/>
+              <a:t>kelengkapan</a:t>
+            </a:r>
+            <a:r>
+              <a:rPr lang="en-US" dirty="0"/>
+              <a:t> </a:t>
+            </a:r>
+            <a:r>
+              <a:rPr lang="en-US" dirty="0" err="1"/>
+              <a:t>sebelum</a:t>
+            </a:r>
+            <a:r>
+              <a:rPr lang="en-US" dirty="0"/>
+              <a:t> </a:t>
+            </a:r>
+            <a:r>
+              <a:rPr lang="en-US" dirty="0" err="1"/>
+              <a:t>memasuki</a:t>
+            </a:r>
+            <a:r>
+              <a:rPr lang="en-US" dirty="0"/>
+              <a:t> menu </a:t>
+            </a:r>
+            <a:r>
+              <a:rPr lang="en-US" dirty="0" err="1"/>
+              <a:t>utama</a:t>
+            </a:r>
+            <a:r>
+              <a:rPr lang="en-US" dirty="0"/>
+              <a:t>. </a:t>
+            </a:r>
           </a:p>
         </p:txBody>
       </p:sp>
@@ -13853,7 +16470,7 @@
 </p:sld>
 </file>
 
-<file path=ppt/slides/slide8.xml><?xml version="1.0" encoding="utf-8"?>
+<file path=ppt/slides/slide9.xml><?xml version="1.0" encoding="utf-8"?>
 <p:sld xmlns:a="http://schemas.openxmlformats.org/drawingml/2006/main" xmlns:r="http://schemas.openxmlformats.org/officeDocument/2006/relationships" xmlns:p="http://schemas.openxmlformats.org/presentationml/2006/main">
   <p:cSld>
     <p:spTree>
@@ -13918,14 +16535,257 @@
         </p:nvSpPr>
         <p:spPr/>
         <p:txBody>
-          <a:bodyPr/>
+          <a:bodyPr anchor="t"/>
           <a:lstStyle/>
           <a:p>
             <a:pPr marL="342900" indent="-342900">
               <a:buFont typeface="+mj-lt"/>
               <a:buAutoNum type="arabicPeriod"/>
             </a:pPr>
-            <a:endParaRPr lang="en-US" dirty="0"/>
+            <a:r>
+              <a:rPr lang="en-US" dirty="0"/>
+              <a:t>Halaman </a:t>
+            </a:r>
+            <a:r>
+              <a:rPr lang="en-US" dirty="0" err="1"/>
+              <a:t>utama</a:t>
+            </a:r>
+            <a:r>
+              <a:rPr lang="en-US" dirty="0"/>
+              <a:t> </a:t>
+            </a:r>
+            <a:r>
+              <a:rPr lang="en-US" dirty="0" err="1"/>
+              <a:t>berisikan</a:t>
+            </a:r>
+            <a:r>
+              <a:rPr lang="en-US" dirty="0"/>
+              <a:t> data </a:t>
+            </a:r>
+            <a:r>
+              <a:rPr lang="en-US" dirty="0" err="1"/>
+              <a:t>dari</a:t>
+            </a:r>
+            <a:r>
+              <a:rPr lang="en-US" dirty="0"/>
+              <a:t> </a:t>
+            </a:r>
+            <a:r>
+              <a:rPr lang="en-US" dirty="0" err="1"/>
+              <a:t>Tiga</a:t>
+            </a:r>
+            <a:r>
+              <a:rPr lang="en-US" dirty="0"/>
+              <a:t> </a:t>
+            </a:r>
+            <a:r>
+              <a:rPr lang="en-US" dirty="0" err="1"/>
+              <a:t>Pesanan</a:t>
+            </a:r>
+            <a:r>
+              <a:rPr lang="en-US" dirty="0"/>
+              <a:t> </a:t>
+            </a:r>
+            <a:r>
+              <a:rPr lang="en-US" dirty="0" err="1"/>
+              <a:t>Terakhir</a:t>
+            </a:r>
+            <a:r>
+              <a:rPr lang="en-US" dirty="0"/>
+              <a:t> dan </a:t>
+            </a:r>
+            <a:r>
+              <a:rPr lang="en-US" dirty="0" err="1"/>
+              <a:t>Berita</a:t>
+            </a:r>
+            <a:r>
+              <a:rPr lang="en-US" dirty="0"/>
+              <a:t> </a:t>
+            </a:r>
+            <a:r>
+              <a:rPr lang="en-US" dirty="0" err="1"/>
+              <a:t>Baru</a:t>
+            </a:r>
+            <a:r>
+              <a:rPr lang="en-US" dirty="0"/>
+              <a:t> </a:t>
+            </a:r>
+            <a:r>
+              <a:rPr lang="en-US" dirty="0" err="1"/>
+              <a:t>dari</a:t>
+            </a:r>
+            <a:r>
+              <a:rPr lang="en-US" dirty="0"/>
+              <a:t> </a:t>
+            </a:r>
+            <a:r>
+              <a:rPr lang="en-US" dirty="0" err="1"/>
+              <a:t>aplikasi</a:t>
+            </a:r>
+            <a:r>
+              <a:rPr lang="en-US" dirty="0"/>
+              <a:t>. </a:t>
+            </a:r>
+          </a:p>
+          <a:p>
+            <a:pPr marL="342900" indent="-342900">
+              <a:buFont typeface="+mj-lt"/>
+              <a:buAutoNum type="arabicPeriod"/>
+            </a:pPr>
+            <a:r>
+              <a:rPr lang="en-US" dirty="0" err="1"/>
+              <a:t>Untuk</a:t>
+            </a:r>
+            <a:r>
+              <a:rPr lang="en-US" dirty="0"/>
+              <a:t> </a:t>
+            </a:r>
+            <a:r>
+              <a:rPr lang="en-US" dirty="0" err="1"/>
+              <a:t>tampilan</a:t>
+            </a:r>
+            <a:r>
+              <a:rPr lang="en-US" dirty="0"/>
+              <a:t> Driver </a:t>
+            </a:r>
+            <a:r>
+              <a:rPr lang="en-US" dirty="0" err="1"/>
+              <a:t>terdapat</a:t>
+            </a:r>
+            <a:r>
+              <a:rPr lang="en-US" dirty="0"/>
+              <a:t> </a:t>
+            </a:r>
+            <a:r>
+              <a:rPr lang="en-US" dirty="0" err="1"/>
+              <a:t>sebuah</a:t>
+            </a:r>
+            <a:r>
+              <a:rPr lang="en-US" dirty="0"/>
+              <a:t> </a:t>
+            </a:r>
+            <a:r>
+              <a:rPr lang="en-US" dirty="0" err="1"/>
+              <a:t>Foto</a:t>
+            </a:r>
+            <a:r>
+              <a:rPr lang="en-US" dirty="0"/>
+              <a:t> </a:t>
+            </a:r>
+            <a:r>
+              <a:rPr lang="en-US" dirty="0" err="1"/>
+              <a:t>Profil</a:t>
+            </a:r>
+            <a:r>
+              <a:rPr lang="en-US" dirty="0"/>
+              <a:t>, Nama, </a:t>
+            </a:r>
+            <a:r>
+              <a:rPr lang="en-US" dirty="0" err="1"/>
+              <a:t>Jabatan</a:t>
+            </a:r>
+            <a:r>
+              <a:rPr lang="en-US" dirty="0"/>
+              <a:t>, Bintang </a:t>
+            </a:r>
+            <a:r>
+              <a:rPr lang="en-US" dirty="0" err="1"/>
+              <a:t>Penilaian</a:t>
+            </a:r>
+            <a:r>
+              <a:rPr lang="en-US" dirty="0"/>
+              <a:t>. </a:t>
+            </a:r>
+          </a:p>
+          <a:p>
+            <a:pPr marL="342900" indent="-342900">
+              <a:buFont typeface="+mj-lt"/>
+              <a:buAutoNum type="arabicPeriod"/>
+            </a:pPr>
+            <a:r>
+              <a:rPr lang="en-US" dirty="0"/>
+              <a:t>Di </a:t>
+            </a:r>
+            <a:r>
+              <a:rPr lang="en-US" dirty="0" err="1"/>
+              <a:t>bagian</a:t>
+            </a:r>
+            <a:r>
+              <a:rPr lang="en-US" dirty="0"/>
+              <a:t> </a:t>
+            </a:r>
+            <a:r>
+              <a:rPr lang="en-US" dirty="0" err="1"/>
+              <a:t>bawah</a:t>
+            </a:r>
+            <a:r>
+              <a:rPr lang="en-US" dirty="0"/>
+              <a:t> </a:t>
+            </a:r>
+            <a:r>
+              <a:rPr lang="en-US" dirty="0" err="1"/>
+              <a:t>terdapat</a:t>
+            </a:r>
+            <a:r>
+              <a:rPr lang="en-US" dirty="0"/>
+              <a:t> </a:t>
+            </a:r>
+            <a:r>
+              <a:rPr lang="en-US" dirty="0" err="1"/>
+              <a:t>papan</a:t>
+            </a:r>
+            <a:r>
+              <a:rPr lang="en-US" dirty="0"/>
+              <a:t> menu yang </a:t>
+            </a:r>
+            <a:r>
+              <a:rPr lang="en-US" dirty="0" err="1"/>
+              <a:t>terdiri</a:t>
+            </a:r>
+            <a:r>
+              <a:rPr lang="en-US" dirty="0"/>
+              <a:t> </a:t>
+            </a:r>
+            <a:r>
+              <a:rPr lang="en-US" dirty="0" err="1"/>
+              <a:t>dari</a:t>
+            </a:r>
+            <a:r>
+              <a:rPr lang="en-US" dirty="0"/>
+              <a:t> </a:t>
+            </a:r>
+            <a:r>
+              <a:rPr lang="en-US" dirty="0" err="1"/>
+              <a:t>Beranda</a:t>
+            </a:r>
+            <a:r>
+              <a:rPr lang="en-US" dirty="0"/>
+              <a:t>, Daftar </a:t>
+            </a:r>
+            <a:r>
+              <a:rPr lang="en-US" dirty="0" err="1"/>
+              <a:t>Pesanan</a:t>
+            </a:r>
+            <a:r>
+              <a:rPr lang="en-US" dirty="0"/>
+              <a:t>, </a:t>
+            </a:r>
+            <a:r>
+              <a:rPr lang="en-US" dirty="0" err="1"/>
+              <a:t>Pesanan</a:t>
+            </a:r>
+            <a:r>
+              <a:rPr lang="en-US" dirty="0"/>
+              <a:t>, Riwayat dan </a:t>
+            </a:r>
+            <a:r>
+              <a:rPr lang="en-US" dirty="0" err="1"/>
+              <a:t>Profil</a:t>
+            </a:r>
+            <a:r>
+              <a:rPr lang="en-US" dirty="0"/>
+              <a:t>. </a:t>
+            </a:r>
           </a:p>
         </p:txBody>
       </p:sp>
@@ -14085,282 +16945,6 @@
     <p:extLst>
       <p:ext uri="{BB962C8B-B14F-4D97-AF65-F5344CB8AC3E}">
         <p14:creationId xmlns:p14="http://schemas.microsoft.com/office/powerpoint/2010/main" val="665433359"/>
-      </p:ext>
-    </p:extLst>
-  </p:cSld>
-  <p:clrMapOvr>
-    <a:masterClrMapping/>
-  </p:clrMapOvr>
-</p:sld>
-</file>
-
-<file path=ppt/slides/slide9.xml><?xml version="1.0" encoding="utf-8"?>
-<p:sld xmlns:a="http://schemas.openxmlformats.org/drawingml/2006/main" xmlns:r="http://schemas.openxmlformats.org/officeDocument/2006/relationships" xmlns:p="http://schemas.openxmlformats.org/presentationml/2006/main">
-  <p:cSld>
-    <p:spTree>
-      <p:nvGrpSpPr>
-        <p:cNvPr id="1" name=""/>
-        <p:cNvGrpSpPr/>
-        <p:nvPr/>
-      </p:nvGrpSpPr>
-      <p:grpSpPr>
-        <a:xfrm>
-          <a:off x="0" y="0"/>
-          <a:ext cx="0" cy="0"/>
-          <a:chOff x="0" y="0"/>
-          <a:chExt cx="0" cy="0"/>
-        </a:xfrm>
-      </p:grpSpPr>
-      <p:sp>
-        <p:nvSpPr>
-          <p:cNvPr id="3" name="Title 2">
-            <a:extLst>
-              <a:ext uri="{FF2B5EF4-FFF2-40B4-BE49-F238E27FC236}">
-                <a16:creationId xmlns:a16="http://schemas.microsoft.com/office/drawing/2014/main" id="{F6BF800B-2D91-A844-B4B2-97273E94E563}"/>
-              </a:ext>
-            </a:extLst>
-          </p:cNvPr>
-          <p:cNvSpPr>
-            <a:spLocks noGrp="1"/>
-          </p:cNvSpPr>
-          <p:nvPr>
-            <p:ph type="title"/>
-          </p:nvPr>
-        </p:nvSpPr>
-        <p:spPr/>
-        <p:txBody>
-          <a:bodyPr>
-            <a:normAutofit/>
-          </a:bodyPr>
-          <a:lstStyle/>
-          <a:p>
-            <a:r>
-              <a:rPr lang="en-US" dirty="0"/>
-              <a:t>Fitur Daftar </a:t>
-            </a:r>
-            <a:r>
-              <a:rPr lang="en-US" dirty="0" err="1"/>
-              <a:t>Pesanan</a:t>
-            </a:r>
-            <a:endParaRPr lang="en-US" dirty="0"/>
-          </a:p>
-        </p:txBody>
-      </p:sp>
-      <p:sp>
-        <p:nvSpPr>
-          <p:cNvPr id="4" name="Content Placeholder 3">
-            <a:extLst>
-              <a:ext uri="{FF2B5EF4-FFF2-40B4-BE49-F238E27FC236}">
-                <a16:creationId xmlns:a16="http://schemas.microsoft.com/office/drawing/2014/main" id="{258465F5-4312-2541-8368-01B99B3E9619}"/>
-              </a:ext>
-            </a:extLst>
-          </p:cNvPr>
-          <p:cNvSpPr>
-            <a:spLocks noGrp="1"/>
-          </p:cNvSpPr>
-          <p:nvPr>
-            <p:ph sz="quarter" idx="14"/>
-          </p:nvPr>
-        </p:nvSpPr>
-        <p:spPr/>
-        <p:txBody>
-          <a:bodyPr/>
-          <a:lstStyle/>
-          <a:p>
-            <a:pPr marL="342900" indent="-342900">
-              <a:buFont typeface="+mj-lt"/>
-              <a:buAutoNum type="arabicPeriod"/>
-            </a:pPr>
-            <a:endParaRPr lang="en-US" dirty="0"/>
-          </a:p>
-        </p:txBody>
-      </p:sp>
-      <p:sp>
-        <p:nvSpPr>
-          <p:cNvPr id="16" name="TextBox 15">
-            <a:extLst>
-              <a:ext uri="{FF2B5EF4-FFF2-40B4-BE49-F238E27FC236}">
-                <a16:creationId xmlns:a16="http://schemas.microsoft.com/office/drawing/2014/main" id="{E3F6DAC6-7F78-4B8F-8679-D04D60BBCB94}"/>
-              </a:ext>
-            </a:extLst>
-          </p:cNvPr>
-          <p:cNvSpPr txBox="1"/>
-          <p:nvPr/>
-        </p:nvSpPr>
-        <p:spPr>
-          <a:xfrm>
-            <a:off x="657851" y="5391710"/>
-            <a:ext cx="1117344" cy="369332"/>
-          </a:xfrm>
-          <a:prstGeom prst="rect">
-            <a:avLst/>
-          </a:prstGeom>
-          <a:noFill/>
-        </p:spPr>
-        <p:txBody>
-          <a:bodyPr wrap="square" rtlCol="0">
-            <a:spAutoFit/>
-          </a:bodyPr>
-          <a:lstStyle/>
-          <a:p>
-            <a:pPr algn="ctr"/>
-            <a:r>
-              <a:rPr lang="en-US" dirty="0"/>
-              <a:t>Customer</a:t>
-            </a:r>
-            <a:endParaRPr lang="en-ID" dirty="0"/>
-          </a:p>
-        </p:txBody>
-      </p:sp>
-      <p:sp>
-        <p:nvSpPr>
-          <p:cNvPr id="17" name="TextBox 16">
-            <a:extLst>
-              <a:ext uri="{FF2B5EF4-FFF2-40B4-BE49-F238E27FC236}">
-                <a16:creationId xmlns:a16="http://schemas.microsoft.com/office/drawing/2014/main" id="{8AF7402C-6C43-42E4-9C2B-D20C74B90995}"/>
-              </a:ext>
-            </a:extLst>
-          </p:cNvPr>
-          <p:cNvSpPr txBox="1"/>
-          <p:nvPr/>
-        </p:nvSpPr>
-        <p:spPr>
-          <a:xfrm>
-            <a:off x="2994008" y="5391710"/>
-            <a:ext cx="805052" cy="369332"/>
-          </a:xfrm>
-          <a:prstGeom prst="rect">
-            <a:avLst/>
-          </a:prstGeom>
-          <a:noFill/>
-        </p:spPr>
-        <p:txBody>
-          <a:bodyPr wrap="square" rtlCol="0">
-            <a:spAutoFit/>
-          </a:bodyPr>
-          <a:lstStyle/>
-          <a:p>
-            <a:pPr algn="ctr"/>
-            <a:r>
-              <a:rPr lang="en-US" dirty="0"/>
-              <a:t>Driver</a:t>
-            </a:r>
-            <a:endParaRPr lang="en-ID" dirty="0"/>
-          </a:p>
-        </p:txBody>
-      </p:sp>
-      <p:pic>
-        <p:nvPicPr>
-          <p:cNvPr id="8" name="Picture 7">
-            <a:extLst>
-              <a:ext uri="{FF2B5EF4-FFF2-40B4-BE49-F238E27FC236}">
-                <a16:creationId xmlns:a16="http://schemas.microsoft.com/office/drawing/2014/main" id="{AAC55765-3FD7-412F-808C-51249DD9BC73}"/>
-              </a:ext>
-            </a:extLst>
-          </p:cNvPr>
-          <p:cNvPicPr/>
-          <p:nvPr/>
-        </p:nvPicPr>
-        <p:blipFill>
-          <a:blip r:embed="rId2" cstate="print">
-            <a:extLst>
-              <a:ext uri="{28A0092B-C50C-407E-A947-70E740481C1C}">
-                <a14:useLocalDpi xmlns:a14="http://schemas.microsoft.com/office/drawing/2010/main" val="0"/>
-              </a:ext>
-            </a:extLst>
-          </a:blip>
-          <a:srcRect/>
-          <a:stretch>
-            <a:fillRect/>
-          </a:stretch>
-        </p:blipFill>
-        <p:spPr bwMode="auto">
-          <a:xfrm>
-            <a:off x="117001" y="702156"/>
-            <a:ext cx="2186742" cy="4689554"/>
-          </a:xfrm>
-          <a:prstGeom prst="rect">
-            <a:avLst/>
-          </a:prstGeom>
-          <a:noFill/>
-          <a:ln>
-            <a:noFill/>
-          </a:ln>
-        </p:spPr>
-      </p:pic>
-      <p:pic>
-        <p:nvPicPr>
-          <p:cNvPr id="11" name="Picture 10">
-            <a:extLst>
-              <a:ext uri="{FF2B5EF4-FFF2-40B4-BE49-F238E27FC236}">
-                <a16:creationId xmlns:a16="http://schemas.microsoft.com/office/drawing/2014/main" id="{2ED994F8-7CAE-4872-9956-97BE02A00212}"/>
-              </a:ext>
-            </a:extLst>
-          </p:cNvPr>
-          <p:cNvPicPr/>
-          <p:nvPr/>
-        </p:nvPicPr>
-        <p:blipFill>
-          <a:blip r:embed="rId3" cstate="print">
-            <a:extLst>
-              <a:ext uri="{28A0092B-C50C-407E-A947-70E740481C1C}">
-                <a14:useLocalDpi xmlns:a14="http://schemas.microsoft.com/office/drawing/2010/main" val="0"/>
-              </a:ext>
-            </a:extLst>
-          </a:blip>
-          <a:srcRect/>
-          <a:stretch>
-            <a:fillRect/>
-          </a:stretch>
-        </p:blipFill>
-        <p:spPr bwMode="auto">
-          <a:xfrm>
-            <a:off x="2303743" y="702156"/>
-            <a:ext cx="2186350" cy="4689554"/>
-          </a:xfrm>
-          <a:prstGeom prst="rect">
-            <a:avLst/>
-          </a:prstGeom>
-          <a:noFill/>
-          <a:ln>
-            <a:noFill/>
-          </a:ln>
-        </p:spPr>
-      </p:pic>
-      <p:pic>
-        <p:nvPicPr>
-          <p:cNvPr id="5" name="Picture 4">
-            <a:extLst>
-              <a:ext uri="{FF2B5EF4-FFF2-40B4-BE49-F238E27FC236}">
-                <a16:creationId xmlns:a16="http://schemas.microsoft.com/office/drawing/2014/main" id="{684EBD67-42CE-42EF-9128-71A092A05B20}"/>
-              </a:ext>
-            </a:extLst>
-          </p:cNvPr>
-          <p:cNvPicPr>
-            <a:picLocks noChangeAspect="1"/>
-          </p:cNvPicPr>
-          <p:nvPr/>
-        </p:nvPicPr>
-        <p:blipFill>
-          <a:blip r:embed="rId4"/>
-          <a:stretch>
-            <a:fillRect/>
-          </a:stretch>
-        </p:blipFill>
-        <p:spPr>
-          <a:xfrm>
-            <a:off x="4490485" y="4476265"/>
-            <a:ext cx="2186350" cy="2270441"/>
-          </a:xfrm>
-          <a:prstGeom prst="rect">
-            <a:avLst/>
-          </a:prstGeom>
-        </p:spPr>
-      </p:pic>
-    </p:spTree>
-    <p:extLst>
-      <p:ext uri="{BB962C8B-B14F-4D97-AF65-F5344CB8AC3E}">
-        <p14:creationId xmlns:p14="http://schemas.microsoft.com/office/powerpoint/2010/main" val="3643141342"/>
       </p:ext>
     </p:extLst>
   </p:cSld>
